--- a/presentation_1st.pptx
+++ b/presentation_1st.pptx
@@ -5,13 +5,14 @@
     <p:sldMasterId id="2147483675" r:id="rId1"/>
   </p:sldMasterIdLst>
   <p:notesMasterIdLst>
-    <p:notesMasterId r:id="rId6"/>
+    <p:notesMasterId r:id="rId7"/>
   </p:notesMasterIdLst>
   <p:sldIdLst>
     <p:sldId id="256" r:id="rId2"/>
     <p:sldId id="268" r:id="rId3"/>
     <p:sldId id="269" r:id="rId4"/>
-    <p:sldId id="267" r:id="rId5"/>
+    <p:sldId id="270" r:id="rId5"/>
+    <p:sldId id="267" r:id="rId6"/>
   </p:sldIdLst>
   <p:sldSz cx="18288000" cy="13716000"/>
   <p:notesSz cx="6858000" cy="9144000"/>
@@ -216,7 +217,7 @@
           <a:p>
             <a:fld id="{5AB360EB-EED5-E74A-9E1B-64442734BBCE}" type="datetimeFigureOut">
               <a:rPr kumimoji="1" lang="ja-JP" altLang="en-US" smtClean="0"/>
-              <a:t>2018/4/25</a:t>
+              <a:t>2018/4/26</a:t>
             </a:fld>
             <a:endParaRPr kumimoji="1" lang="ja-JP" altLang="en-US"/>
           </a:p>
@@ -713,7 +714,7 @@
           <a:p>
             <a:fld id="{946C4969-FCF6-9A4B-A014-2759BD8276AA}" type="datetime1">
               <a:rPr lang="ja-JP" altLang="en-US" smtClean="0"/>
-              <a:t>2018/4/25</a:t>
+              <a:t>2018/4/26</a:t>
             </a:fld>
             <a:endParaRPr lang="ja-JP" altLang="en-US"/>
           </a:p>
@@ -995,7 +996,7 @@
           <a:p>
             <a:fld id="{C873D902-A6A2-3E4F-84E4-DAFA7714B07D}" type="datetime1">
               <a:rPr kumimoji="1" lang="ja-JP" altLang="en-US" smtClean="0"/>
-              <a:t>2018/4/25</a:t>
+              <a:t>2018/4/26</a:t>
             </a:fld>
             <a:endParaRPr kumimoji="1" lang="ja-JP" altLang="en-US"/>
           </a:p>
@@ -1205,7 +1206,7 @@
           <a:p>
             <a:fld id="{4CDECCDF-310C-374D-BB94-D136190EAB42}" type="datetime1">
               <a:rPr kumimoji="1" lang="ja-JP" altLang="en-US" smtClean="0"/>
-              <a:t>2018/4/25</a:t>
+              <a:t>2018/4/26</a:t>
             </a:fld>
             <a:endParaRPr kumimoji="1" lang="ja-JP" altLang="en-US"/>
           </a:p>
@@ -1425,7 +1426,7 @@
           <a:p>
             <a:fld id="{74AA985E-1DBC-D74B-BF22-84B5E59DA9AB}" type="datetime1">
               <a:rPr kumimoji="1" lang="ja-JP" altLang="en-US" smtClean="0"/>
-              <a:t>2018/4/25</a:t>
+              <a:t>2018/4/26</a:t>
             </a:fld>
             <a:endParaRPr kumimoji="1" lang="ja-JP" altLang="en-US"/>
           </a:p>
@@ -1528,7 +1529,7 @@
           <a:p>
             <a:fld id="{BA7AA989-C6B8-3949-9280-88DA60BA6993}" type="datetime1">
               <a:rPr lang="ja-JP" altLang="en-US" smtClean="0"/>
-              <a:t>2018/4/25</a:t>
+              <a:t>2018/4/26</a:t>
             </a:fld>
             <a:endParaRPr lang="ja-JP" altLang="en-US"/>
           </a:p>
@@ -1828,7 +1829,7 @@
           <a:p>
             <a:fld id="{3F1F6298-E70F-6E41-95A4-202B038AE5AD}" type="datetime1">
               <a:rPr lang="ja-JP" altLang="en-US" smtClean="0"/>
-              <a:t>2018/4/25</a:t>
+              <a:t>2018/4/26</a:t>
             </a:fld>
             <a:endParaRPr lang="ja-JP" altLang="en-US"/>
           </a:p>
@@ -1977,7 +1978,7 @@
           <a:p>
             <a:fld id="{F407E6D9-35D5-3345-B114-7ABEB4B75DB7}" type="datetime1">
               <a:rPr kumimoji="1" lang="ja-JP" altLang="en-US" smtClean="0"/>
-              <a:t>2018/4/25</a:t>
+              <a:t>2018/4/26</a:t>
             </a:fld>
             <a:endParaRPr kumimoji="1" lang="ja-JP" altLang="en-US"/>
           </a:p>
@@ -2733,7 +2734,7 @@
           <a:p>
             <a:fld id="{81C6AF7C-E2A8-CC4E-BEDD-195A92C7E78A}" type="datetime1">
               <a:rPr kumimoji="1" lang="ja-JP" altLang="en-US" smtClean="0"/>
-              <a:t>2018/4/25</a:t>
+              <a:t>2018/4/26</a:t>
             </a:fld>
             <a:endParaRPr kumimoji="1" lang="ja-JP" altLang="en-US"/>
           </a:p>
@@ -3172,7 +3173,7 @@
           <a:p>
             <a:fld id="{FFDFA01E-E751-9841-8567-37F3714B0EC9}" type="datetime1">
               <a:rPr kumimoji="1" lang="ja-JP" altLang="en-US" smtClean="0"/>
-              <a:t>2018/4/25</a:t>
+              <a:t>2018/4/26</a:t>
             </a:fld>
             <a:endParaRPr kumimoji="1" lang="ja-JP" altLang="en-US"/>
           </a:p>
@@ -3298,7 +3299,7 @@
           <a:p>
             <a:fld id="{FFE5F467-EA1E-D94C-8F22-55DE350C1503}" type="datetime1">
               <a:rPr kumimoji="1" lang="ja-JP" altLang="en-US" smtClean="0"/>
-              <a:t>2018/4/25</a:t>
+              <a:t>2018/4/26</a:t>
             </a:fld>
             <a:endParaRPr kumimoji="1" lang="ja-JP" altLang="en-US"/>
           </a:p>
@@ -3401,7 +3402,7 @@
           <a:p>
             <a:fld id="{0B52674B-24C5-DF4D-AB73-4F3AFCA25A4F}" type="datetime1">
               <a:rPr kumimoji="1" lang="ja-JP" altLang="en-US" smtClean="0"/>
-              <a:t>2018/4/25</a:t>
+              <a:t>2018/4/26</a:t>
             </a:fld>
             <a:endParaRPr kumimoji="1" lang="ja-JP" altLang="en-US"/>
           </a:p>
@@ -3718,7 +3719,7 @@
           <a:p>
             <a:fld id="{3150F9DA-753E-254A-B6B9-BE70954A2BBF}" type="datetime1">
               <a:rPr kumimoji="1" lang="ja-JP" altLang="en-US" smtClean="0"/>
-              <a:t>2018/4/25</a:t>
+              <a:t>2018/4/26</a:t>
             </a:fld>
             <a:endParaRPr kumimoji="1" lang="ja-JP" altLang="en-US"/>
           </a:p>
@@ -4096,7 +4097,7 @@
           <a:p>
             <a:fld id="{F72E23FF-C487-5547-8AED-A8A9B893E0C0}" type="datetime1">
               <a:rPr lang="ja-JP" altLang="en-US" smtClean="0"/>
-              <a:t>2018/4/25</a:t>
+              <a:t>2018/4/26</a:t>
             </a:fld>
             <a:endParaRPr lang="ja-JP" altLang="en-US"/>
           </a:p>
@@ -4639,7 +4640,7 @@
           <a:p>
             <a:fld id="{6C1C55C2-9AF4-654D-9969-8A67901B3DA3}" type="datetime1">
               <a:rPr lang="ja-JP" altLang="en-US" smtClean="0"/>
-              <a:t>2018/4/25</a:t>
+              <a:t>2018/4/26</a:t>
             </a:fld>
             <a:endParaRPr lang="ja-JP" altLang="en-US"/>
           </a:p>
@@ -4761,7 +4762,7 @@
           <a:p>
             <a:fld id="{2716A096-282C-054E-93D6-6FCA6F3CFD24}" type="datetime1">
               <a:rPr lang="ja-JP" altLang="en-US" smtClean="0"/>
-              <a:t>2018/4/25</a:t>
+              <a:t>2018/4/26</a:t>
             </a:fld>
             <a:endParaRPr lang="ja-JP" altLang="en-US"/>
           </a:p>
@@ -4881,9 +4882,10 @@
           <a:lstStyle/>
           <a:p>
             <a:r>
-              <a:rPr kumimoji="1" lang="ja-JP" altLang="en-US"/>
-              <a:t>背景</a:t>
-            </a:r>
+              <a:rPr lang="ja-JP" altLang="en-US"/>
+              <a:t>はじめに</a:t>
+            </a:r>
+            <a:endParaRPr kumimoji="1" lang="ja-JP" altLang="en-US"/>
           </a:p>
         </p:txBody>
       </p:sp>
@@ -5795,13 +5797,8 @@
           <a:p>
             <a:r>
               <a:rPr lang="ja-JP" altLang="en-US"/>
-              <a:t>レベル</a:t>
-            </a:r>
-            <a:r>
-              <a:rPr lang="en-US" altLang="ja-JP" dirty="0"/>
-              <a:t>1</a:t>
-            </a:r>
-            <a:endParaRPr lang="ja-JP" altLang="en-US"/>
+              <a:t>背景</a:t>
+            </a:r>
           </a:p>
         </p:txBody>
       </p:sp>
@@ -5858,7 +5855,7 @@
           <a:p>
             <a:fld id="{E987203A-5B41-5648-8157-822A487E08FC}" type="datetime1">
               <a:rPr lang="ja-JP" altLang="en-US" smtClean="0"/>
-              <a:t>2018/4/25</a:t>
+              <a:t>2018/4/26</a:t>
             </a:fld>
             <a:endParaRPr lang="ja-JP" altLang="en-US"/>
           </a:p>
@@ -5978,8 +5975,1240 @@
           <a:lstStyle/>
           <a:p>
             <a:r>
-              <a:rPr kumimoji="1" lang="ja-JP" altLang="en-US"/>
-              <a:t>背景</a:t>
+              <a:rPr lang="ja-JP" altLang="en-US"/>
+              <a:t>実験</a:t>
+            </a:r>
+            <a:endParaRPr kumimoji="1" lang="ja-JP" altLang="en-US"/>
+          </a:p>
+        </p:txBody>
+      </p:sp>
+      <p:grpSp>
+        <p:nvGrpSpPr>
+          <p:cNvPr id="7" name="グループ化 6">
+            <a:extLst>
+              <a:ext uri="{FF2B5EF4-FFF2-40B4-BE49-F238E27FC236}">
+                <a16:creationId xmlns:a16="http://schemas.microsoft.com/office/drawing/2014/main" id="{F8338825-4221-E148-A389-BAB1DC0ADD53}"/>
+              </a:ext>
+            </a:extLst>
+          </p:cNvPr>
+          <p:cNvGrpSpPr/>
+          <p:nvPr/>
+        </p:nvGrpSpPr>
+        <p:grpSpPr>
+          <a:xfrm>
+            <a:off x="289330" y="1413298"/>
+            <a:ext cx="2160000" cy="934436"/>
+            <a:chOff x="144665" y="525617"/>
+            <a:chExt cx="1080000" cy="467218"/>
+          </a:xfrm>
+        </p:grpSpPr>
+        <p:sp>
+          <p:nvSpPr>
+            <p:cNvPr id="8" name="正方形/長方形 7">
+              <a:extLst>
+                <a:ext uri="{FF2B5EF4-FFF2-40B4-BE49-F238E27FC236}">
+                  <a16:creationId xmlns:a16="http://schemas.microsoft.com/office/drawing/2014/main" id="{0E268681-EBDD-6B46-A968-4A957382FC63}"/>
+                </a:ext>
+              </a:extLst>
+            </p:cNvPr>
+            <p:cNvSpPr/>
+            <p:nvPr userDrawn="1"/>
+          </p:nvSpPr>
+          <p:spPr>
+            <a:xfrm>
+              <a:off x="145524" y="542424"/>
+              <a:ext cx="91081" cy="450411"/>
+            </a:xfrm>
+            <a:prstGeom prst="rect">
+              <a:avLst/>
+            </a:prstGeom>
+            <a:solidFill>
+              <a:schemeClr val="accent1"/>
+            </a:solidFill>
+            <a:ln>
+              <a:noFill/>
+            </a:ln>
+          </p:spPr>
+          <p:style>
+            <a:lnRef idx="2">
+              <a:schemeClr val="accent1">
+                <a:shade val="50000"/>
+              </a:schemeClr>
+            </a:lnRef>
+            <a:fillRef idx="1">
+              <a:schemeClr val="accent1"/>
+            </a:fillRef>
+            <a:effectRef idx="0">
+              <a:schemeClr val="accent1"/>
+            </a:effectRef>
+            <a:fontRef idx="minor">
+              <a:schemeClr val="lt1"/>
+            </a:fontRef>
+          </p:style>
+          <p:txBody>
+            <a:bodyPr rot="0" spcFirstLastPara="0" vertOverflow="overflow" horzOverflow="overflow" vert="horz" wrap="square" lIns="68580" tIns="34290" rIns="68580" bIns="34290" numCol="1" spcCol="0" rtlCol="0" fromWordArt="0" anchor="ctr" anchorCtr="0" forceAA="0" compatLnSpc="1">
+              <a:prstTxWarp prst="textNoShape">
+                <a:avLst/>
+              </a:prstTxWarp>
+              <a:noAutofit/>
+            </a:bodyPr>
+            <a:lstStyle/>
+            <a:p>
+              <a:pPr algn="ctr"/>
+              <a:endParaRPr kumimoji="1" lang="ja-JP" altLang="en-US" sz="2700"/>
+            </a:p>
+          </p:txBody>
+        </p:sp>
+        <p:sp>
+          <p:nvSpPr>
+            <p:cNvPr id="9" name="正方形/長方形 8">
+              <a:extLst>
+                <a:ext uri="{FF2B5EF4-FFF2-40B4-BE49-F238E27FC236}">
+                  <a16:creationId xmlns:a16="http://schemas.microsoft.com/office/drawing/2014/main" id="{3FAD45B4-C2FE-CA41-B80D-D3EA8853BBC9}"/>
+                </a:ext>
+              </a:extLst>
+            </p:cNvPr>
+            <p:cNvSpPr/>
+            <p:nvPr userDrawn="1"/>
+          </p:nvSpPr>
+          <p:spPr>
+            <a:xfrm>
+              <a:off x="144665" y="525617"/>
+              <a:ext cx="1080000" cy="16137"/>
+            </a:xfrm>
+            <a:prstGeom prst="rect">
+              <a:avLst/>
+            </a:prstGeom>
+            <a:solidFill>
+              <a:schemeClr val="accent1"/>
+            </a:solidFill>
+            <a:ln>
+              <a:noFill/>
+            </a:ln>
+          </p:spPr>
+          <p:style>
+            <a:lnRef idx="2">
+              <a:schemeClr val="accent1">
+                <a:shade val="50000"/>
+              </a:schemeClr>
+            </a:lnRef>
+            <a:fillRef idx="1">
+              <a:schemeClr val="accent1"/>
+            </a:fillRef>
+            <a:effectRef idx="0">
+              <a:schemeClr val="accent1"/>
+            </a:effectRef>
+            <a:fontRef idx="minor">
+              <a:schemeClr val="lt1"/>
+            </a:fontRef>
+          </p:style>
+          <p:txBody>
+            <a:bodyPr rot="0" spcFirstLastPara="0" vertOverflow="overflow" horzOverflow="overflow" vert="horz" wrap="square" lIns="68580" tIns="34290" rIns="68580" bIns="34290" numCol="1" spcCol="0" rtlCol="0" fromWordArt="0" anchor="ctr" anchorCtr="0" forceAA="0" compatLnSpc="1">
+              <a:prstTxWarp prst="textNoShape">
+                <a:avLst/>
+              </a:prstTxWarp>
+              <a:noAutofit/>
+            </a:bodyPr>
+            <a:lstStyle/>
+            <a:p>
+              <a:pPr algn="ctr"/>
+              <a:endParaRPr kumimoji="1" lang="ja-JP" altLang="en-US" sz="2700"/>
+            </a:p>
+          </p:txBody>
+        </p:sp>
+      </p:grpSp>
+      <p:grpSp>
+        <p:nvGrpSpPr>
+          <p:cNvPr id="10" name="グループ化 9">
+            <a:extLst>
+              <a:ext uri="{FF2B5EF4-FFF2-40B4-BE49-F238E27FC236}">
+                <a16:creationId xmlns:a16="http://schemas.microsoft.com/office/drawing/2014/main" id="{16BF773A-C7D0-4047-93D7-93F6E4FD7F4C}"/>
+              </a:ext>
+            </a:extLst>
+          </p:cNvPr>
+          <p:cNvGrpSpPr/>
+          <p:nvPr/>
+        </p:nvGrpSpPr>
+        <p:grpSpPr>
+          <a:xfrm>
+            <a:off x="617232" y="2557358"/>
+            <a:ext cx="539448" cy="487368"/>
+            <a:chOff x="400056" y="1061560"/>
+            <a:chExt cx="269724" cy="243684"/>
+          </a:xfrm>
+        </p:grpSpPr>
+        <p:sp>
+          <p:nvSpPr>
+            <p:cNvPr id="11" name="三角形 10">
+              <a:extLst>
+                <a:ext uri="{FF2B5EF4-FFF2-40B4-BE49-F238E27FC236}">
+                  <a16:creationId xmlns:a16="http://schemas.microsoft.com/office/drawing/2014/main" id="{B837EC6D-DFF8-7343-B171-EF2CF1C28D4B}"/>
+                </a:ext>
+              </a:extLst>
+            </p:cNvPr>
+            <p:cNvSpPr/>
+            <p:nvPr userDrawn="1"/>
+          </p:nvSpPr>
+          <p:spPr>
+            <a:xfrm rot="5400000">
+              <a:off x="359835" y="1105015"/>
+              <a:ext cx="240450" cy="160008"/>
+            </a:xfrm>
+            <a:prstGeom prst="triangle">
+              <a:avLst/>
+            </a:prstGeom>
+            <a:solidFill>
+              <a:schemeClr val="accent1"/>
+            </a:solidFill>
+            <a:ln>
+              <a:noFill/>
+            </a:ln>
+          </p:spPr>
+          <p:style>
+            <a:lnRef idx="0">
+              <a:scrgbClr r="0" g="0" b="0"/>
+            </a:lnRef>
+            <a:fillRef idx="0">
+              <a:scrgbClr r="0" g="0" b="0"/>
+            </a:fillRef>
+            <a:effectRef idx="0">
+              <a:scrgbClr r="0" g="0" b="0"/>
+            </a:effectRef>
+            <a:fontRef idx="minor">
+              <a:schemeClr val="lt1"/>
+            </a:fontRef>
+          </p:style>
+          <p:txBody>
+            <a:bodyPr rtlCol="0" anchor="ctr"/>
+            <a:lstStyle/>
+            <a:p>
+              <a:pPr algn="ctr"/>
+              <a:endParaRPr kumimoji="1" lang="ja-JP" altLang="en-US" sz="7200"/>
+            </a:p>
+          </p:txBody>
+        </p:sp>
+        <p:sp>
+          <p:nvSpPr>
+            <p:cNvPr id="12" name="三角形 11">
+              <a:extLst>
+                <a:ext uri="{FF2B5EF4-FFF2-40B4-BE49-F238E27FC236}">
+                  <a16:creationId xmlns:a16="http://schemas.microsoft.com/office/drawing/2014/main" id="{232D445D-4D73-1242-8CD4-8C96A74E87A6}"/>
+                </a:ext>
+              </a:extLst>
+            </p:cNvPr>
+            <p:cNvSpPr/>
+            <p:nvPr userDrawn="1"/>
+          </p:nvSpPr>
+          <p:spPr>
+            <a:xfrm rot="5400000">
+              <a:off x="469551" y="1101781"/>
+              <a:ext cx="240450" cy="160008"/>
+            </a:xfrm>
+            <a:prstGeom prst="triangle">
+              <a:avLst/>
+            </a:prstGeom>
+            <a:solidFill>
+              <a:schemeClr val="accent1"/>
+            </a:solidFill>
+            <a:ln>
+              <a:noFill/>
+            </a:ln>
+          </p:spPr>
+          <p:style>
+            <a:lnRef idx="0">
+              <a:scrgbClr r="0" g="0" b="0"/>
+            </a:lnRef>
+            <a:fillRef idx="0">
+              <a:scrgbClr r="0" g="0" b="0"/>
+            </a:fillRef>
+            <a:effectRef idx="0">
+              <a:scrgbClr r="0" g="0" b="0"/>
+            </a:effectRef>
+            <a:fontRef idx="minor">
+              <a:schemeClr val="lt1"/>
+            </a:fontRef>
+          </p:style>
+          <p:txBody>
+            <a:bodyPr rtlCol="0" anchor="ctr"/>
+            <a:lstStyle/>
+            <a:p>
+              <a:pPr algn="ctr"/>
+              <a:endParaRPr kumimoji="1" lang="ja-JP" altLang="en-US" sz="7200"/>
+            </a:p>
+          </p:txBody>
+        </p:sp>
+      </p:grpSp>
+      <p:sp>
+        <p:nvSpPr>
+          <p:cNvPr id="13" name="三角形 12">
+            <a:extLst>
+              <a:ext uri="{FF2B5EF4-FFF2-40B4-BE49-F238E27FC236}">
+                <a16:creationId xmlns:a16="http://schemas.microsoft.com/office/drawing/2014/main" id="{170F5D20-7DA5-BE40-86C8-63D00B931690}"/>
+              </a:ext>
+            </a:extLst>
+          </p:cNvPr>
+          <p:cNvSpPr/>
+          <p:nvPr/>
+        </p:nvSpPr>
+        <p:spPr>
+          <a:xfrm rot="5400000">
+            <a:off x="1076238" y="3361776"/>
+            <a:ext cx="480900" cy="320016"/>
+          </a:xfrm>
+          <a:prstGeom prst="triangle">
+            <a:avLst/>
+          </a:prstGeom>
+          <a:solidFill>
+            <a:schemeClr val="accent1"/>
+          </a:solidFill>
+          <a:ln>
+            <a:noFill/>
+          </a:ln>
+        </p:spPr>
+        <p:style>
+          <a:lnRef idx="0">
+            <a:scrgbClr r="0" g="0" b="0"/>
+          </a:lnRef>
+          <a:fillRef idx="0">
+            <a:scrgbClr r="0" g="0" b="0"/>
+          </a:fillRef>
+          <a:effectRef idx="0">
+            <a:scrgbClr r="0" g="0" b="0"/>
+          </a:effectRef>
+          <a:fontRef idx="minor">
+            <a:schemeClr val="lt1"/>
+          </a:fontRef>
+        </p:style>
+        <p:txBody>
+          <a:bodyPr rtlCol="0" anchor="ctr"/>
+          <a:lstStyle/>
+          <a:p>
+            <a:pPr algn="ctr"/>
+            <a:endParaRPr kumimoji="1" lang="ja-JP" altLang="en-US" sz="7200"/>
+          </a:p>
+        </p:txBody>
+      </p:sp>
+      <p:sp>
+        <p:nvSpPr>
+          <p:cNvPr id="14" name="テキスト プレースホルダー 27">
+            <a:extLst>
+              <a:ext uri="{FF2B5EF4-FFF2-40B4-BE49-F238E27FC236}">
+                <a16:creationId xmlns:a16="http://schemas.microsoft.com/office/drawing/2014/main" id="{236C3152-D60C-3843-9B3D-307DB2A0E4A4}"/>
+              </a:ext>
+            </a:extLst>
+          </p:cNvPr>
+          <p:cNvSpPr txBox="1">
+            <a:spLocks/>
+          </p:cNvSpPr>
+          <p:nvPr/>
+        </p:nvSpPr>
+        <p:spPr>
+          <a:xfrm>
+            <a:off x="1254486" y="2484733"/>
+            <a:ext cx="16632960" cy="997834"/>
+          </a:xfrm>
+          <a:prstGeom prst="rect">
+            <a:avLst/>
+          </a:prstGeom>
+        </p:spPr>
+        <p:txBody>
+          <a:bodyPr>
+            <a:normAutofit/>
+          </a:bodyPr>
+          <a:lstStyle>
+            <a:lvl1pPr marL="0" indent="0" algn="l" defTabSz="1828800" rtl="0" eaLnBrk="1" latinLnBrk="0" hangingPunct="1">
+              <a:lnSpc>
+                <a:spcPct val="90000"/>
+              </a:lnSpc>
+              <a:spcBef>
+                <a:spcPts val="2000"/>
+              </a:spcBef>
+              <a:buFont typeface="Arial" panose="020B0604020202020204" pitchFamily="34" charset="0"/>
+              <a:buNone/>
+              <a:defRPr kumimoji="1" sz="4800" kern="1200">
+                <a:solidFill>
+                  <a:srgbClr val="424242"/>
+                </a:solidFill>
+                <a:latin typeface="+mn-lt"/>
+                <a:ea typeface="+mn-ea"/>
+                <a:cs typeface="+mn-cs"/>
+              </a:defRPr>
+            </a:lvl1pPr>
+            <a:lvl2pPr marL="1371600" indent="-457200" algn="l" defTabSz="1828800" rtl="0" eaLnBrk="1" latinLnBrk="0" hangingPunct="1">
+              <a:lnSpc>
+                <a:spcPct val="90000"/>
+              </a:lnSpc>
+              <a:spcBef>
+                <a:spcPts val="1000"/>
+              </a:spcBef>
+              <a:buFont typeface="Arial" panose="020B0604020202020204" pitchFamily="34" charset="0"/>
+              <a:buChar char="•"/>
+              <a:defRPr kumimoji="1" sz="4800" kern="1200">
+                <a:solidFill>
+                  <a:schemeClr val="tx1"/>
+                </a:solidFill>
+                <a:latin typeface="+mn-lt"/>
+                <a:ea typeface="+mn-ea"/>
+                <a:cs typeface="+mn-cs"/>
+              </a:defRPr>
+            </a:lvl2pPr>
+            <a:lvl3pPr marL="2286000" indent="-457200" algn="l" defTabSz="1828800" rtl="0" eaLnBrk="1" latinLnBrk="0" hangingPunct="1">
+              <a:lnSpc>
+                <a:spcPct val="90000"/>
+              </a:lnSpc>
+              <a:spcBef>
+                <a:spcPts val="1000"/>
+              </a:spcBef>
+              <a:buFont typeface="Arial" panose="020B0604020202020204" pitchFamily="34" charset="0"/>
+              <a:buChar char="•"/>
+              <a:defRPr kumimoji="1" sz="4000" kern="1200">
+                <a:solidFill>
+                  <a:schemeClr val="tx1"/>
+                </a:solidFill>
+                <a:latin typeface="+mn-lt"/>
+                <a:ea typeface="+mn-ea"/>
+                <a:cs typeface="+mn-cs"/>
+              </a:defRPr>
+            </a:lvl3pPr>
+            <a:lvl4pPr marL="3200400" indent="-457200" algn="l" defTabSz="1828800" rtl="0" eaLnBrk="1" latinLnBrk="0" hangingPunct="1">
+              <a:lnSpc>
+                <a:spcPct val="90000"/>
+              </a:lnSpc>
+              <a:spcBef>
+                <a:spcPts val="1000"/>
+              </a:spcBef>
+              <a:buFont typeface="Arial" panose="020B0604020202020204" pitchFamily="34" charset="0"/>
+              <a:buChar char="•"/>
+              <a:defRPr kumimoji="1" sz="3600" kern="1200">
+                <a:solidFill>
+                  <a:schemeClr val="tx1"/>
+                </a:solidFill>
+                <a:latin typeface="+mn-lt"/>
+                <a:ea typeface="+mn-ea"/>
+                <a:cs typeface="+mn-cs"/>
+              </a:defRPr>
+            </a:lvl4pPr>
+            <a:lvl5pPr marL="4114800" indent="-457200" algn="l" defTabSz="1828800" rtl="0" eaLnBrk="1" latinLnBrk="0" hangingPunct="1">
+              <a:lnSpc>
+                <a:spcPct val="90000"/>
+              </a:lnSpc>
+              <a:spcBef>
+                <a:spcPts val="1000"/>
+              </a:spcBef>
+              <a:buFont typeface="Arial" panose="020B0604020202020204" pitchFamily="34" charset="0"/>
+              <a:buChar char="•"/>
+              <a:defRPr kumimoji="1" sz="3600" kern="1200">
+                <a:solidFill>
+                  <a:schemeClr val="tx1"/>
+                </a:solidFill>
+                <a:latin typeface="+mn-lt"/>
+                <a:ea typeface="+mn-ea"/>
+                <a:cs typeface="+mn-cs"/>
+              </a:defRPr>
+            </a:lvl5pPr>
+            <a:lvl6pPr marL="5029200" indent="-457200" algn="l" defTabSz="1828800" rtl="0" eaLnBrk="1" latinLnBrk="0" hangingPunct="1">
+              <a:lnSpc>
+                <a:spcPct val="90000"/>
+              </a:lnSpc>
+              <a:spcBef>
+                <a:spcPts val="1000"/>
+              </a:spcBef>
+              <a:buFont typeface="Arial" panose="020B0604020202020204" pitchFamily="34" charset="0"/>
+              <a:buChar char="•"/>
+              <a:defRPr kumimoji="1" sz="3600" kern="1200">
+                <a:solidFill>
+                  <a:schemeClr val="tx1"/>
+                </a:solidFill>
+                <a:latin typeface="+mn-lt"/>
+                <a:ea typeface="+mn-ea"/>
+                <a:cs typeface="+mn-cs"/>
+              </a:defRPr>
+            </a:lvl6pPr>
+            <a:lvl7pPr marL="5943600" indent="-457200" algn="l" defTabSz="1828800" rtl="0" eaLnBrk="1" latinLnBrk="0" hangingPunct="1">
+              <a:lnSpc>
+                <a:spcPct val="90000"/>
+              </a:lnSpc>
+              <a:spcBef>
+                <a:spcPts val="1000"/>
+              </a:spcBef>
+              <a:buFont typeface="Arial" panose="020B0604020202020204" pitchFamily="34" charset="0"/>
+              <a:buChar char="•"/>
+              <a:defRPr kumimoji="1" sz="3600" kern="1200">
+                <a:solidFill>
+                  <a:schemeClr val="tx1"/>
+                </a:solidFill>
+                <a:latin typeface="+mn-lt"/>
+                <a:ea typeface="+mn-ea"/>
+                <a:cs typeface="+mn-cs"/>
+              </a:defRPr>
+            </a:lvl7pPr>
+            <a:lvl8pPr marL="6858000" indent="-457200" algn="l" defTabSz="1828800" rtl="0" eaLnBrk="1" latinLnBrk="0" hangingPunct="1">
+              <a:lnSpc>
+                <a:spcPct val="90000"/>
+              </a:lnSpc>
+              <a:spcBef>
+                <a:spcPts val="1000"/>
+              </a:spcBef>
+              <a:buFont typeface="Arial" panose="020B0604020202020204" pitchFamily="34" charset="0"/>
+              <a:buChar char="•"/>
+              <a:defRPr kumimoji="1" sz="3600" kern="1200">
+                <a:solidFill>
+                  <a:schemeClr val="tx1"/>
+                </a:solidFill>
+                <a:latin typeface="+mn-lt"/>
+                <a:ea typeface="+mn-ea"/>
+                <a:cs typeface="+mn-cs"/>
+              </a:defRPr>
+            </a:lvl8pPr>
+            <a:lvl9pPr marL="7772400" indent="-457200" algn="l" defTabSz="1828800" rtl="0" eaLnBrk="1" latinLnBrk="0" hangingPunct="1">
+              <a:lnSpc>
+                <a:spcPct val="90000"/>
+              </a:lnSpc>
+              <a:spcBef>
+                <a:spcPts val="1000"/>
+              </a:spcBef>
+              <a:buFont typeface="Arial" panose="020B0604020202020204" pitchFamily="34" charset="0"/>
+              <a:buChar char="•"/>
+              <a:defRPr kumimoji="1" sz="3600" kern="1200">
+                <a:solidFill>
+                  <a:schemeClr val="tx1"/>
+                </a:solidFill>
+                <a:latin typeface="+mn-lt"/>
+                <a:ea typeface="+mn-ea"/>
+                <a:cs typeface="+mn-cs"/>
+              </a:defRPr>
+            </a:lvl9pPr>
+          </a:lstStyle>
+          <a:p>
+            <a:r>
+              <a:rPr lang="ja-JP" altLang="en-US"/>
+              <a:t>参加者は携帯の委託販売者として交渉を実施</a:t>
+            </a:r>
+          </a:p>
+        </p:txBody>
+      </p:sp>
+      <p:sp>
+        <p:nvSpPr>
+          <p:cNvPr id="15" name="テキスト プレースホルダー 29">
+            <a:extLst>
+              <a:ext uri="{FF2B5EF4-FFF2-40B4-BE49-F238E27FC236}">
+                <a16:creationId xmlns:a16="http://schemas.microsoft.com/office/drawing/2014/main" id="{EBDED935-8261-6749-B78E-892B57BDE922}"/>
+              </a:ext>
+            </a:extLst>
+          </p:cNvPr>
+          <p:cNvSpPr txBox="1">
+            <a:spLocks/>
+          </p:cNvSpPr>
+          <p:nvPr/>
+        </p:nvSpPr>
+        <p:spPr>
+          <a:xfrm>
+            <a:off x="1568600" y="3246502"/>
+            <a:ext cx="16135964" cy="853994"/>
+          </a:xfrm>
+          <a:prstGeom prst="rect">
+            <a:avLst/>
+          </a:prstGeom>
+        </p:spPr>
+        <p:txBody>
+          <a:bodyPr>
+            <a:normAutofit/>
+          </a:bodyPr>
+          <a:lstStyle>
+            <a:lvl1pPr marL="0" indent="0" algn="l" defTabSz="1828800" rtl="0" eaLnBrk="1" latinLnBrk="0" hangingPunct="1">
+              <a:lnSpc>
+                <a:spcPct val="90000"/>
+              </a:lnSpc>
+              <a:spcBef>
+                <a:spcPts val="2000"/>
+              </a:spcBef>
+              <a:buFont typeface="Arial" panose="020B0604020202020204" pitchFamily="34" charset="0"/>
+              <a:buNone/>
+              <a:defRPr kumimoji="1" sz="4000" kern="1200">
+                <a:solidFill>
+                  <a:srgbClr val="424242"/>
+                </a:solidFill>
+                <a:latin typeface="+mn-lt"/>
+                <a:ea typeface="+mn-ea"/>
+                <a:cs typeface="+mn-cs"/>
+              </a:defRPr>
+            </a:lvl1pPr>
+            <a:lvl2pPr marL="1371600" indent="-457200" algn="l" defTabSz="1828800" rtl="0" eaLnBrk="1" latinLnBrk="0" hangingPunct="1">
+              <a:lnSpc>
+                <a:spcPct val="90000"/>
+              </a:lnSpc>
+              <a:spcBef>
+                <a:spcPts val="1000"/>
+              </a:spcBef>
+              <a:buFont typeface="Arial" panose="020B0604020202020204" pitchFamily="34" charset="0"/>
+              <a:buChar char="•"/>
+              <a:defRPr kumimoji="1" sz="4800" kern="1200">
+                <a:solidFill>
+                  <a:schemeClr val="tx1"/>
+                </a:solidFill>
+                <a:latin typeface="+mn-lt"/>
+                <a:ea typeface="+mn-ea"/>
+                <a:cs typeface="+mn-cs"/>
+              </a:defRPr>
+            </a:lvl2pPr>
+            <a:lvl3pPr marL="2286000" indent="-457200" algn="l" defTabSz="1828800" rtl="0" eaLnBrk="1" latinLnBrk="0" hangingPunct="1">
+              <a:lnSpc>
+                <a:spcPct val="90000"/>
+              </a:lnSpc>
+              <a:spcBef>
+                <a:spcPts val="1000"/>
+              </a:spcBef>
+              <a:buFont typeface="Arial" panose="020B0604020202020204" pitchFamily="34" charset="0"/>
+              <a:buChar char="•"/>
+              <a:defRPr kumimoji="1" sz="4000" kern="1200">
+                <a:solidFill>
+                  <a:schemeClr val="tx1"/>
+                </a:solidFill>
+                <a:latin typeface="+mn-lt"/>
+                <a:ea typeface="+mn-ea"/>
+                <a:cs typeface="+mn-cs"/>
+              </a:defRPr>
+            </a:lvl3pPr>
+            <a:lvl4pPr marL="3200400" indent="-457200" algn="l" defTabSz="1828800" rtl="0" eaLnBrk="1" latinLnBrk="0" hangingPunct="1">
+              <a:lnSpc>
+                <a:spcPct val="90000"/>
+              </a:lnSpc>
+              <a:spcBef>
+                <a:spcPts val="1000"/>
+              </a:spcBef>
+              <a:buFont typeface="Arial" panose="020B0604020202020204" pitchFamily="34" charset="0"/>
+              <a:buChar char="•"/>
+              <a:defRPr kumimoji="1" sz="3600" kern="1200">
+                <a:solidFill>
+                  <a:schemeClr val="tx1"/>
+                </a:solidFill>
+                <a:latin typeface="+mn-lt"/>
+                <a:ea typeface="+mn-ea"/>
+                <a:cs typeface="+mn-cs"/>
+              </a:defRPr>
+            </a:lvl4pPr>
+            <a:lvl5pPr marL="4114800" indent="-457200" algn="l" defTabSz="1828800" rtl="0" eaLnBrk="1" latinLnBrk="0" hangingPunct="1">
+              <a:lnSpc>
+                <a:spcPct val="90000"/>
+              </a:lnSpc>
+              <a:spcBef>
+                <a:spcPts val="1000"/>
+              </a:spcBef>
+              <a:buFont typeface="Arial" panose="020B0604020202020204" pitchFamily="34" charset="0"/>
+              <a:buChar char="•"/>
+              <a:defRPr kumimoji="1" sz="3600" kern="1200">
+                <a:solidFill>
+                  <a:schemeClr val="tx1"/>
+                </a:solidFill>
+                <a:latin typeface="+mn-lt"/>
+                <a:ea typeface="+mn-ea"/>
+                <a:cs typeface="+mn-cs"/>
+              </a:defRPr>
+            </a:lvl5pPr>
+            <a:lvl6pPr marL="5029200" indent="-457200" algn="l" defTabSz="1828800" rtl="0" eaLnBrk="1" latinLnBrk="0" hangingPunct="1">
+              <a:lnSpc>
+                <a:spcPct val="90000"/>
+              </a:lnSpc>
+              <a:spcBef>
+                <a:spcPts val="1000"/>
+              </a:spcBef>
+              <a:buFont typeface="Arial" panose="020B0604020202020204" pitchFamily="34" charset="0"/>
+              <a:buChar char="•"/>
+              <a:defRPr kumimoji="1" sz="3600" kern="1200">
+                <a:solidFill>
+                  <a:schemeClr val="tx1"/>
+                </a:solidFill>
+                <a:latin typeface="+mn-lt"/>
+                <a:ea typeface="+mn-ea"/>
+                <a:cs typeface="+mn-cs"/>
+              </a:defRPr>
+            </a:lvl6pPr>
+            <a:lvl7pPr marL="5943600" indent="-457200" algn="l" defTabSz="1828800" rtl="0" eaLnBrk="1" latinLnBrk="0" hangingPunct="1">
+              <a:lnSpc>
+                <a:spcPct val="90000"/>
+              </a:lnSpc>
+              <a:spcBef>
+                <a:spcPts val="1000"/>
+              </a:spcBef>
+              <a:buFont typeface="Arial" panose="020B0604020202020204" pitchFamily="34" charset="0"/>
+              <a:buChar char="•"/>
+              <a:defRPr kumimoji="1" sz="3600" kern="1200">
+                <a:solidFill>
+                  <a:schemeClr val="tx1"/>
+                </a:solidFill>
+                <a:latin typeface="+mn-lt"/>
+                <a:ea typeface="+mn-ea"/>
+                <a:cs typeface="+mn-cs"/>
+              </a:defRPr>
+            </a:lvl7pPr>
+            <a:lvl8pPr marL="6858000" indent="-457200" algn="l" defTabSz="1828800" rtl="0" eaLnBrk="1" latinLnBrk="0" hangingPunct="1">
+              <a:lnSpc>
+                <a:spcPct val="90000"/>
+              </a:lnSpc>
+              <a:spcBef>
+                <a:spcPts val="1000"/>
+              </a:spcBef>
+              <a:buFont typeface="Arial" panose="020B0604020202020204" pitchFamily="34" charset="0"/>
+              <a:buChar char="•"/>
+              <a:defRPr kumimoji="1" sz="3600" kern="1200">
+                <a:solidFill>
+                  <a:schemeClr val="tx1"/>
+                </a:solidFill>
+                <a:latin typeface="+mn-lt"/>
+                <a:ea typeface="+mn-ea"/>
+                <a:cs typeface="+mn-cs"/>
+              </a:defRPr>
+            </a:lvl8pPr>
+            <a:lvl9pPr marL="7772400" indent="-457200" algn="l" defTabSz="1828800" rtl="0" eaLnBrk="1" latinLnBrk="0" hangingPunct="1">
+              <a:lnSpc>
+                <a:spcPct val="90000"/>
+              </a:lnSpc>
+              <a:spcBef>
+                <a:spcPts val="1000"/>
+              </a:spcBef>
+              <a:buFont typeface="Arial" panose="020B0604020202020204" pitchFamily="34" charset="0"/>
+              <a:buChar char="•"/>
+              <a:defRPr kumimoji="1" sz="3600" kern="1200">
+                <a:solidFill>
+                  <a:schemeClr val="tx1"/>
+                </a:solidFill>
+                <a:latin typeface="+mn-lt"/>
+                <a:ea typeface="+mn-ea"/>
+                <a:cs typeface="+mn-cs"/>
+              </a:defRPr>
+            </a:lvl9pPr>
+          </a:lstStyle>
+          <a:p>
+            <a:r>
+              <a:rPr lang="ja-JP" altLang="en-US"/>
+              <a:t>金額・保証期間・契約サービスの継続</a:t>
+            </a:r>
+          </a:p>
+        </p:txBody>
+      </p:sp>
+      <p:sp>
+        <p:nvSpPr>
+          <p:cNvPr id="16" name="テキスト プレースホルダー 30">
+            <a:extLst>
+              <a:ext uri="{FF2B5EF4-FFF2-40B4-BE49-F238E27FC236}">
+                <a16:creationId xmlns:a16="http://schemas.microsoft.com/office/drawing/2014/main" id="{CF9CB3BE-4D25-544D-BF6B-6A8CDD76E2D9}"/>
+              </a:ext>
+            </a:extLst>
+          </p:cNvPr>
+          <p:cNvSpPr txBox="1">
+            <a:spLocks/>
+          </p:cNvSpPr>
+          <p:nvPr/>
+        </p:nvSpPr>
+        <p:spPr>
+          <a:xfrm>
+            <a:off x="571049" y="1583871"/>
+            <a:ext cx="17302163" cy="1403350"/>
+          </a:xfrm>
+          <a:prstGeom prst="rect">
+            <a:avLst/>
+          </a:prstGeom>
+        </p:spPr>
+        <p:txBody>
+          <a:bodyPr>
+            <a:normAutofit/>
+          </a:bodyPr>
+          <a:lstStyle>
+            <a:lvl1pPr marL="0" indent="0" algn="l" defTabSz="1828800" rtl="0" eaLnBrk="1" latinLnBrk="0" hangingPunct="1">
+              <a:lnSpc>
+                <a:spcPct val="90000"/>
+              </a:lnSpc>
+              <a:spcBef>
+                <a:spcPts val="2000"/>
+              </a:spcBef>
+              <a:buFont typeface="Arial" panose="020B0604020202020204" pitchFamily="34" charset="0"/>
+              <a:buNone/>
+              <a:defRPr kumimoji="1" sz="6000" kern="1200">
+                <a:solidFill>
+                  <a:schemeClr val="tx1"/>
+                </a:solidFill>
+                <a:latin typeface="+mn-lt"/>
+                <a:ea typeface="+mn-ea"/>
+                <a:cs typeface="+mn-cs"/>
+              </a:defRPr>
+            </a:lvl1pPr>
+            <a:lvl2pPr marL="1371600" indent="-457200" algn="l" defTabSz="1828800" rtl="0" eaLnBrk="1" latinLnBrk="0" hangingPunct="1">
+              <a:lnSpc>
+                <a:spcPct val="90000"/>
+              </a:lnSpc>
+              <a:spcBef>
+                <a:spcPts val="1000"/>
+              </a:spcBef>
+              <a:buFont typeface="Arial" panose="020B0604020202020204" pitchFamily="34" charset="0"/>
+              <a:buChar char="•"/>
+              <a:defRPr kumimoji="1" sz="4800" kern="1200">
+                <a:solidFill>
+                  <a:schemeClr val="tx1"/>
+                </a:solidFill>
+                <a:latin typeface="+mn-lt"/>
+                <a:ea typeface="+mn-ea"/>
+                <a:cs typeface="+mn-cs"/>
+              </a:defRPr>
+            </a:lvl2pPr>
+            <a:lvl3pPr marL="2286000" indent="-457200" algn="l" defTabSz="1828800" rtl="0" eaLnBrk="1" latinLnBrk="0" hangingPunct="1">
+              <a:lnSpc>
+                <a:spcPct val="90000"/>
+              </a:lnSpc>
+              <a:spcBef>
+                <a:spcPts val="1000"/>
+              </a:spcBef>
+              <a:buFont typeface="Arial" panose="020B0604020202020204" pitchFamily="34" charset="0"/>
+              <a:buChar char="•"/>
+              <a:defRPr kumimoji="1" sz="4000" kern="1200">
+                <a:solidFill>
+                  <a:schemeClr val="tx1"/>
+                </a:solidFill>
+                <a:latin typeface="+mn-lt"/>
+                <a:ea typeface="+mn-ea"/>
+                <a:cs typeface="+mn-cs"/>
+              </a:defRPr>
+            </a:lvl3pPr>
+            <a:lvl4pPr marL="3200400" indent="-457200" algn="l" defTabSz="1828800" rtl="0" eaLnBrk="1" latinLnBrk="0" hangingPunct="1">
+              <a:lnSpc>
+                <a:spcPct val="90000"/>
+              </a:lnSpc>
+              <a:spcBef>
+                <a:spcPts val="1000"/>
+              </a:spcBef>
+              <a:buFont typeface="Arial" panose="020B0604020202020204" pitchFamily="34" charset="0"/>
+              <a:buChar char="•"/>
+              <a:defRPr kumimoji="1" sz="3600" kern="1200">
+                <a:solidFill>
+                  <a:schemeClr val="tx1"/>
+                </a:solidFill>
+                <a:latin typeface="+mn-lt"/>
+                <a:ea typeface="+mn-ea"/>
+                <a:cs typeface="+mn-cs"/>
+              </a:defRPr>
+            </a:lvl4pPr>
+            <a:lvl5pPr marL="4114800" indent="-457200" algn="l" defTabSz="1828800" rtl="0" eaLnBrk="1" latinLnBrk="0" hangingPunct="1">
+              <a:lnSpc>
+                <a:spcPct val="90000"/>
+              </a:lnSpc>
+              <a:spcBef>
+                <a:spcPts val="1000"/>
+              </a:spcBef>
+              <a:buFont typeface="Arial" panose="020B0604020202020204" pitchFamily="34" charset="0"/>
+              <a:buChar char="•"/>
+              <a:defRPr kumimoji="1" sz="3600" kern="1200">
+                <a:solidFill>
+                  <a:schemeClr val="tx1"/>
+                </a:solidFill>
+                <a:latin typeface="+mn-lt"/>
+                <a:ea typeface="+mn-ea"/>
+                <a:cs typeface="+mn-cs"/>
+              </a:defRPr>
+            </a:lvl5pPr>
+            <a:lvl6pPr marL="5029200" indent="-457200" algn="l" defTabSz="1828800" rtl="0" eaLnBrk="1" latinLnBrk="0" hangingPunct="1">
+              <a:lnSpc>
+                <a:spcPct val="90000"/>
+              </a:lnSpc>
+              <a:spcBef>
+                <a:spcPts val="1000"/>
+              </a:spcBef>
+              <a:buFont typeface="Arial" panose="020B0604020202020204" pitchFamily="34" charset="0"/>
+              <a:buChar char="•"/>
+              <a:defRPr kumimoji="1" sz="3600" kern="1200">
+                <a:solidFill>
+                  <a:schemeClr val="tx1"/>
+                </a:solidFill>
+                <a:latin typeface="+mn-lt"/>
+                <a:ea typeface="+mn-ea"/>
+                <a:cs typeface="+mn-cs"/>
+              </a:defRPr>
+            </a:lvl6pPr>
+            <a:lvl7pPr marL="5943600" indent="-457200" algn="l" defTabSz="1828800" rtl="0" eaLnBrk="1" latinLnBrk="0" hangingPunct="1">
+              <a:lnSpc>
+                <a:spcPct val="90000"/>
+              </a:lnSpc>
+              <a:spcBef>
+                <a:spcPts val="1000"/>
+              </a:spcBef>
+              <a:buFont typeface="Arial" panose="020B0604020202020204" pitchFamily="34" charset="0"/>
+              <a:buChar char="•"/>
+              <a:defRPr kumimoji="1" sz="3600" kern="1200">
+                <a:solidFill>
+                  <a:schemeClr val="tx1"/>
+                </a:solidFill>
+                <a:latin typeface="+mn-lt"/>
+                <a:ea typeface="+mn-ea"/>
+                <a:cs typeface="+mn-cs"/>
+              </a:defRPr>
+            </a:lvl7pPr>
+            <a:lvl8pPr marL="6858000" indent="-457200" algn="l" defTabSz="1828800" rtl="0" eaLnBrk="1" latinLnBrk="0" hangingPunct="1">
+              <a:lnSpc>
+                <a:spcPct val="90000"/>
+              </a:lnSpc>
+              <a:spcBef>
+                <a:spcPts val="1000"/>
+              </a:spcBef>
+              <a:buFont typeface="Arial" panose="020B0604020202020204" pitchFamily="34" charset="0"/>
+              <a:buChar char="•"/>
+              <a:defRPr kumimoji="1" sz="3600" kern="1200">
+                <a:solidFill>
+                  <a:schemeClr val="tx1"/>
+                </a:solidFill>
+                <a:latin typeface="+mn-lt"/>
+                <a:ea typeface="+mn-ea"/>
+                <a:cs typeface="+mn-cs"/>
+              </a:defRPr>
+            </a:lvl8pPr>
+            <a:lvl9pPr marL="7772400" indent="-457200" algn="l" defTabSz="1828800" rtl="0" eaLnBrk="1" latinLnBrk="0" hangingPunct="1">
+              <a:lnSpc>
+                <a:spcPct val="90000"/>
+              </a:lnSpc>
+              <a:spcBef>
+                <a:spcPts val="1000"/>
+              </a:spcBef>
+              <a:buFont typeface="Arial" panose="020B0604020202020204" pitchFamily="34" charset="0"/>
+              <a:buChar char="•"/>
+              <a:defRPr kumimoji="1" sz="3600" kern="1200">
+                <a:solidFill>
+                  <a:schemeClr val="tx1"/>
+                </a:solidFill>
+                <a:latin typeface="+mn-lt"/>
+                <a:ea typeface="+mn-ea"/>
+                <a:cs typeface="+mn-cs"/>
+              </a:defRPr>
+            </a:lvl9pPr>
+          </a:lstStyle>
+          <a:p>
+            <a:r>
+              <a:rPr lang="ja-JP" altLang="en-US"/>
+              <a:t>交渉タスク</a:t>
+            </a:r>
+          </a:p>
+        </p:txBody>
+      </p:sp>
+      <p:grpSp>
+        <p:nvGrpSpPr>
+          <p:cNvPr id="17" name="グループ化 16">
+            <a:extLst>
+              <a:ext uri="{FF2B5EF4-FFF2-40B4-BE49-F238E27FC236}">
+                <a16:creationId xmlns:a16="http://schemas.microsoft.com/office/drawing/2014/main" id="{0D9F7940-8D1A-7442-8202-59FA04673BC1}"/>
+              </a:ext>
+            </a:extLst>
+          </p:cNvPr>
+          <p:cNvGrpSpPr/>
+          <p:nvPr/>
+        </p:nvGrpSpPr>
+        <p:grpSpPr>
+          <a:xfrm>
+            <a:off x="617232" y="4090838"/>
+            <a:ext cx="539448" cy="487368"/>
+            <a:chOff x="400056" y="1061560"/>
+            <a:chExt cx="269724" cy="243684"/>
+          </a:xfrm>
+        </p:grpSpPr>
+        <p:sp>
+          <p:nvSpPr>
+            <p:cNvPr id="18" name="三角形 17">
+              <a:extLst>
+                <a:ext uri="{FF2B5EF4-FFF2-40B4-BE49-F238E27FC236}">
+                  <a16:creationId xmlns:a16="http://schemas.microsoft.com/office/drawing/2014/main" id="{30129A96-4E6F-C846-918A-3A7EC6350E75}"/>
+                </a:ext>
+              </a:extLst>
+            </p:cNvPr>
+            <p:cNvSpPr/>
+            <p:nvPr userDrawn="1"/>
+          </p:nvSpPr>
+          <p:spPr>
+            <a:xfrm rot="5400000">
+              <a:off x="359835" y="1105015"/>
+              <a:ext cx="240450" cy="160008"/>
+            </a:xfrm>
+            <a:prstGeom prst="triangle">
+              <a:avLst/>
+            </a:prstGeom>
+            <a:solidFill>
+              <a:schemeClr val="accent1"/>
+            </a:solidFill>
+            <a:ln>
+              <a:noFill/>
+            </a:ln>
+          </p:spPr>
+          <p:style>
+            <a:lnRef idx="0">
+              <a:scrgbClr r="0" g="0" b="0"/>
+            </a:lnRef>
+            <a:fillRef idx="0">
+              <a:scrgbClr r="0" g="0" b="0"/>
+            </a:fillRef>
+            <a:effectRef idx="0">
+              <a:scrgbClr r="0" g="0" b="0"/>
+            </a:effectRef>
+            <a:fontRef idx="minor">
+              <a:schemeClr val="lt1"/>
+            </a:fontRef>
+          </p:style>
+          <p:txBody>
+            <a:bodyPr rtlCol="0" anchor="ctr"/>
+            <a:lstStyle/>
+            <a:p>
+              <a:pPr algn="ctr"/>
+              <a:endParaRPr kumimoji="1" lang="ja-JP" altLang="en-US" sz="7200"/>
+            </a:p>
+          </p:txBody>
+        </p:sp>
+        <p:sp>
+          <p:nvSpPr>
+            <p:cNvPr id="19" name="三角形 18">
+              <a:extLst>
+                <a:ext uri="{FF2B5EF4-FFF2-40B4-BE49-F238E27FC236}">
+                  <a16:creationId xmlns:a16="http://schemas.microsoft.com/office/drawing/2014/main" id="{AC84945F-0458-1848-B13E-71B95C56D670}"/>
+                </a:ext>
+              </a:extLst>
+            </p:cNvPr>
+            <p:cNvSpPr/>
+            <p:nvPr userDrawn="1"/>
+          </p:nvSpPr>
+          <p:spPr>
+            <a:xfrm rot="5400000">
+              <a:off x="469551" y="1101781"/>
+              <a:ext cx="240450" cy="160008"/>
+            </a:xfrm>
+            <a:prstGeom prst="triangle">
+              <a:avLst/>
+            </a:prstGeom>
+            <a:solidFill>
+              <a:schemeClr val="accent1"/>
+            </a:solidFill>
+            <a:ln>
+              <a:noFill/>
+            </a:ln>
+          </p:spPr>
+          <p:style>
+            <a:lnRef idx="0">
+              <a:scrgbClr r="0" g="0" b="0"/>
+            </a:lnRef>
+            <a:fillRef idx="0">
+              <a:scrgbClr r="0" g="0" b="0"/>
+            </a:fillRef>
+            <a:effectRef idx="0">
+              <a:scrgbClr r="0" g="0" b="0"/>
+            </a:effectRef>
+            <a:fontRef idx="minor">
+              <a:schemeClr val="lt1"/>
+            </a:fontRef>
+          </p:style>
+          <p:txBody>
+            <a:bodyPr rtlCol="0" anchor="ctr"/>
+            <a:lstStyle/>
+            <a:p>
+              <a:pPr algn="ctr"/>
+              <a:endParaRPr kumimoji="1" lang="ja-JP" altLang="en-US" sz="7200"/>
+            </a:p>
+          </p:txBody>
+        </p:sp>
+      </p:grpSp>
+      <p:sp>
+        <p:nvSpPr>
+          <p:cNvPr id="20" name="テキスト プレースホルダー 27">
+            <a:extLst>
+              <a:ext uri="{FF2B5EF4-FFF2-40B4-BE49-F238E27FC236}">
+                <a16:creationId xmlns:a16="http://schemas.microsoft.com/office/drawing/2014/main" id="{A684D9A0-DC94-FB4F-A70E-B1A8B3E8B725}"/>
+              </a:ext>
+            </a:extLst>
+          </p:cNvPr>
+          <p:cNvSpPr txBox="1">
+            <a:spLocks/>
+          </p:cNvSpPr>
+          <p:nvPr/>
+        </p:nvSpPr>
+        <p:spPr>
+          <a:xfrm>
+            <a:off x="1254486" y="4018213"/>
+            <a:ext cx="16632960" cy="997834"/>
+          </a:xfrm>
+          <a:prstGeom prst="rect">
+            <a:avLst/>
+          </a:prstGeom>
+        </p:spPr>
+        <p:txBody>
+          <a:bodyPr>
+            <a:normAutofit/>
+          </a:bodyPr>
+          <a:lstStyle>
+            <a:lvl1pPr marL="0" indent="0" algn="l" defTabSz="1828800" rtl="0" eaLnBrk="1" latinLnBrk="0" hangingPunct="1">
+              <a:lnSpc>
+                <a:spcPct val="90000"/>
+              </a:lnSpc>
+              <a:spcBef>
+                <a:spcPts val="2000"/>
+              </a:spcBef>
+              <a:buFont typeface="Arial" panose="020B0604020202020204" pitchFamily="34" charset="0"/>
+              <a:buNone/>
+              <a:defRPr kumimoji="1" sz="4800" kern="1200">
+                <a:solidFill>
+                  <a:srgbClr val="424242"/>
+                </a:solidFill>
+                <a:latin typeface="+mn-lt"/>
+                <a:ea typeface="+mn-ea"/>
+                <a:cs typeface="+mn-cs"/>
+              </a:defRPr>
+            </a:lvl1pPr>
+            <a:lvl2pPr marL="1371600" indent="-457200" algn="l" defTabSz="1828800" rtl="0" eaLnBrk="1" latinLnBrk="0" hangingPunct="1">
+              <a:lnSpc>
+                <a:spcPct val="90000"/>
+              </a:lnSpc>
+              <a:spcBef>
+                <a:spcPts val="1000"/>
+              </a:spcBef>
+              <a:buFont typeface="Arial" panose="020B0604020202020204" pitchFamily="34" charset="0"/>
+              <a:buChar char="•"/>
+              <a:defRPr kumimoji="1" sz="4800" kern="1200">
+                <a:solidFill>
+                  <a:schemeClr val="tx1"/>
+                </a:solidFill>
+                <a:latin typeface="+mn-lt"/>
+                <a:ea typeface="+mn-ea"/>
+                <a:cs typeface="+mn-cs"/>
+              </a:defRPr>
+            </a:lvl2pPr>
+            <a:lvl3pPr marL="2286000" indent="-457200" algn="l" defTabSz="1828800" rtl="0" eaLnBrk="1" latinLnBrk="0" hangingPunct="1">
+              <a:lnSpc>
+                <a:spcPct val="90000"/>
+              </a:lnSpc>
+              <a:spcBef>
+                <a:spcPts val="1000"/>
+              </a:spcBef>
+              <a:buFont typeface="Arial" panose="020B0604020202020204" pitchFamily="34" charset="0"/>
+              <a:buChar char="•"/>
+              <a:defRPr kumimoji="1" sz="4000" kern="1200">
+                <a:solidFill>
+                  <a:schemeClr val="tx1"/>
+                </a:solidFill>
+                <a:latin typeface="+mn-lt"/>
+                <a:ea typeface="+mn-ea"/>
+                <a:cs typeface="+mn-cs"/>
+              </a:defRPr>
+            </a:lvl3pPr>
+            <a:lvl4pPr marL="3200400" indent="-457200" algn="l" defTabSz="1828800" rtl="0" eaLnBrk="1" latinLnBrk="0" hangingPunct="1">
+              <a:lnSpc>
+                <a:spcPct val="90000"/>
+              </a:lnSpc>
+              <a:spcBef>
+                <a:spcPts val="1000"/>
+              </a:spcBef>
+              <a:buFont typeface="Arial" panose="020B0604020202020204" pitchFamily="34" charset="0"/>
+              <a:buChar char="•"/>
+              <a:defRPr kumimoji="1" sz="3600" kern="1200">
+                <a:solidFill>
+                  <a:schemeClr val="tx1"/>
+                </a:solidFill>
+                <a:latin typeface="+mn-lt"/>
+                <a:ea typeface="+mn-ea"/>
+                <a:cs typeface="+mn-cs"/>
+              </a:defRPr>
+            </a:lvl4pPr>
+            <a:lvl5pPr marL="4114800" indent="-457200" algn="l" defTabSz="1828800" rtl="0" eaLnBrk="1" latinLnBrk="0" hangingPunct="1">
+              <a:lnSpc>
+                <a:spcPct val="90000"/>
+              </a:lnSpc>
+              <a:spcBef>
+                <a:spcPts val="1000"/>
+              </a:spcBef>
+              <a:buFont typeface="Arial" panose="020B0604020202020204" pitchFamily="34" charset="0"/>
+              <a:buChar char="•"/>
+              <a:defRPr kumimoji="1" sz="3600" kern="1200">
+                <a:solidFill>
+                  <a:schemeClr val="tx1"/>
+                </a:solidFill>
+                <a:latin typeface="+mn-lt"/>
+                <a:ea typeface="+mn-ea"/>
+                <a:cs typeface="+mn-cs"/>
+              </a:defRPr>
+            </a:lvl5pPr>
+            <a:lvl6pPr marL="5029200" indent="-457200" algn="l" defTabSz="1828800" rtl="0" eaLnBrk="1" latinLnBrk="0" hangingPunct="1">
+              <a:lnSpc>
+                <a:spcPct val="90000"/>
+              </a:lnSpc>
+              <a:spcBef>
+                <a:spcPts val="1000"/>
+              </a:spcBef>
+              <a:buFont typeface="Arial" panose="020B0604020202020204" pitchFamily="34" charset="0"/>
+              <a:buChar char="•"/>
+              <a:defRPr kumimoji="1" sz="3600" kern="1200">
+                <a:solidFill>
+                  <a:schemeClr val="tx1"/>
+                </a:solidFill>
+                <a:latin typeface="+mn-lt"/>
+                <a:ea typeface="+mn-ea"/>
+                <a:cs typeface="+mn-cs"/>
+              </a:defRPr>
+            </a:lvl6pPr>
+            <a:lvl7pPr marL="5943600" indent="-457200" algn="l" defTabSz="1828800" rtl="0" eaLnBrk="1" latinLnBrk="0" hangingPunct="1">
+              <a:lnSpc>
+                <a:spcPct val="90000"/>
+              </a:lnSpc>
+              <a:spcBef>
+                <a:spcPts val="1000"/>
+              </a:spcBef>
+              <a:buFont typeface="Arial" panose="020B0604020202020204" pitchFamily="34" charset="0"/>
+              <a:buChar char="•"/>
+              <a:defRPr kumimoji="1" sz="3600" kern="1200">
+                <a:solidFill>
+                  <a:schemeClr val="tx1"/>
+                </a:solidFill>
+                <a:latin typeface="+mn-lt"/>
+                <a:ea typeface="+mn-ea"/>
+                <a:cs typeface="+mn-cs"/>
+              </a:defRPr>
+            </a:lvl7pPr>
+            <a:lvl8pPr marL="6858000" indent="-457200" algn="l" defTabSz="1828800" rtl="0" eaLnBrk="1" latinLnBrk="0" hangingPunct="1">
+              <a:lnSpc>
+                <a:spcPct val="90000"/>
+              </a:lnSpc>
+              <a:spcBef>
+                <a:spcPts val="1000"/>
+              </a:spcBef>
+              <a:buFont typeface="Arial" panose="020B0604020202020204" pitchFamily="34" charset="0"/>
+              <a:buChar char="•"/>
+              <a:defRPr kumimoji="1" sz="3600" kern="1200">
+                <a:solidFill>
+                  <a:schemeClr val="tx1"/>
+                </a:solidFill>
+                <a:latin typeface="+mn-lt"/>
+                <a:ea typeface="+mn-ea"/>
+                <a:cs typeface="+mn-cs"/>
+              </a:defRPr>
+            </a:lvl8pPr>
+            <a:lvl9pPr marL="7772400" indent="-457200" algn="l" defTabSz="1828800" rtl="0" eaLnBrk="1" latinLnBrk="0" hangingPunct="1">
+              <a:lnSpc>
+                <a:spcPct val="90000"/>
+              </a:lnSpc>
+              <a:spcBef>
+                <a:spcPts val="1000"/>
+              </a:spcBef>
+              <a:buFont typeface="Arial" panose="020B0604020202020204" pitchFamily="34" charset="0"/>
+              <a:buChar char="•"/>
+              <a:defRPr kumimoji="1" sz="3600" kern="1200">
+                <a:solidFill>
+                  <a:schemeClr val="tx1"/>
+                </a:solidFill>
+                <a:latin typeface="+mn-lt"/>
+                <a:ea typeface="+mn-ea"/>
+                <a:cs typeface="+mn-cs"/>
+              </a:defRPr>
+            </a:lvl9pPr>
+          </a:lstStyle>
+          <a:p>
+            <a:r>
+              <a:rPr lang="ja-JP" altLang="en-US"/>
+              <a:t>各タスクには</a:t>
+            </a:r>
+            <a:r>
+              <a:rPr lang="en-US" altLang="ja-JP" dirty="0"/>
+              <a:t>9</a:t>
+            </a:r>
+            <a:r>
+              <a:rPr lang="ja-JP" altLang="en-US"/>
+              <a:t>段階のレベルが存在</a:t>
             </a:r>
           </a:p>
         </p:txBody>
@@ -5998,6 +7227,1104 @@
 </file>
 
 <file path=ppt/slides/slide4.xml><?xml version="1.0" encoding="utf-8"?>
+<p:sld xmlns:a="http://schemas.openxmlformats.org/drawingml/2006/main" xmlns:r="http://schemas.openxmlformats.org/officeDocument/2006/relationships" xmlns:p="http://schemas.openxmlformats.org/presentationml/2006/main">
+  <p:cSld>
+    <p:spTree>
+      <p:nvGrpSpPr>
+        <p:cNvPr id="1" name=""/>
+        <p:cNvGrpSpPr/>
+        <p:nvPr/>
+      </p:nvGrpSpPr>
+      <p:grpSpPr>
+        <a:xfrm>
+          <a:off x="0" y="0"/>
+          <a:ext cx="0" cy="0"/>
+          <a:chOff x="0" y="0"/>
+          <a:chExt cx="0" cy="0"/>
+        </a:xfrm>
+      </p:grpSpPr>
+      <p:sp>
+        <p:nvSpPr>
+          <p:cNvPr id="2" name="日付プレースホルダー 1">
+            <a:extLst>
+              <a:ext uri="{FF2B5EF4-FFF2-40B4-BE49-F238E27FC236}">
+                <a16:creationId xmlns:a16="http://schemas.microsoft.com/office/drawing/2014/main" id="{ED28F015-1019-8346-8D0C-51203339476B}"/>
+              </a:ext>
+            </a:extLst>
+          </p:cNvPr>
+          <p:cNvSpPr>
+            <a:spLocks noGrp="1"/>
+          </p:cNvSpPr>
+          <p:nvPr>
+            <p:ph type="dt" sz="half" idx="10"/>
+          </p:nvPr>
+        </p:nvSpPr>
+        <p:spPr/>
+        <p:txBody>
+          <a:bodyPr/>
+          <a:lstStyle/>
+          <a:p>
+            <a:fld id="{BA7AA989-C6B8-3949-9280-88DA60BA6993}" type="datetime1">
+              <a:rPr lang="ja-JP" altLang="en-US" smtClean="0"/>
+              <a:t>2018/4/26</a:t>
+            </a:fld>
+            <a:endParaRPr lang="ja-JP" altLang="en-US"/>
+          </a:p>
+        </p:txBody>
+      </p:sp>
+      <p:sp>
+        <p:nvSpPr>
+          <p:cNvPr id="3" name="フッター プレースホルダー 2">
+            <a:extLst>
+              <a:ext uri="{FF2B5EF4-FFF2-40B4-BE49-F238E27FC236}">
+                <a16:creationId xmlns:a16="http://schemas.microsoft.com/office/drawing/2014/main" id="{F1234204-2796-CE4D-835C-01802E28F08B}"/>
+              </a:ext>
+            </a:extLst>
+          </p:cNvPr>
+          <p:cNvSpPr>
+            <a:spLocks noGrp="1"/>
+          </p:cNvSpPr>
+          <p:nvPr>
+            <p:ph type="ftr" sz="quarter" idx="11"/>
+          </p:nvPr>
+        </p:nvSpPr>
+        <p:spPr/>
+        <p:txBody>
+          <a:bodyPr/>
+          <a:lstStyle/>
+          <a:p>
+            <a:r>
+              <a:rPr lang="ja-JP" altLang="en-US"/>
+              <a:t>文献講読発表</a:t>
+            </a:r>
+            <a:r>
+              <a:rPr lang="en-US" altLang="ja-JP"/>
+              <a:t>(2018.04.25)</a:t>
+            </a:r>
+            <a:endParaRPr lang="ja-JP" altLang="en-US"/>
+          </a:p>
+        </p:txBody>
+      </p:sp>
+      <p:sp>
+        <p:nvSpPr>
+          <p:cNvPr id="4" name="スライド番号プレースホルダー 3">
+            <a:extLst>
+              <a:ext uri="{FF2B5EF4-FFF2-40B4-BE49-F238E27FC236}">
+                <a16:creationId xmlns:a16="http://schemas.microsoft.com/office/drawing/2014/main" id="{A7CB099E-D01C-124B-BB91-17ED16E2211A}"/>
+              </a:ext>
+            </a:extLst>
+          </p:cNvPr>
+          <p:cNvSpPr>
+            <a:spLocks noGrp="1"/>
+          </p:cNvSpPr>
+          <p:nvPr>
+            <p:ph type="sldNum" sz="quarter" idx="12"/>
+          </p:nvPr>
+        </p:nvSpPr>
+        <p:spPr/>
+        <p:txBody>
+          <a:bodyPr/>
+          <a:lstStyle/>
+          <a:p>
+            <a:fld id="{89242BC1-393D-1248-985B-18DA624F2964}" type="slidenum">
+              <a:rPr lang="ja-JP" altLang="en-US" smtClean="0"/>
+              <a:pPr/>
+              <a:t>4</a:t>
+            </a:fld>
+            <a:endParaRPr lang="ja-JP" altLang="en-US"/>
+          </a:p>
+        </p:txBody>
+      </p:sp>
+      <p:sp>
+        <p:nvSpPr>
+          <p:cNvPr id="5" name="テキスト プレースホルダー 4">
+            <a:extLst>
+              <a:ext uri="{FF2B5EF4-FFF2-40B4-BE49-F238E27FC236}">
+                <a16:creationId xmlns:a16="http://schemas.microsoft.com/office/drawing/2014/main" id="{C6CF3DBA-F416-C94D-A109-3A1E690191A8}"/>
+              </a:ext>
+            </a:extLst>
+          </p:cNvPr>
+          <p:cNvSpPr>
+            <a:spLocks noGrp="1"/>
+          </p:cNvSpPr>
+          <p:nvPr>
+            <p:ph type="body" sz="quarter" idx="13"/>
+          </p:nvPr>
+        </p:nvSpPr>
+        <p:spPr/>
+        <p:txBody>
+          <a:bodyPr/>
+          <a:lstStyle/>
+          <a:p>
+            <a:r>
+              <a:rPr kumimoji="1" lang="en-US" altLang="ja-JP" dirty="0"/>
+              <a:t>3</a:t>
+            </a:r>
+            <a:endParaRPr kumimoji="1" lang="ja-JP" altLang="en-US"/>
+          </a:p>
+        </p:txBody>
+      </p:sp>
+      <p:sp>
+        <p:nvSpPr>
+          <p:cNvPr id="6" name="テキスト プレースホルダー 5">
+            <a:extLst>
+              <a:ext uri="{FF2B5EF4-FFF2-40B4-BE49-F238E27FC236}">
+                <a16:creationId xmlns:a16="http://schemas.microsoft.com/office/drawing/2014/main" id="{2F642E06-7106-074A-A67D-8FD1D7D4C840}"/>
+              </a:ext>
+            </a:extLst>
+          </p:cNvPr>
+          <p:cNvSpPr>
+            <a:spLocks noGrp="1"/>
+          </p:cNvSpPr>
+          <p:nvPr>
+            <p:ph type="body" sz="quarter" idx="14"/>
+          </p:nvPr>
+        </p:nvSpPr>
+        <p:spPr/>
+        <p:txBody>
+          <a:bodyPr/>
+          <a:lstStyle/>
+          <a:p>
+            <a:r>
+              <a:rPr lang="ja-JP" altLang="en-US"/>
+              <a:t>おわりに</a:t>
+            </a:r>
+            <a:endParaRPr kumimoji="1" lang="ja-JP" altLang="en-US"/>
+          </a:p>
+        </p:txBody>
+      </p:sp>
+      <p:grpSp>
+        <p:nvGrpSpPr>
+          <p:cNvPr id="7" name="グループ化 6">
+            <a:extLst>
+              <a:ext uri="{FF2B5EF4-FFF2-40B4-BE49-F238E27FC236}">
+                <a16:creationId xmlns:a16="http://schemas.microsoft.com/office/drawing/2014/main" id="{5A6AC9E6-7F70-CF44-8712-6F47C0A918DA}"/>
+              </a:ext>
+            </a:extLst>
+          </p:cNvPr>
+          <p:cNvGrpSpPr/>
+          <p:nvPr/>
+        </p:nvGrpSpPr>
+        <p:grpSpPr>
+          <a:xfrm>
+            <a:off x="289330" y="1413298"/>
+            <a:ext cx="2160000" cy="934436"/>
+            <a:chOff x="144665" y="525617"/>
+            <a:chExt cx="1080000" cy="467218"/>
+          </a:xfrm>
+        </p:grpSpPr>
+        <p:sp>
+          <p:nvSpPr>
+            <p:cNvPr id="8" name="正方形/長方形 7">
+              <a:extLst>
+                <a:ext uri="{FF2B5EF4-FFF2-40B4-BE49-F238E27FC236}">
+                  <a16:creationId xmlns:a16="http://schemas.microsoft.com/office/drawing/2014/main" id="{8041C8F7-C3FC-B542-A05A-B7F48A73B8F0}"/>
+                </a:ext>
+              </a:extLst>
+            </p:cNvPr>
+            <p:cNvSpPr/>
+            <p:nvPr userDrawn="1"/>
+          </p:nvSpPr>
+          <p:spPr>
+            <a:xfrm>
+              <a:off x="145524" y="542424"/>
+              <a:ext cx="91081" cy="450411"/>
+            </a:xfrm>
+            <a:prstGeom prst="rect">
+              <a:avLst/>
+            </a:prstGeom>
+            <a:solidFill>
+              <a:schemeClr val="accent1"/>
+            </a:solidFill>
+            <a:ln>
+              <a:noFill/>
+            </a:ln>
+          </p:spPr>
+          <p:style>
+            <a:lnRef idx="2">
+              <a:schemeClr val="accent1">
+                <a:shade val="50000"/>
+              </a:schemeClr>
+            </a:lnRef>
+            <a:fillRef idx="1">
+              <a:schemeClr val="accent1"/>
+            </a:fillRef>
+            <a:effectRef idx="0">
+              <a:schemeClr val="accent1"/>
+            </a:effectRef>
+            <a:fontRef idx="minor">
+              <a:schemeClr val="lt1"/>
+            </a:fontRef>
+          </p:style>
+          <p:txBody>
+            <a:bodyPr rot="0" spcFirstLastPara="0" vertOverflow="overflow" horzOverflow="overflow" vert="horz" wrap="square" lIns="68580" tIns="34290" rIns="68580" bIns="34290" numCol="1" spcCol="0" rtlCol="0" fromWordArt="0" anchor="ctr" anchorCtr="0" forceAA="0" compatLnSpc="1">
+              <a:prstTxWarp prst="textNoShape">
+                <a:avLst/>
+              </a:prstTxWarp>
+              <a:noAutofit/>
+            </a:bodyPr>
+            <a:lstStyle/>
+            <a:p>
+              <a:pPr algn="ctr"/>
+              <a:endParaRPr kumimoji="1" lang="ja-JP" altLang="en-US" sz="2700"/>
+            </a:p>
+          </p:txBody>
+        </p:sp>
+        <p:sp>
+          <p:nvSpPr>
+            <p:cNvPr id="9" name="正方形/長方形 8">
+              <a:extLst>
+                <a:ext uri="{FF2B5EF4-FFF2-40B4-BE49-F238E27FC236}">
+                  <a16:creationId xmlns:a16="http://schemas.microsoft.com/office/drawing/2014/main" id="{32E8D722-9493-F64B-A7F7-8F91CB2FEDFE}"/>
+                </a:ext>
+              </a:extLst>
+            </p:cNvPr>
+            <p:cNvSpPr/>
+            <p:nvPr userDrawn="1"/>
+          </p:nvSpPr>
+          <p:spPr>
+            <a:xfrm>
+              <a:off x="144665" y="525617"/>
+              <a:ext cx="1080000" cy="16137"/>
+            </a:xfrm>
+            <a:prstGeom prst="rect">
+              <a:avLst/>
+            </a:prstGeom>
+            <a:solidFill>
+              <a:schemeClr val="accent1"/>
+            </a:solidFill>
+            <a:ln>
+              <a:noFill/>
+            </a:ln>
+          </p:spPr>
+          <p:style>
+            <a:lnRef idx="2">
+              <a:schemeClr val="accent1">
+                <a:shade val="50000"/>
+              </a:schemeClr>
+            </a:lnRef>
+            <a:fillRef idx="1">
+              <a:schemeClr val="accent1"/>
+            </a:fillRef>
+            <a:effectRef idx="0">
+              <a:schemeClr val="accent1"/>
+            </a:effectRef>
+            <a:fontRef idx="minor">
+              <a:schemeClr val="lt1"/>
+            </a:fontRef>
+          </p:style>
+          <p:txBody>
+            <a:bodyPr rot="0" spcFirstLastPara="0" vertOverflow="overflow" horzOverflow="overflow" vert="horz" wrap="square" lIns="68580" tIns="34290" rIns="68580" bIns="34290" numCol="1" spcCol="0" rtlCol="0" fromWordArt="0" anchor="ctr" anchorCtr="0" forceAA="0" compatLnSpc="1">
+              <a:prstTxWarp prst="textNoShape">
+                <a:avLst/>
+              </a:prstTxWarp>
+              <a:noAutofit/>
+            </a:bodyPr>
+            <a:lstStyle/>
+            <a:p>
+              <a:pPr algn="ctr"/>
+              <a:endParaRPr kumimoji="1" lang="ja-JP" altLang="en-US" sz="2700"/>
+            </a:p>
+          </p:txBody>
+        </p:sp>
+      </p:grpSp>
+      <p:grpSp>
+        <p:nvGrpSpPr>
+          <p:cNvPr id="10" name="グループ化 9">
+            <a:extLst>
+              <a:ext uri="{FF2B5EF4-FFF2-40B4-BE49-F238E27FC236}">
+                <a16:creationId xmlns:a16="http://schemas.microsoft.com/office/drawing/2014/main" id="{C6DB5DBE-4BC5-C74A-B12C-8D5AE81664DB}"/>
+              </a:ext>
+            </a:extLst>
+          </p:cNvPr>
+          <p:cNvGrpSpPr/>
+          <p:nvPr/>
+        </p:nvGrpSpPr>
+        <p:grpSpPr>
+          <a:xfrm>
+            <a:off x="617232" y="2557358"/>
+            <a:ext cx="539448" cy="487368"/>
+            <a:chOff x="400056" y="1061560"/>
+            <a:chExt cx="269724" cy="243684"/>
+          </a:xfrm>
+        </p:grpSpPr>
+        <p:sp>
+          <p:nvSpPr>
+            <p:cNvPr id="11" name="三角形 10">
+              <a:extLst>
+                <a:ext uri="{FF2B5EF4-FFF2-40B4-BE49-F238E27FC236}">
+                  <a16:creationId xmlns:a16="http://schemas.microsoft.com/office/drawing/2014/main" id="{1A5744BD-1EFB-454B-A1B2-9E77E4F4CDE1}"/>
+                </a:ext>
+              </a:extLst>
+            </p:cNvPr>
+            <p:cNvSpPr/>
+            <p:nvPr userDrawn="1"/>
+          </p:nvSpPr>
+          <p:spPr>
+            <a:xfrm rot="5400000">
+              <a:off x="359835" y="1105015"/>
+              <a:ext cx="240450" cy="160008"/>
+            </a:xfrm>
+            <a:prstGeom prst="triangle">
+              <a:avLst/>
+            </a:prstGeom>
+            <a:solidFill>
+              <a:schemeClr val="accent1"/>
+            </a:solidFill>
+            <a:ln>
+              <a:noFill/>
+            </a:ln>
+          </p:spPr>
+          <p:style>
+            <a:lnRef idx="0">
+              <a:scrgbClr r="0" g="0" b="0"/>
+            </a:lnRef>
+            <a:fillRef idx="0">
+              <a:scrgbClr r="0" g="0" b="0"/>
+            </a:fillRef>
+            <a:effectRef idx="0">
+              <a:scrgbClr r="0" g="0" b="0"/>
+            </a:effectRef>
+            <a:fontRef idx="minor">
+              <a:schemeClr val="lt1"/>
+            </a:fontRef>
+          </p:style>
+          <p:txBody>
+            <a:bodyPr rtlCol="0" anchor="ctr"/>
+            <a:lstStyle/>
+            <a:p>
+              <a:pPr algn="ctr"/>
+              <a:endParaRPr kumimoji="1" lang="ja-JP" altLang="en-US" sz="7200"/>
+            </a:p>
+          </p:txBody>
+        </p:sp>
+        <p:sp>
+          <p:nvSpPr>
+            <p:cNvPr id="12" name="三角形 11">
+              <a:extLst>
+                <a:ext uri="{FF2B5EF4-FFF2-40B4-BE49-F238E27FC236}">
+                  <a16:creationId xmlns:a16="http://schemas.microsoft.com/office/drawing/2014/main" id="{EBD25148-E0BB-134D-8D2F-AB5CC18E0275}"/>
+                </a:ext>
+              </a:extLst>
+            </p:cNvPr>
+            <p:cNvSpPr/>
+            <p:nvPr userDrawn="1"/>
+          </p:nvSpPr>
+          <p:spPr>
+            <a:xfrm rot="5400000">
+              <a:off x="469551" y="1101781"/>
+              <a:ext cx="240450" cy="160008"/>
+            </a:xfrm>
+            <a:prstGeom prst="triangle">
+              <a:avLst/>
+            </a:prstGeom>
+            <a:solidFill>
+              <a:schemeClr val="accent1"/>
+            </a:solidFill>
+            <a:ln>
+              <a:noFill/>
+            </a:ln>
+          </p:spPr>
+          <p:style>
+            <a:lnRef idx="0">
+              <a:scrgbClr r="0" g="0" b="0"/>
+            </a:lnRef>
+            <a:fillRef idx="0">
+              <a:scrgbClr r="0" g="0" b="0"/>
+            </a:fillRef>
+            <a:effectRef idx="0">
+              <a:scrgbClr r="0" g="0" b="0"/>
+            </a:effectRef>
+            <a:fontRef idx="minor">
+              <a:schemeClr val="lt1"/>
+            </a:fontRef>
+          </p:style>
+          <p:txBody>
+            <a:bodyPr rtlCol="0" anchor="ctr"/>
+            <a:lstStyle/>
+            <a:p>
+              <a:pPr algn="ctr"/>
+              <a:endParaRPr kumimoji="1" lang="ja-JP" altLang="en-US" sz="7200"/>
+            </a:p>
+          </p:txBody>
+        </p:sp>
+      </p:grpSp>
+      <p:sp>
+        <p:nvSpPr>
+          <p:cNvPr id="13" name="三角形 12">
+            <a:extLst>
+              <a:ext uri="{FF2B5EF4-FFF2-40B4-BE49-F238E27FC236}">
+                <a16:creationId xmlns:a16="http://schemas.microsoft.com/office/drawing/2014/main" id="{755B815A-2A67-7543-B104-B915E4AE7570}"/>
+              </a:ext>
+            </a:extLst>
+          </p:cNvPr>
+          <p:cNvSpPr/>
+          <p:nvPr/>
+        </p:nvSpPr>
+        <p:spPr>
+          <a:xfrm rot="5400000">
+            <a:off x="1076238" y="3361776"/>
+            <a:ext cx="480900" cy="320016"/>
+          </a:xfrm>
+          <a:prstGeom prst="triangle">
+            <a:avLst/>
+          </a:prstGeom>
+          <a:solidFill>
+            <a:schemeClr val="accent1"/>
+          </a:solidFill>
+          <a:ln>
+            <a:noFill/>
+          </a:ln>
+        </p:spPr>
+        <p:style>
+          <a:lnRef idx="0">
+            <a:scrgbClr r="0" g="0" b="0"/>
+          </a:lnRef>
+          <a:fillRef idx="0">
+            <a:scrgbClr r="0" g="0" b="0"/>
+          </a:fillRef>
+          <a:effectRef idx="0">
+            <a:scrgbClr r="0" g="0" b="0"/>
+          </a:effectRef>
+          <a:fontRef idx="minor">
+            <a:schemeClr val="lt1"/>
+          </a:fontRef>
+        </p:style>
+        <p:txBody>
+          <a:bodyPr rtlCol="0" anchor="ctr"/>
+          <a:lstStyle/>
+          <a:p>
+            <a:pPr algn="ctr"/>
+            <a:endParaRPr kumimoji="1" lang="ja-JP" altLang="en-US" sz="7200"/>
+          </a:p>
+        </p:txBody>
+      </p:sp>
+      <p:sp>
+        <p:nvSpPr>
+          <p:cNvPr id="14" name="テキスト プレースホルダー 27">
+            <a:extLst>
+              <a:ext uri="{FF2B5EF4-FFF2-40B4-BE49-F238E27FC236}">
+                <a16:creationId xmlns:a16="http://schemas.microsoft.com/office/drawing/2014/main" id="{EB324645-7AF6-D147-9F2D-3582DE531431}"/>
+              </a:ext>
+            </a:extLst>
+          </p:cNvPr>
+          <p:cNvSpPr txBox="1">
+            <a:spLocks/>
+          </p:cNvSpPr>
+          <p:nvPr/>
+        </p:nvSpPr>
+        <p:spPr>
+          <a:xfrm>
+            <a:off x="1254486" y="2484733"/>
+            <a:ext cx="16632960" cy="997834"/>
+          </a:xfrm>
+          <a:prstGeom prst="rect">
+            <a:avLst/>
+          </a:prstGeom>
+        </p:spPr>
+        <p:txBody>
+          <a:bodyPr>
+            <a:normAutofit/>
+          </a:bodyPr>
+          <a:lstStyle>
+            <a:lvl1pPr marL="0" indent="0" algn="l" defTabSz="1828800" rtl="0" eaLnBrk="1" latinLnBrk="0" hangingPunct="1">
+              <a:lnSpc>
+                <a:spcPct val="90000"/>
+              </a:lnSpc>
+              <a:spcBef>
+                <a:spcPts val="2000"/>
+              </a:spcBef>
+              <a:buFont typeface="Arial" panose="020B0604020202020204" pitchFamily="34" charset="0"/>
+              <a:buNone/>
+              <a:defRPr kumimoji="1" sz="4800" kern="1200">
+                <a:solidFill>
+                  <a:srgbClr val="424242"/>
+                </a:solidFill>
+                <a:latin typeface="+mn-lt"/>
+                <a:ea typeface="+mn-ea"/>
+                <a:cs typeface="+mn-cs"/>
+              </a:defRPr>
+            </a:lvl1pPr>
+            <a:lvl2pPr marL="1371600" indent="-457200" algn="l" defTabSz="1828800" rtl="0" eaLnBrk="1" latinLnBrk="0" hangingPunct="1">
+              <a:lnSpc>
+                <a:spcPct val="90000"/>
+              </a:lnSpc>
+              <a:spcBef>
+                <a:spcPts val="1000"/>
+              </a:spcBef>
+              <a:buFont typeface="Arial" panose="020B0604020202020204" pitchFamily="34" charset="0"/>
+              <a:buChar char="•"/>
+              <a:defRPr kumimoji="1" sz="4800" kern="1200">
+                <a:solidFill>
+                  <a:schemeClr val="tx1"/>
+                </a:solidFill>
+                <a:latin typeface="+mn-lt"/>
+                <a:ea typeface="+mn-ea"/>
+                <a:cs typeface="+mn-cs"/>
+              </a:defRPr>
+            </a:lvl2pPr>
+            <a:lvl3pPr marL="2286000" indent="-457200" algn="l" defTabSz="1828800" rtl="0" eaLnBrk="1" latinLnBrk="0" hangingPunct="1">
+              <a:lnSpc>
+                <a:spcPct val="90000"/>
+              </a:lnSpc>
+              <a:spcBef>
+                <a:spcPts val="1000"/>
+              </a:spcBef>
+              <a:buFont typeface="Arial" panose="020B0604020202020204" pitchFamily="34" charset="0"/>
+              <a:buChar char="•"/>
+              <a:defRPr kumimoji="1" sz="4000" kern="1200">
+                <a:solidFill>
+                  <a:schemeClr val="tx1"/>
+                </a:solidFill>
+                <a:latin typeface="+mn-lt"/>
+                <a:ea typeface="+mn-ea"/>
+                <a:cs typeface="+mn-cs"/>
+              </a:defRPr>
+            </a:lvl3pPr>
+            <a:lvl4pPr marL="3200400" indent="-457200" algn="l" defTabSz="1828800" rtl="0" eaLnBrk="1" latinLnBrk="0" hangingPunct="1">
+              <a:lnSpc>
+                <a:spcPct val="90000"/>
+              </a:lnSpc>
+              <a:spcBef>
+                <a:spcPts val="1000"/>
+              </a:spcBef>
+              <a:buFont typeface="Arial" panose="020B0604020202020204" pitchFamily="34" charset="0"/>
+              <a:buChar char="•"/>
+              <a:defRPr kumimoji="1" sz="3600" kern="1200">
+                <a:solidFill>
+                  <a:schemeClr val="tx1"/>
+                </a:solidFill>
+                <a:latin typeface="+mn-lt"/>
+                <a:ea typeface="+mn-ea"/>
+                <a:cs typeface="+mn-cs"/>
+              </a:defRPr>
+            </a:lvl4pPr>
+            <a:lvl5pPr marL="4114800" indent="-457200" algn="l" defTabSz="1828800" rtl="0" eaLnBrk="1" latinLnBrk="0" hangingPunct="1">
+              <a:lnSpc>
+                <a:spcPct val="90000"/>
+              </a:lnSpc>
+              <a:spcBef>
+                <a:spcPts val="1000"/>
+              </a:spcBef>
+              <a:buFont typeface="Arial" panose="020B0604020202020204" pitchFamily="34" charset="0"/>
+              <a:buChar char="•"/>
+              <a:defRPr kumimoji="1" sz="3600" kern="1200">
+                <a:solidFill>
+                  <a:schemeClr val="tx1"/>
+                </a:solidFill>
+                <a:latin typeface="+mn-lt"/>
+                <a:ea typeface="+mn-ea"/>
+                <a:cs typeface="+mn-cs"/>
+              </a:defRPr>
+            </a:lvl5pPr>
+            <a:lvl6pPr marL="5029200" indent="-457200" algn="l" defTabSz="1828800" rtl="0" eaLnBrk="1" latinLnBrk="0" hangingPunct="1">
+              <a:lnSpc>
+                <a:spcPct val="90000"/>
+              </a:lnSpc>
+              <a:spcBef>
+                <a:spcPts val="1000"/>
+              </a:spcBef>
+              <a:buFont typeface="Arial" panose="020B0604020202020204" pitchFamily="34" charset="0"/>
+              <a:buChar char="•"/>
+              <a:defRPr kumimoji="1" sz="3600" kern="1200">
+                <a:solidFill>
+                  <a:schemeClr val="tx1"/>
+                </a:solidFill>
+                <a:latin typeface="+mn-lt"/>
+                <a:ea typeface="+mn-ea"/>
+                <a:cs typeface="+mn-cs"/>
+              </a:defRPr>
+            </a:lvl6pPr>
+            <a:lvl7pPr marL="5943600" indent="-457200" algn="l" defTabSz="1828800" rtl="0" eaLnBrk="1" latinLnBrk="0" hangingPunct="1">
+              <a:lnSpc>
+                <a:spcPct val="90000"/>
+              </a:lnSpc>
+              <a:spcBef>
+                <a:spcPts val="1000"/>
+              </a:spcBef>
+              <a:buFont typeface="Arial" panose="020B0604020202020204" pitchFamily="34" charset="0"/>
+              <a:buChar char="•"/>
+              <a:defRPr kumimoji="1" sz="3600" kern="1200">
+                <a:solidFill>
+                  <a:schemeClr val="tx1"/>
+                </a:solidFill>
+                <a:latin typeface="+mn-lt"/>
+                <a:ea typeface="+mn-ea"/>
+                <a:cs typeface="+mn-cs"/>
+              </a:defRPr>
+            </a:lvl7pPr>
+            <a:lvl8pPr marL="6858000" indent="-457200" algn="l" defTabSz="1828800" rtl="0" eaLnBrk="1" latinLnBrk="0" hangingPunct="1">
+              <a:lnSpc>
+                <a:spcPct val="90000"/>
+              </a:lnSpc>
+              <a:spcBef>
+                <a:spcPts val="1000"/>
+              </a:spcBef>
+              <a:buFont typeface="Arial" panose="020B0604020202020204" pitchFamily="34" charset="0"/>
+              <a:buChar char="•"/>
+              <a:defRPr kumimoji="1" sz="3600" kern="1200">
+                <a:solidFill>
+                  <a:schemeClr val="tx1"/>
+                </a:solidFill>
+                <a:latin typeface="+mn-lt"/>
+                <a:ea typeface="+mn-ea"/>
+                <a:cs typeface="+mn-cs"/>
+              </a:defRPr>
+            </a:lvl8pPr>
+            <a:lvl9pPr marL="7772400" indent="-457200" algn="l" defTabSz="1828800" rtl="0" eaLnBrk="1" latinLnBrk="0" hangingPunct="1">
+              <a:lnSpc>
+                <a:spcPct val="90000"/>
+              </a:lnSpc>
+              <a:spcBef>
+                <a:spcPts val="1000"/>
+              </a:spcBef>
+              <a:buFont typeface="Arial" panose="020B0604020202020204" pitchFamily="34" charset="0"/>
+              <a:buChar char="•"/>
+              <a:defRPr kumimoji="1" sz="3600" kern="1200">
+                <a:solidFill>
+                  <a:schemeClr val="tx1"/>
+                </a:solidFill>
+                <a:latin typeface="+mn-lt"/>
+                <a:ea typeface="+mn-ea"/>
+                <a:cs typeface="+mn-cs"/>
+              </a:defRPr>
+            </a:lvl9pPr>
+          </a:lstStyle>
+          <a:p>
+            <a:r>
+              <a:rPr lang="ja-JP" altLang="en-US"/>
+              <a:t>レベル</a:t>
+            </a:r>
+            <a:r>
+              <a:rPr lang="en-US" altLang="ja-JP" dirty="0"/>
+              <a:t>2</a:t>
+            </a:r>
+            <a:endParaRPr lang="ja-JP" altLang="en-US"/>
+          </a:p>
+        </p:txBody>
+      </p:sp>
+      <p:sp>
+        <p:nvSpPr>
+          <p:cNvPr id="15" name="テキスト プレースホルダー 29">
+            <a:extLst>
+              <a:ext uri="{FF2B5EF4-FFF2-40B4-BE49-F238E27FC236}">
+                <a16:creationId xmlns:a16="http://schemas.microsoft.com/office/drawing/2014/main" id="{0D28A911-1484-0D4C-84FF-8098B1841C7C}"/>
+              </a:ext>
+            </a:extLst>
+          </p:cNvPr>
+          <p:cNvSpPr txBox="1">
+            <a:spLocks/>
+          </p:cNvSpPr>
+          <p:nvPr/>
+        </p:nvSpPr>
+        <p:spPr>
+          <a:xfrm>
+            <a:off x="1568600" y="3246502"/>
+            <a:ext cx="16135964" cy="853994"/>
+          </a:xfrm>
+          <a:prstGeom prst="rect">
+            <a:avLst/>
+          </a:prstGeom>
+        </p:spPr>
+        <p:txBody>
+          <a:bodyPr>
+            <a:normAutofit/>
+          </a:bodyPr>
+          <a:lstStyle>
+            <a:lvl1pPr marL="0" indent="0" algn="l" defTabSz="1828800" rtl="0" eaLnBrk="1" latinLnBrk="0" hangingPunct="1">
+              <a:lnSpc>
+                <a:spcPct val="90000"/>
+              </a:lnSpc>
+              <a:spcBef>
+                <a:spcPts val="2000"/>
+              </a:spcBef>
+              <a:buFont typeface="Arial" panose="020B0604020202020204" pitchFamily="34" charset="0"/>
+              <a:buNone/>
+              <a:defRPr kumimoji="1" sz="4000" kern="1200">
+                <a:solidFill>
+                  <a:srgbClr val="424242"/>
+                </a:solidFill>
+                <a:latin typeface="+mn-lt"/>
+                <a:ea typeface="+mn-ea"/>
+                <a:cs typeface="+mn-cs"/>
+              </a:defRPr>
+            </a:lvl1pPr>
+            <a:lvl2pPr marL="1371600" indent="-457200" algn="l" defTabSz="1828800" rtl="0" eaLnBrk="1" latinLnBrk="0" hangingPunct="1">
+              <a:lnSpc>
+                <a:spcPct val="90000"/>
+              </a:lnSpc>
+              <a:spcBef>
+                <a:spcPts val="1000"/>
+              </a:spcBef>
+              <a:buFont typeface="Arial" panose="020B0604020202020204" pitchFamily="34" charset="0"/>
+              <a:buChar char="•"/>
+              <a:defRPr kumimoji="1" sz="4800" kern="1200">
+                <a:solidFill>
+                  <a:schemeClr val="tx1"/>
+                </a:solidFill>
+                <a:latin typeface="+mn-lt"/>
+                <a:ea typeface="+mn-ea"/>
+                <a:cs typeface="+mn-cs"/>
+              </a:defRPr>
+            </a:lvl2pPr>
+            <a:lvl3pPr marL="2286000" indent="-457200" algn="l" defTabSz="1828800" rtl="0" eaLnBrk="1" latinLnBrk="0" hangingPunct="1">
+              <a:lnSpc>
+                <a:spcPct val="90000"/>
+              </a:lnSpc>
+              <a:spcBef>
+                <a:spcPts val="1000"/>
+              </a:spcBef>
+              <a:buFont typeface="Arial" panose="020B0604020202020204" pitchFamily="34" charset="0"/>
+              <a:buChar char="•"/>
+              <a:defRPr kumimoji="1" sz="4000" kern="1200">
+                <a:solidFill>
+                  <a:schemeClr val="tx1"/>
+                </a:solidFill>
+                <a:latin typeface="+mn-lt"/>
+                <a:ea typeface="+mn-ea"/>
+                <a:cs typeface="+mn-cs"/>
+              </a:defRPr>
+            </a:lvl3pPr>
+            <a:lvl4pPr marL="3200400" indent="-457200" algn="l" defTabSz="1828800" rtl="0" eaLnBrk="1" latinLnBrk="0" hangingPunct="1">
+              <a:lnSpc>
+                <a:spcPct val="90000"/>
+              </a:lnSpc>
+              <a:spcBef>
+                <a:spcPts val="1000"/>
+              </a:spcBef>
+              <a:buFont typeface="Arial" panose="020B0604020202020204" pitchFamily="34" charset="0"/>
+              <a:buChar char="•"/>
+              <a:defRPr kumimoji="1" sz="3600" kern="1200">
+                <a:solidFill>
+                  <a:schemeClr val="tx1"/>
+                </a:solidFill>
+                <a:latin typeface="+mn-lt"/>
+                <a:ea typeface="+mn-ea"/>
+                <a:cs typeface="+mn-cs"/>
+              </a:defRPr>
+            </a:lvl4pPr>
+            <a:lvl5pPr marL="4114800" indent="-457200" algn="l" defTabSz="1828800" rtl="0" eaLnBrk="1" latinLnBrk="0" hangingPunct="1">
+              <a:lnSpc>
+                <a:spcPct val="90000"/>
+              </a:lnSpc>
+              <a:spcBef>
+                <a:spcPts val="1000"/>
+              </a:spcBef>
+              <a:buFont typeface="Arial" panose="020B0604020202020204" pitchFamily="34" charset="0"/>
+              <a:buChar char="•"/>
+              <a:defRPr kumimoji="1" sz="3600" kern="1200">
+                <a:solidFill>
+                  <a:schemeClr val="tx1"/>
+                </a:solidFill>
+                <a:latin typeface="+mn-lt"/>
+                <a:ea typeface="+mn-ea"/>
+                <a:cs typeface="+mn-cs"/>
+              </a:defRPr>
+            </a:lvl5pPr>
+            <a:lvl6pPr marL="5029200" indent="-457200" algn="l" defTabSz="1828800" rtl="0" eaLnBrk="1" latinLnBrk="0" hangingPunct="1">
+              <a:lnSpc>
+                <a:spcPct val="90000"/>
+              </a:lnSpc>
+              <a:spcBef>
+                <a:spcPts val="1000"/>
+              </a:spcBef>
+              <a:buFont typeface="Arial" panose="020B0604020202020204" pitchFamily="34" charset="0"/>
+              <a:buChar char="•"/>
+              <a:defRPr kumimoji="1" sz="3600" kern="1200">
+                <a:solidFill>
+                  <a:schemeClr val="tx1"/>
+                </a:solidFill>
+                <a:latin typeface="+mn-lt"/>
+                <a:ea typeface="+mn-ea"/>
+                <a:cs typeface="+mn-cs"/>
+              </a:defRPr>
+            </a:lvl6pPr>
+            <a:lvl7pPr marL="5943600" indent="-457200" algn="l" defTabSz="1828800" rtl="0" eaLnBrk="1" latinLnBrk="0" hangingPunct="1">
+              <a:lnSpc>
+                <a:spcPct val="90000"/>
+              </a:lnSpc>
+              <a:spcBef>
+                <a:spcPts val="1000"/>
+              </a:spcBef>
+              <a:buFont typeface="Arial" panose="020B0604020202020204" pitchFamily="34" charset="0"/>
+              <a:buChar char="•"/>
+              <a:defRPr kumimoji="1" sz="3600" kern="1200">
+                <a:solidFill>
+                  <a:schemeClr val="tx1"/>
+                </a:solidFill>
+                <a:latin typeface="+mn-lt"/>
+                <a:ea typeface="+mn-ea"/>
+                <a:cs typeface="+mn-cs"/>
+              </a:defRPr>
+            </a:lvl7pPr>
+            <a:lvl8pPr marL="6858000" indent="-457200" algn="l" defTabSz="1828800" rtl="0" eaLnBrk="1" latinLnBrk="0" hangingPunct="1">
+              <a:lnSpc>
+                <a:spcPct val="90000"/>
+              </a:lnSpc>
+              <a:spcBef>
+                <a:spcPts val="1000"/>
+              </a:spcBef>
+              <a:buFont typeface="Arial" panose="020B0604020202020204" pitchFamily="34" charset="0"/>
+              <a:buChar char="•"/>
+              <a:defRPr kumimoji="1" sz="3600" kern="1200">
+                <a:solidFill>
+                  <a:schemeClr val="tx1"/>
+                </a:solidFill>
+                <a:latin typeface="+mn-lt"/>
+                <a:ea typeface="+mn-ea"/>
+                <a:cs typeface="+mn-cs"/>
+              </a:defRPr>
+            </a:lvl8pPr>
+            <a:lvl9pPr marL="7772400" indent="-457200" algn="l" defTabSz="1828800" rtl="0" eaLnBrk="1" latinLnBrk="0" hangingPunct="1">
+              <a:lnSpc>
+                <a:spcPct val="90000"/>
+              </a:lnSpc>
+              <a:spcBef>
+                <a:spcPts val="1000"/>
+              </a:spcBef>
+              <a:buFont typeface="Arial" panose="020B0604020202020204" pitchFamily="34" charset="0"/>
+              <a:buChar char="•"/>
+              <a:defRPr kumimoji="1" sz="3600" kern="1200">
+                <a:solidFill>
+                  <a:schemeClr val="tx1"/>
+                </a:solidFill>
+                <a:latin typeface="+mn-lt"/>
+                <a:ea typeface="+mn-ea"/>
+                <a:cs typeface="+mn-cs"/>
+              </a:defRPr>
+            </a:lvl9pPr>
+          </a:lstStyle>
+          <a:p>
+            <a:r>
+              <a:rPr lang="ja-JP" altLang="en-US"/>
+              <a:t>レベル</a:t>
+            </a:r>
+            <a:r>
+              <a:rPr lang="en-US" altLang="ja-JP" dirty="0"/>
+              <a:t>3</a:t>
+            </a:r>
+            <a:endParaRPr lang="ja-JP" altLang="en-US"/>
+          </a:p>
+        </p:txBody>
+      </p:sp>
+      <p:sp>
+        <p:nvSpPr>
+          <p:cNvPr id="16" name="テキスト プレースホルダー 30">
+            <a:extLst>
+              <a:ext uri="{FF2B5EF4-FFF2-40B4-BE49-F238E27FC236}">
+                <a16:creationId xmlns:a16="http://schemas.microsoft.com/office/drawing/2014/main" id="{40403F41-47F8-454B-8521-19DA2EA3719D}"/>
+              </a:ext>
+            </a:extLst>
+          </p:cNvPr>
+          <p:cNvSpPr txBox="1">
+            <a:spLocks/>
+          </p:cNvSpPr>
+          <p:nvPr/>
+        </p:nvSpPr>
+        <p:spPr>
+          <a:xfrm>
+            <a:off x="571049" y="1583871"/>
+            <a:ext cx="17302163" cy="1403350"/>
+          </a:xfrm>
+          <a:prstGeom prst="rect">
+            <a:avLst/>
+          </a:prstGeom>
+        </p:spPr>
+        <p:txBody>
+          <a:bodyPr>
+            <a:normAutofit/>
+          </a:bodyPr>
+          <a:lstStyle>
+            <a:lvl1pPr marL="0" indent="0" algn="l" defTabSz="1828800" rtl="0" eaLnBrk="1" latinLnBrk="0" hangingPunct="1">
+              <a:lnSpc>
+                <a:spcPct val="90000"/>
+              </a:lnSpc>
+              <a:spcBef>
+                <a:spcPts val="2000"/>
+              </a:spcBef>
+              <a:buFont typeface="Arial" panose="020B0604020202020204" pitchFamily="34" charset="0"/>
+              <a:buNone/>
+              <a:defRPr kumimoji="1" sz="6000" kern="1200">
+                <a:solidFill>
+                  <a:schemeClr val="tx1"/>
+                </a:solidFill>
+                <a:latin typeface="+mn-lt"/>
+                <a:ea typeface="+mn-ea"/>
+                <a:cs typeface="+mn-cs"/>
+              </a:defRPr>
+            </a:lvl1pPr>
+            <a:lvl2pPr marL="1371600" indent="-457200" algn="l" defTabSz="1828800" rtl="0" eaLnBrk="1" latinLnBrk="0" hangingPunct="1">
+              <a:lnSpc>
+                <a:spcPct val="90000"/>
+              </a:lnSpc>
+              <a:spcBef>
+                <a:spcPts val="1000"/>
+              </a:spcBef>
+              <a:buFont typeface="Arial" panose="020B0604020202020204" pitchFamily="34" charset="0"/>
+              <a:buChar char="•"/>
+              <a:defRPr kumimoji="1" sz="4800" kern="1200">
+                <a:solidFill>
+                  <a:schemeClr val="tx1"/>
+                </a:solidFill>
+                <a:latin typeface="+mn-lt"/>
+                <a:ea typeface="+mn-ea"/>
+                <a:cs typeface="+mn-cs"/>
+              </a:defRPr>
+            </a:lvl2pPr>
+            <a:lvl3pPr marL="2286000" indent="-457200" algn="l" defTabSz="1828800" rtl="0" eaLnBrk="1" latinLnBrk="0" hangingPunct="1">
+              <a:lnSpc>
+                <a:spcPct val="90000"/>
+              </a:lnSpc>
+              <a:spcBef>
+                <a:spcPts val="1000"/>
+              </a:spcBef>
+              <a:buFont typeface="Arial" panose="020B0604020202020204" pitchFamily="34" charset="0"/>
+              <a:buChar char="•"/>
+              <a:defRPr kumimoji="1" sz="4000" kern="1200">
+                <a:solidFill>
+                  <a:schemeClr val="tx1"/>
+                </a:solidFill>
+                <a:latin typeface="+mn-lt"/>
+                <a:ea typeface="+mn-ea"/>
+                <a:cs typeface="+mn-cs"/>
+              </a:defRPr>
+            </a:lvl3pPr>
+            <a:lvl4pPr marL="3200400" indent="-457200" algn="l" defTabSz="1828800" rtl="0" eaLnBrk="1" latinLnBrk="0" hangingPunct="1">
+              <a:lnSpc>
+                <a:spcPct val="90000"/>
+              </a:lnSpc>
+              <a:spcBef>
+                <a:spcPts val="1000"/>
+              </a:spcBef>
+              <a:buFont typeface="Arial" panose="020B0604020202020204" pitchFamily="34" charset="0"/>
+              <a:buChar char="•"/>
+              <a:defRPr kumimoji="1" sz="3600" kern="1200">
+                <a:solidFill>
+                  <a:schemeClr val="tx1"/>
+                </a:solidFill>
+                <a:latin typeface="+mn-lt"/>
+                <a:ea typeface="+mn-ea"/>
+                <a:cs typeface="+mn-cs"/>
+              </a:defRPr>
+            </a:lvl4pPr>
+            <a:lvl5pPr marL="4114800" indent="-457200" algn="l" defTabSz="1828800" rtl="0" eaLnBrk="1" latinLnBrk="0" hangingPunct="1">
+              <a:lnSpc>
+                <a:spcPct val="90000"/>
+              </a:lnSpc>
+              <a:spcBef>
+                <a:spcPts val="1000"/>
+              </a:spcBef>
+              <a:buFont typeface="Arial" panose="020B0604020202020204" pitchFamily="34" charset="0"/>
+              <a:buChar char="•"/>
+              <a:defRPr kumimoji="1" sz="3600" kern="1200">
+                <a:solidFill>
+                  <a:schemeClr val="tx1"/>
+                </a:solidFill>
+                <a:latin typeface="+mn-lt"/>
+                <a:ea typeface="+mn-ea"/>
+                <a:cs typeface="+mn-cs"/>
+              </a:defRPr>
+            </a:lvl5pPr>
+            <a:lvl6pPr marL="5029200" indent="-457200" algn="l" defTabSz="1828800" rtl="0" eaLnBrk="1" latinLnBrk="0" hangingPunct="1">
+              <a:lnSpc>
+                <a:spcPct val="90000"/>
+              </a:lnSpc>
+              <a:spcBef>
+                <a:spcPts val="1000"/>
+              </a:spcBef>
+              <a:buFont typeface="Arial" panose="020B0604020202020204" pitchFamily="34" charset="0"/>
+              <a:buChar char="•"/>
+              <a:defRPr kumimoji="1" sz="3600" kern="1200">
+                <a:solidFill>
+                  <a:schemeClr val="tx1"/>
+                </a:solidFill>
+                <a:latin typeface="+mn-lt"/>
+                <a:ea typeface="+mn-ea"/>
+                <a:cs typeface="+mn-cs"/>
+              </a:defRPr>
+            </a:lvl6pPr>
+            <a:lvl7pPr marL="5943600" indent="-457200" algn="l" defTabSz="1828800" rtl="0" eaLnBrk="1" latinLnBrk="0" hangingPunct="1">
+              <a:lnSpc>
+                <a:spcPct val="90000"/>
+              </a:lnSpc>
+              <a:spcBef>
+                <a:spcPts val="1000"/>
+              </a:spcBef>
+              <a:buFont typeface="Arial" panose="020B0604020202020204" pitchFamily="34" charset="0"/>
+              <a:buChar char="•"/>
+              <a:defRPr kumimoji="1" sz="3600" kern="1200">
+                <a:solidFill>
+                  <a:schemeClr val="tx1"/>
+                </a:solidFill>
+                <a:latin typeface="+mn-lt"/>
+                <a:ea typeface="+mn-ea"/>
+                <a:cs typeface="+mn-cs"/>
+              </a:defRPr>
+            </a:lvl7pPr>
+            <a:lvl8pPr marL="6858000" indent="-457200" algn="l" defTabSz="1828800" rtl="0" eaLnBrk="1" latinLnBrk="0" hangingPunct="1">
+              <a:lnSpc>
+                <a:spcPct val="90000"/>
+              </a:lnSpc>
+              <a:spcBef>
+                <a:spcPts val="1000"/>
+              </a:spcBef>
+              <a:buFont typeface="Arial" panose="020B0604020202020204" pitchFamily="34" charset="0"/>
+              <a:buChar char="•"/>
+              <a:defRPr kumimoji="1" sz="3600" kern="1200">
+                <a:solidFill>
+                  <a:schemeClr val="tx1"/>
+                </a:solidFill>
+                <a:latin typeface="+mn-lt"/>
+                <a:ea typeface="+mn-ea"/>
+                <a:cs typeface="+mn-cs"/>
+              </a:defRPr>
+            </a:lvl8pPr>
+            <a:lvl9pPr marL="7772400" indent="-457200" algn="l" defTabSz="1828800" rtl="0" eaLnBrk="1" latinLnBrk="0" hangingPunct="1">
+              <a:lnSpc>
+                <a:spcPct val="90000"/>
+              </a:lnSpc>
+              <a:spcBef>
+                <a:spcPts val="1000"/>
+              </a:spcBef>
+              <a:buFont typeface="Arial" panose="020B0604020202020204" pitchFamily="34" charset="0"/>
+              <a:buChar char="•"/>
+              <a:defRPr kumimoji="1" sz="3600" kern="1200">
+                <a:solidFill>
+                  <a:schemeClr val="tx1"/>
+                </a:solidFill>
+                <a:latin typeface="+mn-lt"/>
+                <a:ea typeface="+mn-ea"/>
+                <a:cs typeface="+mn-cs"/>
+              </a:defRPr>
+            </a:lvl9pPr>
+          </a:lstStyle>
+          <a:p>
+            <a:r>
+              <a:rPr lang="ja-JP" altLang="en-US"/>
+              <a:t>レベル</a:t>
+            </a:r>
+            <a:r>
+              <a:rPr lang="en-US" altLang="ja-JP" dirty="0"/>
+              <a:t>1</a:t>
+            </a:r>
+            <a:endParaRPr lang="ja-JP" altLang="en-US"/>
+          </a:p>
+        </p:txBody>
+      </p:sp>
+    </p:spTree>
+    <p:extLst>
+      <p:ext uri="{BB962C8B-B14F-4D97-AF65-F5344CB8AC3E}">
+        <p14:creationId xmlns:p14="http://schemas.microsoft.com/office/powerpoint/2010/main" val="2761284008"/>
+      </p:ext>
+    </p:extLst>
+  </p:cSld>
+  <p:clrMapOvr>
+    <a:masterClrMapping/>
+  </p:clrMapOvr>
+</p:sld>
+</file>
+
+<file path=ppt/slides/slide5.xml><?xml version="1.0" encoding="utf-8"?>
 <p:sld xmlns:a="http://schemas.openxmlformats.org/drawingml/2006/main" xmlns:r="http://schemas.openxmlformats.org/officeDocument/2006/relationships" xmlns:p="http://schemas.openxmlformats.org/presentationml/2006/main" show="0">
   <p:cSld>
     <p:spTree>
@@ -6929,97 +9256,6 @@
               <a:t>1</a:t>
             </a:r>
             <a:endParaRPr lang="ja-JP" altLang="en-US"/>
-          </a:p>
-        </p:txBody>
-      </p:sp>
-      <p:sp>
-        <p:nvSpPr>
-          <p:cNvPr id="2" name="日付プレースホルダー 1">
-            <a:extLst>
-              <a:ext uri="{FF2B5EF4-FFF2-40B4-BE49-F238E27FC236}">
-                <a16:creationId xmlns:a16="http://schemas.microsoft.com/office/drawing/2014/main" id="{403CEC79-0CED-0049-8378-29C5D59AD9F8}"/>
-              </a:ext>
-            </a:extLst>
-          </p:cNvPr>
-          <p:cNvSpPr>
-            <a:spLocks noGrp="1"/>
-          </p:cNvSpPr>
-          <p:nvPr>
-            <p:ph type="dt" sz="half" idx="10"/>
-          </p:nvPr>
-        </p:nvSpPr>
-        <p:spPr/>
-        <p:txBody>
-          <a:bodyPr/>
-          <a:lstStyle/>
-          <a:p>
-            <a:fld id="{6967523D-959F-A94C-B98B-CA044E0D0BC9}" type="datetime1">
-              <a:rPr kumimoji="1" lang="ja-JP" altLang="en-US" smtClean="0"/>
-              <a:t>2018/4/25</a:t>
-            </a:fld>
-            <a:endParaRPr kumimoji="1" lang="ja-JP" altLang="en-US"/>
-          </a:p>
-        </p:txBody>
-      </p:sp>
-      <p:sp>
-        <p:nvSpPr>
-          <p:cNvPr id="3" name="フッター プレースホルダー 2">
-            <a:extLst>
-              <a:ext uri="{FF2B5EF4-FFF2-40B4-BE49-F238E27FC236}">
-                <a16:creationId xmlns:a16="http://schemas.microsoft.com/office/drawing/2014/main" id="{08B115FF-3E9A-3340-93ED-B10725957888}"/>
-              </a:ext>
-            </a:extLst>
-          </p:cNvPr>
-          <p:cNvSpPr>
-            <a:spLocks noGrp="1"/>
-          </p:cNvSpPr>
-          <p:nvPr>
-            <p:ph type="ftr" sz="quarter" idx="11"/>
-          </p:nvPr>
-        </p:nvSpPr>
-        <p:spPr/>
-        <p:txBody>
-          <a:bodyPr/>
-          <a:lstStyle/>
-          <a:p>
-            <a:r>
-              <a:rPr kumimoji="1" lang="ja-JP" altLang="en-US"/>
-              <a:t>文献講読発表</a:t>
-            </a:r>
-            <a:r>
-              <a:rPr kumimoji="1" lang="en-US" altLang="ja-JP"/>
-              <a:t>(2018.04.25)</a:t>
-            </a:r>
-            <a:endParaRPr kumimoji="1" lang="ja-JP" altLang="en-US"/>
-          </a:p>
-        </p:txBody>
-      </p:sp>
-      <p:sp>
-        <p:nvSpPr>
-          <p:cNvPr id="4" name="スライド番号プレースホルダー 3">
-            <a:extLst>
-              <a:ext uri="{FF2B5EF4-FFF2-40B4-BE49-F238E27FC236}">
-                <a16:creationId xmlns:a16="http://schemas.microsoft.com/office/drawing/2014/main" id="{B68418F1-6258-2E44-BBE1-7D966A344117}"/>
-              </a:ext>
-            </a:extLst>
-          </p:cNvPr>
-          <p:cNvSpPr>
-            <a:spLocks noGrp="1"/>
-          </p:cNvSpPr>
-          <p:nvPr>
-            <p:ph type="sldNum" sz="quarter" idx="12"/>
-          </p:nvPr>
-        </p:nvSpPr>
-        <p:spPr/>
-        <p:txBody>
-          <a:bodyPr/>
-          <a:lstStyle/>
-          <a:p>
-            <a:fld id="{89242BC1-393D-1248-985B-18DA624F2964}" type="slidenum">
-              <a:rPr kumimoji="1" lang="ja-JP" altLang="en-US" smtClean="0"/>
-              <a:t>4</a:t>
-            </a:fld>
-            <a:endParaRPr kumimoji="1" lang="ja-JP" altLang="en-US"/>
           </a:p>
         </p:txBody>
       </p:sp>

--- a/presentation_1st.pptx
+++ b/presentation_1st.pptx
@@ -5,7 +5,7 @@
     <p:sldMasterId id="2147483675" r:id="rId1"/>
   </p:sldMasterIdLst>
   <p:notesMasterIdLst>
-    <p:notesMasterId r:id="rId14"/>
+    <p:notesMasterId r:id="rId16"/>
   </p:notesMasterIdLst>
   <p:sldIdLst>
     <p:sldId id="256" r:id="rId2"/>
@@ -18,8 +18,10 @@
     <p:sldId id="275" r:id="rId9"/>
     <p:sldId id="276" r:id="rId10"/>
     <p:sldId id="277" r:id="rId11"/>
-    <p:sldId id="270" r:id="rId12"/>
-    <p:sldId id="267" r:id="rId13"/>
+    <p:sldId id="279" r:id="rId12"/>
+    <p:sldId id="280" r:id="rId13"/>
+    <p:sldId id="270" r:id="rId14"/>
+    <p:sldId id="267" r:id="rId15"/>
   </p:sldIdLst>
   <p:sldSz cx="18288000" cy="13716000"/>
   <p:notesSz cx="6858000" cy="9144000"/>
@@ -121,7 +123,7 @@
   <p:extLst>
     <p:ext uri="{EFAFB233-063F-42B5-8137-9DF3F51BA10A}">
       <p15:sldGuideLst xmlns:p15="http://schemas.microsoft.com/office/powerpoint/2012/main">
-        <p15:guide id="1" orient="horz" pos="3504" userDrawn="1">
+        <p15:guide id="1" orient="horz" pos="3617" userDrawn="1">
           <p15:clr>
             <a:srgbClr val="A4A3A4"/>
           </p15:clr>
@@ -224,7 +226,7 @@
           <a:p>
             <a:fld id="{5AB360EB-EED5-E74A-9E1B-64442734BBCE}" type="datetimeFigureOut">
               <a:rPr kumimoji="1" lang="ja-JP" altLang="en-US" smtClean="0"/>
-              <a:t>2018/4/30</a:t>
+              <a:t>2018/5/1</a:t>
             </a:fld>
             <a:endParaRPr kumimoji="1" lang="ja-JP" altLang="en-US"/>
           </a:p>
@@ -625,6 +627,108 @@
 </p:notes>
 </file>
 
+<file path=ppt/notesSlides/notesSlide10.xml><?xml version="1.0" encoding="utf-8"?>
+<p:notes xmlns:a="http://schemas.openxmlformats.org/drawingml/2006/main" xmlns:r="http://schemas.openxmlformats.org/officeDocument/2006/relationships" xmlns:p="http://schemas.openxmlformats.org/presentationml/2006/main">
+  <p:cSld>
+    <p:spTree>
+      <p:nvGrpSpPr>
+        <p:cNvPr id="1" name=""/>
+        <p:cNvGrpSpPr/>
+        <p:nvPr/>
+      </p:nvGrpSpPr>
+      <p:grpSpPr>
+        <a:xfrm>
+          <a:off x="0" y="0"/>
+          <a:ext cx="0" cy="0"/>
+          <a:chOff x="0" y="0"/>
+          <a:chExt cx="0" cy="0"/>
+        </a:xfrm>
+      </p:grpSpPr>
+      <p:sp>
+        <p:nvSpPr>
+          <p:cNvPr id="2" name="スライド イメージ プレースホルダー 1"/>
+          <p:cNvSpPr>
+            <a:spLocks noGrp="1" noRot="1" noChangeAspect="1"/>
+          </p:cNvSpPr>
+          <p:nvPr>
+            <p:ph type="sldImg"/>
+          </p:nvPr>
+        </p:nvSpPr>
+        <p:spPr/>
+      </p:sp>
+      <p:sp>
+        <p:nvSpPr>
+          <p:cNvPr id="3" name="ノート プレースホルダー 2"/>
+          <p:cNvSpPr>
+            <a:spLocks noGrp="1"/>
+          </p:cNvSpPr>
+          <p:nvPr>
+            <p:ph type="body" idx="1"/>
+          </p:nvPr>
+        </p:nvSpPr>
+        <p:spPr/>
+        <p:txBody>
+          <a:bodyPr/>
+          <a:lstStyle/>
+          <a:p>
+            <a:r>
+              <a:rPr kumimoji="1" lang="ja-JP" altLang="en-US"/>
+              <a:t>すなわちレベル１が参加者にとって最も価値が低く，レベル</a:t>
+            </a:r>
+            <a:r>
+              <a:rPr kumimoji="1" lang="en-US" altLang="ja-JP" dirty="0"/>
+              <a:t>9</a:t>
+            </a:r>
+            <a:r>
+              <a:rPr kumimoji="1" lang="ja-JP" altLang="en-US"/>
+              <a:t>が最も価値が高いということ</a:t>
+            </a:r>
+            <a:endParaRPr kumimoji="1" lang="en-US" altLang="ja-JP" dirty="0"/>
+          </a:p>
+          <a:p>
+            <a:r>
+              <a:rPr kumimoji="1" lang="ja-JP" altLang="en-US"/>
+              <a:t>研究によってはレベルが上がるにつれて参加者にとっての価値が減少するとして実験しているものもある</a:t>
+            </a:r>
+          </a:p>
+        </p:txBody>
+      </p:sp>
+      <p:sp>
+        <p:nvSpPr>
+          <p:cNvPr id="4" name="スライド番号プレースホルダー 3"/>
+          <p:cNvSpPr>
+            <a:spLocks noGrp="1"/>
+          </p:cNvSpPr>
+          <p:nvPr>
+            <p:ph type="sldNum" sz="quarter" idx="10"/>
+          </p:nvPr>
+        </p:nvSpPr>
+        <p:spPr/>
+        <p:txBody>
+          <a:bodyPr/>
+          <a:lstStyle/>
+          <a:p>
+            <a:fld id="{DF04AD5B-25DE-AE41-9ACA-EFDE3C4BB9CC}" type="slidenum">
+              <a:rPr kumimoji="1" lang="ja-JP" altLang="en-US" smtClean="0"/>
+              <a:t>12</a:t>
+            </a:fld>
+            <a:endParaRPr kumimoji="1" lang="ja-JP" altLang="en-US"/>
+          </a:p>
+        </p:txBody>
+      </p:sp>
+    </p:spTree>
+    <p:extLst>
+      <p:ext uri="{BB962C8B-B14F-4D97-AF65-F5344CB8AC3E}">
+        <p14:creationId xmlns:p14="http://schemas.microsoft.com/office/powerpoint/2010/main" val="1152849528"/>
+      </p:ext>
+    </p:extLst>
+  </p:cSld>
+  <p:clrMapOvr>
+    <a:masterClrMapping/>
+  </p:clrMapOvr>
+</p:notes>
+</file>
+
 <file path=ppt/notesSlides/notesSlide2.xml><?xml version="1.0" encoding="utf-8"?>
 <p:notes xmlns:a="http://schemas.openxmlformats.org/drawingml/2006/main" xmlns:r="http://schemas.openxmlformats.org/officeDocument/2006/relationships" xmlns:p="http://schemas.openxmlformats.org/presentationml/2006/main">
   <p:cSld>
@@ -1330,6 +1434,108 @@
     <p:extLst>
       <p:ext uri="{BB962C8B-B14F-4D97-AF65-F5344CB8AC3E}">
         <p14:creationId xmlns:p14="http://schemas.microsoft.com/office/powerpoint/2010/main" val="1655815135"/>
+      </p:ext>
+    </p:extLst>
+  </p:cSld>
+  <p:clrMapOvr>
+    <a:masterClrMapping/>
+  </p:clrMapOvr>
+</p:notes>
+</file>
+
+<file path=ppt/notesSlides/notesSlide9.xml><?xml version="1.0" encoding="utf-8"?>
+<p:notes xmlns:a="http://schemas.openxmlformats.org/drawingml/2006/main" xmlns:r="http://schemas.openxmlformats.org/officeDocument/2006/relationships" xmlns:p="http://schemas.openxmlformats.org/presentationml/2006/main">
+  <p:cSld>
+    <p:spTree>
+      <p:nvGrpSpPr>
+        <p:cNvPr id="1" name=""/>
+        <p:cNvGrpSpPr/>
+        <p:nvPr/>
+      </p:nvGrpSpPr>
+      <p:grpSpPr>
+        <a:xfrm>
+          <a:off x="0" y="0"/>
+          <a:ext cx="0" cy="0"/>
+          <a:chOff x="0" y="0"/>
+          <a:chExt cx="0" cy="0"/>
+        </a:xfrm>
+      </p:grpSpPr>
+      <p:sp>
+        <p:nvSpPr>
+          <p:cNvPr id="2" name="スライド イメージ プレースホルダー 1"/>
+          <p:cNvSpPr>
+            <a:spLocks noGrp="1" noRot="1" noChangeAspect="1"/>
+          </p:cNvSpPr>
+          <p:nvPr>
+            <p:ph type="sldImg"/>
+          </p:nvPr>
+        </p:nvSpPr>
+        <p:spPr/>
+      </p:sp>
+      <p:sp>
+        <p:nvSpPr>
+          <p:cNvPr id="3" name="ノート プレースホルダー 2"/>
+          <p:cNvSpPr>
+            <a:spLocks noGrp="1"/>
+          </p:cNvSpPr>
+          <p:nvPr>
+            <p:ph type="body" idx="1"/>
+          </p:nvPr>
+        </p:nvSpPr>
+        <p:spPr/>
+        <p:txBody>
+          <a:bodyPr/>
+          <a:lstStyle/>
+          <a:p>
+            <a:r>
+              <a:rPr kumimoji="1" lang="ja-JP" altLang="en-US"/>
+              <a:t>すなわちレベル１が参加者にとって最も価値が低く，レベル</a:t>
+            </a:r>
+            <a:r>
+              <a:rPr kumimoji="1" lang="en-US" altLang="ja-JP" dirty="0"/>
+              <a:t>9</a:t>
+            </a:r>
+            <a:r>
+              <a:rPr kumimoji="1" lang="ja-JP" altLang="en-US"/>
+              <a:t>が最も価値が高いということ</a:t>
+            </a:r>
+            <a:endParaRPr kumimoji="1" lang="en-US" altLang="ja-JP" dirty="0"/>
+          </a:p>
+          <a:p>
+            <a:r>
+              <a:rPr kumimoji="1" lang="ja-JP" altLang="en-US"/>
+              <a:t>研究によってはレベルが上がるにつれて参加者にとっての価値が減少するとして実験しているものもある</a:t>
+            </a:r>
+          </a:p>
+        </p:txBody>
+      </p:sp>
+      <p:sp>
+        <p:nvSpPr>
+          <p:cNvPr id="4" name="スライド番号プレースホルダー 3"/>
+          <p:cNvSpPr>
+            <a:spLocks noGrp="1"/>
+          </p:cNvSpPr>
+          <p:nvPr>
+            <p:ph type="sldNum" sz="quarter" idx="10"/>
+          </p:nvPr>
+        </p:nvSpPr>
+        <p:spPr/>
+        <p:txBody>
+          <a:bodyPr/>
+          <a:lstStyle/>
+          <a:p>
+            <a:fld id="{DF04AD5B-25DE-AE41-9ACA-EFDE3C4BB9CC}" type="slidenum">
+              <a:rPr kumimoji="1" lang="ja-JP" altLang="en-US" smtClean="0"/>
+              <a:t>11</a:t>
+            </a:fld>
+            <a:endParaRPr kumimoji="1" lang="ja-JP" altLang="en-US"/>
+          </a:p>
+        </p:txBody>
+      </p:sp>
+    </p:spTree>
+    <p:extLst>
+      <p:ext uri="{BB962C8B-B14F-4D97-AF65-F5344CB8AC3E}">
+        <p14:creationId xmlns:p14="http://schemas.microsoft.com/office/powerpoint/2010/main" val="370196926"/>
       </p:ext>
     </p:extLst>
   </p:cSld>
@@ -1537,7 +1743,7 @@
           <a:p>
             <a:fld id="{946C4969-FCF6-9A4B-A014-2759BD8276AA}" type="datetime1">
               <a:rPr lang="ja-JP" altLang="en-US" smtClean="0"/>
-              <a:t>2018/4/30</a:t>
+              <a:t>2018/5/1</a:t>
             </a:fld>
             <a:endParaRPr lang="ja-JP" altLang="en-US"/>
           </a:p>
@@ -1819,7 +2025,7 @@
           <a:p>
             <a:fld id="{C873D902-A6A2-3E4F-84E4-DAFA7714B07D}" type="datetime1">
               <a:rPr kumimoji="1" lang="ja-JP" altLang="en-US" smtClean="0"/>
-              <a:t>2018/4/30</a:t>
+              <a:t>2018/5/1</a:t>
             </a:fld>
             <a:endParaRPr kumimoji="1" lang="ja-JP" altLang="en-US"/>
           </a:p>
@@ -2029,7 +2235,7 @@
           <a:p>
             <a:fld id="{4CDECCDF-310C-374D-BB94-D136190EAB42}" type="datetime1">
               <a:rPr kumimoji="1" lang="ja-JP" altLang="en-US" smtClean="0"/>
-              <a:t>2018/4/30</a:t>
+              <a:t>2018/5/1</a:t>
             </a:fld>
             <a:endParaRPr kumimoji="1" lang="ja-JP" altLang="en-US"/>
           </a:p>
@@ -2249,7 +2455,7 @@
           <a:p>
             <a:fld id="{74AA985E-1DBC-D74B-BF22-84B5E59DA9AB}" type="datetime1">
               <a:rPr kumimoji="1" lang="ja-JP" altLang="en-US" smtClean="0"/>
-              <a:t>2018/4/30</a:t>
+              <a:t>2018/5/1</a:t>
             </a:fld>
             <a:endParaRPr kumimoji="1" lang="ja-JP" altLang="en-US"/>
           </a:p>
@@ -2352,7 +2558,7 @@
           <a:p>
             <a:fld id="{BA7AA989-C6B8-3949-9280-88DA60BA6993}" type="datetime1">
               <a:rPr lang="ja-JP" altLang="en-US" smtClean="0"/>
-              <a:t>2018/4/30</a:t>
+              <a:t>2018/5/1</a:t>
             </a:fld>
             <a:endParaRPr lang="ja-JP" altLang="en-US"/>
           </a:p>
@@ -2652,7 +2858,7 @@
           <a:p>
             <a:fld id="{3F1F6298-E70F-6E41-95A4-202B038AE5AD}" type="datetime1">
               <a:rPr lang="ja-JP" altLang="en-US" smtClean="0"/>
-              <a:t>2018/4/30</a:t>
+              <a:t>2018/5/1</a:t>
             </a:fld>
             <a:endParaRPr lang="ja-JP" altLang="en-US"/>
           </a:p>
@@ -2801,7 +3007,7 @@
           <a:p>
             <a:fld id="{F407E6D9-35D5-3345-B114-7ABEB4B75DB7}" type="datetime1">
               <a:rPr kumimoji="1" lang="ja-JP" altLang="en-US" smtClean="0"/>
-              <a:t>2018/4/30</a:t>
+              <a:t>2018/5/1</a:t>
             </a:fld>
             <a:endParaRPr kumimoji="1" lang="ja-JP" altLang="en-US"/>
           </a:p>
@@ -3557,7 +3763,7 @@
           <a:p>
             <a:fld id="{81C6AF7C-E2A8-CC4E-BEDD-195A92C7E78A}" type="datetime1">
               <a:rPr kumimoji="1" lang="ja-JP" altLang="en-US" smtClean="0"/>
-              <a:t>2018/4/30</a:t>
+              <a:t>2018/5/1</a:t>
             </a:fld>
             <a:endParaRPr kumimoji="1" lang="ja-JP" altLang="en-US"/>
           </a:p>
@@ -3996,7 +4202,7 @@
           <a:p>
             <a:fld id="{FFDFA01E-E751-9841-8567-37F3714B0EC9}" type="datetime1">
               <a:rPr kumimoji="1" lang="ja-JP" altLang="en-US" smtClean="0"/>
-              <a:t>2018/4/30</a:t>
+              <a:t>2018/5/1</a:t>
             </a:fld>
             <a:endParaRPr kumimoji="1" lang="ja-JP" altLang="en-US"/>
           </a:p>
@@ -4122,7 +4328,7 @@
           <a:p>
             <a:fld id="{FFE5F467-EA1E-D94C-8F22-55DE350C1503}" type="datetime1">
               <a:rPr kumimoji="1" lang="ja-JP" altLang="en-US" smtClean="0"/>
-              <a:t>2018/4/30</a:t>
+              <a:t>2018/5/1</a:t>
             </a:fld>
             <a:endParaRPr kumimoji="1" lang="ja-JP" altLang="en-US"/>
           </a:p>
@@ -4225,7 +4431,7 @@
           <a:p>
             <a:fld id="{0B52674B-24C5-DF4D-AB73-4F3AFCA25A4F}" type="datetime1">
               <a:rPr kumimoji="1" lang="ja-JP" altLang="en-US" smtClean="0"/>
-              <a:t>2018/4/30</a:t>
+              <a:t>2018/5/1</a:t>
             </a:fld>
             <a:endParaRPr kumimoji="1" lang="ja-JP" altLang="en-US"/>
           </a:p>
@@ -4542,7 +4748,7 @@
           <a:p>
             <a:fld id="{3150F9DA-753E-254A-B6B9-BE70954A2BBF}" type="datetime1">
               <a:rPr kumimoji="1" lang="ja-JP" altLang="en-US" smtClean="0"/>
-              <a:t>2018/4/30</a:t>
+              <a:t>2018/5/1</a:t>
             </a:fld>
             <a:endParaRPr kumimoji="1" lang="ja-JP" altLang="en-US"/>
           </a:p>
@@ -4920,7 +5126,7 @@
           <a:p>
             <a:fld id="{F72E23FF-C487-5547-8AED-A8A9B893E0C0}" type="datetime1">
               <a:rPr lang="ja-JP" altLang="en-US" smtClean="0"/>
-              <a:t>2018/4/30</a:t>
+              <a:t>2018/5/1</a:t>
             </a:fld>
             <a:endParaRPr lang="ja-JP" altLang="en-US"/>
           </a:p>
@@ -5463,7 +5669,7 @@
           <a:p>
             <a:fld id="{6C1C55C2-9AF4-654D-9969-8A67901B3DA3}" type="datetime1">
               <a:rPr lang="ja-JP" altLang="en-US" smtClean="0"/>
-              <a:t>2018/4/30</a:t>
+              <a:t>2018/5/1</a:t>
             </a:fld>
             <a:endParaRPr lang="ja-JP" altLang="en-US"/>
           </a:p>
@@ -5585,7 +5791,7 @@
           <a:p>
             <a:fld id="{E987203A-5B41-5648-8157-822A487E08FC}" type="datetime1">
               <a:rPr lang="ja-JP" altLang="en-US" smtClean="0"/>
-              <a:t>2018/4/30</a:t>
+              <a:t>2018/5/1</a:t>
             </a:fld>
             <a:endParaRPr lang="ja-JP" altLang="en-US"/>
           </a:p>
@@ -5706,7 +5912,7 @@
           <a:p>
             <a:r>
               <a:rPr lang="ja-JP" altLang="en-US"/>
-              <a:t>実験</a:t>
+              <a:t>実験概要</a:t>
             </a:r>
             <a:endParaRPr kumimoji="1" lang="ja-JP" altLang="en-US"/>
           </a:p>
@@ -8209,6 +8415,5809 @@
           <p:cNvPr id="2" name="日付プレースホルダー 1">
             <a:extLst>
               <a:ext uri="{FF2B5EF4-FFF2-40B4-BE49-F238E27FC236}">
+                <a16:creationId xmlns:a16="http://schemas.microsoft.com/office/drawing/2014/main" id="{9A3628AA-5FBA-534C-B3C4-2DB73F7968C2}"/>
+              </a:ext>
+            </a:extLst>
+          </p:cNvPr>
+          <p:cNvSpPr>
+            <a:spLocks noGrp="1"/>
+          </p:cNvSpPr>
+          <p:nvPr>
+            <p:ph type="dt" sz="half" idx="10"/>
+          </p:nvPr>
+        </p:nvSpPr>
+        <p:spPr/>
+        <p:txBody>
+          <a:bodyPr/>
+          <a:lstStyle/>
+          <a:p>
+            <a:fld id="{E987203A-5B41-5648-8157-822A487E08FC}" type="datetime1">
+              <a:rPr lang="ja-JP" altLang="en-US" smtClean="0"/>
+              <a:t>2018/5/1</a:t>
+            </a:fld>
+            <a:endParaRPr lang="ja-JP" altLang="en-US"/>
+          </a:p>
+        </p:txBody>
+      </p:sp>
+      <p:sp>
+        <p:nvSpPr>
+          <p:cNvPr id="3" name="フッター プレースホルダー 2">
+            <a:extLst>
+              <a:ext uri="{FF2B5EF4-FFF2-40B4-BE49-F238E27FC236}">
+                <a16:creationId xmlns:a16="http://schemas.microsoft.com/office/drawing/2014/main" id="{98D8000A-67DE-B846-8AE0-A91C6FD8ECBB}"/>
+              </a:ext>
+            </a:extLst>
+          </p:cNvPr>
+          <p:cNvSpPr>
+            <a:spLocks noGrp="1"/>
+          </p:cNvSpPr>
+          <p:nvPr>
+            <p:ph type="ftr" sz="quarter" idx="11"/>
+          </p:nvPr>
+        </p:nvSpPr>
+        <p:spPr/>
+        <p:txBody>
+          <a:bodyPr/>
+          <a:lstStyle/>
+          <a:p>
+            <a:r>
+              <a:rPr lang="ja-JP" altLang="en-US"/>
+              <a:t>文献講読発表</a:t>
+            </a:r>
+            <a:r>
+              <a:rPr lang="en-US" altLang="ja-JP"/>
+              <a:t>(2018.04.25)</a:t>
+            </a:r>
+            <a:endParaRPr lang="ja-JP" altLang="en-US"/>
+          </a:p>
+        </p:txBody>
+      </p:sp>
+      <p:sp>
+        <p:nvSpPr>
+          <p:cNvPr id="4" name="スライド番号プレースホルダー 3">
+            <a:extLst>
+              <a:ext uri="{FF2B5EF4-FFF2-40B4-BE49-F238E27FC236}">
+                <a16:creationId xmlns:a16="http://schemas.microsoft.com/office/drawing/2014/main" id="{5241896A-DBD1-D845-A5F2-1904C1003E91}"/>
+              </a:ext>
+            </a:extLst>
+          </p:cNvPr>
+          <p:cNvSpPr>
+            <a:spLocks noGrp="1"/>
+          </p:cNvSpPr>
+          <p:nvPr>
+            <p:ph type="sldNum" sz="quarter" idx="12"/>
+          </p:nvPr>
+        </p:nvSpPr>
+        <p:spPr/>
+        <p:txBody>
+          <a:bodyPr/>
+          <a:lstStyle/>
+          <a:p>
+            <a:fld id="{89242BC1-393D-1248-985B-18DA624F2964}" type="slidenum">
+              <a:rPr lang="ja-JP" altLang="en-US" smtClean="0"/>
+              <a:pPr/>
+              <a:t>11</a:t>
+            </a:fld>
+            <a:endParaRPr lang="ja-JP" altLang="en-US"/>
+          </a:p>
+        </p:txBody>
+      </p:sp>
+      <p:sp>
+        <p:nvSpPr>
+          <p:cNvPr id="5" name="テキスト プレースホルダー 4">
+            <a:extLst>
+              <a:ext uri="{FF2B5EF4-FFF2-40B4-BE49-F238E27FC236}">
+                <a16:creationId xmlns:a16="http://schemas.microsoft.com/office/drawing/2014/main" id="{9F22905A-C42A-1845-B4C2-9D8885E87338}"/>
+              </a:ext>
+            </a:extLst>
+          </p:cNvPr>
+          <p:cNvSpPr>
+            <a:spLocks noGrp="1"/>
+          </p:cNvSpPr>
+          <p:nvPr>
+            <p:ph type="body" sz="quarter" idx="13"/>
+          </p:nvPr>
+        </p:nvSpPr>
+        <p:spPr/>
+        <p:txBody>
+          <a:bodyPr/>
+          <a:lstStyle/>
+          <a:p>
+            <a:r>
+              <a:rPr kumimoji="1" lang="en-US" altLang="ja-JP" dirty="0"/>
+              <a:t>3</a:t>
+            </a:r>
+            <a:endParaRPr kumimoji="1" lang="ja-JP" altLang="en-US"/>
+          </a:p>
+        </p:txBody>
+      </p:sp>
+      <p:sp>
+        <p:nvSpPr>
+          <p:cNvPr id="6" name="テキスト プレースホルダー 5">
+            <a:extLst>
+              <a:ext uri="{FF2B5EF4-FFF2-40B4-BE49-F238E27FC236}">
+                <a16:creationId xmlns:a16="http://schemas.microsoft.com/office/drawing/2014/main" id="{A72A944A-0DD6-C246-AA6A-153A95866A6D}"/>
+              </a:ext>
+            </a:extLst>
+          </p:cNvPr>
+          <p:cNvSpPr>
+            <a:spLocks noGrp="1"/>
+          </p:cNvSpPr>
+          <p:nvPr>
+            <p:ph type="body" sz="quarter" idx="14"/>
+          </p:nvPr>
+        </p:nvSpPr>
+        <p:spPr/>
+        <p:txBody>
+          <a:bodyPr/>
+          <a:lstStyle/>
+          <a:p>
+            <a:r>
+              <a:rPr lang="ja-JP" altLang="en-US"/>
+              <a:t>実験結果</a:t>
+            </a:r>
+            <a:endParaRPr kumimoji="1" lang="ja-JP" altLang="en-US"/>
+          </a:p>
+        </p:txBody>
+      </p:sp>
+      <p:grpSp>
+        <p:nvGrpSpPr>
+          <p:cNvPr id="7" name="グループ化 6">
+            <a:extLst>
+              <a:ext uri="{FF2B5EF4-FFF2-40B4-BE49-F238E27FC236}">
+                <a16:creationId xmlns:a16="http://schemas.microsoft.com/office/drawing/2014/main" id="{F8338825-4221-E148-A389-BAB1DC0ADD53}"/>
+              </a:ext>
+            </a:extLst>
+          </p:cNvPr>
+          <p:cNvGrpSpPr/>
+          <p:nvPr/>
+        </p:nvGrpSpPr>
+        <p:grpSpPr>
+          <a:xfrm>
+            <a:off x="289330" y="1413298"/>
+            <a:ext cx="2160000" cy="934436"/>
+            <a:chOff x="144665" y="525617"/>
+            <a:chExt cx="1080000" cy="467218"/>
+          </a:xfrm>
+        </p:grpSpPr>
+        <p:sp>
+          <p:nvSpPr>
+            <p:cNvPr id="8" name="正方形/長方形 7">
+              <a:extLst>
+                <a:ext uri="{FF2B5EF4-FFF2-40B4-BE49-F238E27FC236}">
+                  <a16:creationId xmlns:a16="http://schemas.microsoft.com/office/drawing/2014/main" id="{0E268681-EBDD-6B46-A968-4A957382FC63}"/>
+                </a:ext>
+              </a:extLst>
+            </p:cNvPr>
+            <p:cNvSpPr/>
+            <p:nvPr userDrawn="1"/>
+          </p:nvSpPr>
+          <p:spPr>
+            <a:xfrm>
+              <a:off x="145524" y="542424"/>
+              <a:ext cx="91081" cy="450411"/>
+            </a:xfrm>
+            <a:prstGeom prst="rect">
+              <a:avLst/>
+            </a:prstGeom>
+            <a:solidFill>
+              <a:schemeClr val="accent1"/>
+            </a:solidFill>
+            <a:ln>
+              <a:noFill/>
+            </a:ln>
+          </p:spPr>
+          <p:style>
+            <a:lnRef idx="2">
+              <a:schemeClr val="accent1">
+                <a:shade val="50000"/>
+              </a:schemeClr>
+            </a:lnRef>
+            <a:fillRef idx="1">
+              <a:schemeClr val="accent1"/>
+            </a:fillRef>
+            <a:effectRef idx="0">
+              <a:schemeClr val="accent1"/>
+            </a:effectRef>
+            <a:fontRef idx="minor">
+              <a:schemeClr val="lt1"/>
+            </a:fontRef>
+          </p:style>
+          <p:txBody>
+            <a:bodyPr rot="0" spcFirstLastPara="0" vertOverflow="overflow" horzOverflow="overflow" vert="horz" wrap="square" lIns="68580" tIns="34290" rIns="68580" bIns="34290" numCol="1" spcCol="0" rtlCol="0" fromWordArt="0" anchor="ctr" anchorCtr="0" forceAA="0" compatLnSpc="1">
+              <a:prstTxWarp prst="textNoShape">
+                <a:avLst/>
+              </a:prstTxWarp>
+              <a:noAutofit/>
+            </a:bodyPr>
+            <a:lstStyle/>
+            <a:p>
+              <a:pPr algn="ctr"/>
+              <a:endParaRPr kumimoji="1" lang="ja-JP" altLang="en-US" sz="2700"/>
+            </a:p>
+          </p:txBody>
+        </p:sp>
+        <p:sp>
+          <p:nvSpPr>
+            <p:cNvPr id="9" name="正方形/長方形 8">
+              <a:extLst>
+                <a:ext uri="{FF2B5EF4-FFF2-40B4-BE49-F238E27FC236}">
+                  <a16:creationId xmlns:a16="http://schemas.microsoft.com/office/drawing/2014/main" id="{3FAD45B4-C2FE-CA41-B80D-D3EA8853BBC9}"/>
+                </a:ext>
+              </a:extLst>
+            </p:cNvPr>
+            <p:cNvSpPr/>
+            <p:nvPr userDrawn="1"/>
+          </p:nvSpPr>
+          <p:spPr>
+            <a:xfrm>
+              <a:off x="144665" y="525617"/>
+              <a:ext cx="1080000" cy="16137"/>
+            </a:xfrm>
+            <a:prstGeom prst="rect">
+              <a:avLst/>
+            </a:prstGeom>
+            <a:solidFill>
+              <a:schemeClr val="accent1"/>
+            </a:solidFill>
+            <a:ln>
+              <a:noFill/>
+            </a:ln>
+          </p:spPr>
+          <p:style>
+            <a:lnRef idx="2">
+              <a:schemeClr val="accent1">
+                <a:shade val="50000"/>
+              </a:schemeClr>
+            </a:lnRef>
+            <a:fillRef idx="1">
+              <a:schemeClr val="accent1"/>
+            </a:fillRef>
+            <a:effectRef idx="0">
+              <a:schemeClr val="accent1"/>
+            </a:effectRef>
+            <a:fontRef idx="minor">
+              <a:schemeClr val="lt1"/>
+            </a:fontRef>
+          </p:style>
+          <p:txBody>
+            <a:bodyPr rot="0" spcFirstLastPara="0" vertOverflow="overflow" horzOverflow="overflow" vert="horz" wrap="square" lIns="68580" tIns="34290" rIns="68580" bIns="34290" numCol="1" spcCol="0" rtlCol="0" fromWordArt="0" anchor="ctr" anchorCtr="0" forceAA="0" compatLnSpc="1">
+              <a:prstTxWarp prst="textNoShape">
+                <a:avLst/>
+              </a:prstTxWarp>
+              <a:noAutofit/>
+            </a:bodyPr>
+            <a:lstStyle/>
+            <a:p>
+              <a:pPr algn="ctr"/>
+              <a:endParaRPr kumimoji="1" lang="ja-JP" altLang="en-US" sz="2700"/>
+            </a:p>
+          </p:txBody>
+        </p:sp>
+      </p:grpSp>
+      <p:grpSp>
+        <p:nvGrpSpPr>
+          <p:cNvPr id="10" name="グループ化 9">
+            <a:extLst>
+              <a:ext uri="{FF2B5EF4-FFF2-40B4-BE49-F238E27FC236}">
+                <a16:creationId xmlns:a16="http://schemas.microsoft.com/office/drawing/2014/main" id="{16BF773A-C7D0-4047-93D7-93F6E4FD7F4C}"/>
+              </a:ext>
+            </a:extLst>
+          </p:cNvPr>
+          <p:cNvGrpSpPr/>
+          <p:nvPr/>
+        </p:nvGrpSpPr>
+        <p:grpSpPr>
+          <a:xfrm>
+            <a:off x="617232" y="2557358"/>
+            <a:ext cx="539448" cy="487368"/>
+            <a:chOff x="400056" y="1061560"/>
+            <a:chExt cx="269724" cy="243684"/>
+          </a:xfrm>
+        </p:grpSpPr>
+        <p:sp>
+          <p:nvSpPr>
+            <p:cNvPr id="11" name="三角形 10">
+              <a:extLst>
+                <a:ext uri="{FF2B5EF4-FFF2-40B4-BE49-F238E27FC236}">
+                  <a16:creationId xmlns:a16="http://schemas.microsoft.com/office/drawing/2014/main" id="{B837EC6D-DFF8-7343-B171-EF2CF1C28D4B}"/>
+                </a:ext>
+              </a:extLst>
+            </p:cNvPr>
+            <p:cNvSpPr/>
+            <p:nvPr userDrawn="1"/>
+          </p:nvSpPr>
+          <p:spPr>
+            <a:xfrm rot="5400000">
+              <a:off x="359835" y="1105015"/>
+              <a:ext cx="240450" cy="160008"/>
+            </a:xfrm>
+            <a:prstGeom prst="triangle">
+              <a:avLst/>
+            </a:prstGeom>
+            <a:solidFill>
+              <a:schemeClr val="accent1"/>
+            </a:solidFill>
+            <a:ln>
+              <a:noFill/>
+            </a:ln>
+          </p:spPr>
+          <p:style>
+            <a:lnRef idx="0">
+              <a:scrgbClr r="0" g="0" b="0"/>
+            </a:lnRef>
+            <a:fillRef idx="0">
+              <a:scrgbClr r="0" g="0" b="0"/>
+            </a:fillRef>
+            <a:effectRef idx="0">
+              <a:scrgbClr r="0" g="0" b="0"/>
+            </a:effectRef>
+            <a:fontRef idx="minor">
+              <a:schemeClr val="lt1"/>
+            </a:fontRef>
+          </p:style>
+          <p:txBody>
+            <a:bodyPr rtlCol="0" anchor="ctr"/>
+            <a:lstStyle/>
+            <a:p>
+              <a:pPr algn="ctr"/>
+              <a:endParaRPr kumimoji="1" lang="ja-JP" altLang="en-US" sz="7200"/>
+            </a:p>
+          </p:txBody>
+        </p:sp>
+        <p:sp>
+          <p:nvSpPr>
+            <p:cNvPr id="12" name="三角形 11">
+              <a:extLst>
+                <a:ext uri="{FF2B5EF4-FFF2-40B4-BE49-F238E27FC236}">
+                  <a16:creationId xmlns:a16="http://schemas.microsoft.com/office/drawing/2014/main" id="{232D445D-4D73-1242-8CD4-8C96A74E87A6}"/>
+                </a:ext>
+              </a:extLst>
+            </p:cNvPr>
+            <p:cNvSpPr/>
+            <p:nvPr userDrawn="1"/>
+          </p:nvSpPr>
+          <p:spPr>
+            <a:xfrm rot="5400000">
+              <a:off x="469551" y="1101781"/>
+              <a:ext cx="240450" cy="160008"/>
+            </a:xfrm>
+            <a:prstGeom prst="triangle">
+              <a:avLst/>
+            </a:prstGeom>
+            <a:solidFill>
+              <a:schemeClr val="accent1"/>
+            </a:solidFill>
+            <a:ln>
+              <a:noFill/>
+            </a:ln>
+          </p:spPr>
+          <p:style>
+            <a:lnRef idx="0">
+              <a:scrgbClr r="0" g="0" b="0"/>
+            </a:lnRef>
+            <a:fillRef idx="0">
+              <a:scrgbClr r="0" g="0" b="0"/>
+            </a:fillRef>
+            <a:effectRef idx="0">
+              <a:scrgbClr r="0" g="0" b="0"/>
+            </a:effectRef>
+            <a:fontRef idx="minor">
+              <a:schemeClr val="lt1"/>
+            </a:fontRef>
+          </p:style>
+          <p:txBody>
+            <a:bodyPr rtlCol="0" anchor="ctr"/>
+            <a:lstStyle/>
+            <a:p>
+              <a:pPr algn="ctr"/>
+              <a:endParaRPr kumimoji="1" lang="ja-JP" altLang="en-US" sz="7200"/>
+            </a:p>
+          </p:txBody>
+        </p:sp>
+      </p:grpSp>
+      <p:sp>
+        <p:nvSpPr>
+          <p:cNvPr id="13" name="三角形 12">
+            <a:extLst>
+              <a:ext uri="{FF2B5EF4-FFF2-40B4-BE49-F238E27FC236}">
+                <a16:creationId xmlns:a16="http://schemas.microsoft.com/office/drawing/2014/main" id="{170F5D20-7DA5-BE40-86C8-63D00B931690}"/>
+              </a:ext>
+            </a:extLst>
+          </p:cNvPr>
+          <p:cNvSpPr/>
+          <p:nvPr/>
+        </p:nvSpPr>
+        <p:spPr>
+          <a:xfrm rot="5400000">
+            <a:off x="1076238" y="3361776"/>
+            <a:ext cx="480900" cy="320016"/>
+          </a:xfrm>
+          <a:prstGeom prst="triangle">
+            <a:avLst/>
+          </a:prstGeom>
+          <a:solidFill>
+            <a:schemeClr val="accent1"/>
+          </a:solidFill>
+          <a:ln>
+            <a:noFill/>
+          </a:ln>
+        </p:spPr>
+        <p:style>
+          <a:lnRef idx="0">
+            <a:scrgbClr r="0" g="0" b="0"/>
+          </a:lnRef>
+          <a:fillRef idx="0">
+            <a:scrgbClr r="0" g="0" b="0"/>
+          </a:fillRef>
+          <a:effectRef idx="0">
+            <a:scrgbClr r="0" g="0" b="0"/>
+          </a:effectRef>
+          <a:fontRef idx="minor">
+            <a:schemeClr val="lt1"/>
+          </a:fontRef>
+        </p:style>
+        <p:txBody>
+          <a:bodyPr rtlCol="0" anchor="ctr"/>
+          <a:lstStyle/>
+          <a:p>
+            <a:pPr algn="ctr"/>
+            <a:endParaRPr kumimoji="1" lang="ja-JP" altLang="en-US" sz="7200"/>
+          </a:p>
+        </p:txBody>
+      </p:sp>
+      <p:sp>
+        <p:nvSpPr>
+          <p:cNvPr id="14" name="テキスト プレースホルダー 27">
+            <a:extLst>
+              <a:ext uri="{FF2B5EF4-FFF2-40B4-BE49-F238E27FC236}">
+                <a16:creationId xmlns:a16="http://schemas.microsoft.com/office/drawing/2014/main" id="{236C3152-D60C-3843-9B3D-307DB2A0E4A4}"/>
+              </a:ext>
+            </a:extLst>
+          </p:cNvPr>
+          <p:cNvSpPr txBox="1">
+            <a:spLocks/>
+          </p:cNvSpPr>
+          <p:nvPr/>
+        </p:nvSpPr>
+        <p:spPr>
+          <a:xfrm>
+            <a:off x="1254486" y="2484733"/>
+            <a:ext cx="16632960" cy="997834"/>
+          </a:xfrm>
+          <a:prstGeom prst="rect">
+            <a:avLst/>
+          </a:prstGeom>
+        </p:spPr>
+        <p:txBody>
+          <a:bodyPr>
+            <a:normAutofit/>
+          </a:bodyPr>
+          <a:lstStyle>
+            <a:lvl1pPr marL="0" indent="0" algn="l" defTabSz="1828800" rtl="0" eaLnBrk="1" latinLnBrk="0" hangingPunct="1">
+              <a:lnSpc>
+                <a:spcPct val="90000"/>
+              </a:lnSpc>
+              <a:spcBef>
+                <a:spcPts val="2000"/>
+              </a:spcBef>
+              <a:buFont typeface="Arial" panose="020B0604020202020204" pitchFamily="34" charset="0"/>
+              <a:buNone/>
+              <a:defRPr kumimoji="1" sz="4800" kern="1200">
+                <a:solidFill>
+                  <a:srgbClr val="424242"/>
+                </a:solidFill>
+                <a:latin typeface="+mn-lt"/>
+                <a:ea typeface="+mn-ea"/>
+                <a:cs typeface="+mn-cs"/>
+              </a:defRPr>
+            </a:lvl1pPr>
+            <a:lvl2pPr marL="1371600" indent="-457200" algn="l" defTabSz="1828800" rtl="0" eaLnBrk="1" latinLnBrk="0" hangingPunct="1">
+              <a:lnSpc>
+                <a:spcPct val="90000"/>
+              </a:lnSpc>
+              <a:spcBef>
+                <a:spcPts val="1000"/>
+              </a:spcBef>
+              <a:buFont typeface="Arial" panose="020B0604020202020204" pitchFamily="34" charset="0"/>
+              <a:buChar char="•"/>
+              <a:defRPr kumimoji="1" sz="4800" kern="1200">
+                <a:solidFill>
+                  <a:schemeClr val="tx1"/>
+                </a:solidFill>
+                <a:latin typeface="+mn-lt"/>
+                <a:ea typeface="+mn-ea"/>
+                <a:cs typeface="+mn-cs"/>
+              </a:defRPr>
+            </a:lvl2pPr>
+            <a:lvl3pPr marL="2286000" indent="-457200" algn="l" defTabSz="1828800" rtl="0" eaLnBrk="1" latinLnBrk="0" hangingPunct="1">
+              <a:lnSpc>
+                <a:spcPct val="90000"/>
+              </a:lnSpc>
+              <a:spcBef>
+                <a:spcPts val="1000"/>
+              </a:spcBef>
+              <a:buFont typeface="Arial" panose="020B0604020202020204" pitchFamily="34" charset="0"/>
+              <a:buChar char="•"/>
+              <a:defRPr kumimoji="1" sz="4000" kern="1200">
+                <a:solidFill>
+                  <a:schemeClr val="tx1"/>
+                </a:solidFill>
+                <a:latin typeface="+mn-lt"/>
+                <a:ea typeface="+mn-ea"/>
+                <a:cs typeface="+mn-cs"/>
+              </a:defRPr>
+            </a:lvl3pPr>
+            <a:lvl4pPr marL="3200400" indent="-457200" algn="l" defTabSz="1828800" rtl="0" eaLnBrk="1" latinLnBrk="0" hangingPunct="1">
+              <a:lnSpc>
+                <a:spcPct val="90000"/>
+              </a:lnSpc>
+              <a:spcBef>
+                <a:spcPts val="1000"/>
+              </a:spcBef>
+              <a:buFont typeface="Arial" panose="020B0604020202020204" pitchFamily="34" charset="0"/>
+              <a:buChar char="•"/>
+              <a:defRPr kumimoji="1" sz="3600" kern="1200">
+                <a:solidFill>
+                  <a:schemeClr val="tx1"/>
+                </a:solidFill>
+                <a:latin typeface="+mn-lt"/>
+                <a:ea typeface="+mn-ea"/>
+                <a:cs typeface="+mn-cs"/>
+              </a:defRPr>
+            </a:lvl4pPr>
+            <a:lvl5pPr marL="4114800" indent="-457200" algn="l" defTabSz="1828800" rtl="0" eaLnBrk="1" latinLnBrk="0" hangingPunct="1">
+              <a:lnSpc>
+                <a:spcPct val="90000"/>
+              </a:lnSpc>
+              <a:spcBef>
+                <a:spcPts val="1000"/>
+              </a:spcBef>
+              <a:buFont typeface="Arial" panose="020B0604020202020204" pitchFamily="34" charset="0"/>
+              <a:buChar char="•"/>
+              <a:defRPr kumimoji="1" sz="3600" kern="1200">
+                <a:solidFill>
+                  <a:schemeClr val="tx1"/>
+                </a:solidFill>
+                <a:latin typeface="+mn-lt"/>
+                <a:ea typeface="+mn-ea"/>
+                <a:cs typeface="+mn-cs"/>
+              </a:defRPr>
+            </a:lvl5pPr>
+            <a:lvl6pPr marL="5029200" indent="-457200" algn="l" defTabSz="1828800" rtl="0" eaLnBrk="1" latinLnBrk="0" hangingPunct="1">
+              <a:lnSpc>
+                <a:spcPct val="90000"/>
+              </a:lnSpc>
+              <a:spcBef>
+                <a:spcPts val="1000"/>
+              </a:spcBef>
+              <a:buFont typeface="Arial" panose="020B0604020202020204" pitchFamily="34" charset="0"/>
+              <a:buChar char="•"/>
+              <a:defRPr kumimoji="1" sz="3600" kern="1200">
+                <a:solidFill>
+                  <a:schemeClr val="tx1"/>
+                </a:solidFill>
+                <a:latin typeface="+mn-lt"/>
+                <a:ea typeface="+mn-ea"/>
+                <a:cs typeface="+mn-cs"/>
+              </a:defRPr>
+            </a:lvl6pPr>
+            <a:lvl7pPr marL="5943600" indent="-457200" algn="l" defTabSz="1828800" rtl="0" eaLnBrk="1" latinLnBrk="0" hangingPunct="1">
+              <a:lnSpc>
+                <a:spcPct val="90000"/>
+              </a:lnSpc>
+              <a:spcBef>
+                <a:spcPts val="1000"/>
+              </a:spcBef>
+              <a:buFont typeface="Arial" panose="020B0604020202020204" pitchFamily="34" charset="0"/>
+              <a:buChar char="•"/>
+              <a:defRPr kumimoji="1" sz="3600" kern="1200">
+                <a:solidFill>
+                  <a:schemeClr val="tx1"/>
+                </a:solidFill>
+                <a:latin typeface="+mn-lt"/>
+                <a:ea typeface="+mn-ea"/>
+                <a:cs typeface="+mn-cs"/>
+              </a:defRPr>
+            </a:lvl7pPr>
+            <a:lvl8pPr marL="6858000" indent="-457200" algn="l" defTabSz="1828800" rtl="0" eaLnBrk="1" latinLnBrk="0" hangingPunct="1">
+              <a:lnSpc>
+                <a:spcPct val="90000"/>
+              </a:lnSpc>
+              <a:spcBef>
+                <a:spcPts val="1000"/>
+              </a:spcBef>
+              <a:buFont typeface="Arial" panose="020B0604020202020204" pitchFamily="34" charset="0"/>
+              <a:buChar char="•"/>
+              <a:defRPr kumimoji="1" sz="3600" kern="1200">
+                <a:solidFill>
+                  <a:schemeClr val="tx1"/>
+                </a:solidFill>
+                <a:latin typeface="+mn-lt"/>
+                <a:ea typeface="+mn-ea"/>
+                <a:cs typeface="+mn-cs"/>
+              </a:defRPr>
+            </a:lvl8pPr>
+            <a:lvl9pPr marL="7772400" indent="-457200" algn="l" defTabSz="1828800" rtl="0" eaLnBrk="1" latinLnBrk="0" hangingPunct="1">
+              <a:lnSpc>
+                <a:spcPct val="90000"/>
+              </a:lnSpc>
+              <a:spcBef>
+                <a:spcPts val="1000"/>
+              </a:spcBef>
+              <a:buFont typeface="Arial" panose="020B0604020202020204" pitchFamily="34" charset="0"/>
+              <a:buChar char="•"/>
+              <a:defRPr kumimoji="1" sz="3600" kern="1200">
+                <a:solidFill>
+                  <a:schemeClr val="tx1"/>
+                </a:solidFill>
+                <a:latin typeface="+mn-lt"/>
+                <a:ea typeface="+mn-ea"/>
+                <a:cs typeface="+mn-cs"/>
+              </a:defRPr>
+            </a:lvl9pPr>
+          </a:lstStyle>
+          <a:p>
+            <a:r>
+              <a:rPr lang="en-US" altLang="ja-JP" dirty="0"/>
+              <a:t>ANOVA(</a:t>
+            </a:r>
+            <a:r>
+              <a:rPr lang="ja-JP" altLang="en-US"/>
+              <a:t>分散分析</a:t>
+            </a:r>
+            <a:r>
+              <a:rPr lang="en-US" altLang="ja-JP" dirty="0"/>
+              <a:t>)</a:t>
+            </a:r>
+            <a:r>
+              <a:rPr lang="ja-JP" altLang="en-US"/>
+              <a:t>を使用して分析</a:t>
+            </a:r>
+            <a:endParaRPr lang="en-US" altLang="ja-JP" dirty="0"/>
+          </a:p>
+        </p:txBody>
+      </p:sp>
+      <p:sp>
+        <p:nvSpPr>
+          <p:cNvPr id="15" name="テキスト プレースホルダー 29">
+            <a:extLst>
+              <a:ext uri="{FF2B5EF4-FFF2-40B4-BE49-F238E27FC236}">
+                <a16:creationId xmlns:a16="http://schemas.microsoft.com/office/drawing/2014/main" id="{EBDED935-8261-6749-B78E-892B57BDE922}"/>
+              </a:ext>
+            </a:extLst>
+          </p:cNvPr>
+          <p:cNvSpPr txBox="1">
+            <a:spLocks/>
+          </p:cNvSpPr>
+          <p:nvPr/>
+        </p:nvSpPr>
+        <p:spPr>
+          <a:xfrm>
+            <a:off x="1568600" y="3246502"/>
+            <a:ext cx="16135964" cy="853994"/>
+          </a:xfrm>
+          <a:prstGeom prst="rect">
+            <a:avLst/>
+          </a:prstGeom>
+        </p:spPr>
+        <p:txBody>
+          <a:bodyPr>
+            <a:normAutofit/>
+          </a:bodyPr>
+          <a:lstStyle>
+            <a:lvl1pPr marL="0" indent="0" algn="l" defTabSz="1828800" rtl="0" eaLnBrk="1" latinLnBrk="0" hangingPunct="1">
+              <a:lnSpc>
+                <a:spcPct val="90000"/>
+              </a:lnSpc>
+              <a:spcBef>
+                <a:spcPts val="2000"/>
+              </a:spcBef>
+              <a:buFont typeface="Arial" panose="020B0604020202020204" pitchFamily="34" charset="0"/>
+              <a:buNone/>
+              <a:defRPr kumimoji="1" sz="4000" kern="1200">
+                <a:solidFill>
+                  <a:srgbClr val="424242"/>
+                </a:solidFill>
+                <a:latin typeface="+mn-lt"/>
+                <a:ea typeface="+mn-ea"/>
+                <a:cs typeface="+mn-cs"/>
+              </a:defRPr>
+            </a:lvl1pPr>
+            <a:lvl2pPr marL="1371600" indent="-457200" algn="l" defTabSz="1828800" rtl="0" eaLnBrk="1" latinLnBrk="0" hangingPunct="1">
+              <a:lnSpc>
+                <a:spcPct val="90000"/>
+              </a:lnSpc>
+              <a:spcBef>
+                <a:spcPts val="1000"/>
+              </a:spcBef>
+              <a:buFont typeface="Arial" panose="020B0604020202020204" pitchFamily="34" charset="0"/>
+              <a:buChar char="•"/>
+              <a:defRPr kumimoji="1" sz="4800" kern="1200">
+                <a:solidFill>
+                  <a:schemeClr val="tx1"/>
+                </a:solidFill>
+                <a:latin typeface="+mn-lt"/>
+                <a:ea typeface="+mn-ea"/>
+                <a:cs typeface="+mn-cs"/>
+              </a:defRPr>
+            </a:lvl2pPr>
+            <a:lvl3pPr marL="2286000" indent="-457200" algn="l" defTabSz="1828800" rtl="0" eaLnBrk="1" latinLnBrk="0" hangingPunct="1">
+              <a:lnSpc>
+                <a:spcPct val="90000"/>
+              </a:lnSpc>
+              <a:spcBef>
+                <a:spcPts val="1000"/>
+              </a:spcBef>
+              <a:buFont typeface="Arial" panose="020B0604020202020204" pitchFamily="34" charset="0"/>
+              <a:buChar char="•"/>
+              <a:defRPr kumimoji="1" sz="4000" kern="1200">
+                <a:solidFill>
+                  <a:schemeClr val="tx1"/>
+                </a:solidFill>
+                <a:latin typeface="+mn-lt"/>
+                <a:ea typeface="+mn-ea"/>
+                <a:cs typeface="+mn-cs"/>
+              </a:defRPr>
+            </a:lvl3pPr>
+            <a:lvl4pPr marL="3200400" indent="-457200" algn="l" defTabSz="1828800" rtl="0" eaLnBrk="1" latinLnBrk="0" hangingPunct="1">
+              <a:lnSpc>
+                <a:spcPct val="90000"/>
+              </a:lnSpc>
+              <a:spcBef>
+                <a:spcPts val="1000"/>
+              </a:spcBef>
+              <a:buFont typeface="Arial" panose="020B0604020202020204" pitchFamily="34" charset="0"/>
+              <a:buChar char="•"/>
+              <a:defRPr kumimoji="1" sz="3600" kern="1200">
+                <a:solidFill>
+                  <a:schemeClr val="tx1"/>
+                </a:solidFill>
+                <a:latin typeface="+mn-lt"/>
+                <a:ea typeface="+mn-ea"/>
+                <a:cs typeface="+mn-cs"/>
+              </a:defRPr>
+            </a:lvl4pPr>
+            <a:lvl5pPr marL="4114800" indent="-457200" algn="l" defTabSz="1828800" rtl="0" eaLnBrk="1" latinLnBrk="0" hangingPunct="1">
+              <a:lnSpc>
+                <a:spcPct val="90000"/>
+              </a:lnSpc>
+              <a:spcBef>
+                <a:spcPts val="1000"/>
+              </a:spcBef>
+              <a:buFont typeface="Arial" panose="020B0604020202020204" pitchFamily="34" charset="0"/>
+              <a:buChar char="•"/>
+              <a:defRPr kumimoji="1" sz="3600" kern="1200">
+                <a:solidFill>
+                  <a:schemeClr val="tx1"/>
+                </a:solidFill>
+                <a:latin typeface="+mn-lt"/>
+                <a:ea typeface="+mn-ea"/>
+                <a:cs typeface="+mn-cs"/>
+              </a:defRPr>
+            </a:lvl5pPr>
+            <a:lvl6pPr marL="5029200" indent="-457200" algn="l" defTabSz="1828800" rtl="0" eaLnBrk="1" latinLnBrk="0" hangingPunct="1">
+              <a:lnSpc>
+                <a:spcPct val="90000"/>
+              </a:lnSpc>
+              <a:spcBef>
+                <a:spcPts val="1000"/>
+              </a:spcBef>
+              <a:buFont typeface="Arial" panose="020B0604020202020204" pitchFamily="34" charset="0"/>
+              <a:buChar char="•"/>
+              <a:defRPr kumimoji="1" sz="3600" kern="1200">
+                <a:solidFill>
+                  <a:schemeClr val="tx1"/>
+                </a:solidFill>
+                <a:latin typeface="+mn-lt"/>
+                <a:ea typeface="+mn-ea"/>
+                <a:cs typeface="+mn-cs"/>
+              </a:defRPr>
+            </a:lvl6pPr>
+            <a:lvl7pPr marL="5943600" indent="-457200" algn="l" defTabSz="1828800" rtl="0" eaLnBrk="1" latinLnBrk="0" hangingPunct="1">
+              <a:lnSpc>
+                <a:spcPct val="90000"/>
+              </a:lnSpc>
+              <a:spcBef>
+                <a:spcPts val="1000"/>
+              </a:spcBef>
+              <a:buFont typeface="Arial" panose="020B0604020202020204" pitchFamily="34" charset="0"/>
+              <a:buChar char="•"/>
+              <a:defRPr kumimoji="1" sz="3600" kern="1200">
+                <a:solidFill>
+                  <a:schemeClr val="tx1"/>
+                </a:solidFill>
+                <a:latin typeface="+mn-lt"/>
+                <a:ea typeface="+mn-ea"/>
+                <a:cs typeface="+mn-cs"/>
+              </a:defRPr>
+            </a:lvl7pPr>
+            <a:lvl8pPr marL="6858000" indent="-457200" algn="l" defTabSz="1828800" rtl="0" eaLnBrk="1" latinLnBrk="0" hangingPunct="1">
+              <a:lnSpc>
+                <a:spcPct val="90000"/>
+              </a:lnSpc>
+              <a:spcBef>
+                <a:spcPts val="1000"/>
+              </a:spcBef>
+              <a:buFont typeface="Arial" panose="020B0604020202020204" pitchFamily="34" charset="0"/>
+              <a:buChar char="•"/>
+              <a:defRPr kumimoji="1" sz="3600" kern="1200">
+                <a:solidFill>
+                  <a:schemeClr val="tx1"/>
+                </a:solidFill>
+                <a:latin typeface="+mn-lt"/>
+                <a:ea typeface="+mn-ea"/>
+                <a:cs typeface="+mn-cs"/>
+              </a:defRPr>
+            </a:lvl8pPr>
+            <a:lvl9pPr marL="7772400" indent="-457200" algn="l" defTabSz="1828800" rtl="0" eaLnBrk="1" latinLnBrk="0" hangingPunct="1">
+              <a:lnSpc>
+                <a:spcPct val="90000"/>
+              </a:lnSpc>
+              <a:spcBef>
+                <a:spcPts val="1000"/>
+              </a:spcBef>
+              <a:buFont typeface="Arial" panose="020B0604020202020204" pitchFamily="34" charset="0"/>
+              <a:buChar char="•"/>
+              <a:defRPr kumimoji="1" sz="3600" kern="1200">
+                <a:solidFill>
+                  <a:schemeClr val="tx1"/>
+                </a:solidFill>
+                <a:latin typeface="+mn-lt"/>
+                <a:ea typeface="+mn-ea"/>
+                <a:cs typeface="+mn-cs"/>
+              </a:defRPr>
+            </a:lvl9pPr>
+          </a:lstStyle>
+          <a:p>
+            <a:r>
+              <a:rPr lang="ja-JP" altLang="en-US"/>
+              <a:t>要因は感情</a:t>
+            </a:r>
+            <a:r>
+              <a:rPr lang="en-US" altLang="ja-JP" dirty="0"/>
+              <a:t>(</a:t>
+            </a:r>
+            <a:r>
+              <a:rPr lang="ja-JP" altLang="en-US"/>
+              <a:t>怒り・喜び・中立</a:t>
+            </a:r>
+            <a:r>
+              <a:rPr lang="en-US" altLang="ja-JP" dirty="0"/>
+              <a:t>)</a:t>
+            </a:r>
+            <a:r>
+              <a:rPr lang="ja-JP" altLang="en-US"/>
+              <a:t>と伝達方法</a:t>
+            </a:r>
+            <a:r>
+              <a:rPr lang="en-US" altLang="ja-JP" dirty="0"/>
+              <a:t>(</a:t>
+            </a:r>
+            <a:r>
+              <a:rPr lang="ja-JP" altLang="en-US"/>
+              <a:t>言語と非言語</a:t>
+            </a:r>
+            <a:r>
+              <a:rPr lang="en-US" altLang="ja-JP" dirty="0"/>
+              <a:t>)</a:t>
+            </a:r>
+            <a:endParaRPr lang="ja-JP" altLang="en-US"/>
+          </a:p>
+        </p:txBody>
+      </p:sp>
+      <p:sp>
+        <p:nvSpPr>
+          <p:cNvPr id="16" name="テキスト プレースホルダー 30">
+            <a:extLst>
+              <a:ext uri="{FF2B5EF4-FFF2-40B4-BE49-F238E27FC236}">
+                <a16:creationId xmlns:a16="http://schemas.microsoft.com/office/drawing/2014/main" id="{CF9CB3BE-4D25-544D-BF6B-6A8CDD76E2D9}"/>
+              </a:ext>
+            </a:extLst>
+          </p:cNvPr>
+          <p:cNvSpPr txBox="1">
+            <a:spLocks/>
+          </p:cNvSpPr>
+          <p:nvPr/>
+        </p:nvSpPr>
+        <p:spPr>
+          <a:xfrm>
+            <a:off x="571049" y="1583871"/>
+            <a:ext cx="17302163" cy="1403350"/>
+          </a:xfrm>
+          <a:prstGeom prst="rect">
+            <a:avLst/>
+          </a:prstGeom>
+        </p:spPr>
+        <p:txBody>
+          <a:bodyPr>
+            <a:normAutofit/>
+          </a:bodyPr>
+          <a:lstStyle>
+            <a:lvl1pPr marL="0" indent="0" algn="l" defTabSz="1828800" rtl="0" eaLnBrk="1" latinLnBrk="0" hangingPunct="1">
+              <a:lnSpc>
+                <a:spcPct val="90000"/>
+              </a:lnSpc>
+              <a:spcBef>
+                <a:spcPts val="2000"/>
+              </a:spcBef>
+              <a:buFont typeface="Arial" panose="020B0604020202020204" pitchFamily="34" charset="0"/>
+              <a:buNone/>
+              <a:defRPr kumimoji="1" sz="6000" kern="1200">
+                <a:solidFill>
+                  <a:schemeClr val="tx1"/>
+                </a:solidFill>
+                <a:latin typeface="+mn-lt"/>
+                <a:ea typeface="+mn-ea"/>
+                <a:cs typeface="+mn-cs"/>
+              </a:defRPr>
+            </a:lvl1pPr>
+            <a:lvl2pPr marL="1371600" indent="-457200" algn="l" defTabSz="1828800" rtl="0" eaLnBrk="1" latinLnBrk="0" hangingPunct="1">
+              <a:lnSpc>
+                <a:spcPct val="90000"/>
+              </a:lnSpc>
+              <a:spcBef>
+                <a:spcPts val="1000"/>
+              </a:spcBef>
+              <a:buFont typeface="Arial" panose="020B0604020202020204" pitchFamily="34" charset="0"/>
+              <a:buChar char="•"/>
+              <a:defRPr kumimoji="1" sz="4800" kern="1200">
+                <a:solidFill>
+                  <a:schemeClr val="tx1"/>
+                </a:solidFill>
+                <a:latin typeface="+mn-lt"/>
+                <a:ea typeface="+mn-ea"/>
+                <a:cs typeface="+mn-cs"/>
+              </a:defRPr>
+            </a:lvl2pPr>
+            <a:lvl3pPr marL="2286000" indent="-457200" algn="l" defTabSz="1828800" rtl="0" eaLnBrk="1" latinLnBrk="0" hangingPunct="1">
+              <a:lnSpc>
+                <a:spcPct val="90000"/>
+              </a:lnSpc>
+              <a:spcBef>
+                <a:spcPts val="1000"/>
+              </a:spcBef>
+              <a:buFont typeface="Arial" panose="020B0604020202020204" pitchFamily="34" charset="0"/>
+              <a:buChar char="•"/>
+              <a:defRPr kumimoji="1" sz="4000" kern="1200">
+                <a:solidFill>
+                  <a:schemeClr val="tx1"/>
+                </a:solidFill>
+                <a:latin typeface="+mn-lt"/>
+                <a:ea typeface="+mn-ea"/>
+                <a:cs typeface="+mn-cs"/>
+              </a:defRPr>
+            </a:lvl3pPr>
+            <a:lvl4pPr marL="3200400" indent="-457200" algn="l" defTabSz="1828800" rtl="0" eaLnBrk="1" latinLnBrk="0" hangingPunct="1">
+              <a:lnSpc>
+                <a:spcPct val="90000"/>
+              </a:lnSpc>
+              <a:spcBef>
+                <a:spcPts val="1000"/>
+              </a:spcBef>
+              <a:buFont typeface="Arial" panose="020B0604020202020204" pitchFamily="34" charset="0"/>
+              <a:buChar char="•"/>
+              <a:defRPr kumimoji="1" sz="3600" kern="1200">
+                <a:solidFill>
+                  <a:schemeClr val="tx1"/>
+                </a:solidFill>
+                <a:latin typeface="+mn-lt"/>
+                <a:ea typeface="+mn-ea"/>
+                <a:cs typeface="+mn-cs"/>
+              </a:defRPr>
+            </a:lvl4pPr>
+            <a:lvl5pPr marL="4114800" indent="-457200" algn="l" defTabSz="1828800" rtl="0" eaLnBrk="1" latinLnBrk="0" hangingPunct="1">
+              <a:lnSpc>
+                <a:spcPct val="90000"/>
+              </a:lnSpc>
+              <a:spcBef>
+                <a:spcPts val="1000"/>
+              </a:spcBef>
+              <a:buFont typeface="Arial" panose="020B0604020202020204" pitchFamily="34" charset="0"/>
+              <a:buChar char="•"/>
+              <a:defRPr kumimoji="1" sz="3600" kern="1200">
+                <a:solidFill>
+                  <a:schemeClr val="tx1"/>
+                </a:solidFill>
+                <a:latin typeface="+mn-lt"/>
+                <a:ea typeface="+mn-ea"/>
+                <a:cs typeface="+mn-cs"/>
+              </a:defRPr>
+            </a:lvl5pPr>
+            <a:lvl6pPr marL="5029200" indent="-457200" algn="l" defTabSz="1828800" rtl="0" eaLnBrk="1" latinLnBrk="0" hangingPunct="1">
+              <a:lnSpc>
+                <a:spcPct val="90000"/>
+              </a:lnSpc>
+              <a:spcBef>
+                <a:spcPts val="1000"/>
+              </a:spcBef>
+              <a:buFont typeface="Arial" panose="020B0604020202020204" pitchFamily="34" charset="0"/>
+              <a:buChar char="•"/>
+              <a:defRPr kumimoji="1" sz="3600" kern="1200">
+                <a:solidFill>
+                  <a:schemeClr val="tx1"/>
+                </a:solidFill>
+                <a:latin typeface="+mn-lt"/>
+                <a:ea typeface="+mn-ea"/>
+                <a:cs typeface="+mn-cs"/>
+              </a:defRPr>
+            </a:lvl6pPr>
+            <a:lvl7pPr marL="5943600" indent="-457200" algn="l" defTabSz="1828800" rtl="0" eaLnBrk="1" latinLnBrk="0" hangingPunct="1">
+              <a:lnSpc>
+                <a:spcPct val="90000"/>
+              </a:lnSpc>
+              <a:spcBef>
+                <a:spcPts val="1000"/>
+              </a:spcBef>
+              <a:buFont typeface="Arial" panose="020B0604020202020204" pitchFamily="34" charset="0"/>
+              <a:buChar char="•"/>
+              <a:defRPr kumimoji="1" sz="3600" kern="1200">
+                <a:solidFill>
+                  <a:schemeClr val="tx1"/>
+                </a:solidFill>
+                <a:latin typeface="+mn-lt"/>
+                <a:ea typeface="+mn-ea"/>
+                <a:cs typeface="+mn-cs"/>
+              </a:defRPr>
+            </a:lvl7pPr>
+            <a:lvl8pPr marL="6858000" indent="-457200" algn="l" defTabSz="1828800" rtl="0" eaLnBrk="1" latinLnBrk="0" hangingPunct="1">
+              <a:lnSpc>
+                <a:spcPct val="90000"/>
+              </a:lnSpc>
+              <a:spcBef>
+                <a:spcPts val="1000"/>
+              </a:spcBef>
+              <a:buFont typeface="Arial" panose="020B0604020202020204" pitchFamily="34" charset="0"/>
+              <a:buChar char="•"/>
+              <a:defRPr kumimoji="1" sz="3600" kern="1200">
+                <a:solidFill>
+                  <a:schemeClr val="tx1"/>
+                </a:solidFill>
+                <a:latin typeface="+mn-lt"/>
+                <a:ea typeface="+mn-ea"/>
+                <a:cs typeface="+mn-cs"/>
+              </a:defRPr>
+            </a:lvl8pPr>
+            <a:lvl9pPr marL="7772400" indent="-457200" algn="l" defTabSz="1828800" rtl="0" eaLnBrk="1" latinLnBrk="0" hangingPunct="1">
+              <a:lnSpc>
+                <a:spcPct val="90000"/>
+              </a:lnSpc>
+              <a:spcBef>
+                <a:spcPts val="1000"/>
+              </a:spcBef>
+              <a:buFont typeface="Arial" panose="020B0604020202020204" pitchFamily="34" charset="0"/>
+              <a:buChar char="•"/>
+              <a:defRPr kumimoji="1" sz="3600" kern="1200">
+                <a:solidFill>
+                  <a:schemeClr val="tx1"/>
+                </a:solidFill>
+                <a:latin typeface="+mn-lt"/>
+                <a:ea typeface="+mn-ea"/>
+                <a:cs typeface="+mn-cs"/>
+              </a:defRPr>
+            </a:lvl9pPr>
+          </a:lstStyle>
+          <a:p>
+            <a:r>
+              <a:rPr lang="en-US" altLang="ja-JP" dirty="0"/>
+              <a:t>demand difference</a:t>
+            </a:r>
+            <a:endParaRPr lang="ja-JP" altLang="en-US"/>
+          </a:p>
+        </p:txBody>
+      </p:sp>
+      <p:grpSp>
+        <p:nvGrpSpPr>
+          <p:cNvPr id="20" name="グループ化 19">
+            <a:extLst>
+              <a:ext uri="{FF2B5EF4-FFF2-40B4-BE49-F238E27FC236}">
+                <a16:creationId xmlns:a16="http://schemas.microsoft.com/office/drawing/2014/main" id="{8B577410-CFFD-AA40-87AF-8AFB44C69106}"/>
+              </a:ext>
+            </a:extLst>
+          </p:cNvPr>
+          <p:cNvGrpSpPr/>
+          <p:nvPr/>
+        </p:nvGrpSpPr>
+        <p:grpSpPr>
+          <a:xfrm>
+            <a:off x="617232" y="4073585"/>
+            <a:ext cx="539448" cy="487368"/>
+            <a:chOff x="400056" y="1061560"/>
+            <a:chExt cx="269724" cy="243684"/>
+          </a:xfrm>
+        </p:grpSpPr>
+        <p:sp>
+          <p:nvSpPr>
+            <p:cNvPr id="21" name="三角形 20">
+              <a:extLst>
+                <a:ext uri="{FF2B5EF4-FFF2-40B4-BE49-F238E27FC236}">
+                  <a16:creationId xmlns:a16="http://schemas.microsoft.com/office/drawing/2014/main" id="{3F4001F2-477F-BE45-84DA-6D4DC9CE33D7}"/>
+                </a:ext>
+              </a:extLst>
+            </p:cNvPr>
+            <p:cNvSpPr/>
+            <p:nvPr userDrawn="1"/>
+          </p:nvSpPr>
+          <p:spPr>
+            <a:xfrm rot="5400000">
+              <a:off x="359835" y="1105015"/>
+              <a:ext cx="240450" cy="160008"/>
+            </a:xfrm>
+            <a:prstGeom prst="triangle">
+              <a:avLst/>
+            </a:prstGeom>
+            <a:solidFill>
+              <a:schemeClr val="accent1"/>
+            </a:solidFill>
+            <a:ln>
+              <a:noFill/>
+            </a:ln>
+          </p:spPr>
+          <p:style>
+            <a:lnRef idx="0">
+              <a:scrgbClr r="0" g="0" b="0"/>
+            </a:lnRef>
+            <a:fillRef idx="0">
+              <a:scrgbClr r="0" g="0" b="0"/>
+            </a:fillRef>
+            <a:effectRef idx="0">
+              <a:scrgbClr r="0" g="0" b="0"/>
+            </a:effectRef>
+            <a:fontRef idx="minor">
+              <a:schemeClr val="lt1"/>
+            </a:fontRef>
+          </p:style>
+          <p:txBody>
+            <a:bodyPr rtlCol="0" anchor="ctr"/>
+            <a:lstStyle/>
+            <a:p>
+              <a:pPr algn="ctr"/>
+              <a:endParaRPr kumimoji="1" lang="ja-JP" altLang="en-US" sz="7200"/>
+            </a:p>
+          </p:txBody>
+        </p:sp>
+        <p:sp>
+          <p:nvSpPr>
+            <p:cNvPr id="22" name="三角形 21">
+              <a:extLst>
+                <a:ext uri="{FF2B5EF4-FFF2-40B4-BE49-F238E27FC236}">
+                  <a16:creationId xmlns:a16="http://schemas.microsoft.com/office/drawing/2014/main" id="{9277A881-7735-4E49-B6F7-E617DF05A3F1}"/>
+                </a:ext>
+              </a:extLst>
+            </p:cNvPr>
+            <p:cNvSpPr/>
+            <p:nvPr userDrawn="1"/>
+          </p:nvSpPr>
+          <p:spPr>
+            <a:xfrm rot="5400000">
+              <a:off x="469551" y="1101781"/>
+              <a:ext cx="240450" cy="160008"/>
+            </a:xfrm>
+            <a:prstGeom prst="triangle">
+              <a:avLst/>
+            </a:prstGeom>
+            <a:solidFill>
+              <a:schemeClr val="accent1"/>
+            </a:solidFill>
+            <a:ln>
+              <a:noFill/>
+            </a:ln>
+          </p:spPr>
+          <p:style>
+            <a:lnRef idx="0">
+              <a:scrgbClr r="0" g="0" b="0"/>
+            </a:lnRef>
+            <a:fillRef idx="0">
+              <a:scrgbClr r="0" g="0" b="0"/>
+            </a:fillRef>
+            <a:effectRef idx="0">
+              <a:scrgbClr r="0" g="0" b="0"/>
+            </a:effectRef>
+            <a:fontRef idx="minor">
+              <a:schemeClr val="lt1"/>
+            </a:fontRef>
+          </p:style>
+          <p:txBody>
+            <a:bodyPr rtlCol="0" anchor="ctr"/>
+            <a:lstStyle/>
+            <a:p>
+              <a:pPr algn="ctr"/>
+              <a:endParaRPr kumimoji="1" lang="ja-JP" altLang="en-US" sz="7200"/>
+            </a:p>
+          </p:txBody>
+        </p:sp>
+      </p:grpSp>
+      <p:sp>
+        <p:nvSpPr>
+          <p:cNvPr id="23" name="テキスト プレースホルダー 27">
+            <a:extLst>
+              <a:ext uri="{FF2B5EF4-FFF2-40B4-BE49-F238E27FC236}">
+                <a16:creationId xmlns:a16="http://schemas.microsoft.com/office/drawing/2014/main" id="{D197E5AE-BBE5-3441-B175-E80E25D4D303}"/>
+              </a:ext>
+            </a:extLst>
+          </p:cNvPr>
+          <p:cNvSpPr txBox="1">
+            <a:spLocks/>
+          </p:cNvSpPr>
+          <p:nvPr/>
+        </p:nvSpPr>
+        <p:spPr>
+          <a:xfrm>
+            <a:off x="1254486" y="4000960"/>
+            <a:ext cx="16632960" cy="997834"/>
+          </a:xfrm>
+          <a:prstGeom prst="rect">
+            <a:avLst/>
+          </a:prstGeom>
+        </p:spPr>
+        <p:txBody>
+          <a:bodyPr>
+            <a:normAutofit/>
+          </a:bodyPr>
+          <a:lstStyle>
+            <a:lvl1pPr marL="0" indent="0" algn="l" defTabSz="1828800" rtl="0" eaLnBrk="1" latinLnBrk="0" hangingPunct="1">
+              <a:lnSpc>
+                <a:spcPct val="90000"/>
+              </a:lnSpc>
+              <a:spcBef>
+                <a:spcPts val="2000"/>
+              </a:spcBef>
+              <a:buFont typeface="Arial" panose="020B0604020202020204" pitchFamily="34" charset="0"/>
+              <a:buNone/>
+              <a:defRPr kumimoji="1" sz="4800" kern="1200">
+                <a:solidFill>
+                  <a:srgbClr val="424242"/>
+                </a:solidFill>
+                <a:latin typeface="+mn-lt"/>
+                <a:ea typeface="+mn-ea"/>
+                <a:cs typeface="+mn-cs"/>
+              </a:defRPr>
+            </a:lvl1pPr>
+            <a:lvl2pPr marL="1371600" indent="-457200" algn="l" defTabSz="1828800" rtl="0" eaLnBrk="1" latinLnBrk="0" hangingPunct="1">
+              <a:lnSpc>
+                <a:spcPct val="90000"/>
+              </a:lnSpc>
+              <a:spcBef>
+                <a:spcPts val="1000"/>
+              </a:spcBef>
+              <a:buFont typeface="Arial" panose="020B0604020202020204" pitchFamily="34" charset="0"/>
+              <a:buChar char="•"/>
+              <a:defRPr kumimoji="1" sz="4800" kern="1200">
+                <a:solidFill>
+                  <a:schemeClr val="tx1"/>
+                </a:solidFill>
+                <a:latin typeface="+mn-lt"/>
+                <a:ea typeface="+mn-ea"/>
+                <a:cs typeface="+mn-cs"/>
+              </a:defRPr>
+            </a:lvl2pPr>
+            <a:lvl3pPr marL="2286000" indent="-457200" algn="l" defTabSz="1828800" rtl="0" eaLnBrk="1" latinLnBrk="0" hangingPunct="1">
+              <a:lnSpc>
+                <a:spcPct val="90000"/>
+              </a:lnSpc>
+              <a:spcBef>
+                <a:spcPts val="1000"/>
+              </a:spcBef>
+              <a:buFont typeface="Arial" panose="020B0604020202020204" pitchFamily="34" charset="0"/>
+              <a:buChar char="•"/>
+              <a:defRPr kumimoji="1" sz="4000" kern="1200">
+                <a:solidFill>
+                  <a:schemeClr val="tx1"/>
+                </a:solidFill>
+                <a:latin typeface="+mn-lt"/>
+                <a:ea typeface="+mn-ea"/>
+                <a:cs typeface="+mn-cs"/>
+              </a:defRPr>
+            </a:lvl3pPr>
+            <a:lvl4pPr marL="3200400" indent="-457200" algn="l" defTabSz="1828800" rtl="0" eaLnBrk="1" latinLnBrk="0" hangingPunct="1">
+              <a:lnSpc>
+                <a:spcPct val="90000"/>
+              </a:lnSpc>
+              <a:spcBef>
+                <a:spcPts val="1000"/>
+              </a:spcBef>
+              <a:buFont typeface="Arial" panose="020B0604020202020204" pitchFamily="34" charset="0"/>
+              <a:buChar char="•"/>
+              <a:defRPr kumimoji="1" sz="3600" kern="1200">
+                <a:solidFill>
+                  <a:schemeClr val="tx1"/>
+                </a:solidFill>
+                <a:latin typeface="+mn-lt"/>
+                <a:ea typeface="+mn-ea"/>
+                <a:cs typeface="+mn-cs"/>
+              </a:defRPr>
+            </a:lvl4pPr>
+            <a:lvl5pPr marL="4114800" indent="-457200" algn="l" defTabSz="1828800" rtl="0" eaLnBrk="1" latinLnBrk="0" hangingPunct="1">
+              <a:lnSpc>
+                <a:spcPct val="90000"/>
+              </a:lnSpc>
+              <a:spcBef>
+                <a:spcPts val="1000"/>
+              </a:spcBef>
+              <a:buFont typeface="Arial" panose="020B0604020202020204" pitchFamily="34" charset="0"/>
+              <a:buChar char="•"/>
+              <a:defRPr kumimoji="1" sz="3600" kern="1200">
+                <a:solidFill>
+                  <a:schemeClr val="tx1"/>
+                </a:solidFill>
+                <a:latin typeface="+mn-lt"/>
+                <a:ea typeface="+mn-ea"/>
+                <a:cs typeface="+mn-cs"/>
+              </a:defRPr>
+            </a:lvl5pPr>
+            <a:lvl6pPr marL="5029200" indent="-457200" algn="l" defTabSz="1828800" rtl="0" eaLnBrk="1" latinLnBrk="0" hangingPunct="1">
+              <a:lnSpc>
+                <a:spcPct val="90000"/>
+              </a:lnSpc>
+              <a:spcBef>
+                <a:spcPts val="1000"/>
+              </a:spcBef>
+              <a:buFont typeface="Arial" panose="020B0604020202020204" pitchFamily="34" charset="0"/>
+              <a:buChar char="•"/>
+              <a:defRPr kumimoji="1" sz="3600" kern="1200">
+                <a:solidFill>
+                  <a:schemeClr val="tx1"/>
+                </a:solidFill>
+                <a:latin typeface="+mn-lt"/>
+                <a:ea typeface="+mn-ea"/>
+                <a:cs typeface="+mn-cs"/>
+              </a:defRPr>
+            </a:lvl6pPr>
+            <a:lvl7pPr marL="5943600" indent="-457200" algn="l" defTabSz="1828800" rtl="0" eaLnBrk="1" latinLnBrk="0" hangingPunct="1">
+              <a:lnSpc>
+                <a:spcPct val="90000"/>
+              </a:lnSpc>
+              <a:spcBef>
+                <a:spcPts val="1000"/>
+              </a:spcBef>
+              <a:buFont typeface="Arial" panose="020B0604020202020204" pitchFamily="34" charset="0"/>
+              <a:buChar char="•"/>
+              <a:defRPr kumimoji="1" sz="3600" kern="1200">
+                <a:solidFill>
+                  <a:schemeClr val="tx1"/>
+                </a:solidFill>
+                <a:latin typeface="+mn-lt"/>
+                <a:ea typeface="+mn-ea"/>
+                <a:cs typeface="+mn-cs"/>
+              </a:defRPr>
+            </a:lvl7pPr>
+            <a:lvl8pPr marL="6858000" indent="-457200" algn="l" defTabSz="1828800" rtl="0" eaLnBrk="1" latinLnBrk="0" hangingPunct="1">
+              <a:lnSpc>
+                <a:spcPct val="90000"/>
+              </a:lnSpc>
+              <a:spcBef>
+                <a:spcPts val="1000"/>
+              </a:spcBef>
+              <a:buFont typeface="Arial" panose="020B0604020202020204" pitchFamily="34" charset="0"/>
+              <a:buChar char="•"/>
+              <a:defRPr kumimoji="1" sz="3600" kern="1200">
+                <a:solidFill>
+                  <a:schemeClr val="tx1"/>
+                </a:solidFill>
+                <a:latin typeface="+mn-lt"/>
+                <a:ea typeface="+mn-ea"/>
+                <a:cs typeface="+mn-cs"/>
+              </a:defRPr>
+            </a:lvl8pPr>
+            <a:lvl9pPr marL="7772400" indent="-457200" algn="l" defTabSz="1828800" rtl="0" eaLnBrk="1" latinLnBrk="0" hangingPunct="1">
+              <a:lnSpc>
+                <a:spcPct val="90000"/>
+              </a:lnSpc>
+              <a:spcBef>
+                <a:spcPts val="1000"/>
+              </a:spcBef>
+              <a:buFont typeface="Arial" panose="020B0604020202020204" pitchFamily="34" charset="0"/>
+              <a:buChar char="•"/>
+              <a:defRPr kumimoji="1" sz="3600" kern="1200">
+                <a:solidFill>
+                  <a:schemeClr val="tx1"/>
+                </a:solidFill>
+                <a:latin typeface="+mn-lt"/>
+                <a:ea typeface="+mn-ea"/>
+                <a:cs typeface="+mn-cs"/>
+              </a:defRPr>
+            </a:lvl9pPr>
+          </a:lstStyle>
+          <a:p>
+            <a:r>
+              <a:rPr lang="ja-JP" altLang="en-US"/>
+              <a:t>伝達方法には統計的有意差はみられなかった</a:t>
+            </a:r>
+            <a:endParaRPr lang="en-US" altLang="ja-JP" dirty="0"/>
+          </a:p>
+        </p:txBody>
+      </p:sp>
+      <p:grpSp>
+        <p:nvGrpSpPr>
+          <p:cNvPr id="26" name="グループ化 25">
+            <a:extLst>
+              <a:ext uri="{FF2B5EF4-FFF2-40B4-BE49-F238E27FC236}">
+                <a16:creationId xmlns:a16="http://schemas.microsoft.com/office/drawing/2014/main" id="{E5211391-4ED3-514B-B728-3772F3C8DE14}"/>
+              </a:ext>
+            </a:extLst>
+          </p:cNvPr>
+          <p:cNvGrpSpPr/>
+          <p:nvPr/>
+        </p:nvGrpSpPr>
+        <p:grpSpPr>
+          <a:xfrm>
+            <a:off x="617232" y="5712270"/>
+            <a:ext cx="539448" cy="487368"/>
+            <a:chOff x="400056" y="1061560"/>
+            <a:chExt cx="269724" cy="243684"/>
+          </a:xfrm>
+        </p:grpSpPr>
+        <p:sp>
+          <p:nvSpPr>
+            <p:cNvPr id="27" name="三角形 26">
+              <a:extLst>
+                <a:ext uri="{FF2B5EF4-FFF2-40B4-BE49-F238E27FC236}">
+                  <a16:creationId xmlns:a16="http://schemas.microsoft.com/office/drawing/2014/main" id="{45806479-2959-D241-9FB0-C89F2A5684B4}"/>
+                </a:ext>
+              </a:extLst>
+            </p:cNvPr>
+            <p:cNvSpPr/>
+            <p:nvPr userDrawn="1"/>
+          </p:nvSpPr>
+          <p:spPr>
+            <a:xfrm rot="5400000">
+              <a:off x="359835" y="1105015"/>
+              <a:ext cx="240450" cy="160008"/>
+            </a:xfrm>
+            <a:prstGeom prst="triangle">
+              <a:avLst/>
+            </a:prstGeom>
+            <a:solidFill>
+              <a:schemeClr val="accent1"/>
+            </a:solidFill>
+            <a:ln>
+              <a:noFill/>
+            </a:ln>
+          </p:spPr>
+          <p:style>
+            <a:lnRef idx="0">
+              <a:scrgbClr r="0" g="0" b="0"/>
+            </a:lnRef>
+            <a:fillRef idx="0">
+              <a:scrgbClr r="0" g="0" b="0"/>
+            </a:fillRef>
+            <a:effectRef idx="0">
+              <a:scrgbClr r="0" g="0" b="0"/>
+            </a:effectRef>
+            <a:fontRef idx="minor">
+              <a:schemeClr val="lt1"/>
+            </a:fontRef>
+          </p:style>
+          <p:txBody>
+            <a:bodyPr rtlCol="0" anchor="ctr"/>
+            <a:lstStyle/>
+            <a:p>
+              <a:pPr algn="ctr"/>
+              <a:endParaRPr kumimoji="1" lang="ja-JP" altLang="en-US" sz="7200"/>
+            </a:p>
+          </p:txBody>
+        </p:sp>
+        <p:sp>
+          <p:nvSpPr>
+            <p:cNvPr id="28" name="三角形 27">
+              <a:extLst>
+                <a:ext uri="{FF2B5EF4-FFF2-40B4-BE49-F238E27FC236}">
+                  <a16:creationId xmlns:a16="http://schemas.microsoft.com/office/drawing/2014/main" id="{C344DF75-3A11-7E42-A950-4F4395FECF24}"/>
+                </a:ext>
+              </a:extLst>
+            </p:cNvPr>
+            <p:cNvSpPr/>
+            <p:nvPr userDrawn="1"/>
+          </p:nvSpPr>
+          <p:spPr>
+            <a:xfrm rot="5400000">
+              <a:off x="469551" y="1101781"/>
+              <a:ext cx="240450" cy="160008"/>
+            </a:xfrm>
+            <a:prstGeom prst="triangle">
+              <a:avLst/>
+            </a:prstGeom>
+            <a:solidFill>
+              <a:schemeClr val="accent1"/>
+            </a:solidFill>
+            <a:ln>
+              <a:noFill/>
+            </a:ln>
+          </p:spPr>
+          <p:style>
+            <a:lnRef idx="0">
+              <a:scrgbClr r="0" g="0" b="0"/>
+            </a:lnRef>
+            <a:fillRef idx="0">
+              <a:scrgbClr r="0" g="0" b="0"/>
+            </a:fillRef>
+            <a:effectRef idx="0">
+              <a:scrgbClr r="0" g="0" b="0"/>
+            </a:effectRef>
+            <a:fontRef idx="minor">
+              <a:schemeClr val="lt1"/>
+            </a:fontRef>
+          </p:style>
+          <p:txBody>
+            <a:bodyPr rtlCol="0" anchor="ctr"/>
+            <a:lstStyle/>
+            <a:p>
+              <a:pPr algn="ctr"/>
+              <a:endParaRPr kumimoji="1" lang="ja-JP" altLang="en-US" sz="7200"/>
+            </a:p>
+          </p:txBody>
+        </p:sp>
+      </p:grpSp>
+      <p:sp>
+        <p:nvSpPr>
+          <p:cNvPr id="29" name="テキスト プレースホルダー 27">
+            <a:extLst>
+              <a:ext uri="{FF2B5EF4-FFF2-40B4-BE49-F238E27FC236}">
+                <a16:creationId xmlns:a16="http://schemas.microsoft.com/office/drawing/2014/main" id="{794F9DE3-B099-9E42-80A9-585E73780BB8}"/>
+              </a:ext>
+            </a:extLst>
+          </p:cNvPr>
+          <p:cNvSpPr txBox="1">
+            <a:spLocks/>
+          </p:cNvSpPr>
+          <p:nvPr/>
+        </p:nvSpPr>
+        <p:spPr>
+          <a:xfrm>
+            <a:off x="1254486" y="5639645"/>
+            <a:ext cx="16632960" cy="997834"/>
+          </a:xfrm>
+          <a:prstGeom prst="rect">
+            <a:avLst/>
+          </a:prstGeom>
+        </p:spPr>
+        <p:txBody>
+          <a:bodyPr>
+            <a:normAutofit/>
+          </a:bodyPr>
+          <a:lstStyle>
+            <a:lvl1pPr marL="0" indent="0" algn="l" defTabSz="1828800" rtl="0" eaLnBrk="1" latinLnBrk="0" hangingPunct="1">
+              <a:lnSpc>
+                <a:spcPct val="90000"/>
+              </a:lnSpc>
+              <a:spcBef>
+                <a:spcPts val="2000"/>
+              </a:spcBef>
+              <a:buFont typeface="Arial" panose="020B0604020202020204" pitchFamily="34" charset="0"/>
+              <a:buNone/>
+              <a:defRPr kumimoji="1" sz="4800" kern="1200">
+                <a:solidFill>
+                  <a:srgbClr val="424242"/>
+                </a:solidFill>
+                <a:latin typeface="+mn-lt"/>
+                <a:ea typeface="+mn-ea"/>
+                <a:cs typeface="+mn-cs"/>
+              </a:defRPr>
+            </a:lvl1pPr>
+            <a:lvl2pPr marL="1371600" indent="-457200" algn="l" defTabSz="1828800" rtl="0" eaLnBrk="1" latinLnBrk="0" hangingPunct="1">
+              <a:lnSpc>
+                <a:spcPct val="90000"/>
+              </a:lnSpc>
+              <a:spcBef>
+                <a:spcPts val="1000"/>
+              </a:spcBef>
+              <a:buFont typeface="Arial" panose="020B0604020202020204" pitchFamily="34" charset="0"/>
+              <a:buChar char="•"/>
+              <a:defRPr kumimoji="1" sz="4800" kern="1200">
+                <a:solidFill>
+                  <a:schemeClr val="tx1"/>
+                </a:solidFill>
+                <a:latin typeface="+mn-lt"/>
+                <a:ea typeface="+mn-ea"/>
+                <a:cs typeface="+mn-cs"/>
+              </a:defRPr>
+            </a:lvl2pPr>
+            <a:lvl3pPr marL="2286000" indent="-457200" algn="l" defTabSz="1828800" rtl="0" eaLnBrk="1" latinLnBrk="0" hangingPunct="1">
+              <a:lnSpc>
+                <a:spcPct val="90000"/>
+              </a:lnSpc>
+              <a:spcBef>
+                <a:spcPts val="1000"/>
+              </a:spcBef>
+              <a:buFont typeface="Arial" panose="020B0604020202020204" pitchFamily="34" charset="0"/>
+              <a:buChar char="•"/>
+              <a:defRPr kumimoji="1" sz="4000" kern="1200">
+                <a:solidFill>
+                  <a:schemeClr val="tx1"/>
+                </a:solidFill>
+                <a:latin typeface="+mn-lt"/>
+                <a:ea typeface="+mn-ea"/>
+                <a:cs typeface="+mn-cs"/>
+              </a:defRPr>
+            </a:lvl3pPr>
+            <a:lvl4pPr marL="3200400" indent="-457200" algn="l" defTabSz="1828800" rtl="0" eaLnBrk="1" latinLnBrk="0" hangingPunct="1">
+              <a:lnSpc>
+                <a:spcPct val="90000"/>
+              </a:lnSpc>
+              <a:spcBef>
+                <a:spcPts val="1000"/>
+              </a:spcBef>
+              <a:buFont typeface="Arial" panose="020B0604020202020204" pitchFamily="34" charset="0"/>
+              <a:buChar char="•"/>
+              <a:defRPr kumimoji="1" sz="3600" kern="1200">
+                <a:solidFill>
+                  <a:schemeClr val="tx1"/>
+                </a:solidFill>
+                <a:latin typeface="+mn-lt"/>
+                <a:ea typeface="+mn-ea"/>
+                <a:cs typeface="+mn-cs"/>
+              </a:defRPr>
+            </a:lvl4pPr>
+            <a:lvl5pPr marL="4114800" indent="-457200" algn="l" defTabSz="1828800" rtl="0" eaLnBrk="1" latinLnBrk="0" hangingPunct="1">
+              <a:lnSpc>
+                <a:spcPct val="90000"/>
+              </a:lnSpc>
+              <a:spcBef>
+                <a:spcPts val="1000"/>
+              </a:spcBef>
+              <a:buFont typeface="Arial" panose="020B0604020202020204" pitchFamily="34" charset="0"/>
+              <a:buChar char="•"/>
+              <a:defRPr kumimoji="1" sz="3600" kern="1200">
+                <a:solidFill>
+                  <a:schemeClr val="tx1"/>
+                </a:solidFill>
+                <a:latin typeface="+mn-lt"/>
+                <a:ea typeface="+mn-ea"/>
+                <a:cs typeface="+mn-cs"/>
+              </a:defRPr>
+            </a:lvl5pPr>
+            <a:lvl6pPr marL="5029200" indent="-457200" algn="l" defTabSz="1828800" rtl="0" eaLnBrk="1" latinLnBrk="0" hangingPunct="1">
+              <a:lnSpc>
+                <a:spcPct val="90000"/>
+              </a:lnSpc>
+              <a:spcBef>
+                <a:spcPts val="1000"/>
+              </a:spcBef>
+              <a:buFont typeface="Arial" panose="020B0604020202020204" pitchFamily="34" charset="0"/>
+              <a:buChar char="•"/>
+              <a:defRPr kumimoji="1" sz="3600" kern="1200">
+                <a:solidFill>
+                  <a:schemeClr val="tx1"/>
+                </a:solidFill>
+                <a:latin typeface="+mn-lt"/>
+                <a:ea typeface="+mn-ea"/>
+                <a:cs typeface="+mn-cs"/>
+              </a:defRPr>
+            </a:lvl6pPr>
+            <a:lvl7pPr marL="5943600" indent="-457200" algn="l" defTabSz="1828800" rtl="0" eaLnBrk="1" latinLnBrk="0" hangingPunct="1">
+              <a:lnSpc>
+                <a:spcPct val="90000"/>
+              </a:lnSpc>
+              <a:spcBef>
+                <a:spcPts val="1000"/>
+              </a:spcBef>
+              <a:buFont typeface="Arial" panose="020B0604020202020204" pitchFamily="34" charset="0"/>
+              <a:buChar char="•"/>
+              <a:defRPr kumimoji="1" sz="3600" kern="1200">
+                <a:solidFill>
+                  <a:schemeClr val="tx1"/>
+                </a:solidFill>
+                <a:latin typeface="+mn-lt"/>
+                <a:ea typeface="+mn-ea"/>
+                <a:cs typeface="+mn-cs"/>
+              </a:defRPr>
+            </a:lvl7pPr>
+            <a:lvl8pPr marL="6858000" indent="-457200" algn="l" defTabSz="1828800" rtl="0" eaLnBrk="1" latinLnBrk="0" hangingPunct="1">
+              <a:lnSpc>
+                <a:spcPct val="90000"/>
+              </a:lnSpc>
+              <a:spcBef>
+                <a:spcPts val="1000"/>
+              </a:spcBef>
+              <a:buFont typeface="Arial" panose="020B0604020202020204" pitchFamily="34" charset="0"/>
+              <a:buChar char="•"/>
+              <a:defRPr kumimoji="1" sz="3600" kern="1200">
+                <a:solidFill>
+                  <a:schemeClr val="tx1"/>
+                </a:solidFill>
+                <a:latin typeface="+mn-lt"/>
+                <a:ea typeface="+mn-ea"/>
+                <a:cs typeface="+mn-cs"/>
+              </a:defRPr>
+            </a:lvl8pPr>
+            <a:lvl9pPr marL="7772400" indent="-457200" algn="l" defTabSz="1828800" rtl="0" eaLnBrk="1" latinLnBrk="0" hangingPunct="1">
+              <a:lnSpc>
+                <a:spcPct val="90000"/>
+              </a:lnSpc>
+              <a:spcBef>
+                <a:spcPts val="1000"/>
+              </a:spcBef>
+              <a:buFont typeface="Arial" panose="020B0604020202020204" pitchFamily="34" charset="0"/>
+              <a:buChar char="•"/>
+              <a:defRPr kumimoji="1" sz="3600" kern="1200">
+                <a:solidFill>
+                  <a:schemeClr val="tx1"/>
+                </a:solidFill>
+                <a:latin typeface="+mn-lt"/>
+                <a:ea typeface="+mn-ea"/>
+                <a:cs typeface="+mn-cs"/>
+              </a:defRPr>
+            </a:lvl9pPr>
+          </a:lstStyle>
+          <a:p>
+            <a:r>
+              <a:rPr lang="ja-JP" altLang="en-US"/>
+              <a:t>感情には統計的有意差がみられた</a:t>
+            </a:r>
+            <a:endParaRPr lang="en-US" altLang="ja-JP" dirty="0"/>
+          </a:p>
+        </p:txBody>
+      </p:sp>
+      <p:sp>
+        <p:nvSpPr>
+          <p:cNvPr id="43" name="三角形 42">
+            <a:extLst>
+              <a:ext uri="{FF2B5EF4-FFF2-40B4-BE49-F238E27FC236}">
+                <a16:creationId xmlns:a16="http://schemas.microsoft.com/office/drawing/2014/main" id="{29C0B7F1-E9AA-ED45-B54E-E03D666F3FDF}"/>
+              </a:ext>
+            </a:extLst>
+          </p:cNvPr>
+          <p:cNvSpPr/>
+          <p:nvPr/>
+        </p:nvSpPr>
+        <p:spPr>
+          <a:xfrm rot="5400000">
+            <a:off x="1076238" y="4931174"/>
+            <a:ext cx="480900" cy="320016"/>
+          </a:xfrm>
+          <a:prstGeom prst="triangle">
+            <a:avLst/>
+          </a:prstGeom>
+          <a:solidFill>
+            <a:schemeClr val="accent1"/>
+          </a:solidFill>
+          <a:ln>
+            <a:noFill/>
+          </a:ln>
+        </p:spPr>
+        <p:style>
+          <a:lnRef idx="0">
+            <a:scrgbClr r="0" g="0" b="0"/>
+          </a:lnRef>
+          <a:fillRef idx="0">
+            <a:scrgbClr r="0" g="0" b="0"/>
+          </a:fillRef>
+          <a:effectRef idx="0">
+            <a:scrgbClr r="0" g="0" b="0"/>
+          </a:effectRef>
+          <a:fontRef idx="minor">
+            <a:schemeClr val="lt1"/>
+          </a:fontRef>
+        </p:style>
+        <p:txBody>
+          <a:bodyPr rtlCol="0" anchor="ctr"/>
+          <a:lstStyle/>
+          <a:p>
+            <a:pPr algn="ctr"/>
+            <a:endParaRPr kumimoji="1" lang="ja-JP" altLang="en-US" sz="7200"/>
+          </a:p>
+        </p:txBody>
+      </p:sp>
+      <p:sp>
+        <p:nvSpPr>
+          <p:cNvPr id="44" name="テキスト プレースホルダー 29">
+            <a:extLst>
+              <a:ext uri="{FF2B5EF4-FFF2-40B4-BE49-F238E27FC236}">
+                <a16:creationId xmlns:a16="http://schemas.microsoft.com/office/drawing/2014/main" id="{67D7C01F-5E19-2244-885D-41265D24DEBF}"/>
+              </a:ext>
+            </a:extLst>
+          </p:cNvPr>
+          <p:cNvSpPr txBox="1">
+            <a:spLocks/>
+          </p:cNvSpPr>
+          <p:nvPr/>
+        </p:nvSpPr>
+        <p:spPr>
+          <a:xfrm>
+            <a:off x="1568600" y="4815900"/>
+            <a:ext cx="16135964" cy="853994"/>
+          </a:xfrm>
+          <a:prstGeom prst="rect">
+            <a:avLst/>
+          </a:prstGeom>
+        </p:spPr>
+        <p:txBody>
+          <a:bodyPr>
+            <a:normAutofit/>
+          </a:bodyPr>
+          <a:lstStyle>
+            <a:lvl1pPr marL="0" indent="0" algn="l" defTabSz="1828800" rtl="0" eaLnBrk="1" latinLnBrk="0" hangingPunct="1">
+              <a:lnSpc>
+                <a:spcPct val="90000"/>
+              </a:lnSpc>
+              <a:spcBef>
+                <a:spcPts val="2000"/>
+              </a:spcBef>
+              <a:buFont typeface="Arial" panose="020B0604020202020204" pitchFamily="34" charset="0"/>
+              <a:buNone/>
+              <a:defRPr kumimoji="1" sz="4000" kern="1200">
+                <a:solidFill>
+                  <a:srgbClr val="424242"/>
+                </a:solidFill>
+                <a:latin typeface="+mn-lt"/>
+                <a:ea typeface="+mn-ea"/>
+                <a:cs typeface="+mn-cs"/>
+              </a:defRPr>
+            </a:lvl1pPr>
+            <a:lvl2pPr marL="1371600" indent="-457200" algn="l" defTabSz="1828800" rtl="0" eaLnBrk="1" latinLnBrk="0" hangingPunct="1">
+              <a:lnSpc>
+                <a:spcPct val="90000"/>
+              </a:lnSpc>
+              <a:spcBef>
+                <a:spcPts val="1000"/>
+              </a:spcBef>
+              <a:buFont typeface="Arial" panose="020B0604020202020204" pitchFamily="34" charset="0"/>
+              <a:buChar char="•"/>
+              <a:defRPr kumimoji="1" sz="4800" kern="1200">
+                <a:solidFill>
+                  <a:schemeClr val="tx1"/>
+                </a:solidFill>
+                <a:latin typeface="+mn-lt"/>
+                <a:ea typeface="+mn-ea"/>
+                <a:cs typeface="+mn-cs"/>
+              </a:defRPr>
+            </a:lvl2pPr>
+            <a:lvl3pPr marL="2286000" indent="-457200" algn="l" defTabSz="1828800" rtl="0" eaLnBrk="1" latinLnBrk="0" hangingPunct="1">
+              <a:lnSpc>
+                <a:spcPct val="90000"/>
+              </a:lnSpc>
+              <a:spcBef>
+                <a:spcPts val="1000"/>
+              </a:spcBef>
+              <a:buFont typeface="Arial" panose="020B0604020202020204" pitchFamily="34" charset="0"/>
+              <a:buChar char="•"/>
+              <a:defRPr kumimoji="1" sz="4000" kern="1200">
+                <a:solidFill>
+                  <a:schemeClr val="tx1"/>
+                </a:solidFill>
+                <a:latin typeface="+mn-lt"/>
+                <a:ea typeface="+mn-ea"/>
+                <a:cs typeface="+mn-cs"/>
+              </a:defRPr>
+            </a:lvl3pPr>
+            <a:lvl4pPr marL="3200400" indent="-457200" algn="l" defTabSz="1828800" rtl="0" eaLnBrk="1" latinLnBrk="0" hangingPunct="1">
+              <a:lnSpc>
+                <a:spcPct val="90000"/>
+              </a:lnSpc>
+              <a:spcBef>
+                <a:spcPts val="1000"/>
+              </a:spcBef>
+              <a:buFont typeface="Arial" panose="020B0604020202020204" pitchFamily="34" charset="0"/>
+              <a:buChar char="•"/>
+              <a:defRPr kumimoji="1" sz="3600" kern="1200">
+                <a:solidFill>
+                  <a:schemeClr val="tx1"/>
+                </a:solidFill>
+                <a:latin typeface="+mn-lt"/>
+                <a:ea typeface="+mn-ea"/>
+                <a:cs typeface="+mn-cs"/>
+              </a:defRPr>
+            </a:lvl4pPr>
+            <a:lvl5pPr marL="4114800" indent="-457200" algn="l" defTabSz="1828800" rtl="0" eaLnBrk="1" latinLnBrk="0" hangingPunct="1">
+              <a:lnSpc>
+                <a:spcPct val="90000"/>
+              </a:lnSpc>
+              <a:spcBef>
+                <a:spcPts val="1000"/>
+              </a:spcBef>
+              <a:buFont typeface="Arial" panose="020B0604020202020204" pitchFamily="34" charset="0"/>
+              <a:buChar char="•"/>
+              <a:defRPr kumimoji="1" sz="3600" kern="1200">
+                <a:solidFill>
+                  <a:schemeClr val="tx1"/>
+                </a:solidFill>
+                <a:latin typeface="+mn-lt"/>
+                <a:ea typeface="+mn-ea"/>
+                <a:cs typeface="+mn-cs"/>
+              </a:defRPr>
+            </a:lvl5pPr>
+            <a:lvl6pPr marL="5029200" indent="-457200" algn="l" defTabSz="1828800" rtl="0" eaLnBrk="1" latinLnBrk="0" hangingPunct="1">
+              <a:lnSpc>
+                <a:spcPct val="90000"/>
+              </a:lnSpc>
+              <a:spcBef>
+                <a:spcPts val="1000"/>
+              </a:spcBef>
+              <a:buFont typeface="Arial" panose="020B0604020202020204" pitchFamily="34" charset="0"/>
+              <a:buChar char="•"/>
+              <a:defRPr kumimoji="1" sz="3600" kern="1200">
+                <a:solidFill>
+                  <a:schemeClr val="tx1"/>
+                </a:solidFill>
+                <a:latin typeface="+mn-lt"/>
+                <a:ea typeface="+mn-ea"/>
+                <a:cs typeface="+mn-cs"/>
+              </a:defRPr>
+            </a:lvl6pPr>
+            <a:lvl7pPr marL="5943600" indent="-457200" algn="l" defTabSz="1828800" rtl="0" eaLnBrk="1" latinLnBrk="0" hangingPunct="1">
+              <a:lnSpc>
+                <a:spcPct val="90000"/>
+              </a:lnSpc>
+              <a:spcBef>
+                <a:spcPts val="1000"/>
+              </a:spcBef>
+              <a:buFont typeface="Arial" panose="020B0604020202020204" pitchFamily="34" charset="0"/>
+              <a:buChar char="•"/>
+              <a:defRPr kumimoji="1" sz="3600" kern="1200">
+                <a:solidFill>
+                  <a:schemeClr val="tx1"/>
+                </a:solidFill>
+                <a:latin typeface="+mn-lt"/>
+                <a:ea typeface="+mn-ea"/>
+                <a:cs typeface="+mn-cs"/>
+              </a:defRPr>
+            </a:lvl7pPr>
+            <a:lvl8pPr marL="6858000" indent="-457200" algn="l" defTabSz="1828800" rtl="0" eaLnBrk="1" latinLnBrk="0" hangingPunct="1">
+              <a:lnSpc>
+                <a:spcPct val="90000"/>
+              </a:lnSpc>
+              <a:spcBef>
+                <a:spcPts val="1000"/>
+              </a:spcBef>
+              <a:buFont typeface="Arial" panose="020B0604020202020204" pitchFamily="34" charset="0"/>
+              <a:buChar char="•"/>
+              <a:defRPr kumimoji="1" sz="3600" kern="1200">
+                <a:solidFill>
+                  <a:schemeClr val="tx1"/>
+                </a:solidFill>
+                <a:latin typeface="+mn-lt"/>
+                <a:ea typeface="+mn-ea"/>
+                <a:cs typeface="+mn-cs"/>
+              </a:defRPr>
+            </a:lvl8pPr>
+            <a:lvl9pPr marL="7772400" indent="-457200" algn="l" defTabSz="1828800" rtl="0" eaLnBrk="1" latinLnBrk="0" hangingPunct="1">
+              <a:lnSpc>
+                <a:spcPct val="90000"/>
+              </a:lnSpc>
+              <a:spcBef>
+                <a:spcPts val="1000"/>
+              </a:spcBef>
+              <a:buFont typeface="Arial" panose="020B0604020202020204" pitchFamily="34" charset="0"/>
+              <a:buChar char="•"/>
+              <a:defRPr kumimoji="1" sz="3600" kern="1200">
+                <a:solidFill>
+                  <a:schemeClr val="tx1"/>
+                </a:solidFill>
+                <a:latin typeface="+mn-lt"/>
+                <a:ea typeface="+mn-ea"/>
+                <a:cs typeface="+mn-cs"/>
+              </a:defRPr>
+            </a:lvl9pPr>
+          </a:lstStyle>
+          <a:p>
+            <a:r>
+              <a:rPr lang="ja-JP" altLang="en-US"/>
+              <a:t>テキストであっても表情と同程度感情を伝達する</a:t>
+            </a:r>
+          </a:p>
+        </p:txBody>
+      </p:sp>
+      <p:grpSp>
+        <p:nvGrpSpPr>
+          <p:cNvPr id="54" name="グループ化 53">
+            <a:extLst>
+              <a:ext uri="{FF2B5EF4-FFF2-40B4-BE49-F238E27FC236}">
+                <a16:creationId xmlns:a16="http://schemas.microsoft.com/office/drawing/2014/main" id="{555B0B40-BF11-3948-AF30-3F5874C6AE62}"/>
+              </a:ext>
+            </a:extLst>
+          </p:cNvPr>
+          <p:cNvGrpSpPr/>
+          <p:nvPr/>
+        </p:nvGrpSpPr>
+        <p:grpSpPr>
+          <a:xfrm>
+            <a:off x="3544736" y="9020201"/>
+            <a:ext cx="11198527" cy="3761408"/>
+            <a:chOff x="3506678" y="8239275"/>
+            <a:chExt cx="11198527" cy="3761408"/>
+          </a:xfrm>
+        </p:grpSpPr>
+        <p:grpSp>
+          <p:nvGrpSpPr>
+            <p:cNvPr id="25" name="グループ化 24">
+              <a:extLst>
+                <a:ext uri="{FF2B5EF4-FFF2-40B4-BE49-F238E27FC236}">
+                  <a16:creationId xmlns:a16="http://schemas.microsoft.com/office/drawing/2014/main" id="{BEB37E04-D0DB-D245-8E23-15B3F360B148}"/>
+                </a:ext>
+              </a:extLst>
+            </p:cNvPr>
+            <p:cNvGrpSpPr/>
+            <p:nvPr/>
+          </p:nvGrpSpPr>
+          <p:grpSpPr>
+            <a:xfrm>
+              <a:off x="4535379" y="8239275"/>
+              <a:ext cx="9217242" cy="1952773"/>
+              <a:chOff x="1978725" y="8532573"/>
+              <a:chExt cx="9217242" cy="1952773"/>
+            </a:xfrm>
+          </p:grpSpPr>
+          <p:grpSp>
+            <p:nvGrpSpPr>
+              <p:cNvPr id="24" name="グループ化 23">
+                <a:extLst>
+                  <a:ext uri="{FF2B5EF4-FFF2-40B4-BE49-F238E27FC236}">
+                    <a16:creationId xmlns:a16="http://schemas.microsoft.com/office/drawing/2014/main" id="{2810454D-06DA-5E4B-9E17-C5AED6A5DBD1}"/>
+                  </a:ext>
+                </a:extLst>
+              </p:cNvPr>
+              <p:cNvGrpSpPr/>
+              <p:nvPr/>
+            </p:nvGrpSpPr>
+            <p:grpSpPr>
+              <a:xfrm>
+                <a:off x="1978725" y="8538153"/>
+                <a:ext cx="2057400" cy="1947193"/>
+                <a:chOff x="2143691" y="8532574"/>
+                <a:chExt cx="2057400" cy="1947193"/>
+              </a:xfrm>
+            </p:grpSpPr>
+            <p:sp>
+              <p:nvSpPr>
+                <p:cNvPr id="47" name="スマイル 46">
+                  <a:extLst>
+                    <a:ext uri="{FF2B5EF4-FFF2-40B4-BE49-F238E27FC236}">
+                      <a16:creationId xmlns:a16="http://schemas.microsoft.com/office/drawing/2014/main" id="{AEFACCEF-7817-9841-8050-031523C6207B}"/>
+                    </a:ext>
+                  </a:extLst>
+                </p:cNvPr>
+                <p:cNvSpPr/>
+                <p:nvPr/>
+              </p:nvSpPr>
+              <p:spPr>
+                <a:xfrm>
+                  <a:off x="2576090" y="8532574"/>
+                  <a:ext cx="1192602" cy="1104181"/>
+                </a:xfrm>
+                <a:prstGeom prst="smileyFace">
+                  <a:avLst>
+                    <a:gd name="adj" fmla="val -4653"/>
+                  </a:avLst>
+                </a:prstGeom>
+                <a:noFill/>
+                <a:ln w="38100">
+                  <a:solidFill>
+                    <a:schemeClr val="accent1"/>
+                  </a:solidFill>
+                </a:ln>
+              </p:spPr>
+              <p:style>
+                <a:lnRef idx="2">
+                  <a:schemeClr val="accent1">
+                    <a:shade val="50000"/>
+                  </a:schemeClr>
+                </a:lnRef>
+                <a:fillRef idx="1">
+                  <a:schemeClr val="accent1"/>
+                </a:fillRef>
+                <a:effectRef idx="0">
+                  <a:schemeClr val="accent1"/>
+                </a:effectRef>
+                <a:fontRef idx="minor">
+                  <a:schemeClr val="lt1"/>
+                </a:fontRef>
+              </p:style>
+              <p:txBody>
+                <a:bodyPr rtlCol="0" anchor="ctr"/>
+                <a:lstStyle/>
+                <a:p>
+                  <a:pPr algn="ctr"/>
+                  <a:endParaRPr kumimoji="1" lang="ja-JP" altLang="en-US">
+                    <a:solidFill>
+                      <a:schemeClr val="bg2"/>
+                    </a:solidFill>
+                  </a:endParaRPr>
+                </a:p>
+              </p:txBody>
+            </p:sp>
+            <p:sp>
+              <p:nvSpPr>
+                <p:cNvPr id="17" name="テキスト ボックス 16">
+                  <a:extLst>
+                    <a:ext uri="{FF2B5EF4-FFF2-40B4-BE49-F238E27FC236}">
+                      <a16:creationId xmlns:a16="http://schemas.microsoft.com/office/drawing/2014/main" id="{476838BC-C816-3749-8625-83AEA9DEFE7A}"/>
+                    </a:ext>
+                  </a:extLst>
+                </p:cNvPr>
+                <p:cNvSpPr txBox="1"/>
+                <p:nvPr/>
+              </p:nvSpPr>
+              <p:spPr>
+                <a:xfrm>
+                  <a:off x="2143691" y="9831546"/>
+                  <a:ext cx="2057400" cy="648221"/>
+                </a:xfrm>
+                <a:prstGeom prst="rect">
+                  <a:avLst/>
+                </a:prstGeom>
+                <a:noFill/>
+              </p:spPr>
+              <p:txBody>
+                <a:bodyPr wrap="square" rtlCol="0">
+                  <a:spAutoFit/>
+                </a:bodyPr>
+                <a:lstStyle/>
+                <a:p>
+                  <a:pPr algn="ctr"/>
+                  <a:r>
+                    <a:rPr kumimoji="1" lang="en-US" altLang="ja-JP" dirty="0"/>
+                    <a:t>angry</a:t>
+                  </a:r>
+                  <a:endParaRPr kumimoji="1" lang="ja-JP" altLang="en-US"/>
+                </a:p>
+              </p:txBody>
+            </p:sp>
+          </p:grpSp>
+          <p:grpSp>
+            <p:nvGrpSpPr>
+              <p:cNvPr id="19" name="グループ化 18">
+                <a:extLst>
+                  <a:ext uri="{FF2B5EF4-FFF2-40B4-BE49-F238E27FC236}">
+                    <a16:creationId xmlns:a16="http://schemas.microsoft.com/office/drawing/2014/main" id="{ACB0C364-5854-C347-B957-2F7336E9DBFD}"/>
+                  </a:ext>
+                </a:extLst>
+              </p:cNvPr>
+              <p:cNvGrpSpPr/>
+              <p:nvPr/>
+            </p:nvGrpSpPr>
+            <p:grpSpPr>
+              <a:xfrm>
+                <a:off x="5558646" y="8532574"/>
+                <a:ext cx="2057400" cy="1947192"/>
+                <a:chOff x="5558646" y="8532574"/>
+                <a:chExt cx="2057400" cy="1947192"/>
+              </a:xfrm>
+            </p:grpSpPr>
+            <p:sp>
+              <p:nvSpPr>
+                <p:cNvPr id="46" name="スマイル 45">
+                  <a:extLst>
+                    <a:ext uri="{FF2B5EF4-FFF2-40B4-BE49-F238E27FC236}">
+                      <a16:creationId xmlns:a16="http://schemas.microsoft.com/office/drawing/2014/main" id="{E103E366-E498-434C-8841-CDC48463802B}"/>
+                    </a:ext>
+                  </a:extLst>
+                </p:cNvPr>
+                <p:cNvSpPr/>
+                <p:nvPr/>
+              </p:nvSpPr>
+              <p:spPr>
+                <a:xfrm>
+                  <a:off x="5991045" y="8532574"/>
+                  <a:ext cx="1192602" cy="1104181"/>
+                </a:xfrm>
+                <a:prstGeom prst="smileyFace">
+                  <a:avLst>
+                    <a:gd name="adj" fmla="val -35"/>
+                  </a:avLst>
+                </a:prstGeom>
+                <a:noFill/>
+                <a:ln w="38100">
+                  <a:solidFill>
+                    <a:schemeClr val="accent1"/>
+                  </a:solidFill>
+                </a:ln>
+              </p:spPr>
+              <p:style>
+                <a:lnRef idx="2">
+                  <a:schemeClr val="accent1">
+                    <a:shade val="50000"/>
+                  </a:schemeClr>
+                </a:lnRef>
+                <a:fillRef idx="1">
+                  <a:schemeClr val="accent1"/>
+                </a:fillRef>
+                <a:effectRef idx="0">
+                  <a:schemeClr val="accent1"/>
+                </a:effectRef>
+                <a:fontRef idx="minor">
+                  <a:schemeClr val="lt1"/>
+                </a:fontRef>
+              </p:style>
+              <p:txBody>
+                <a:bodyPr rtlCol="0" anchor="ctr"/>
+                <a:lstStyle/>
+                <a:p>
+                  <a:pPr algn="ctr"/>
+                  <a:endParaRPr kumimoji="1" lang="ja-JP" altLang="en-US">
+                    <a:solidFill>
+                      <a:schemeClr val="bg2"/>
+                    </a:solidFill>
+                  </a:endParaRPr>
+                </a:p>
+              </p:txBody>
+            </p:sp>
+            <p:sp>
+              <p:nvSpPr>
+                <p:cNvPr id="48" name="テキスト ボックス 47">
+                  <a:extLst>
+                    <a:ext uri="{FF2B5EF4-FFF2-40B4-BE49-F238E27FC236}">
+                      <a16:creationId xmlns:a16="http://schemas.microsoft.com/office/drawing/2014/main" id="{FCA38E49-9BB8-2D45-B380-33B323884F39}"/>
+                    </a:ext>
+                  </a:extLst>
+                </p:cNvPr>
+                <p:cNvSpPr txBox="1"/>
+                <p:nvPr/>
+              </p:nvSpPr>
+              <p:spPr>
+                <a:xfrm>
+                  <a:off x="5558646" y="9831545"/>
+                  <a:ext cx="2057400" cy="648221"/>
+                </a:xfrm>
+                <a:prstGeom prst="rect">
+                  <a:avLst/>
+                </a:prstGeom>
+                <a:noFill/>
+              </p:spPr>
+              <p:txBody>
+                <a:bodyPr wrap="square" rtlCol="0">
+                  <a:spAutoFit/>
+                </a:bodyPr>
+                <a:lstStyle/>
+                <a:p>
+                  <a:pPr algn="ctr"/>
+                  <a:r>
+                    <a:rPr lang="en-US" altLang="ja-JP" dirty="0"/>
+                    <a:t>neutral</a:t>
+                  </a:r>
+                  <a:endParaRPr kumimoji="1" lang="ja-JP" altLang="en-US"/>
+                </a:p>
+              </p:txBody>
+            </p:sp>
+          </p:grpSp>
+          <p:grpSp>
+            <p:nvGrpSpPr>
+              <p:cNvPr id="18" name="グループ化 17">
+                <a:extLst>
+                  <a:ext uri="{FF2B5EF4-FFF2-40B4-BE49-F238E27FC236}">
+                    <a16:creationId xmlns:a16="http://schemas.microsoft.com/office/drawing/2014/main" id="{883ACA35-1FC8-8D4F-A1C7-54871F4454DE}"/>
+                  </a:ext>
+                </a:extLst>
+              </p:cNvPr>
+              <p:cNvGrpSpPr/>
+              <p:nvPr/>
+            </p:nvGrpSpPr>
+            <p:grpSpPr>
+              <a:xfrm>
+                <a:off x="9138567" y="8532573"/>
+                <a:ext cx="2057400" cy="1947192"/>
+                <a:chOff x="9138567" y="8532573"/>
+                <a:chExt cx="2057400" cy="1947192"/>
+              </a:xfrm>
+            </p:grpSpPr>
+            <p:sp>
+              <p:nvSpPr>
+                <p:cNvPr id="45" name="スマイル 44">
+                  <a:extLst>
+                    <a:ext uri="{FF2B5EF4-FFF2-40B4-BE49-F238E27FC236}">
+                      <a16:creationId xmlns:a16="http://schemas.microsoft.com/office/drawing/2014/main" id="{195514E4-D9A4-2640-9BE7-F90C36AE2811}"/>
+                    </a:ext>
+                  </a:extLst>
+                </p:cNvPr>
+                <p:cNvSpPr/>
+                <p:nvPr/>
+              </p:nvSpPr>
+              <p:spPr>
+                <a:xfrm>
+                  <a:off x="9570966" y="8532573"/>
+                  <a:ext cx="1192602" cy="1104181"/>
+                </a:xfrm>
+                <a:prstGeom prst="smileyFace">
+                  <a:avLst>
+                    <a:gd name="adj" fmla="val 4653"/>
+                  </a:avLst>
+                </a:prstGeom>
+                <a:noFill/>
+                <a:ln w="38100">
+                  <a:solidFill>
+                    <a:schemeClr val="accent1"/>
+                  </a:solidFill>
+                </a:ln>
+              </p:spPr>
+              <p:style>
+                <a:lnRef idx="2">
+                  <a:schemeClr val="accent1">
+                    <a:shade val="50000"/>
+                  </a:schemeClr>
+                </a:lnRef>
+                <a:fillRef idx="1">
+                  <a:schemeClr val="accent1"/>
+                </a:fillRef>
+                <a:effectRef idx="0">
+                  <a:schemeClr val="accent1"/>
+                </a:effectRef>
+                <a:fontRef idx="minor">
+                  <a:schemeClr val="lt1"/>
+                </a:fontRef>
+              </p:style>
+              <p:txBody>
+                <a:bodyPr rtlCol="0" anchor="ctr"/>
+                <a:lstStyle/>
+                <a:p>
+                  <a:pPr algn="ctr"/>
+                  <a:endParaRPr kumimoji="1" lang="ja-JP" altLang="en-US">
+                    <a:solidFill>
+                      <a:schemeClr val="bg2"/>
+                    </a:solidFill>
+                  </a:endParaRPr>
+                </a:p>
+              </p:txBody>
+            </p:sp>
+            <p:sp>
+              <p:nvSpPr>
+                <p:cNvPr id="49" name="テキスト ボックス 48">
+                  <a:extLst>
+                    <a:ext uri="{FF2B5EF4-FFF2-40B4-BE49-F238E27FC236}">
+                      <a16:creationId xmlns:a16="http://schemas.microsoft.com/office/drawing/2014/main" id="{8A03261E-1ED7-BC48-9353-7A4C3272AAF4}"/>
+                    </a:ext>
+                  </a:extLst>
+                </p:cNvPr>
+                <p:cNvSpPr txBox="1"/>
+                <p:nvPr/>
+              </p:nvSpPr>
+              <p:spPr>
+                <a:xfrm>
+                  <a:off x="9138567" y="9831544"/>
+                  <a:ext cx="2057400" cy="648221"/>
+                </a:xfrm>
+                <a:prstGeom prst="rect">
+                  <a:avLst/>
+                </a:prstGeom>
+                <a:noFill/>
+              </p:spPr>
+              <p:txBody>
+                <a:bodyPr wrap="square" rtlCol="0">
+                  <a:spAutoFit/>
+                </a:bodyPr>
+                <a:lstStyle/>
+                <a:p>
+                  <a:pPr algn="ctr"/>
+                  <a:r>
+                    <a:rPr kumimoji="1" lang="en-US" altLang="ja-JP" dirty="0"/>
+                    <a:t>happy</a:t>
+                  </a:r>
+                  <a:endParaRPr kumimoji="1" lang="ja-JP" altLang="en-US"/>
+                </a:p>
+              </p:txBody>
+            </p:sp>
+          </p:grpSp>
+        </p:grpSp>
+        <p:sp>
+          <p:nvSpPr>
+            <p:cNvPr id="50" name="右矢印 49">
+              <a:extLst>
+                <a:ext uri="{FF2B5EF4-FFF2-40B4-BE49-F238E27FC236}">
+                  <a16:creationId xmlns:a16="http://schemas.microsoft.com/office/drawing/2014/main" id="{FB50916D-4509-7846-9C5E-07D0C7C05256}"/>
+                </a:ext>
+              </a:extLst>
+            </p:cNvPr>
+            <p:cNvSpPr/>
+            <p:nvPr/>
+          </p:nvSpPr>
+          <p:spPr>
+            <a:xfrm flipH="1">
+              <a:off x="4535378" y="10563435"/>
+              <a:ext cx="9217241" cy="785954"/>
+            </a:xfrm>
+            <a:prstGeom prst="rightArrow">
+              <a:avLst/>
+            </a:prstGeom>
+            <a:ln>
+              <a:noFill/>
+            </a:ln>
+          </p:spPr>
+          <p:style>
+            <a:lnRef idx="2">
+              <a:schemeClr val="accent1">
+                <a:shade val="50000"/>
+              </a:schemeClr>
+            </a:lnRef>
+            <a:fillRef idx="1">
+              <a:schemeClr val="accent1"/>
+            </a:fillRef>
+            <a:effectRef idx="0">
+              <a:schemeClr val="accent1"/>
+            </a:effectRef>
+            <a:fontRef idx="minor">
+              <a:schemeClr val="lt1"/>
+            </a:fontRef>
+          </p:style>
+          <p:txBody>
+            <a:bodyPr rtlCol="0" anchor="ctr"/>
+            <a:lstStyle/>
+            <a:p>
+              <a:pPr algn="ctr"/>
+              <a:endParaRPr kumimoji="1" lang="ja-JP" altLang="en-US">
+                <a:solidFill>
+                  <a:schemeClr val="bg2"/>
+                </a:solidFill>
+              </a:endParaRPr>
+            </a:p>
+          </p:txBody>
+        </p:sp>
+        <p:sp>
+          <p:nvSpPr>
+            <p:cNvPr id="51" name="テキスト ボックス 50">
+              <a:extLst>
+                <a:ext uri="{FF2B5EF4-FFF2-40B4-BE49-F238E27FC236}">
+                  <a16:creationId xmlns:a16="http://schemas.microsoft.com/office/drawing/2014/main" id="{CDFDFB3D-8126-BE48-96B6-0DDFFF6E66F5}"/>
+                </a:ext>
+              </a:extLst>
+            </p:cNvPr>
+            <p:cNvSpPr txBox="1"/>
+            <p:nvPr/>
+          </p:nvSpPr>
+          <p:spPr>
+            <a:xfrm>
+              <a:off x="3506678" y="11332091"/>
+              <a:ext cx="2057400" cy="648221"/>
+            </a:xfrm>
+            <a:prstGeom prst="rect">
+              <a:avLst/>
+            </a:prstGeom>
+            <a:noFill/>
+          </p:spPr>
+          <p:txBody>
+            <a:bodyPr wrap="square" rtlCol="0">
+              <a:spAutoFit/>
+            </a:bodyPr>
+            <a:lstStyle/>
+            <a:p>
+              <a:pPr algn="ctr"/>
+              <a:r>
+                <a:rPr lang="ja-JP" altLang="en-US"/>
+                <a:t>大</a:t>
+              </a:r>
+              <a:endParaRPr kumimoji="1" lang="ja-JP" altLang="en-US"/>
+            </a:p>
+          </p:txBody>
+        </p:sp>
+        <p:sp>
+          <p:nvSpPr>
+            <p:cNvPr id="52" name="テキスト ボックス 51">
+              <a:extLst>
+                <a:ext uri="{FF2B5EF4-FFF2-40B4-BE49-F238E27FC236}">
+                  <a16:creationId xmlns:a16="http://schemas.microsoft.com/office/drawing/2014/main" id="{B5496B4B-887C-BE4E-A226-6FF0D538A851}"/>
+                </a:ext>
+              </a:extLst>
+            </p:cNvPr>
+            <p:cNvSpPr txBox="1"/>
+            <p:nvPr/>
+          </p:nvSpPr>
+          <p:spPr>
+            <a:xfrm>
+              <a:off x="12647805" y="11332091"/>
+              <a:ext cx="2057400" cy="648221"/>
+            </a:xfrm>
+            <a:prstGeom prst="rect">
+              <a:avLst/>
+            </a:prstGeom>
+            <a:noFill/>
+          </p:spPr>
+          <p:txBody>
+            <a:bodyPr wrap="square" rtlCol="0">
+              <a:spAutoFit/>
+            </a:bodyPr>
+            <a:lstStyle/>
+            <a:p>
+              <a:pPr algn="ctr"/>
+              <a:r>
+                <a:rPr kumimoji="1" lang="ja-JP" altLang="en-US"/>
+                <a:t>小</a:t>
+              </a:r>
+            </a:p>
+          </p:txBody>
+        </p:sp>
+        <p:sp>
+          <p:nvSpPr>
+            <p:cNvPr id="53" name="テキスト ボックス 52">
+              <a:extLst>
+                <a:ext uri="{FF2B5EF4-FFF2-40B4-BE49-F238E27FC236}">
+                  <a16:creationId xmlns:a16="http://schemas.microsoft.com/office/drawing/2014/main" id="{BE2F8BD5-A17D-A04E-9BA9-7DE9F936EDD6}"/>
+                </a:ext>
+              </a:extLst>
+            </p:cNvPr>
+            <p:cNvSpPr txBox="1"/>
+            <p:nvPr/>
+          </p:nvSpPr>
+          <p:spPr>
+            <a:xfrm>
+              <a:off x="6718380" y="11292797"/>
+              <a:ext cx="4851241" cy="707886"/>
+            </a:xfrm>
+            <a:prstGeom prst="rect">
+              <a:avLst/>
+            </a:prstGeom>
+            <a:noFill/>
+          </p:spPr>
+          <p:txBody>
+            <a:bodyPr wrap="square" rtlCol="0">
+              <a:spAutoFit/>
+            </a:bodyPr>
+            <a:lstStyle/>
+            <a:p>
+              <a:pPr algn="ctr"/>
+              <a:r>
+                <a:rPr kumimoji="1" lang="en-US" altLang="ja-JP" sz="4000" dirty="0"/>
+                <a:t>demand difference</a:t>
+              </a:r>
+              <a:endParaRPr kumimoji="1" lang="ja-JP" altLang="en-US" sz="4000"/>
+            </a:p>
+          </p:txBody>
+        </p:sp>
+      </p:grpSp>
+      <p:grpSp>
+        <p:nvGrpSpPr>
+          <p:cNvPr id="55" name="グループ化 54">
+            <a:extLst>
+              <a:ext uri="{FF2B5EF4-FFF2-40B4-BE49-F238E27FC236}">
+                <a16:creationId xmlns:a16="http://schemas.microsoft.com/office/drawing/2014/main" id="{99B0A0B3-241E-1943-8100-5C1759CCD494}"/>
+              </a:ext>
+            </a:extLst>
+          </p:cNvPr>
+          <p:cNvGrpSpPr/>
+          <p:nvPr/>
+        </p:nvGrpSpPr>
+        <p:grpSpPr>
+          <a:xfrm>
+            <a:off x="617232" y="6641924"/>
+            <a:ext cx="539448" cy="487368"/>
+            <a:chOff x="400056" y="1061560"/>
+            <a:chExt cx="269724" cy="243684"/>
+          </a:xfrm>
+        </p:grpSpPr>
+        <p:sp>
+          <p:nvSpPr>
+            <p:cNvPr id="56" name="三角形 55">
+              <a:extLst>
+                <a:ext uri="{FF2B5EF4-FFF2-40B4-BE49-F238E27FC236}">
+                  <a16:creationId xmlns:a16="http://schemas.microsoft.com/office/drawing/2014/main" id="{9A78022D-A10B-914B-BF48-BAA35AD67649}"/>
+                </a:ext>
+              </a:extLst>
+            </p:cNvPr>
+            <p:cNvSpPr/>
+            <p:nvPr userDrawn="1"/>
+          </p:nvSpPr>
+          <p:spPr>
+            <a:xfrm rot="5400000">
+              <a:off x="359835" y="1105015"/>
+              <a:ext cx="240450" cy="160008"/>
+            </a:xfrm>
+            <a:prstGeom prst="triangle">
+              <a:avLst/>
+            </a:prstGeom>
+            <a:solidFill>
+              <a:schemeClr val="accent1"/>
+            </a:solidFill>
+            <a:ln>
+              <a:noFill/>
+            </a:ln>
+          </p:spPr>
+          <p:style>
+            <a:lnRef idx="0">
+              <a:scrgbClr r="0" g="0" b="0"/>
+            </a:lnRef>
+            <a:fillRef idx="0">
+              <a:scrgbClr r="0" g="0" b="0"/>
+            </a:fillRef>
+            <a:effectRef idx="0">
+              <a:scrgbClr r="0" g="0" b="0"/>
+            </a:effectRef>
+            <a:fontRef idx="minor">
+              <a:schemeClr val="lt1"/>
+            </a:fontRef>
+          </p:style>
+          <p:txBody>
+            <a:bodyPr rtlCol="0" anchor="ctr"/>
+            <a:lstStyle/>
+            <a:p>
+              <a:pPr algn="ctr"/>
+              <a:endParaRPr kumimoji="1" lang="ja-JP" altLang="en-US" sz="7200"/>
+            </a:p>
+          </p:txBody>
+        </p:sp>
+        <p:sp>
+          <p:nvSpPr>
+            <p:cNvPr id="57" name="三角形 56">
+              <a:extLst>
+                <a:ext uri="{FF2B5EF4-FFF2-40B4-BE49-F238E27FC236}">
+                  <a16:creationId xmlns:a16="http://schemas.microsoft.com/office/drawing/2014/main" id="{F0260CA7-CF0F-5449-B7E1-34DBD1B435EB}"/>
+                </a:ext>
+              </a:extLst>
+            </p:cNvPr>
+            <p:cNvSpPr/>
+            <p:nvPr userDrawn="1"/>
+          </p:nvSpPr>
+          <p:spPr>
+            <a:xfrm rot="5400000">
+              <a:off x="469551" y="1101781"/>
+              <a:ext cx="240450" cy="160008"/>
+            </a:xfrm>
+            <a:prstGeom prst="triangle">
+              <a:avLst/>
+            </a:prstGeom>
+            <a:solidFill>
+              <a:schemeClr val="accent1"/>
+            </a:solidFill>
+            <a:ln>
+              <a:noFill/>
+            </a:ln>
+          </p:spPr>
+          <p:style>
+            <a:lnRef idx="0">
+              <a:scrgbClr r="0" g="0" b="0"/>
+            </a:lnRef>
+            <a:fillRef idx="0">
+              <a:scrgbClr r="0" g="0" b="0"/>
+            </a:fillRef>
+            <a:effectRef idx="0">
+              <a:scrgbClr r="0" g="0" b="0"/>
+            </a:effectRef>
+            <a:fontRef idx="minor">
+              <a:schemeClr val="lt1"/>
+            </a:fontRef>
+          </p:style>
+          <p:txBody>
+            <a:bodyPr rtlCol="0" anchor="ctr"/>
+            <a:lstStyle/>
+            <a:p>
+              <a:pPr algn="ctr"/>
+              <a:endParaRPr kumimoji="1" lang="ja-JP" altLang="en-US" sz="7200"/>
+            </a:p>
+          </p:txBody>
+        </p:sp>
+      </p:grpSp>
+      <p:sp>
+        <p:nvSpPr>
+          <p:cNvPr id="58" name="テキスト プレースホルダー 27">
+            <a:extLst>
+              <a:ext uri="{FF2B5EF4-FFF2-40B4-BE49-F238E27FC236}">
+                <a16:creationId xmlns:a16="http://schemas.microsoft.com/office/drawing/2014/main" id="{70C0AC02-4003-5D4D-AB50-40EC61043E87}"/>
+              </a:ext>
+            </a:extLst>
+          </p:cNvPr>
+          <p:cNvSpPr txBox="1">
+            <a:spLocks/>
+          </p:cNvSpPr>
+          <p:nvPr/>
+        </p:nvSpPr>
+        <p:spPr>
+          <a:xfrm>
+            <a:off x="1254486" y="6569299"/>
+            <a:ext cx="16632960" cy="997834"/>
+          </a:xfrm>
+          <a:prstGeom prst="rect">
+            <a:avLst/>
+          </a:prstGeom>
+        </p:spPr>
+        <p:txBody>
+          <a:bodyPr>
+            <a:normAutofit/>
+          </a:bodyPr>
+          <a:lstStyle>
+            <a:lvl1pPr marL="0" indent="0" algn="l" defTabSz="1828800" rtl="0" eaLnBrk="1" latinLnBrk="0" hangingPunct="1">
+              <a:lnSpc>
+                <a:spcPct val="90000"/>
+              </a:lnSpc>
+              <a:spcBef>
+                <a:spcPts val="2000"/>
+              </a:spcBef>
+              <a:buFont typeface="Arial" panose="020B0604020202020204" pitchFamily="34" charset="0"/>
+              <a:buNone/>
+              <a:defRPr kumimoji="1" sz="4800" kern="1200">
+                <a:solidFill>
+                  <a:srgbClr val="424242"/>
+                </a:solidFill>
+                <a:latin typeface="+mn-lt"/>
+                <a:ea typeface="+mn-ea"/>
+                <a:cs typeface="+mn-cs"/>
+              </a:defRPr>
+            </a:lvl1pPr>
+            <a:lvl2pPr marL="1371600" indent="-457200" algn="l" defTabSz="1828800" rtl="0" eaLnBrk="1" latinLnBrk="0" hangingPunct="1">
+              <a:lnSpc>
+                <a:spcPct val="90000"/>
+              </a:lnSpc>
+              <a:spcBef>
+                <a:spcPts val="1000"/>
+              </a:spcBef>
+              <a:buFont typeface="Arial" panose="020B0604020202020204" pitchFamily="34" charset="0"/>
+              <a:buChar char="•"/>
+              <a:defRPr kumimoji="1" sz="4800" kern="1200">
+                <a:solidFill>
+                  <a:schemeClr val="tx1"/>
+                </a:solidFill>
+                <a:latin typeface="+mn-lt"/>
+                <a:ea typeface="+mn-ea"/>
+                <a:cs typeface="+mn-cs"/>
+              </a:defRPr>
+            </a:lvl2pPr>
+            <a:lvl3pPr marL="2286000" indent="-457200" algn="l" defTabSz="1828800" rtl="0" eaLnBrk="1" latinLnBrk="0" hangingPunct="1">
+              <a:lnSpc>
+                <a:spcPct val="90000"/>
+              </a:lnSpc>
+              <a:spcBef>
+                <a:spcPts val="1000"/>
+              </a:spcBef>
+              <a:buFont typeface="Arial" panose="020B0604020202020204" pitchFamily="34" charset="0"/>
+              <a:buChar char="•"/>
+              <a:defRPr kumimoji="1" sz="4000" kern="1200">
+                <a:solidFill>
+                  <a:schemeClr val="tx1"/>
+                </a:solidFill>
+                <a:latin typeface="+mn-lt"/>
+                <a:ea typeface="+mn-ea"/>
+                <a:cs typeface="+mn-cs"/>
+              </a:defRPr>
+            </a:lvl3pPr>
+            <a:lvl4pPr marL="3200400" indent="-457200" algn="l" defTabSz="1828800" rtl="0" eaLnBrk="1" latinLnBrk="0" hangingPunct="1">
+              <a:lnSpc>
+                <a:spcPct val="90000"/>
+              </a:lnSpc>
+              <a:spcBef>
+                <a:spcPts val="1000"/>
+              </a:spcBef>
+              <a:buFont typeface="Arial" panose="020B0604020202020204" pitchFamily="34" charset="0"/>
+              <a:buChar char="•"/>
+              <a:defRPr kumimoji="1" sz="3600" kern="1200">
+                <a:solidFill>
+                  <a:schemeClr val="tx1"/>
+                </a:solidFill>
+                <a:latin typeface="+mn-lt"/>
+                <a:ea typeface="+mn-ea"/>
+                <a:cs typeface="+mn-cs"/>
+              </a:defRPr>
+            </a:lvl4pPr>
+            <a:lvl5pPr marL="4114800" indent="-457200" algn="l" defTabSz="1828800" rtl="0" eaLnBrk="1" latinLnBrk="0" hangingPunct="1">
+              <a:lnSpc>
+                <a:spcPct val="90000"/>
+              </a:lnSpc>
+              <a:spcBef>
+                <a:spcPts val="1000"/>
+              </a:spcBef>
+              <a:buFont typeface="Arial" panose="020B0604020202020204" pitchFamily="34" charset="0"/>
+              <a:buChar char="•"/>
+              <a:defRPr kumimoji="1" sz="3600" kern="1200">
+                <a:solidFill>
+                  <a:schemeClr val="tx1"/>
+                </a:solidFill>
+                <a:latin typeface="+mn-lt"/>
+                <a:ea typeface="+mn-ea"/>
+                <a:cs typeface="+mn-cs"/>
+              </a:defRPr>
+            </a:lvl5pPr>
+            <a:lvl6pPr marL="5029200" indent="-457200" algn="l" defTabSz="1828800" rtl="0" eaLnBrk="1" latinLnBrk="0" hangingPunct="1">
+              <a:lnSpc>
+                <a:spcPct val="90000"/>
+              </a:lnSpc>
+              <a:spcBef>
+                <a:spcPts val="1000"/>
+              </a:spcBef>
+              <a:buFont typeface="Arial" panose="020B0604020202020204" pitchFamily="34" charset="0"/>
+              <a:buChar char="•"/>
+              <a:defRPr kumimoji="1" sz="3600" kern="1200">
+                <a:solidFill>
+                  <a:schemeClr val="tx1"/>
+                </a:solidFill>
+                <a:latin typeface="+mn-lt"/>
+                <a:ea typeface="+mn-ea"/>
+                <a:cs typeface="+mn-cs"/>
+              </a:defRPr>
+            </a:lvl6pPr>
+            <a:lvl7pPr marL="5943600" indent="-457200" algn="l" defTabSz="1828800" rtl="0" eaLnBrk="1" latinLnBrk="0" hangingPunct="1">
+              <a:lnSpc>
+                <a:spcPct val="90000"/>
+              </a:lnSpc>
+              <a:spcBef>
+                <a:spcPts val="1000"/>
+              </a:spcBef>
+              <a:buFont typeface="Arial" panose="020B0604020202020204" pitchFamily="34" charset="0"/>
+              <a:buChar char="•"/>
+              <a:defRPr kumimoji="1" sz="3600" kern="1200">
+                <a:solidFill>
+                  <a:schemeClr val="tx1"/>
+                </a:solidFill>
+                <a:latin typeface="+mn-lt"/>
+                <a:ea typeface="+mn-ea"/>
+                <a:cs typeface="+mn-cs"/>
+              </a:defRPr>
+            </a:lvl7pPr>
+            <a:lvl8pPr marL="6858000" indent="-457200" algn="l" defTabSz="1828800" rtl="0" eaLnBrk="1" latinLnBrk="0" hangingPunct="1">
+              <a:lnSpc>
+                <a:spcPct val="90000"/>
+              </a:lnSpc>
+              <a:spcBef>
+                <a:spcPts val="1000"/>
+              </a:spcBef>
+              <a:buFont typeface="Arial" panose="020B0604020202020204" pitchFamily="34" charset="0"/>
+              <a:buChar char="•"/>
+              <a:defRPr kumimoji="1" sz="3600" kern="1200">
+                <a:solidFill>
+                  <a:schemeClr val="tx1"/>
+                </a:solidFill>
+                <a:latin typeface="+mn-lt"/>
+                <a:ea typeface="+mn-ea"/>
+                <a:cs typeface="+mn-cs"/>
+              </a:defRPr>
+            </a:lvl8pPr>
+            <a:lvl9pPr marL="7772400" indent="-457200" algn="l" defTabSz="1828800" rtl="0" eaLnBrk="1" latinLnBrk="0" hangingPunct="1">
+              <a:lnSpc>
+                <a:spcPct val="90000"/>
+              </a:lnSpc>
+              <a:spcBef>
+                <a:spcPts val="1000"/>
+              </a:spcBef>
+              <a:buFont typeface="Arial" panose="020B0604020202020204" pitchFamily="34" charset="0"/>
+              <a:buChar char="•"/>
+              <a:defRPr kumimoji="1" sz="3600" kern="1200">
+                <a:solidFill>
+                  <a:schemeClr val="tx1"/>
+                </a:solidFill>
+                <a:latin typeface="+mn-lt"/>
+                <a:ea typeface="+mn-ea"/>
+                <a:cs typeface="+mn-cs"/>
+              </a:defRPr>
+            </a:lvl9pPr>
+          </a:lstStyle>
+          <a:p>
+            <a:r>
+              <a:rPr lang="ja-JP" altLang="en-US"/>
+              <a:t>伝達方法と感情に関連はみられなかった</a:t>
+            </a:r>
+            <a:endParaRPr lang="en-US" altLang="ja-JP" dirty="0"/>
+          </a:p>
+        </p:txBody>
+      </p:sp>
+      <p:sp>
+        <p:nvSpPr>
+          <p:cNvPr id="59" name="三角形 58">
+            <a:extLst>
+              <a:ext uri="{FF2B5EF4-FFF2-40B4-BE49-F238E27FC236}">
+                <a16:creationId xmlns:a16="http://schemas.microsoft.com/office/drawing/2014/main" id="{721D6AAC-E877-3048-AB9C-6162E522BB7F}"/>
+              </a:ext>
+            </a:extLst>
+          </p:cNvPr>
+          <p:cNvSpPr/>
+          <p:nvPr/>
+        </p:nvSpPr>
+        <p:spPr>
+          <a:xfrm rot="5400000">
+            <a:off x="1076238" y="7482648"/>
+            <a:ext cx="480900" cy="320016"/>
+          </a:xfrm>
+          <a:prstGeom prst="triangle">
+            <a:avLst/>
+          </a:prstGeom>
+          <a:solidFill>
+            <a:schemeClr val="accent1"/>
+          </a:solidFill>
+          <a:ln>
+            <a:noFill/>
+          </a:ln>
+        </p:spPr>
+        <p:style>
+          <a:lnRef idx="0">
+            <a:scrgbClr r="0" g="0" b="0"/>
+          </a:lnRef>
+          <a:fillRef idx="0">
+            <a:scrgbClr r="0" g="0" b="0"/>
+          </a:fillRef>
+          <a:effectRef idx="0">
+            <a:scrgbClr r="0" g="0" b="0"/>
+          </a:effectRef>
+          <a:fontRef idx="minor">
+            <a:schemeClr val="lt1"/>
+          </a:fontRef>
+        </p:style>
+        <p:txBody>
+          <a:bodyPr rtlCol="0" anchor="ctr"/>
+          <a:lstStyle/>
+          <a:p>
+            <a:pPr algn="ctr"/>
+            <a:endParaRPr kumimoji="1" lang="ja-JP" altLang="en-US" sz="7200"/>
+          </a:p>
+        </p:txBody>
+      </p:sp>
+      <p:sp>
+        <p:nvSpPr>
+          <p:cNvPr id="60" name="テキスト プレースホルダー 29">
+            <a:extLst>
+              <a:ext uri="{FF2B5EF4-FFF2-40B4-BE49-F238E27FC236}">
+                <a16:creationId xmlns:a16="http://schemas.microsoft.com/office/drawing/2014/main" id="{E7B17F6C-3461-CB4C-827B-29BC7352EBCB}"/>
+              </a:ext>
+            </a:extLst>
+          </p:cNvPr>
+          <p:cNvSpPr txBox="1">
+            <a:spLocks/>
+          </p:cNvSpPr>
+          <p:nvPr/>
+        </p:nvSpPr>
+        <p:spPr>
+          <a:xfrm>
+            <a:off x="1568600" y="7367374"/>
+            <a:ext cx="16135964" cy="853994"/>
+          </a:xfrm>
+          <a:prstGeom prst="rect">
+            <a:avLst/>
+          </a:prstGeom>
+        </p:spPr>
+        <p:txBody>
+          <a:bodyPr>
+            <a:normAutofit/>
+          </a:bodyPr>
+          <a:lstStyle>
+            <a:lvl1pPr marL="0" indent="0" algn="l" defTabSz="1828800" rtl="0" eaLnBrk="1" latinLnBrk="0" hangingPunct="1">
+              <a:lnSpc>
+                <a:spcPct val="90000"/>
+              </a:lnSpc>
+              <a:spcBef>
+                <a:spcPts val="2000"/>
+              </a:spcBef>
+              <a:buFont typeface="Arial" panose="020B0604020202020204" pitchFamily="34" charset="0"/>
+              <a:buNone/>
+              <a:defRPr kumimoji="1" sz="4000" kern="1200">
+                <a:solidFill>
+                  <a:srgbClr val="424242"/>
+                </a:solidFill>
+                <a:latin typeface="+mn-lt"/>
+                <a:ea typeface="+mn-ea"/>
+                <a:cs typeface="+mn-cs"/>
+              </a:defRPr>
+            </a:lvl1pPr>
+            <a:lvl2pPr marL="1371600" indent="-457200" algn="l" defTabSz="1828800" rtl="0" eaLnBrk="1" latinLnBrk="0" hangingPunct="1">
+              <a:lnSpc>
+                <a:spcPct val="90000"/>
+              </a:lnSpc>
+              <a:spcBef>
+                <a:spcPts val="1000"/>
+              </a:spcBef>
+              <a:buFont typeface="Arial" panose="020B0604020202020204" pitchFamily="34" charset="0"/>
+              <a:buChar char="•"/>
+              <a:defRPr kumimoji="1" sz="4800" kern="1200">
+                <a:solidFill>
+                  <a:schemeClr val="tx1"/>
+                </a:solidFill>
+                <a:latin typeface="+mn-lt"/>
+                <a:ea typeface="+mn-ea"/>
+                <a:cs typeface="+mn-cs"/>
+              </a:defRPr>
+            </a:lvl2pPr>
+            <a:lvl3pPr marL="2286000" indent="-457200" algn="l" defTabSz="1828800" rtl="0" eaLnBrk="1" latinLnBrk="0" hangingPunct="1">
+              <a:lnSpc>
+                <a:spcPct val="90000"/>
+              </a:lnSpc>
+              <a:spcBef>
+                <a:spcPts val="1000"/>
+              </a:spcBef>
+              <a:buFont typeface="Arial" panose="020B0604020202020204" pitchFamily="34" charset="0"/>
+              <a:buChar char="•"/>
+              <a:defRPr kumimoji="1" sz="4000" kern="1200">
+                <a:solidFill>
+                  <a:schemeClr val="tx1"/>
+                </a:solidFill>
+                <a:latin typeface="+mn-lt"/>
+                <a:ea typeface="+mn-ea"/>
+                <a:cs typeface="+mn-cs"/>
+              </a:defRPr>
+            </a:lvl3pPr>
+            <a:lvl4pPr marL="3200400" indent="-457200" algn="l" defTabSz="1828800" rtl="0" eaLnBrk="1" latinLnBrk="0" hangingPunct="1">
+              <a:lnSpc>
+                <a:spcPct val="90000"/>
+              </a:lnSpc>
+              <a:spcBef>
+                <a:spcPts val="1000"/>
+              </a:spcBef>
+              <a:buFont typeface="Arial" panose="020B0604020202020204" pitchFamily="34" charset="0"/>
+              <a:buChar char="•"/>
+              <a:defRPr kumimoji="1" sz="3600" kern="1200">
+                <a:solidFill>
+                  <a:schemeClr val="tx1"/>
+                </a:solidFill>
+                <a:latin typeface="+mn-lt"/>
+                <a:ea typeface="+mn-ea"/>
+                <a:cs typeface="+mn-cs"/>
+              </a:defRPr>
+            </a:lvl4pPr>
+            <a:lvl5pPr marL="4114800" indent="-457200" algn="l" defTabSz="1828800" rtl="0" eaLnBrk="1" latinLnBrk="0" hangingPunct="1">
+              <a:lnSpc>
+                <a:spcPct val="90000"/>
+              </a:lnSpc>
+              <a:spcBef>
+                <a:spcPts val="1000"/>
+              </a:spcBef>
+              <a:buFont typeface="Arial" panose="020B0604020202020204" pitchFamily="34" charset="0"/>
+              <a:buChar char="•"/>
+              <a:defRPr kumimoji="1" sz="3600" kern="1200">
+                <a:solidFill>
+                  <a:schemeClr val="tx1"/>
+                </a:solidFill>
+                <a:latin typeface="+mn-lt"/>
+                <a:ea typeface="+mn-ea"/>
+                <a:cs typeface="+mn-cs"/>
+              </a:defRPr>
+            </a:lvl5pPr>
+            <a:lvl6pPr marL="5029200" indent="-457200" algn="l" defTabSz="1828800" rtl="0" eaLnBrk="1" latinLnBrk="0" hangingPunct="1">
+              <a:lnSpc>
+                <a:spcPct val="90000"/>
+              </a:lnSpc>
+              <a:spcBef>
+                <a:spcPts val="1000"/>
+              </a:spcBef>
+              <a:buFont typeface="Arial" panose="020B0604020202020204" pitchFamily="34" charset="0"/>
+              <a:buChar char="•"/>
+              <a:defRPr kumimoji="1" sz="3600" kern="1200">
+                <a:solidFill>
+                  <a:schemeClr val="tx1"/>
+                </a:solidFill>
+                <a:latin typeface="+mn-lt"/>
+                <a:ea typeface="+mn-ea"/>
+                <a:cs typeface="+mn-cs"/>
+              </a:defRPr>
+            </a:lvl6pPr>
+            <a:lvl7pPr marL="5943600" indent="-457200" algn="l" defTabSz="1828800" rtl="0" eaLnBrk="1" latinLnBrk="0" hangingPunct="1">
+              <a:lnSpc>
+                <a:spcPct val="90000"/>
+              </a:lnSpc>
+              <a:spcBef>
+                <a:spcPts val="1000"/>
+              </a:spcBef>
+              <a:buFont typeface="Arial" panose="020B0604020202020204" pitchFamily="34" charset="0"/>
+              <a:buChar char="•"/>
+              <a:defRPr kumimoji="1" sz="3600" kern="1200">
+                <a:solidFill>
+                  <a:schemeClr val="tx1"/>
+                </a:solidFill>
+                <a:latin typeface="+mn-lt"/>
+                <a:ea typeface="+mn-ea"/>
+                <a:cs typeface="+mn-cs"/>
+              </a:defRPr>
+            </a:lvl7pPr>
+            <a:lvl8pPr marL="6858000" indent="-457200" algn="l" defTabSz="1828800" rtl="0" eaLnBrk="1" latinLnBrk="0" hangingPunct="1">
+              <a:lnSpc>
+                <a:spcPct val="90000"/>
+              </a:lnSpc>
+              <a:spcBef>
+                <a:spcPts val="1000"/>
+              </a:spcBef>
+              <a:buFont typeface="Arial" panose="020B0604020202020204" pitchFamily="34" charset="0"/>
+              <a:buChar char="•"/>
+              <a:defRPr kumimoji="1" sz="3600" kern="1200">
+                <a:solidFill>
+                  <a:schemeClr val="tx1"/>
+                </a:solidFill>
+                <a:latin typeface="+mn-lt"/>
+                <a:ea typeface="+mn-ea"/>
+                <a:cs typeface="+mn-cs"/>
+              </a:defRPr>
+            </a:lvl8pPr>
+            <a:lvl9pPr marL="7772400" indent="-457200" algn="l" defTabSz="1828800" rtl="0" eaLnBrk="1" latinLnBrk="0" hangingPunct="1">
+              <a:lnSpc>
+                <a:spcPct val="90000"/>
+              </a:lnSpc>
+              <a:spcBef>
+                <a:spcPts val="1000"/>
+              </a:spcBef>
+              <a:buFont typeface="Arial" panose="020B0604020202020204" pitchFamily="34" charset="0"/>
+              <a:buChar char="•"/>
+              <a:defRPr kumimoji="1" sz="3600" kern="1200">
+                <a:solidFill>
+                  <a:schemeClr val="tx1"/>
+                </a:solidFill>
+                <a:latin typeface="+mn-lt"/>
+                <a:ea typeface="+mn-ea"/>
+                <a:cs typeface="+mn-cs"/>
+              </a:defRPr>
+            </a:lvl9pPr>
+          </a:lstStyle>
+          <a:p>
+            <a:r>
+              <a:rPr lang="ja-JP" altLang="en-US"/>
+              <a:t>感情は伝達方法とは独立に</a:t>
+            </a:r>
+            <a:r>
+              <a:rPr lang="en-US" altLang="ja-JP" dirty="0"/>
+              <a:t>demand difference</a:t>
+            </a:r>
+            <a:r>
+              <a:rPr lang="ja-JP" altLang="en-US"/>
+              <a:t>に影響を与える</a:t>
+            </a:r>
+          </a:p>
+        </p:txBody>
+      </p:sp>
+    </p:spTree>
+    <p:extLst>
+      <p:ext uri="{BB962C8B-B14F-4D97-AF65-F5344CB8AC3E}">
+        <p14:creationId xmlns:p14="http://schemas.microsoft.com/office/powerpoint/2010/main" val="3798009700"/>
+      </p:ext>
+    </p:extLst>
+  </p:cSld>
+  <p:clrMapOvr>
+    <a:masterClrMapping/>
+  </p:clrMapOvr>
+</p:sld>
+</file>
+
+<file path=ppt/slides/slide12.xml><?xml version="1.0" encoding="utf-8"?>
+<p:sld xmlns:a="http://schemas.openxmlformats.org/drawingml/2006/main" xmlns:r="http://schemas.openxmlformats.org/officeDocument/2006/relationships" xmlns:p="http://schemas.openxmlformats.org/presentationml/2006/main">
+  <p:cSld>
+    <p:spTree>
+      <p:nvGrpSpPr>
+        <p:cNvPr id="1" name=""/>
+        <p:cNvGrpSpPr/>
+        <p:nvPr/>
+      </p:nvGrpSpPr>
+      <p:grpSpPr>
+        <a:xfrm>
+          <a:off x="0" y="0"/>
+          <a:ext cx="0" cy="0"/>
+          <a:chOff x="0" y="0"/>
+          <a:chExt cx="0" cy="0"/>
+        </a:xfrm>
+      </p:grpSpPr>
+      <p:sp>
+        <p:nvSpPr>
+          <p:cNvPr id="2" name="日付プレースホルダー 1">
+            <a:extLst>
+              <a:ext uri="{FF2B5EF4-FFF2-40B4-BE49-F238E27FC236}">
+                <a16:creationId xmlns:a16="http://schemas.microsoft.com/office/drawing/2014/main" id="{9A3628AA-5FBA-534C-B3C4-2DB73F7968C2}"/>
+              </a:ext>
+            </a:extLst>
+          </p:cNvPr>
+          <p:cNvSpPr>
+            <a:spLocks noGrp="1"/>
+          </p:cNvSpPr>
+          <p:nvPr>
+            <p:ph type="dt" sz="half" idx="10"/>
+          </p:nvPr>
+        </p:nvSpPr>
+        <p:spPr/>
+        <p:txBody>
+          <a:bodyPr/>
+          <a:lstStyle/>
+          <a:p>
+            <a:fld id="{E987203A-5B41-5648-8157-822A487E08FC}" type="datetime1">
+              <a:rPr lang="ja-JP" altLang="en-US" smtClean="0"/>
+              <a:t>2018/5/1</a:t>
+            </a:fld>
+            <a:endParaRPr lang="ja-JP" altLang="en-US"/>
+          </a:p>
+        </p:txBody>
+      </p:sp>
+      <p:sp>
+        <p:nvSpPr>
+          <p:cNvPr id="3" name="フッター プレースホルダー 2">
+            <a:extLst>
+              <a:ext uri="{FF2B5EF4-FFF2-40B4-BE49-F238E27FC236}">
+                <a16:creationId xmlns:a16="http://schemas.microsoft.com/office/drawing/2014/main" id="{98D8000A-67DE-B846-8AE0-A91C6FD8ECBB}"/>
+              </a:ext>
+            </a:extLst>
+          </p:cNvPr>
+          <p:cNvSpPr>
+            <a:spLocks noGrp="1"/>
+          </p:cNvSpPr>
+          <p:nvPr>
+            <p:ph type="ftr" sz="quarter" idx="11"/>
+          </p:nvPr>
+        </p:nvSpPr>
+        <p:spPr/>
+        <p:txBody>
+          <a:bodyPr/>
+          <a:lstStyle/>
+          <a:p>
+            <a:r>
+              <a:rPr lang="ja-JP" altLang="en-US"/>
+              <a:t>文献講読発表</a:t>
+            </a:r>
+            <a:r>
+              <a:rPr lang="en-US" altLang="ja-JP"/>
+              <a:t>(2018.04.25)</a:t>
+            </a:r>
+            <a:endParaRPr lang="ja-JP" altLang="en-US"/>
+          </a:p>
+        </p:txBody>
+      </p:sp>
+      <p:sp>
+        <p:nvSpPr>
+          <p:cNvPr id="4" name="スライド番号プレースホルダー 3">
+            <a:extLst>
+              <a:ext uri="{FF2B5EF4-FFF2-40B4-BE49-F238E27FC236}">
+                <a16:creationId xmlns:a16="http://schemas.microsoft.com/office/drawing/2014/main" id="{5241896A-DBD1-D845-A5F2-1904C1003E91}"/>
+              </a:ext>
+            </a:extLst>
+          </p:cNvPr>
+          <p:cNvSpPr>
+            <a:spLocks noGrp="1"/>
+          </p:cNvSpPr>
+          <p:nvPr>
+            <p:ph type="sldNum" sz="quarter" idx="12"/>
+          </p:nvPr>
+        </p:nvSpPr>
+        <p:spPr/>
+        <p:txBody>
+          <a:bodyPr/>
+          <a:lstStyle/>
+          <a:p>
+            <a:fld id="{89242BC1-393D-1248-985B-18DA624F2964}" type="slidenum">
+              <a:rPr lang="ja-JP" altLang="en-US" smtClean="0"/>
+              <a:pPr/>
+              <a:t>12</a:t>
+            </a:fld>
+            <a:endParaRPr lang="ja-JP" altLang="en-US"/>
+          </a:p>
+        </p:txBody>
+      </p:sp>
+      <p:sp>
+        <p:nvSpPr>
+          <p:cNvPr id="5" name="テキスト プレースホルダー 4">
+            <a:extLst>
+              <a:ext uri="{FF2B5EF4-FFF2-40B4-BE49-F238E27FC236}">
+                <a16:creationId xmlns:a16="http://schemas.microsoft.com/office/drawing/2014/main" id="{9F22905A-C42A-1845-B4C2-9D8885E87338}"/>
+              </a:ext>
+            </a:extLst>
+          </p:cNvPr>
+          <p:cNvSpPr>
+            <a:spLocks noGrp="1"/>
+          </p:cNvSpPr>
+          <p:nvPr>
+            <p:ph type="body" sz="quarter" idx="13"/>
+          </p:nvPr>
+        </p:nvSpPr>
+        <p:spPr/>
+        <p:txBody>
+          <a:bodyPr/>
+          <a:lstStyle/>
+          <a:p>
+            <a:r>
+              <a:rPr kumimoji="1" lang="en-US" altLang="ja-JP" dirty="0"/>
+              <a:t>3</a:t>
+            </a:r>
+            <a:endParaRPr kumimoji="1" lang="ja-JP" altLang="en-US"/>
+          </a:p>
+        </p:txBody>
+      </p:sp>
+      <p:sp>
+        <p:nvSpPr>
+          <p:cNvPr id="6" name="テキスト プレースホルダー 5">
+            <a:extLst>
+              <a:ext uri="{FF2B5EF4-FFF2-40B4-BE49-F238E27FC236}">
+                <a16:creationId xmlns:a16="http://schemas.microsoft.com/office/drawing/2014/main" id="{A72A944A-0DD6-C246-AA6A-153A95866A6D}"/>
+              </a:ext>
+            </a:extLst>
+          </p:cNvPr>
+          <p:cNvSpPr>
+            <a:spLocks noGrp="1"/>
+          </p:cNvSpPr>
+          <p:nvPr>
+            <p:ph type="body" sz="quarter" idx="14"/>
+          </p:nvPr>
+        </p:nvSpPr>
+        <p:spPr/>
+        <p:txBody>
+          <a:bodyPr/>
+          <a:lstStyle/>
+          <a:p>
+            <a:r>
+              <a:rPr lang="ja-JP" altLang="en-US"/>
+              <a:t>実験結果</a:t>
+            </a:r>
+            <a:endParaRPr kumimoji="1" lang="ja-JP" altLang="en-US"/>
+          </a:p>
+        </p:txBody>
+      </p:sp>
+      <p:grpSp>
+        <p:nvGrpSpPr>
+          <p:cNvPr id="7" name="グループ化 6">
+            <a:extLst>
+              <a:ext uri="{FF2B5EF4-FFF2-40B4-BE49-F238E27FC236}">
+                <a16:creationId xmlns:a16="http://schemas.microsoft.com/office/drawing/2014/main" id="{F8338825-4221-E148-A389-BAB1DC0ADD53}"/>
+              </a:ext>
+            </a:extLst>
+          </p:cNvPr>
+          <p:cNvGrpSpPr/>
+          <p:nvPr/>
+        </p:nvGrpSpPr>
+        <p:grpSpPr>
+          <a:xfrm>
+            <a:off x="289330" y="1413298"/>
+            <a:ext cx="2160000" cy="934436"/>
+            <a:chOff x="144665" y="525617"/>
+            <a:chExt cx="1080000" cy="467218"/>
+          </a:xfrm>
+        </p:grpSpPr>
+        <p:sp>
+          <p:nvSpPr>
+            <p:cNvPr id="8" name="正方形/長方形 7">
+              <a:extLst>
+                <a:ext uri="{FF2B5EF4-FFF2-40B4-BE49-F238E27FC236}">
+                  <a16:creationId xmlns:a16="http://schemas.microsoft.com/office/drawing/2014/main" id="{0E268681-EBDD-6B46-A968-4A957382FC63}"/>
+                </a:ext>
+              </a:extLst>
+            </p:cNvPr>
+            <p:cNvSpPr/>
+            <p:nvPr userDrawn="1"/>
+          </p:nvSpPr>
+          <p:spPr>
+            <a:xfrm>
+              <a:off x="145524" y="542424"/>
+              <a:ext cx="91081" cy="450411"/>
+            </a:xfrm>
+            <a:prstGeom prst="rect">
+              <a:avLst/>
+            </a:prstGeom>
+            <a:solidFill>
+              <a:schemeClr val="accent1"/>
+            </a:solidFill>
+            <a:ln>
+              <a:noFill/>
+            </a:ln>
+          </p:spPr>
+          <p:style>
+            <a:lnRef idx="2">
+              <a:schemeClr val="accent1">
+                <a:shade val="50000"/>
+              </a:schemeClr>
+            </a:lnRef>
+            <a:fillRef idx="1">
+              <a:schemeClr val="accent1"/>
+            </a:fillRef>
+            <a:effectRef idx="0">
+              <a:schemeClr val="accent1"/>
+            </a:effectRef>
+            <a:fontRef idx="minor">
+              <a:schemeClr val="lt1"/>
+            </a:fontRef>
+          </p:style>
+          <p:txBody>
+            <a:bodyPr rot="0" spcFirstLastPara="0" vertOverflow="overflow" horzOverflow="overflow" vert="horz" wrap="square" lIns="68580" tIns="34290" rIns="68580" bIns="34290" numCol="1" spcCol="0" rtlCol="0" fromWordArt="0" anchor="ctr" anchorCtr="0" forceAA="0" compatLnSpc="1">
+              <a:prstTxWarp prst="textNoShape">
+                <a:avLst/>
+              </a:prstTxWarp>
+              <a:noAutofit/>
+            </a:bodyPr>
+            <a:lstStyle/>
+            <a:p>
+              <a:pPr algn="ctr"/>
+              <a:endParaRPr kumimoji="1" lang="ja-JP" altLang="en-US" sz="2700"/>
+            </a:p>
+          </p:txBody>
+        </p:sp>
+        <p:sp>
+          <p:nvSpPr>
+            <p:cNvPr id="9" name="正方形/長方形 8">
+              <a:extLst>
+                <a:ext uri="{FF2B5EF4-FFF2-40B4-BE49-F238E27FC236}">
+                  <a16:creationId xmlns:a16="http://schemas.microsoft.com/office/drawing/2014/main" id="{3FAD45B4-C2FE-CA41-B80D-D3EA8853BBC9}"/>
+                </a:ext>
+              </a:extLst>
+            </p:cNvPr>
+            <p:cNvSpPr/>
+            <p:nvPr userDrawn="1"/>
+          </p:nvSpPr>
+          <p:spPr>
+            <a:xfrm>
+              <a:off x="144665" y="525617"/>
+              <a:ext cx="1080000" cy="16137"/>
+            </a:xfrm>
+            <a:prstGeom prst="rect">
+              <a:avLst/>
+            </a:prstGeom>
+            <a:solidFill>
+              <a:schemeClr val="accent1"/>
+            </a:solidFill>
+            <a:ln>
+              <a:noFill/>
+            </a:ln>
+          </p:spPr>
+          <p:style>
+            <a:lnRef idx="2">
+              <a:schemeClr val="accent1">
+                <a:shade val="50000"/>
+              </a:schemeClr>
+            </a:lnRef>
+            <a:fillRef idx="1">
+              <a:schemeClr val="accent1"/>
+            </a:fillRef>
+            <a:effectRef idx="0">
+              <a:schemeClr val="accent1"/>
+            </a:effectRef>
+            <a:fontRef idx="minor">
+              <a:schemeClr val="lt1"/>
+            </a:fontRef>
+          </p:style>
+          <p:txBody>
+            <a:bodyPr rot="0" spcFirstLastPara="0" vertOverflow="overflow" horzOverflow="overflow" vert="horz" wrap="square" lIns="68580" tIns="34290" rIns="68580" bIns="34290" numCol="1" spcCol="0" rtlCol="0" fromWordArt="0" anchor="ctr" anchorCtr="0" forceAA="0" compatLnSpc="1">
+              <a:prstTxWarp prst="textNoShape">
+                <a:avLst/>
+              </a:prstTxWarp>
+              <a:noAutofit/>
+            </a:bodyPr>
+            <a:lstStyle/>
+            <a:p>
+              <a:pPr algn="ctr"/>
+              <a:endParaRPr kumimoji="1" lang="ja-JP" altLang="en-US" sz="2700"/>
+            </a:p>
+          </p:txBody>
+        </p:sp>
+      </p:grpSp>
+      <p:grpSp>
+        <p:nvGrpSpPr>
+          <p:cNvPr id="10" name="グループ化 9">
+            <a:extLst>
+              <a:ext uri="{FF2B5EF4-FFF2-40B4-BE49-F238E27FC236}">
+                <a16:creationId xmlns:a16="http://schemas.microsoft.com/office/drawing/2014/main" id="{16BF773A-C7D0-4047-93D7-93F6E4FD7F4C}"/>
+              </a:ext>
+            </a:extLst>
+          </p:cNvPr>
+          <p:cNvGrpSpPr/>
+          <p:nvPr/>
+        </p:nvGrpSpPr>
+        <p:grpSpPr>
+          <a:xfrm>
+            <a:off x="617232" y="2557358"/>
+            <a:ext cx="539448" cy="487368"/>
+            <a:chOff x="400056" y="1061560"/>
+            <a:chExt cx="269724" cy="243684"/>
+          </a:xfrm>
+        </p:grpSpPr>
+        <p:sp>
+          <p:nvSpPr>
+            <p:cNvPr id="11" name="三角形 10">
+              <a:extLst>
+                <a:ext uri="{FF2B5EF4-FFF2-40B4-BE49-F238E27FC236}">
+                  <a16:creationId xmlns:a16="http://schemas.microsoft.com/office/drawing/2014/main" id="{B837EC6D-DFF8-7343-B171-EF2CF1C28D4B}"/>
+                </a:ext>
+              </a:extLst>
+            </p:cNvPr>
+            <p:cNvSpPr/>
+            <p:nvPr userDrawn="1"/>
+          </p:nvSpPr>
+          <p:spPr>
+            <a:xfrm rot="5400000">
+              <a:off x="359835" y="1105015"/>
+              <a:ext cx="240450" cy="160008"/>
+            </a:xfrm>
+            <a:prstGeom prst="triangle">
+              <a:avLst/>
+            </a:prstGeom>
+            <a:solidFill>
+              <a:schemeClr val="accent1"/>
+            </a:solidFill>
+            <a:ln>
+              <a:noFill/>
+            </a:ln>
+          </p:spPr>
+          <p:style>
+            <a:lnRef idx="0">
+              <a:scrgbClr r="0" g="0" b="0"/>
+            </a:lnRef>
+            <a:fillRef idx="0">
+              <a:scrgbClr r="0" g="0" b="0"/>
+            </a:fillRef>
+            <a:effectRef idx="0">
+              <a:scrgbClr r="0" g="0" b="0"/>
+            </a:effectRef>
+            <a:fontRef idx="minor">
+              <a:schemeClr val="lt1"/>
+            </a:fontRef>
+          </p:style>
+          <p:txBody>
+            <a:bodyPr rtlCol="0" anchor="ctr"/>
+            <a:lstStyle/>
+            <a:p>
+              <a:pPr algn="ctr"/>
+              <a:endParaRPr kumimoji="1" lang="ja-JP" altLang="en-US" sz="7200"/>
+            </a:p>
+          </p:txBody>
+        </p:sp>
+        <p:sp>
+          <p:nvSpPr>
+            <p:cNvPr id="12" name="三角形 11">
+              <a:extLst>
+                <a:ext uri="{FF2B5EF4-FFF2-40B4-BE49-F238E27FC236}">
+                  <a16:creationId xmlns:a16="http://schemas.microsoft.com/office/drawing/2014/main" id="{232D445D-4D73-1242-8CD4-8C96A74E87A6}"/>
+                </a:ext>
+              </a:extLst>
+            </p:cNvPr>
+            <p:cNvSpPr/>
+            <p:nvPr userDrawn="1"/>
+          </p:nvSpPr>
+          <p:spPr>
+            <a:xfrm rot="5400000">
+              <a:off x="469551" y="1101781"/>
+              <a:ext cx="240450" cy="160008"/>
+            </a:xfrm>
+            <a:prstGeom prst="triangle">
+              <a:avLst/>
+            </a:prstGeom>
+            <a:solidFill>
+              <a:schemeClr val="accent1"/>
+            </a:solidFill>
+            <a:ln>
+              <a:noFill/>
+            </a:ln>
+          </p:spPr>
+          <p:style>
+            <a:lnRef idx="0">
+              <a:scrgbClr r="0" g="0" b="0"/>
+            </a:lnRef>
+            <a:fillRef idx="0">
+              <a:scrgbClr r="0" g="0" b="0"/>
+            </a:fillRef>
+            <a:effectRef idx="0">
+              <a:scrgbClr r="0" g="0" b="0"/>
+            </a:effectRef>
+            <a:fontRef idx="minor">
+              <a:schemeClr val="lt1"/>
+            </a:fontRef>
+          </p:style>
+          <p:txBody>
+            <a:bodyPr rtlCol="0" anchor="ctr"/>
+            <a:lstStyle/>
+            <a:p>
+              <a:pPr algn="ctr"/>
+              <a:endParaRPr kumimoji="1" lang="ja-JP" altLang="en-US" sz="7200"/>
+            </a:p>
+          </p:txBody>
+        </p:sp>
+      </p:grpSp>
+      <p:sp>
+        <p:nvSpPr>
+          <p:cNvPr id="13" name="三角形 12">
+            <a:extLst>
+              <a:ext uri="{FF2B5EF4-FFF2-40B4-BE49-F238E27FC236}">
+                <a16:creationId xmlns:a16="http://schemas.microsoft.com/office/drawing/2014/main" id="{170F5D20-7DA5-BE40-86C8-63D00B931690}"/>
+              </a:ext>
+            </a:extLst>
+          </p:cNvPr>
+          <p:cNvSpPr/>
+          <p:nvPr/>
+        </p:nvSpPr>
+        <p:spPr>
+          <a:xfrm rot="5400000">
+            <a:off x="1076238" y="3361776"/>
+            <a:ext cx="480900" cy="320016"/>
+          </a:xfrm>
+          <a:prstGeom prst="triangle">
+            <a:avLst/>
+          </a:prstGeom>
+          <a:solidFill>
+            <a:schemeClr val="accent1"/>
+          </a:solidFill>
+          <a:ln>
+            <a:noFill/>
+          </a:ln>
+        </p:spPr>
+        <p:style>
+          <a:lnRef idx="0">
+            <a:scrgbClr r="0" g="0" b="0"/>
+          </a:lnRef>
+          <a:fillRef idx="0">
+            <a:scrgbClr r="0" g="0" b="0"/>
+          </a:fillRef>
+          <a:effectRef idx="0">
+            <a:scrgbClr r="0" g="0" b="0"/>
+          </a:effectRef>
+          <a:fontRef idx="minor">
+            <a:schemeClr val="lt1"/>
+          </a:fontRef>
+        </p:style>
+        <p:txBody>
+          <a:bodyPr rtlCol="0" anchor="ctr"/>
+          <a:lstStyle/>
+          <a:p>
+            <a:pPr algn="ctr"/>
+            <a:endParaRPr kumimoji="1" lang="ja-JP" altLang="en-US" sz="7200"/>
+          </a:p>
+        </p:txBody>
+      </p:sp>
+      <p:sp>
+        <p:nvSpPr>
+          <p:cNvPr id="14" name="テキスト プレースホルダー 27">
+            <a:extLst>
+              <a:ext uri="{FF2B5EF4-FFF2-40B4-BE49-F238E27FC236}">
+                <a16:creationId xmlns:a16="http://schemas.microsoft.com/office/drawing/2014/main" id="{236C3152-D60C-3843-9B3D-307DB2A0E4A4}"/>
+              </a:ext>
+            </a:extLst>
+          </p:cNvPr>
+          <p:cNvSpPr txBox="1">
+            <a:spLocks/>
+          </p:cNvSpPr>
+          <p:nvPr/>
+        </p:nvSpPr>
+        <p:spPr>
+          <a:xfrm>
+            <a:off x="1254486" y="2484733"/>
+            <a:ext cx="16632960" cy="997834"/>
+          </a:xfrm>
+          <a:prstGeom prst="rect">
+            <a:avLst/>
+          </a:prstGeom>
+        </p:spPr>
+        <p:txBody>
+          <a:bodyPr>
+            <a:normAutofit/>
+          </a:bodyPr>
+          <a:lstStyle>
+            <a:lvl1pPr marL="0" indent="0" algn="l" defTabSz="1828800" rtl="0" eaLnBrk="1" latinLnBrk="0" hangingPunct="1">
+              <a:lnSpc>
+                <a:spcPct val="90000"/>
+              </a:lnSpc>
+              <a:spcBef>
+                <a:spcPts val="2000"/>
+              </a:spcBef>
+              <a:buFont typeface="Arial" panose="020B0604020202020204" pitchFamily="34" charset="0"/>
+              <a:buNone/>
+              <a:defRPr kumimoji="1" sz="4800" kern="1200">
+                <a:solidFill>
+                  <a:srgbClr val="424242"/>
+                </a:solidFill>
+                <a:latin typeface="+mn-lt"/>
+                <a:ea typeface="+mn-ea"/>
+                <a:cs typeface="+mn-cs"/>
+              </a:defRPr>
+            </a:lvl1pPr>
+            <a:lvl2pPr marL="1371600" indent="-457200" algn="l" defTabSz="1828800" rtl="0" eaLnBrk="1" latinLnBrk="0" hangingPunct="1">
+              <a:lnSpc>
+                <a:spcPct val="90000"/>
+              </a:lnSpc>
+              <a:spcBef>
+                <a:spcPts val="1000"/>
+              </a:spcBef>
+              <a:buFont typeface="Arial" panose="020B0604020202020204" pitchFamily="34" charset="0"/>
+              <a:buChar char="•"/>
+              <a:defRPr kumimoji="1" sz="4800" kern="1200">
+                <a:solidFill>
+                  <a:schemeClr val="tx1"/>
+                </a:solidFill>
+                <a:latin typeface="+mn-lt"/>
+                <a:ea typeface="+mn-ea"/>
+                <a:cs typeface="+mn-cs"/>
+              </a:defRPr>
+            </a:lvl2pPr>
+            <a:lvl3pPr marL="2286000" indent="-457200" algn="l" defTabSz="1828800" rtl="0" eaLnBrk="1" latinLnBrk="0" hangingPunct="1">
+              <a:lnSpc>
+                <a:spcPct val="90000"/>
+              </a:lnSpc>
+              <a:spcBef>
+                <a:spcPts val="1000"/>
+              </a:spcBef>
+              <a:buFont typeface="Arial" panose="020B0604020202020204" pitchFamily="34" charset="0"/>
+              <a:buChar char="•"/>
+              <a:defRPr kumimoji="1" sz="4000" kern="1200">
+                <a:solidFill>
+                  <a:schemeClr val="tx1"/>
+                </a:solidFill>
+                <a:latin typeface="+mn-lt"/>
+                <a:ea typeface="+mn-ea"/>
+                <a:cs typeface="+mn-cs"/>
+              </a:defRPr>
+            </a:lvl3pPr>
+            <a:lvl4pPr marL="3200400" indent="-457200" algn="l" defTabSz="1828800" rtl="0" eaLnBrk="1" latinLnBrk="0" hangingPunct="1">
+              <a:lnSpc>
+                <a:spcPct val="90000"/>
+              </a:lnSpc>
+              <a:spcBef>
+                <a:spcPts val="1000"/>
+              </a:spcBef>
+              <a:buFont typeface="Arial" panose="020B0604020202020204" pitchFamily="34" charset="0"/>
+              <a:buChar char="•"/>
+              <a:defRPr kumimoji="1" sz="3600" kern="1200">
+                <a:solidFill>
+                  <a:schemeClr val="tx1"/>
+                </a:solidFill>
+                <a:latin typeface="+mn-lt"/>
+                <a:ea typeface="+mn-ea"/>
+                <a:cs typeface="+mn-cs"/>
+              </a:defRPr>
+            </a:lvl4pPr>
+            <a:lvl5pPr marL="4114800" indent="-457200" algn="l" defTabSz="1828800" rtl="0" eaLnBrk="1" latinLnBrk="0" hangingPunct="1">
+              <a:lnSpc>
+                <a:spcPct val="90000"/>
+              </a:lnSpc>
+              <a:spcBef>
+                <a:spcPts val="1000"/>
+              </a:spcBef>
+              <a:buFont typeface="Arial" panose="020B0604020202020204" pitchFamily="34" charset="0"/>
+              <a:buChar char="•"/>
+              <a:defRPr kumimoji="1" sz="3600" kern="1200">
+                <a:solidFill>
+                  <a:schemeClr val="tx1"/>
+                </a:solidFill>
+                <a:latin typeface="+mn-lt"/>
+                <a:ea typeface="+mn-ea"/>
+                <a:cs typeface="+mn-cs"/>
+              </a:defRPr>
+            </a:lvl5pPr>
+            <a:lvl6pPr marL="5029200" indent="-457200" algn="l" defTabSz="1828800" rtl="0" eaLnBrk="1" latinLnBrk="0" hangingPunct="1">
+              <a:lnSpc>
+                <a:spcPct val="90000"/>
+              </a:lnSpc>
+              <a:spcBef>
+                <a:spcPts val="1000"/>
+              </a:spcBef>
+              <a:buFont typeface="Arial" panose="020B0604020202020204" pitchFamily="34" charset="0"/>
+              <a:buChar char="•"/>
+              <a:defRPr kumimoji="1" sz="3600" kern="1200">
+                <a:solidFill>
+                  <a:schemeClr val="tx1"/>
+                </a:solidFill>
+                <a:latin typeface="+mn-lt"/>
+                <a:ea typeface="+mn-ea"/>
+                <a:cs typeface="+mn-cs"/>
+              </a:defRPr>
+            </a:lvl6pPr>
+            <a:lvl7pPr marL="5943600" indent="-457200" algn="l" defTabSz="1828800" rtl="0" eaLnBrk="1" latinLnBrk="0" hangingPunct="1">
+              <a:lnSpc>
+                <a:spcPct val="90000"/>
+              </a:lnSpc>
+              <a:spcBef>
+                <a:spcPts val="1000"/>
+              </a:spcBef>
+              <a:buFont typeface="Arial" panose="020B0604020202020204" pitchFamily="34" charset="0"/>
+              <a:buChar char="•"/>
+              <a:defRPr kumimoji="1" sz="3600" kern="1200">
+                <a:solidFill>
+                  <a:schemeClr val="tx1"/>
+                </a:solidFill>
+                <a:latin typeface="+mn-lt"/>
+                <a:ea typeface="+mn-ea"/>
+                <a:cs typeface="+mn-cs"/>
+              </a:defRPr>
+            </a:lvl7pPr>
+            <a:lvl8pPr marL="6858000" indent="-457200" algn="l" defTabSz="1828800" rtl="0" eaLnBrk="1" latinLnBrk="0" hangingPunct="1">
+              <a:lnSpc>
+                <a:spcPct val="90000"/>
+              </a:lnSpc>
+              <a:spcBef>
+                <a:spcPts val="1000"/>
+              </a:spcBef>
+              <a:buFont typeface="Arial" panose="020B0604020202020204" pitchFamily="34" charset="0"/>
+              <a:buChar char="•"/>
+              <a:defRPr kumimoji="1" sz="3600" kern="1200">
+                <a:solidFill>
+                  <a:schemeClr val="tx1"/>
+                </a:solidFill>
+                <a:latin typeface="+mn-lt"/>
+                <a:ea typeface="+mn-ea"/>
+                <a:cs typeface="+mn-cs"/>
+              </a:defRPr>
+            </a:lvl8pPr>
+            <a:lvl9pPr marL="7772400" indent="-457200" algn="l" defTabSz="1828800" rtl="0" eaLnBrk="1" latinLnBrk="0" hangingPunct="1">
+              <a:lnSpc>
+                <a:spcPct val="90000"/>
+              </a:lnSpc>
+              <a:spcBef>
+                <a:spcPts val="1000"/>
+              </a:spcBef>
+              <a:buFont typeface="Arial" panose="020B0604020202020204" pitchFamily="34" charset="0"/>
+              <a:buChar char="•"/>
+              <a:defRPr kumimoji="1" sz="3600" kern="1200">
+                <a:solidFill>
+                  <a:schemeClr val="tx1"/>
+                </a:solidFill>
+                <a:latin typeface="+mn-lt"/>
+                <a:ea typeface="+mn-ea"/>
+                <a:cs typeface="+mn-cs"/>
+              </a:defRPr>
+            </a:lvl9pPr>
+          </a:lstStyle>
+          <a:p>
+            <a:r>
+              <a:rPr lang="en-US" altLang="ja-JP" dirty="0"/>
+              <a:t>ANOVA(</a:t>
+            </a:r>
+            <a:r>
+              <a:rPr lang="ja-JP" altLang="en-US"/>
+              <a:t>分散分析</a:t>
+            </a:r>
+            <a:r>
+              <a:rPr lang="en-US" altLang="ja-JP" dirty="0"/>
+              <a:t>)</a:t>
+            </a:r>
+            <a:r>
+              <a:rPr lang="ja-JP" altLang="en-US"/>
+              <a:t>を使用して分析</a:t>
+            </a:r>
+            <a:endParaRPr lang="en-US" altLang="ja-JP" dirty="0"/>
+          </a:p>
+        </p:txBody>
+      </p:sp>
+      <p:sp>
+        <p:nvSpPr>
+          <p:cNvPr id="15" name="テキスト プレースホルダー 29">
+            <a:extLst>
+              <a:ext uri="{FF2B5EF4-FFF2-40B4-BE49-F238E27FC236}">
+                <a16:creationId xmlns:a16="http://schemas.microsoft.com/office/drawing/2014/main" id="{EBDED935-8261-6749-B78E-892B57BDE922}"/>
+              </a:ext>
+            </a:extLst>
+          </p:cNvPr>
+          <p:cNvSpPr txBox="1">
+            <a:spLocks/>
+          </p:cNvSpPr>
+          <p:nvPr/>
+        </p:nvSpPr>
+        <p:spPr>
+          <a:xfrm>
+            <a:off x="1568600" y="3246502"/>
+            <a:ext cx="16135964" cy="853994"/>
+          </a:xfrm>
+          <a:prstGeom prst="rect">
+            <a:avLst/>
+          </a:prstGeom>
+        </p:spPr>
+        <p:txBody>
+          <a:bodyPr>
+            <a:normAutofit/>
+          </a:bodyPr>
+          <a:lstStyle>
+            <a:lvl1pPr marL="0" indent="0" algn="l" defTabSz="1828800" rtl="0" eaLnBrk="1" latinLnBrk="0" hangingPunct="1">
+              <a:lnSpc>
+                <a:spcPct val="90000"/>
+              </a:lnSpc>
+              <a:spcBef>
+                <a:spcPts val="2000"/>
+              </a:spcBef>
+              <a:buFont typeface="Arial" panose="020B0604020202020204" pitchFamily="34" charset="0"/>
+              <a:buNone/>
+              <a:defRPr kumimoji="1" sz="4000" kern="1200">
+                <a:solidFill>
+                  <a:srgbClr val="424242"/>
+                </a:solidFill>
+                <a:latin typeface="+mn-lt"/>
+                <a:ea typeface="+mn-ea"/>
+                <a:cs typeface="+mn-cs"/>
+              </a:defRPr>
+            </a:lvl1pPr>
+            <a:lvl2pPr marL="1371600" indent="-457200" algn="l" defTabSz="1828800" rtl="0" eaLnBrk="1" latinLnBrk="0" hangingPunct="1">
+              <a:lnSpc>
+                <a:spcPct val="90000"/>
+              </a:lnSpc>
+              <a:spcBef>
+                <a:spcPts val="1000"/>
+              </a:spcBef>
+              <a:buFont typeface="Arial" panose="020B0604020202020204" pitchFamily="34" charset="0"/>
+              <a:buChar char="•"/>
+              <a:defRPr kumimoji="1" sz="4800" kern="1200">
+                <a:solidFill>
+                  <a:schemeClr val="tx1"/>
+                </a:solidFill>
+                <a:latin typeface="+mn-lt"/>
+                <a:ea typeface="+mn-ea"/>
+                <a:cs typeface="+mn-cs"/>
+              </a:defRPr>
+            </a:lvl2pPr>
+            <a:lvl3pPr marL="2286000" indent="-457200" algn="l" defTabSz="1828800" rtl="0" eaLnBrk="1" latinLnBrk="0" hangingPunct="1">
+              <a:lnSpc>
+                <a:spcPct val="90000"/>
+              </a:lnSpc>
+              <a:spcBef>
+                <a:spcPts val="1000"/>
+              </a:spcBef>
+              <a:buFont typeface="Arial" panose="020B0604020202020204" pitchFamily="34" charset="0"/>
+              <a:buChar char="•"/>
+              <a:defRPr kumimoji="1" sz="4000" kern="1200">
+                <a:solidFill>
+                  <a:schemeClr val="tx1"/>
+                </a:solidFill>
+                <a:latin typeface="+mn-lt"/>
+                <a:ea typeface="+mn-ea"/>
+                <a:cs typeface="+mn-cs"/>
+              </a:defRPr>
+            </a:lvl3pPr>
+            <a:lvl4pPr marL="3200400" indent="-457200" algn="l" defTabSz="1828800" rtl="0" eaLnBrk="1" latinLnBrk="0" hangingPunct="1">
+              <a:lnSpc>
+                <a:spcPct val="90000"/>
+              </a:lnSpc>
+              <a:spcBef>
+                <a:spcPts val="1000"/>
+              </a:spcBef>
+              <a:buFont typeface="Arial" panose="020B0604020202020204" pitchFamily="34" charset="0"/>
+              <a:buChar char="•"/>
+              <a:defRPr kumimoji="1" sz="3600" kern="1200">
+                <a:solidFill>
+                  <a:schemeClr val="tx1"/>
+                </a:solidFill>
+                <a:latin typeface="+mn-lt"/>
+                <a:ea typeface="+mn-ea"/>
+                <a:cs typeface="+mn-cs"/>
+              </a:defRPr>
+            </a:lvl4pPr>
+            <a:lvl5pPr marL="4114800" indent="-457200" algn="l" defTabSz="1828800" rtl="0" eaLnBrk="1" latinLnBrk="0" hangingPunct="1">
+              <a:lnSpc>
+                <a:spcPct val="90000"/>
+              </a:lnSpc>
+              <a:spcBef>
+                <a:spcPts val="1000"/>
+              </a:spcBef>
+              <a:buFont typeface="Arial" panose="020B0604020202020204" pitchFamily="34" charset="0"/>
+              <a:buChar char="•"/>
+              <a:defRPr kumimoji="1" sz="3600" kern="1200">
+                <a:solidFill>
+                  <a:schemeClr val="tx1"/>
+                </a:solidFill>
+                <a:latin typeface="+mn-lt"/>
+                <a:ea typeface="+mn-ea"/>
+                <a:cs typeface="+mn-cs"/>
+              </a:defRPr>
+            </a:lvl5pPr>
+            <a:lvl6pPr marL="5029200" indent="-457200" algn="l" defTabSz="1828800" rtl="0" eaLnBrk="1" latinLnBrk="0" hangingPunct="1">
+              <a:lnSpc>
+                <a:spcPct val="90000"/>
+              </a:lnSpc>
+              <a:spcBef>
+                <a:spcPts val="1000"/>
+              </a:spcBef>
+              <a:buFont typeface="Arial" panose="020B0604020202020204" pitchFamily="34" charset="0"/>
+              <a:buChar char="•"/>
+              <a:defRPr kumimoji="1" sz="3600" kern="1200">
+                <a:solidFill>
+                  <a:schemeClr val="tx1"/>
+                </a:solidFill>
+                <a:latin typeface="+mn-lt"/>
+                <a:ea typeface="+mn-ea"/>
+                <a:cs typeface="+mn-cs"/>
+              </a:defRPr>
+            </a:lvl6pPr>
+            <a:lvl7pPr marL="5943600" indent="-457200" algn="l" defTabSz="1828800" rtl="0" eaLnBrk="1" latinLnBrk="0" hangingPunct="1">
+              <a:lnSpc>
+                <a:spcPct val="90000"/>
+              </a:lnSpc>
+              <a:spcBef>
+                <a:spcPts val="1000"/>
+              </a:spcBef>
+              <a:buFont typeface="Arial" panose="020B0604020202020204" pitchFamily="34" charset="0"/>
+              <a:buChar char="•"/>
+              <a:defRPr kumimoji="1" sz="3600" kern="1200">
+                <a:solidFill>
+                  <a:schemeClr val="tx1"/>
+                </a:solidFill>
+                <a:latin typeface="+mn-lt"/>
+                <a:ea typeface="+mn-ea"/>
+                <a:cs typeface="+mn-cs"/>
+              </a:defRPr>
+            </a:lvl7pPr>
+            <a:lvl8pPr marL="6858000" indent="-457200" algn="l" defTabSz="1828800" rtl="0" eaLnBrk="1" latinLnBrk="0" hangingPunct="1">
+              <a:lnSpc>
+                <a:spcPct val="90000"/>
+              </a:lnSpc>
+              <a:spcBef>
+                <a:spcPts val="1000"/>
+              </a:spcBef>
+              <a:buFont typeface="Arial" panose="020B0604020202020204" pitchFamily="34" charset="0"/>
+              <a:buChar char="•"/>
+              <a:defRPr kumimoji="1" sz="3600" kern="1200">
+                <a:solidFill>
+                  <a:schemeClr val="tx1"/>
+                </a:solidFill>
+                <a:latin typeface="+mn-lt"/>
+                <a:ea typeface="+mn-ea"/>
+                <a:cs typeface="+mn-cs"/>
+              </a:defRPr>
+            </a:lvl8pPr>
+            <a:lvl9pPr marL="7772400" indent="-457200" algn="l" defTabSz="1828800" rtl="0" eaLnBrk="1" latinLnBrk="0" hangingPunct="1">
+              <a:lnSpc>
+                <a:spcPct val="90000"/>
+              </a:lnSpc>
+              <a:spcBef>
+                <a:spcPts val="1000"/>
+              </a:spcBef>
+              <a:buFont typeface="Arial" panose="020B0604020202020204" pitchFamily="34" charset="0"/>
+              <a:buChar char="•"/>
+              <a:defRPr kumimoji="1" sz="3600" kern="1200">
+                <a:solidFill>
+                  <a:schemeClr val="tx1"/>
+                </a:solidFill>
+                <a:latin typeface="+mn-lt"/>
+                <a:ea typeface="+mn-ea"/>
+                <a:cs typeface="+mn-cs"/>
+              </a:defRPr>
+            </a:lvl9pPr>
+          </a:lstStyle>
+          <a:p>
+            <a:r>
+              <a:rPr lang="ja-JP" altLang="en-US"/>
+              <a:t>要因は感情</a:t>
+            </a:r>
+            <a:r>
+              <a:rPr lang="en-US" altLang="ja-JP" dirty="0"/>
+              <a:t>(</a:t>
+            </a:r>
+            <a:r>
+              <a:rPr lang="ja-JP" altLang="en-US"/>
+              <a:t>怒り・喜び・中立</a:t>
+            </a:r>
+            <a:r>
+              <a:rPr lang="en-US" altLang="ja-JP" dirty="0"/>
+              <a:t>)</a:t>
+            </a:r>
+            <a:r>
+              <a:rPr lang="ja-JP" altLang="en-US"/>
+              <a:t>と伝達方法</a:t>
+            </a:r>
+            <a:r>
+              <a:rPr lang="en-US" altLang="ja-JP" dirty="0"/>
+              <a:t>(</a:t>
+            </a:r>
+            <a:r>
+              <a:rPr lang="ja-JP" altLang="en-US"/>
+              <a:t>言語と非言語</a:t>
+            </a:r>
+            <a:r>
+              <a:rPr lang="en-US" altLang="ja-JP" dirty="0"/>
+              <a:t>)</a:t>
+            </a:r>
+            <a:endParaRPr lang="ja-JP" altLang="en-US"/>
+          </a:p>
+        </p:txBody>
+      </p:sp>
+      <p:sp>
+        <p:nvSpPr>
+          <p:cNvPr id="16" name="テキスト プレースホルダー 30">
+            <a:extLst>
+              <a:ext uri="{FF2B5EF4-FFF2-40B4-BE49-F238E27FC236}">
+                <a16:creationId xmlns:a16="http://schemas.microsoft.com/office/drawing/2014/main" id="{CF9CB3BE-4D25-544D-BF6B-6A8CDD76E2D9}"/>
+              </a:ext>
+            </a:extLst>
+          </p:cNvPr>
+          <p:cNvSpPr txBox="1">
+            <a:spLocks/>
+          </p:cNvSpPr>
+          <p:nvPr/>
+        </p:nvSpPr>
+        <p:spPr>
+          <a:xfrm>
+            <a:off x="571049" y="1583871"/>
+            <a:ext cx="17302163" cy="1403350"/>
+          </a:xfrm>
+          <a:prstGeom prst="rect">
+            <a:avLst/>
+          </a:prstGeom>
+        </p:spPr>
+        <p:txBody>
+          <a:bodyPr>
+            <a:normAutofit/>
+          </a:bodyPr>
+          <a:lstStyle>
+            <a:lvl1pPr marL="0" indent="0" algn="l" defTabSz="1828800" rtl="0" eaLnBrk="1" latinLnBrk="0" hangingPunct="1">
+              <a:lnSpc>
+                <a:spcPct val="90000"/>
+              </a:lnSpc>
+              <a:spcBef>
+                <a:spcPts val="2000"/>
+              </a:spcBef>
+              <a:buFont typeface="Arial" panose="020B0604020202020204" pitchFamily="34" charset="0"/>
+              <a:buNone/>
+              <a:defRPr kumimoji="1" sz="6000" kern="1200">
+                <a:solidFill>
+                  <a:schemeClr val="tx1"/>
+                </a:solidFill>
+                <a:latin typeface="+mn-lt"/>
+                <a:ea typeface="+mn-ea"/>
+                <a:cs typeface="+mn-cs"/>
+              </a:defRPr>
+            </a:lvl1pPr>
+            <a:lvl2pPr marL="1371600" indent="-457200" algn="l" defTabSz="1828800" rtl="0" eaLnBrk="1" latinLnBrk="0" hangingPunct="1">
+              <a:lnSpc>
+                <a:spcPct val="90000"/>
+              </a:lnSpc>
+              <a:spcBef>
+                <a:spcPts val="1000"/>
+              </a:spcBef>
+              <a:buFont typeface="Arial" panose="020B0604020202020204" pitchFamily="34" charset="0"/>
+              <a:buChar char="•"/>
+              <a:defRPr kumimoji="1" sz="4800" kern="1200">
+                <a:solidFill>
+                  <a:schemeClr val="tx1"/>
+                </a:solidFill>
+                <a:latin typeface="+mn-lt"/>
+                <a:ea typeface="+mn-ea"/>
+                <a:cs typeface="+mn-cs"/>
+              </a:defRPr>
+            </a:lvl2pPr>
+            <a:lvl3pPr marL="2286000" indent="-457200" algn="l" defTabSz="1828800" rtl="0" eaLnBrk="1" latinLnBrk="0" hangingPunct="1">
+              <a:lnSpc>
+                <a:spcPct val="90000"/>
+              </a:lnSpc>
+              <a:spcBef>
+                <a:spcPts val="1000"/>
+              </a:spcBef>
+              <a:buFont typeface="Arial" panose="020B0604020202020204" pitchFamily="34" charset="0"/>
+              <a:buChar char="•"/>
+              <a:defRPr kumimoji="1" sz="4000" kern="1200">
+                <a:solidFill>
+                  <a:schemeClr val="tx1"/>
+                </a:solidFill>
+                <a:latin typeface="+mn-lt"/>
+                <a:ea typeface="+mn-ea"/>
+                <a:cs typeface="+mn-cs"/>
+              </a:defRPr>
+            </a:lvl3pPr>
+            <a:lvl4pPr marL="3200400" indent="-457200" algn="l" defTabSz="1828800" rtl="0" eaLnBrk="1" latinLnBrk="0" hangingPunct="1">
+              <a:lnSpc>
+                <a:spcPct val="90000"/>
+              </a:lnSpc>
+              <a:spcBef>
+                <a:spcPts val="1000"/>
+              </a:spcBef>
+              <a:buFont typeface="Arial" panose="020B0604020202020204" pitchFamily="34" charset="0"/>
+              <a:buChar char="•"/>
+              <a:defRPr kumimoji="1" sz="3600" kern="1200">
+                <a:solidFill>
+                  <a:schemeClr val="tx1"/>
+                </a:solidFill>
+                <a:latin typeface="+mn-lt"/>
+                <a:ea typeface="+mn-ea"/>
+                <a:cs typeface="+mn-cs"/>
+              </a:defRPr>
+            </a:lvl4pPr>
+            <a:lvl5pPr marL="4114800" indent="-457200" algn="l" defTabSz="1828800" rtl="0" eaLnBrk="1" latinLnBrk="0" hangingPunct="1">
+              <a:lnSpc>
+                <a:spcPct val="90000"/>
+              </a:lnSpc>
+              <a:spcBef>
+                <a:spcPts val="1000"/>
+              </a:spcBef>
+              <a:buFont typeface="Arial" panose="020B0604020202020204" pitchFamily="34" charset="0"/>
+              <a:buChar char="•"/>
+              <a:defRPr kumimoji="1" sz="3600" kern="1200">
+                <a:solidFill>
+                  <a:schemeClr val="tx1"/>
+                </a:solidFill>
+                <a:latin typeface="+mn-lt"/>
+                <a:ea typeface="+mn-ea"/>
+                <a:cs typeface="+mn-cs"/>
+              </a:defRPr>
+            </a:lvl5pPr>
+            <a:lvl6pPr marL="5029200" indent="-457200" algn="l" defTabSz="1828800" rtl="0" eaLnBrk="1" latinLnBrk="0" hangingPunct="1">
+              <a:lnSpc>
+                <a:spcPct val="90000"/>
+              </a:lnSpc>
+              <a:spcBef>
+                <a:spcPts val="1000"/>
+              </a:spcBef>
+              <a:buFont typeface="Arial" panose="020B0604020202020204" pitchFamily="34" charset="0"/>
+              <a:buChar char="•"/>
+              <a:defRPr kumimoji="1" sz="3600" kern="1200">
+                <a:solidFill>
+                  <a:schemeClr val="tx1"/>
+                </a:solidFill>
+                <a:latin typeface="+mn-lt"/>
+                <a:ea typeface="+mn-ea"/>
+                <a:cs typeface="+mn-cs"/>
+              </a:defRPr>
+            </a:lvl6pPr>
+            <a:lvl7pPr marL="5943600" indent="-457200" algn="l" defTabSz="1828800" rtl="0" eaLnBrk="1" latinLnBrk="0" hangingPunct="1">
+              <a:lnSpc>
+                <a:spcPct val="90000"/>
+              </a:lnSpc>
+              <a:spcBef>
+                <a:spcPts val="1000"/>
+              </a:spcBef>
+              <a:buFont typeface="Arial" panose="020B0604020202020204" pitchFamily="34" charset="0"/>
+              <a:buChar char="•"/>
+              <a:defRPr kumimoji="1" sz="3600" kern="1200">
+                <a:solidFill>
+                  <a:schemeClr val="tx1"/>
+                </a:solidFill>
+                <a:latin typeface="+mn-lt"/>
+                <a:ea typeface="+mn-ea"/>
+                <a:cs typeface="+mn-cs"/>
+              </a:defRPr>
+            </a:lvl7pPr>
+            <a:lvl8pPr marL="6858000" indent="-457200" algn="l" defTabSz="1828800" rtl="0" eaLnBrk="1" latinLnBrk="0" hangingPunct="1">
+              <a:lnSpc>
+                <a:spcPct val="90000"/>
+              </a:lnSpc>
+              <a:spcBef>
+                <a:spcPts val="1000"/>
+              </a:spcBef>
+              <a:buFont typeface="Arial" panose="020B0604020202020204" pitchFamily="34" charset="0"/>
+              <a:buChar char="•"/>
+              <a:defRPr kumimoji="1" sz="3600" kern="1200">
+                <a:solidFill>
+                  <a:schemeClr val="tx1"/>
+                </a:solidFill>
+                <a:latin typeface="+mn-lt"/>
+                <a:ea typeface="+mn-ea"/>
+                <a:cs typeface="+mn-cs"/>
+              </a:defRPr>
+            </a:lvl8pPr>
+            <a:lvl9pPr marL="7772400" indent="-457200" algn="l" defTabSz="1828800" rtl="0" eaLnBrk="1" latinLnBrk="0" hangingPunct="1">
+              <a:lnSpc>
+                <a:spcPct val="90000"/>
+              </a:lnSpc>
+              <a:spcBef>
+                <a:spcPts val="1000"/>
+              </a:spcBef>
+              <a:buFont typeface="Arial" panose="020B0604020202020204" pitchFamily="34" charset="0"/>
+              <a:buChar char="•"/>
+              <a:defRPr kumimoji="1" sz="3600" kern="1200">
+                <a:solidFill>
+                  <a:schemeClr val="tx1"/>
+                </a:solidFill>
+                <a:latin typeface="+mn-lt"/>
+                <a:ea typeface="+mn-ea"/>
+                <a:cs typeface="+mn-cs"/>
+              </a:defRPr>
+            </a:lvl9pPr>
+          </a:lstStyle>
+          <a:p>
+            <a:r>
+              <a:rPr lang="en-US" altLang="ja-JP" dirty="0"/>
+              <a:t>demand difference</a:t>
+            </a:r>
+            <a:endParaRPr lang="ja-JP" altLang="en-US"/>
+          </a:p>
+        </p:txBody>
+      </p:sp>
+      <p:grpSp>
+        <p:nvGrpSpPr>
+          <p:cNvPr id="20" name="グループ化 19">
+            <a:extLst>
+              <a:ext uri="{FF2B5EF4-FFF2-40B4-BE49-F238E27FC236}">
+                <a16:creationId xmlns:a16="http://schemas.microsoft.com/office/drawing/2014/main" id="{8B577410-CFFD-AA40-87AF-8AFB44C69106}"/>
+              </a:ext>
+            </a:extLst>
+          </p:cNvPr>
+          <p:cNvGrpSpPr/>
+          <p:nvPr/>
+        </p:nvGrpSpPr>
+        <p:grpSpPr>
+          <a:xfrm>
+            <a:off x="617232" y="4073585"/>
+            <a:ext cx="539448" cy="487368"/>
+            <a:chOff x="400056" y="1061560"/>
+            <a:chExt cx="269724" cy="243684"/>
+          </a:xfrm>
+        </p:grpSpPr>
+        <p:sp>
+          <p:nvSpPr>
+            <p:cNvPr id="21" name="三角形 20">
+              <a:extLst>
+                <a:ext uri="{FF2B5EF4-FFF2-40B4-BE49-F238E27FC236}">
+                  <a16:creationId xmlns:a16="http://schemas.microsoft.com/office/drawing/2014/main" id="{3F4001F2-477F-BE45-84DA-6D4DC9CE33D7}"/>
+                </a:ext>
+              </a:extLst>
+            </p:cNvPr>
+            <p:cNvSpPr/>
+            <p:nvPr userDrawn="1"/>
+          </p:nvSpPr>
+          <p:spPr>
+            <a:xfrm rot="5400000">
+              <a:off x="359835" y="1105015"/>
+              <a:ext cx="240450" cy="160008"/>
+            </a:xfrm>
+            <a:prstGeom prst="triangle">
+              <a:avLst/>
+            </a:prstGeom>
+            <a:solidFill>
+              <a:schemeClr val="accent1"/>
+            </a:solidFill>
+            <a:ln>
+              <a:noFill/>
+            </a:ln>
+          </p:spPr>
+          <p:style>
+            <a:lnRef idx="0">
+              <a:scrgbClr r="0" g="0" b="0"/>
+            </a:lnRef>
+            <a:fillRef idx="0">
+              <a:scrgbClr r="0" g="0" b="0"/>
+            </a:fillRef>
+            <a:effectRef idx="0">
+              <a:scrgbClr r="0" g="0" b="0"/>
+            </a:effectRef>
+            <a:fontRef idx="minor">
+              <a:schemeClr val="lt1"/>
+            </a:fontRef>
+          </p:style>
+          <p:txBody>
+            <a:bodyPr rtlCol="0" anchor="ctr"/>
+            <a:lstStyle/>
+            <a:p>
+              <a:pPr algn="ctr"/>
+              <a:endParaRPr kumimoji="1" lang="ja-JP" altLang="en-US" sz="7200"/>
+            </a:p>
+          </p:txBody>
+        </p:sp>
+        <p:sp>
+          <p:nvSpPr>
+            <p:cNvPr id="22" name="三角形 21">
+              <a:extLst>
+                <a:ext uri="{FF2B5EF4-FFF2-40B4-BE49-F238E27FC236}">
+                  <a16:creationId xmlns:a16="http://schemas.microsoft.com/office/drawing/2014/main" id="{9277A881-7735-4E49-B6F7-E617DF05A3F1}"/>
+                </a:ext>
+              </a:extLst>
+            </p:cNvPr>
+            <p:cNvSpPr/>
+            <p:nvPr userDrawn="1"/>
+          </p:nvSpPr>
+          <p:spPr>
+            <a:xfrm rot="5400000">
+              <a:off x="469551" y="1101781"/>
+              <a:ext cx="240450" cy="160008"/>
+            </a:xfrm>
+            <a:prstGeom prst="triangle">
+              <a:avLst/>
+            </a:prstGeom>
+            <a:solidFill>
+              <a:schemeClr val="accent1"/>
+            </a:solidFill>
+            <a:ln>
+              <a:noFill/>
+            </a:ln>
+          </p:spPr>
+          <p:style>
+            <a:lnRef idx="0">
+              <a:scrgbClr r="0" g="0" b="0"/>
+            </a:lnRef>
+            <a:fillRef idx="0">
+              <a:scrgbClr r="0" g="0" b="0"/>
+            </a:fillRef>
+            <a:effectRef idx="0">
+              <a:scrgbClr r="0" g="0" b="0"/>
+            </a:effectRef>
+            <a:fontRef idx="minor">
+              <a:schemeClr val="lt1"/>
+            </a:fontRef>
+          </p:style>
+          <p:txBody>
+            <a:bodyPr rtlCol="0" anchor="ctr"/>
+            <a:lstStyle/>
+            <a:p>
+              <a:pPr algn="ctr"/>
+              <a:endParaRPr kumimoji="1" lang="ja-JP" altLang="en-US" sz="7200"/>
+            </a:p>
+          </p:txBody>
+        </p:sp>
+      </p:grpSp>
+      <p:sp>
+        <p:nvSpPr>
+          <p:cNvPr id="23" name="テキスト プレースホルダー 27">
+            <a:extLst>
+              <a:ext uri="{FF2B5EF4-FFF2-40B4-BE49-F238E27FC236}">
+                <a16:creationId xmlns:a16="http://schemas.microsoft.com/office/drawing/2014/main" id="{D197E5AE-BBE5-3441-B175-E80E25D4D303}"/>
+              </a:ext>
+            </a:extLst>
+          </p:cNvPr>
+          <p:cNvSpPr txBox="1">
+            <a:spLocks/>
+          </p:cNvSpPr>
+          <p:nvPr/>
+        </p:nvSpPr>
+        <p:spPr>
+          <a:xfrm>
+            <a:off x="1254486" y="4000960"/>
+            <a:ext cx="16632960" cy="997834"/>
+          </a:xfrm>
+          <a:prstGeom prst="rect">
+            <a:avLst/>
+          </a:prstGeom>
+        </p:spPr>
+        <p:txBody>
+          <a:bodyPr>
+            <a:normAutofit/>
+          </a:bodyPr>
+          <a:lstStyle>
+            <a:lvl1pPr marL="0" indent="0" algn="l" defTabSz="1828800" rtl="0" eaLnBrk="1" latinLnBrk="0" hangingPunct="1">
+              <a:lnSpc>
+                <a:spcPct val="90000"/>
+              </a:lnSpc>
+              <a:spcBef>
+                <a:spcPts val="2000"/>
+              </a:spcBef>
+              <a:buFont typeface="Arial" panose="020B0604020202020204" pitchFamily="34" charset="0"/>
+              <a:buNone/>
+              <a:defRPr kumimoji="1" sz="4800" kern="1200">
+                <a:solidFill>
+                  <a:srgbClr val="424242"/>
+                </a:solidFill>
+                <a:latin typeface="+mn-lt"/>
+                <a:ea typeface="+mn-ea"/>
+                <a:cs typeface="+mn-cs"/>
+              </a:defRPr>
+            </a:lvl1pPr>
+            <a:lvl2pPr marL="1371600" indent="-457200" algn="l" defTabSz="1828800" rtl="0" eaLnBrk="1" latinLnBrk="0" hangingPunct="1">
+              <a:lnSpc>
+                <a:spcPct val="90000"/>
+              </a:lnSpc>
+              <a:spcBef>
+                <a:spcPts val="1000"/>
+              </a:spcBef>
+              <a:buFont typeface="Arial" panose="020B0604020202020204" pitchFamily="34" charset="0"/>
+              <a:buChar char="•"/>
+              <a:defRPr kumimoji="1" sz="4800" kern="1200">
+                <a:solidFill>
+                  <a:schemeClr val="tx1"/>
+                </a:solidFill>
+                <a:latin typeface="+mn-lt"/>
+                <a:ea typeface="+mn-ea"/>
+                <a:cs typeface="+mn-cs"/>
+              </a:defRPr>
+            </a:lvl2pPr>
+            <a:lvl3pPr marL="2286000" indent="-457200" algn="l" defTabSz="1828800" rtl="0" eaLnBrk="1" latinLnBrk="0" hangingPunct="1">
+              <a:lnSpc>
+                <a:spcPct val="90000"/>
+              </a:lnSpc>
+              <a:spcBef>
+                <a:spcPts val="1000"/>
+              </a:spcBef>
+              <a:buFont typeface="Arial" panose="020B0604020202020204" pitchFamily="34" charset="0"/>
+              <a:buChar char="•"/>
+              <a:defRPr kumimoji="1" sz="4000" kern="1200">
+                <a:solidFill>
+                  <a:schemeClr val="tx1"/>
+                </a:solidFill>
+                <a:latin typeface="+mn-lt"/>
+                <a:ea typeface="+mn-ea"/>
+                <a:cs typeface="+mn-cs"/>
+              </a:defRPr>
+            </a:lvl3pPr>
+            <a:lvl4pPr marL="3200400" indent="-457200" algn="l" defTabSz="1828800" rtl="0" eaLnBrk="1" latinLnBrk="0" hangingPunct="1">
+              <a:lnSpc>
+                <a:spcPct val="90000"/>
+              </a:lnSpc>
+              <a:spcBef>
+                <a:spcPts val="1000"/>
+              </a:spcBef>
+              <a:buFont typeface="Arial" panose="020B0604020202020204" pitchFamily="34" charset="0"/>
+              <a:buChar char="•"/>
+              <a:defRPr kumimoji="1" sz="3600" kern="1200">
+                <a:solidFill>
+                  <a:schemeClr val="tx1"/>
+                </a:solidFill>
+                <a:latin typeface="+mn-lt"/>
+                <a:ea typeface="+mn-ea"/>
+                <a:cs typeface="+mn-cs"/>
+              </a:defRPr>
+            </a:lvl4pPr>
+            <a:lvl5pPr marL="4114800" indent="-457200" algn="l" defTabSz="1828800" rtl="0" eaLnBrk="1" latinLnBrk="0" hangingPunct="1">
+              <a:lnSpc>
+                <a:spcPct val="90000"/>
+              </a:lnSpc>
+              <a:spcBef>
+                <a:spcPts val="1000"/>
+              </a:spcBef>
+              <a:buFont typeface="Arial" panose="020B0604020202020204" pitchFamily="34" charset="0"/>
+              <a:buChar char="•"/>
+              <a:defRPr kumimoji="1" sz="3600" kern="1200">
+                <a:solidFill>
+                  <a:schemeClr val="tx1"/>
+                </a:solidFill>
+                <a:latin typeface="+mn-lt"/>
+                <a:ea typeface="+mn-ea"/>
+                <a:cs typeface="+mn-cs"/>
+              </a:defRPr>
+            </a:lvl5pPr>
+            <a:lvl6pPr marL="5029200" indent="-457200" algn="l" defTabSz="1828800" rtl="0" eaLnBrk="1" latinLnBrk="0" hangingPunct="1">
+              <a:lnSpc>
+                <a:spcPct val="90000"/>
+              </a:lnSpc>
+              <a:spcBef>
+                <a:spcPts val="1000"/>
+              </a:spcBef>
+              <a:buFont typeface="Arial" panose="020B0604020202020204" pitchFamily="34" charset="0"/>
+              <a:buChar char="•"/>
+              <a:defRPr kumimoji="1" sz="3600" kern="1200">
+                <a:solidFill>
+                  <a:schemeClr val="tx1"/>
+                </a:solidFill>
+                <a:latin typeface="+mn-lt"/>
+                <a:ea typeface="+mn-ea"/>
+                <a:cs typeface="+mn-cs"/>
+              </a:defRPr>
+            </a:lvl6pPr>
+            <a:lvl7pPr marL="5943600" indent="-457200" algn="l" defTabSz="1828800" rtl="0" eaLnBrk="1" latinLnBrk="0" hangingPunct="1">
+              <a:lnSpc>
+                <a:spcPct val="90000"/>
+              </a:lnSpc>
+              <a:spcBef>
+                <a:spcPts val="1000"/>
+              </a:spcBef>
+              <a:buFont typeface="Arial" panose="020B0604020202020204" pitchFamily="34" charset="0"/>
+              <a:buChar char="•"/>
+              <a:defRPr kumimoji="1" sz="3600" kern="1200">
+                <a:solidFill>
+                  <a:schemeClr val="tx1"/>
+                </a:solidFill>
+                <a:latin typeface="+mn-lt"/>
+                <a:ea typeface="+mn-ea"/>
+                <a:cs typeface="+mn-cs"/>
+              </a:defRPr>
+            </a:lvl7pPr>
+            <a:lvl8pPr marL="6858000" indent="-457200" algn="l" defTabSz="1828800" rtl="0" eaLnBrk="1" latinLnBrk="0" hangingPunct="1">
+              <a:lnSpc>
+                <a:spcPct val="90000"/>
+              </a:lnSpc>
+              <a:spcBef>
+                <a:spcPts val="1000"/>
+              </a:spcBef>
+              <a:buFont typeface="Arial" panose="020B0604020202020204" pitchFamily="34" charset="0"/>
+              <a:buChar char="•"/>
+              <a:defRPr kumimoji="1" sz="3600" kern="1200">
+                <a:solidFill>
+                  <a:schemeClr val="tx1"/>
+                </a:solidFill>
+                <a:latin typeface="+mn-lt"/>
+                <a:ea typeface="+mn-ea"/>
+                <a:cs typeface="+mn-cs"/>
+              </a:defRPr>
+            </a:lvl8pPr>
+            <a:lvl9pPr marL="7772400" indent="-457200" algn="l" defTabSz="1828800" rtl="0" eaLnBrk="1" latinLnBrk="0" hangingPunct="1">
+              <a:lnSpc>
+                <a:spcPct val="90000"/>
+              </a:lnSpc>
+              <a:spcBef>
+                <a:spcPts val="1000"/>
+              </a:spcBef>
+              <a:buFont typeface="Arial" panose="020B0604020202020204" pitchFamily="34" charset="0"/>
+              <a:buChar char="•"/>
+              <a:defRPr kumimoji="1" sz="3600" kern="1200">
+                <a:solidFill>
+                  <a:schemeClr val="tx1"/>
+                </a:solidFill>
+                <a:latin typeface="+mn-lt"/>
+                <a:ea typeface="+mn-ea"/>
+                <a:cs typeface="+mn-cs"/>
+              </a:defRPr>
+            </a:lvl9pPr>
+          </a:lstStyle>
+          <a:p>
+            <a:r>
+              <a:rPr lang="ja-JP" altLang="en-US"/>
+              <a:t>伝達方法には統計的有意差はみられなかった</a:t>
+            </a:r>
+            <a:endParaRPr lang="en-US" altLang="ja-JP" dirty="0"/>
+          </a:p>
+        </p:txBody>
+      </p:sp>
+      <p:grpSp>
+        <p:nvGrpSpPr>
+          <p:cNvPr id="26" name="グループ化 25">
+            <a:extLst>
+              <a:ext uri="{FF2B5EF4-FFF2-40B4-BE49-F238E27FC236}">
+                <a16:creationId xmlns:a16="http://schemas.microsoft.com/office/drawing/2014/main" id="{E5211391-4ED3-514B-B728-3772F3C8DE14}"/>
+              </a:ext>
+            </a:extLst>
+          </p:cNvPr>
+          <p:cNvGrpSpPr/>
+          <p:nvPr/>
+        </p:nvGrpSpPr>
+        <p:grpSpPr>
+          <a:xfrm>
+            <a:off x="617232" y="5712270"/>
+            <a:ext cx="539448" cy="487368"/>
+            <a:chOff x="400056" y="1061560"/>
+            <a:chExt cx="269724" cy="243684"/>
+          </a:xfrm>
+        </p:grpSpPr>
+        <p:sp>
+          <p:nvSpPr>
+            <p:cNvPr id="27" name="三角形 26">
+              <a:extLst>
+                <a:ext uri="{FF2B5EF4-FFF2-40B4-BE49-F238E27FC236}">
+                  <a16:creationId xmlns:a16="http://schemas.microsoft.com/office/drawing/2014/main" id="{45806479-2959-D241-9FB0-C89F2A5684B4}"/>
+                </a:ext>
+              </a:extLst>
+            </p:cNvPr>
+            <p:cNvSpPr/>
+            <p:nvPr userDrawn="1"/>
+          </p:nvSpPr>
+          <p:spPr>
+            <a:xfrm rot="5400000">
+              <a:off x="359835" y="1105015"/>
+              <a:ext cx="240450" cy="160008"/>
+            </a:xfrm>
+            <a:prstGeom prst="triangle">
+              <a:avLst/>
+            </a:prstGeom>
+            <a:solidFill>
+              <a:schemeClr val="accent1"/>
+            </a:solidFill>
+            <a:ln>
+              <a:noFill/>
+            </a:ln>
+          </p:spPr>
+          <p:style>
+            <a:lnRef idx="0">
+              <a:scrgbClr r="0" g="0" b="0"/>
+            </a:lnRef>
+            <a:fillRef idx="0">
+              <a:scrgbClr r="0" g="0" b="0"/>
+            </a:fillRef>
+            <a:effectRef idx="0">
+              <a:scrgbClr r="0" g="0" b="0"/>
+            </a:effectRef>
+            <a:fontRef idx="minor">
+              <a:schemeClr val="lt1"/>
+            </a:fontRef>
+          </p:style>
+          <p:txBody>
+            <a:bodyPr rtlCol="0" anchor="ctr"/>
+            <a:lstStyle/>
+            <a:p>
+              <a:pPr algn="ctr"/>
+              <a:endParaRPr kumimoji="1" lang="ja-JP" altLang="en-US" sz="7200"/>
+            </a:p>
+          </p:txBody>
+        </p:sp>
+        <p:sp>
+          <p:nvSpPr>
+            <p:cNvPr id="28" name="三角形 27">
+              <a:extLst>
+                <a:ext uri="{FF2B5EF4-FFF2-40B4-BE49-F238E27FC236}">
+                  <a16:creationId xmlns:a16="http://schemas.microsoft.com/office/drawing/2014/main" id="{C344DF75-3A11-7E42-A950-4F4395FECF24}"/>
+                </a:ext>
+              </a:extLst>
+            </p:cNvPr>
+            <p:cNvSpPr/>
+            <p:nvPr userDrawn="1"/>
+          </p:nvSpPr>
+          <p:spPr>
+            <a:xfrm rot="5400000">
+              <a:off x="469551" y="1101781"/>
+              <a:ext cx="240450" cy="160008"/>
+            </a:xfrm>
+            <a:prstGeom prst="triangle">
+              <a:avLst/>
+            </a:prstGeom>
+            <a:solidFill>
+              <a:schemeClr val="accent1"/>
+            </a:solidFill>
+            <a:ln>
+              <a:noFill/>
+            </a:ln>
+          </p:spPr>
+          <p:style>
+            <a:lnRef idx="0">
+              <a:scrgbClr r="0" g="0" b="0"/>
+            </a:lnRef>
+            <a:fillRef idx="0">
+              <a:scrgbClr r="0" g="0" b="0"/>
+            </a:fillRef>
+            <a:effectRef idx="0">
+              <a:scrgbClr r="0" g="0" b="0"/>
+            </a:effectRef>
+            <a:fontRef idx="minor">
+              <a:schemeClr val="lt1"/>
+            </a:fontRef>
+          </p:style>
+          <p:txBody>
+            <a:bodyPr rtlCol="0" anchor="ctr"/>
+            <a:lstStyle/>
+            <a:p>
+              <a:pPr algn="ctr"/>
+              <a:endParaRPr kumimoji="1" lang="ja-JP" altLang="en-US" sz="7200"/>
+            </a:p>
+          </p:txBody>
+        </p:sp>
+      </p:grpSp>
+      <p:sp>
+        <p:nvSpPr>
+          <p:cNvPr id="29" name="テキスト プレースホルダー 27">
+            <a:extLst>
+              <a:ext uri="{FF2B5EF4-FFF2-40B4-BE49-F238E27FC236}">
+                <a16:creationId xmlns:a16="http://schemas.microsoft.com/office/drawing/2014/main" id="{794F9DE3-B099-9E42-80A9-585E73780BB8}"/>
+              </a:ext>
+            </a:extLst>
+          </p:cNvPr>
+          <p:cNvSpPr txBox="1">
+            <a:spLocks/>
+          </p:cNvSpPr>
+          <p:nvPr/>
+        </p:nvSpPr>
+        <p:spPr>
+          <a:xfrm>
+            <a:off x="1254486" y="5639645"/>
+            <a:ext cx="16632960" cy="997834"/>
+          </a:xfrm>
+          <a:prstGeom prst="rect">
+            <a:avLst/>
+          </a:prstGeom>
+        </p:spPr>
+        <p:txBody>
+          <a:bodyPr>
+            <a:normAutofit/>
+          </a:bodyPr>
+          <a:lstStyle>
+            <a:lvl1pPr marL="0" indent="0" algn="l" defTabSz="1828800" rtl="0" eaLnBrk="1" latinLnBrk="0" hangingPunct="1">
+              <a:lnSpc>
+                <a:spcPct val="90000"/>
+              </a:lnSpc>
+              <a:spcBef>
+                <a:spcPts val="2000"/>
+              </a:spcBef>
+              <a:buFont typeface="Arial" panose="020B0604020202020204" pitchFamily="34" charset="0"/>
+              <a:buNone/>
+              <a:defRPr kumimoji="1" sz="4800" kern="1200">
+                <a:solidFill>
+                  <a:srgbClr val="424242"/>
+                </a:solidFill>
+                <a:latin typeface="+mn-lt"/>
+                <a:ea typeface="+mn-ea"/>
+                <a:cs typeface="+mn-cs"/>
+              </a:defRPr>
+            </a:lvl1pPr>
+            <a:lvl2pPr marL="1371600" indent="-457200" algn="l" defTabSz="1828800" rtl="0" eaLnBrk="1" latinLnBrk="0" hangingPunct="1">
+              <a:lnSpc>
+                <a:spcPct val="90000"/>
+              </a:lnSpc>
+              <a:spcBef>
+                <a:spcPts val="1000"/>
+              </a:spcBef>
+              <a:buFont typeface="Arial" panose="020B0604020202020204" pitchFamily="34" charset="0"/>
+              <a:buChar char="•"/>
+              <a:defRPr kumimoji="1" sz="4800" kern="1200">
+                <a:solidFill>
+                  <a:schemeClr val="tx1"/>
+                </a:solidFill>
+                <a:latin typeface="+mn-lt"/>
+                <a:ea typeface="+mn-ea"/>
+                <a:cs typeface="+mn-cs"/>
+              </a:defRPr>
+            </a:lvl2pPr>
+            <a:lvl3pPr marL="2286000" indent="-457200" algn="l" defTabSz="1828800" rtl="0" eaLnBrk="1" latinLnBrk="0" hangingPunct="1">
+              <a:lnSpc>
+                <a:spcPct val="90000"/>
+              </a:lnSpc>
+              <a:spcBef>
+                <a:spcPts val="1000"/>
+              </a:spcBef>
+              <a:buFont typeface="Arial" panose="020B0604020202020204" pitchFamily="34" charset="0"/>
+              <a:buChar char="•"/>
+              <a:defRPr kumimoji="1" sz="4000" kern="1200">
+                <a:solidFill>
+                  <a:schemeClr val="tx1"/>
+                </a:solidFill>
+                <a:latin typeface="+mn-lt"/>
+                <a:ea typeface="+mn-ea"/>
+                <a:cs typeface="+mn-cs"/>
+              </a:defRPr>
+            </a:lvl3pPr>
+            <a:lvl4pPr marL="3200400" indent="-457200" algn="l" defTabSz="1828800" rtl="0" eaLnBrk="1" latinLnBrk="0" hangingPunct="1">
+              <a:lnSpc>
+                <a:spcPct val="90000"/>
+              </a:lnSpc>
+              <a:spcBef>
+                <a:spcPts val="1000"/>
+              </a:spcBef>
+              <a:buFont typeface="Arial" panose="020B0604020202020204" pitchFamily="34" charset="0"/>
+              <a:buChar char="•"/>
+              <a:defRPr kumimoji="1" sz="3600" kern="1200">
+                <a:solidFill>
+                  <a:schemeClr val="tx1"/>
+                </a:solidFill>
+                <a:latin typeface="+mn-lt"/>
+                <a:ea typeface="+mn-ea"/>
+                <a:cs typeface="+mn-cs"/>
+              </a:defRPr>
+            </a:lvl4pPr>
+            <a:lvl5pPr marL="4114800" indent="-457200" algn="l" defTabSz="1828800" rtl="0" eaLnBrk="1" latinLnBrk="0" hangingPunct="1">
+              <a:lnSpc>
+                <a:spcPct val="90000"/>
+              </a:lnSpc>
+              <a:spcBef>
+                <a:spcPts val="1000"/>
+              </a:spcBef>
+              <a:buFont typeface="Arial" panose="020B0604020202020204" pitchFamily="34" charset="0"/>
+              <a:buChar char="•"/>
+              <a:defRPr kumimoji="1" sz="3600" kern="1200">
+                <a:solidFill>
+                  <a:schemeClr val="tx1"/>
+                </a:solidFill>
+                <a:latin typeface="+mn-lt"/>
+                <a:ea typeface="+mn-ea"/>
+                <a:cs typeface="+mn-cs"/>
+              </a:defRPr>
+            </a:lvl5pPr>
+            <a:lvl6pPr marL="5029200" indent="-457200" algn="l" defTabSz="1828800" rtl="0" eaLnBrk="1" latinLnBrk="0" hangingPunct="1">
+              <a:lnSpc>
+                <a:spcPct val="90000"/>
+              </a:lnSpc>
+              <a:spcBef>
+                <a:spcPts val="1000"/>
+              </a:spcBef>
+              <a:buFont typeface="Arial" panose="020B0604020202020204" pitchFamily="34" charset="0"/>
+              <a:buChar char="•"/>
+              <a:defRPr kumimoji="1" sz="3600" kern="1200">
+                <a:solidFill>
+                  <a:schemeClr val="tx1"/>
+                </a:solidFill>
+                <a:latin typeface="+mn-lt"/>
+                <a:ea typeface="+mn-ea"/>
+                <a:cs typeface="+mn-cs"/>
+              </a:defRPr>
+            </a:lvl6pPr>
+            <a:lvl7pPr marL="5943600" indent="-457200" algn="l" defTabSz="1828800" rtl="0" eaLnBrk="1" latinLnBrk="0" hangingPunct="1">
+              <a:lnSpc>
+                <a:spcPct val="90000"/>
+              </a:lnSpc>
+              <a:spcBef>
+                <a:spcPts val="1000"/>
+              </a:spcBef>
+              <a:buFont typeface="Arial" panose="020B0604020202020204" pitchFamily="34" charset="0"/>
+              <a:buChar char="•"/>
+              <a:defRPr kumimoji="1" sz="3600" kern="1200">
+                <a:solidFill>
+                  <a:schemeClr val="tx1"/>
+                </a:solidFill>
+                <a:latin typeface="+mn-lt"/>
+                <a:ea typeface="+mn-ea"/>
+                <a:cs typeface="+mn-cs"/>
+              </a:defRPr>
+            </a:lvl7pPr>
+            <a:lvl8pPr marL="6858000" indent="-457200" algn="l" defTabSz="1828800" rtl="0" eaLnBrk="1" latinLnBrk="0" hangingPunct="1">
+              <a:lnSpc>
+                <a:spcPct val="90000"/>
+              </a:lnSpc>
+              <a:spcBef>
+                <a:spcPts val="1000"/>
+              </a:spcBef>
+              <a:buFont typeface="Arial" panose="020B0604020202020204" pitchFamily="34" charset="0"/>
+              <a:buChar char="•"/>
+              <a:defRPr kumimoji="1" sz="3600" kern="1200">
+                <a:solidFill>
+                  <a:schemeClr val="tx1"/>
+                </a:solidFill>
+                <a:latin typeface="+mn-lt"/>
+                <a:ea typeface="+mn-ea"/>
+                <a:cs typeface="+mn-cs"/>
+              </a:defRPr>
+            </a:lvl8pPr>
+            <a:lvl9pPr marL="7772400" indent="-457200" algn="l" defTabSz="1828800" rtl="0" eaLnBrk="1" latinLnBrk="0" hangingPunct="1">
+              <a:lnSpc>
+                <a:spcPct val="90000"/>
+              </a:lnSpc>
+              <a:spcBef>
+                <a:spcPts val="1000"/>
+              </a:spcBef>
+              <a:buFont typeface="Arial" panose="020B0604020202020204" pitchFamily="34" charset="0"/>
+              <a:buChar char="•"/>
+              <a:defRPr kumimoji="1" sz="3600" kern="1200">
+                <a:solidFill>
+                  <a:schemeClr val="tx1"/>
+                </a:solidFill>
+                <a:latin typeface="+mn-lt"/>
+                <a:ea typeface="+mn-ea"/>
+                <a:cs typeface="+mn-cs"/>
+              </a:defRPr>
+            </a:lvl9pPr>
+          </a:lstStyle>
+          <a:p>
+            <a:r>
+              <a:rPr lang="ja-JP" altLang="en-US"/>
+              <a:t>感情には統計的有意差がみられた</a:t>
+            </a:r>
+            <a:endParaRPr lang="en-US" altLang="ja-JP" dirty="0"/>
+          </a:p>
+        </p:txBody>
+      </p:sp>
+      <p:sp>
+        <p:nvSpPr>
+          <p:cNvPr id="43" name="三角形 42">
+            <a:extLst>
+              <a:ext uri="{FF2B5EF4-FFF2-40B4-BE49-F238E27FC236}">
+                <a16:creationId xmlns:a16="http://schemas.microsoft.com/office/drawing/2014/main" id="{29C0B7F1-E9AA-ED45-B54E-E03D666F3FDF}"/>
+              </a:ext>
+            </a:extLst>
+          </p:cNvPr>
+          <p:cNvSpPr/>
+          <p:nvPr/>
+        </p:nvSpPr>
+        <p:spPr>
+          <a:xfrm rot="5400000">
+            <a:off x="1076238" y="4931174"/>
+            <a:ext cx="480900" cy="320016"/>
+          </a:xfrm>
+          <a:prstGeom prst="triangle">
+            <a:avLst/>
+          </a:prstGeom>
+          <a:solidFill>
+            <a:schemeClr val="accent1"/>
+          </a:solidFill>
+          <a:ln>
+            <a:noFill/>
+          </a:ln>
+        </p:spPr>
+        <p:style>
+          <a:lnRef idx="0">
+            <a:scrgbClr r="0" g="0" b="0"/>
+          </a:lnRef>
+          <a:fillRef idx="0">
+            <a:scrgbClr r="0" g="0" b="0"/>
+          </a:fillRef>
+          <a:effectRef idx="0">
+            <a:scrgbClr r="0" g="0" b="0"/>
+          </a:effectRef>
+          <a:fontRef idx="minor">
+            <a:schemeClr val="lt1"/>
+          </a:fontRef>
+        </p:style>
+        <p:txBody>
+          <a:bodyPr rtlCol="0" anchor="ctr"/>
+          <a:lstStyle/>
+          <a:p>
+            <a:pPr algn="ctr"/>
+            <a:endParaRPr kumimoji="1" lang="ja-JP" altLang="en-US" sz="7200"/>
+          </a:p>
+        </p:txBody>
+      </p:sp>
+      <p:sp>
+        <p:nvSpPr>
+          <p:cNvPr id="44" name="テキスト プレースホルダー 29">
+            <a:extLst>
+              <a:ext uri="{FF2B5EF4-FFF2-40B4-BE49-F238E27FC236}">
+                <a16:creationId xmlns:a16="http://schemas.microsoft.com/office/drawing/2014/main" id="{67D7C01F-5E19-2244-885D-41265D24DEBF}"/>
+              </a:ext>
+            </a:extLst>
+          </p:cNvPr>
+          <p:cNvSpPr txBox="1">
+            <a:spLocks/>
+          </p:cNvSpPr>
+          <p:nvPr/>
+        </p:nvSpPr>
+        <p:spPr>
+          <a:xfrm>
+            <a:off x="1568600" y="4815900"/>
+            <a:ext cx="16135964" cy="853994"/>
+          </a:xfrm>
+          <a:prstGeom prst="rect">
+            <a:avLst/>
+          </a:prstGeom>
+        </p:spPr>
+        <p:txBody>
+          <a:bodyPr>
+            <a:normAutofit/>
+          </a:bodyPr>
+          <a:lstStyle>
+            <a:lvl1pPr marL="0" indent="0" algn="l" defTabSz="1828800" rtl="0" eaLnBrk="1" latinLnBrk="0" hangingPunct="1">
+              <a:lnSpc>
+                <a:spcPct val="90000"/>
+              </a:lnSpc>
+              <a:spcBef>
+                <a:spcPts val="2000"/>
+              </a:spcBef>
+              <a:buFont typeface="Arial" panose="020B0604020202020204" pitchFamily="34" charset="0"/>
+              <a:buNone/>
+              <a:defRPr kumimoji="1" sz="4000" kern="1200">
+                <a:solidFill>
+                  <a:srgbClr val="424242"/>
+                </a:solidFill>
+                <a:latin typeface="+mn-lt"/>
+                <a:ea typeface="+mn-ea"/>
+                <a:cs typeface="+mn-cs"/>
+              </a:defRPr>
+            </a:lvl1pPr>
+            <a:lvl2pPr marL="1371600" indent="-457200" algn="l" defTabSz="1828800" rtl="0" eaLnBrk="1" latinLnBrk="0" hangingPunct="1">
+              <a:lnSpc>
+                <a:spcPct val="90000"/>
+              </a:lnSpc>
+              <a:spcBef>
+                <a:spcPts val="1000"/>
+              </a:spcBef>
+              <a:buFont typeface="Arial" panose="020B0604020202020204" pitchFamily="34" charset="0"/>
+              <a:buChar char="•"/>
+              <a:defRPr kumimoji="1" sz="4800" kern="1200">
+                <a:solidFill>
+                  <a:schemeClr val="tx1"/>
+                </a:solidFill>
+                <a:latin typeface="+mn-lt"/>
+                <a:ea typeface="+mn-ea"/>
+                <a:cs typeface="+mn-cs"/>
+              </a:defRPr>
+            </a:lvl2pPr>
+            <a:lvl3pPr marL="2286000" indent="-457200" algn="l" defTabSz="1828800" rtl="0" eaLnBrk="1" latinLnBrk="0" hangingPunct="1">
+              <a:lnSpc>
+                <a:spcPct val="90000"/>
+              </a:lnSpc>
+              <a:spcBef>
+                <a:spcPts val="1000"/>
+              </a:spcBef>
+              <a:buFont typeface="Arial" panose="020B0604020202020204" pitchFamily="34" charset="0"/>
+              <a:buChar char="•"/>
+              <a:defRPr kumimoji="1" sz="4000" kern="1200">
+                <a:solidFill>
+                  <a:schemeClr val="tx1"/>
+                </a:solidFill>
+                <a:latin typeface="+mn-lt"/>
+                <a:ea typeface="+mn-ea"/>
+                <a:cs typeface="+mn-cs"/>
+              </a:defRPr>
+            </a:lvl3pPr>
+            <a:lvl4pPr marL="3200400" indent="-457200" algn="l" defTabSz="1828800" rtl="0" eaLnBrk="1" latinLnBrk="0" hangingPunct="1">
+              <a:lnSpc>
+                <a:spcPct val="90000"/>
+              </a:lnSpc>
+              <a:spcBef>
+                <a:spcPts val="1000"/>
+              </a:spcBef>
+              <a:buFont typeface="Arial" panose="020B0604020202020204" pitchFamily="34" charset="0"/>
+              <a:buChar char="•"/>
+              <a:defRPr kumimoji="1" sz="3600" kern="1200">
+                <a:solidFill>
+                  <a:schemeClr val="tx1"/>
+                </a:solidFill>
+                <a:latin typeface="+mn-lt"/>
+                <a:ea typeface="+mn-ea"/>
+                <a:cs typeface="+mn-cs"/>
+              </a:defRPr>
+            </a:lvl4pPr>
+            <a:lvl5pPr marL="4114800" indent="-457200" algn="l" defTabSz="1828800" rtl="0" eaLnBrk="1" latinLnBrk="0" hangingPunct="1">
+              <a:lnSpc>
+                <a:spcPct val="90000"/>
+              </a:lnSpc>
+              <a:spcBef>
+                <a:spcPts val="1000"/>
+              </a:spcBef>
+              <a:buFont typeface="Arial" panose="020B0604020202020204" pitchFamily="34" charset="0"/>
+              <a:buChar char="•"/>
+              <a:defRPr kumimoji="1" sz="3600" kern="1200">
+                <a:solidFill>
+                  <a:schemeClr val="tx1"/>
+                </a:solidFill>
+                <a:latin typeface="+mn-lt"/>
+                <a:ea typeface="+mn-ea"/>
+                <a:cs typeface="+mn-cs"/>
+              </a:defRPr>
+            </a:lvl5pPr>
+            <a:lvl6pPr marL="5029200" indent="-457200" algn="l" defTabSz="1828800" rtl="0" eaLnBrk="1" latinLnBrk="0" hangingPunct="1">
+              <a:lnSpc>
+                <a:spcPct val="90000"/>
+              </a:lnSpc>
+              <a:spcBef>
+                <a:spcPts val="1000"/>
+              </a:spcBef>
+              <a:buFont typeface="Arial" panose="020B0604020202020204" pitchFamily="34" charset="0"/>
+              <a:buChar char="•"/>
+              <a:defRPr kumimoji="1" sz="3600" kern="1200">
+                <a:solidFill>
+                  <a:schemeClr val="tx1"/>
+                </a:solidFill>
+                <a:latin typeface="+mn-lt"/>
+                <a:ea typeface="+mn-ea"/>
+                <a:cs typeface="+mn-cs"/>
+              </a:defRPr>
+            </a:lvl6pPr>
+            <a:lvl7pPr marL="5943600" indent="-457200" algn="l" defTabSz="1828800" rtl="0" eaLnBrk="1" latinLnBrk="0" hangingPunct="1">
+              <a:lnSpc>
+                <a:spcPct val="90000"/>
+              </a:lnSpc>
+              <a:spcBef>
+                <a:spcPts val="1000"/>
+              </a:spcBef>
+              <a:buFont typeface="Arial" panose="020B0604020202020204" pitchFamily="34" charset="0"/>
+              <a:buChar char="•"/>
+              <a:defRPr kumimoji="1" sz="3600" kern="1200">
+                <a:solidFill>
+                  <a:schemeClr val="tx1"/>
+                </a:solidFill>
+                <a:latin typeface="+mn-lt"/>
+                <a:ea typeface="+mn-ea"/>
+                <a:cs typeface="+mn-cs"/>
+              </a:defRPr>
+            </a:lvl7pPr>
+            <a:lvl8pPr marL="6858000" indent="-457200" algn="l" defTabSz="1828800" rtl="0" eaLnBrk="1" latinLnBrk="0" hangingPunct="1">
+              <a:lnSpc>
+                <a:spcPct val="90000"/>
+              </a:lnSpc>
+              <a:spcBef>
+                <a:spcPts val="1000"/>
+              </a:spcBef>
+              <a:buFont typeface="Arial" panose="020B0604020202020204" pitchFamily="34" charset="0"/>
+              <a:buChar char="•"/>
+              <a:defRPr kumimoji="1" sz="3600" kern="1200">
+                <a:solidFill>
+                  <a:schemeClr val="tx1"/>
+                </a:solidFill>
+                <a:latin typeface="+mn-lt"/>
+                <a:ea typeface="+mn-ea"/>
+                <a:cs typeface="+mn-cs"/>
+              </a:defRPr>
+            </a:lvl8pPr>
+            <a:lvl9pPr marL="7772400" indent="-457200" algn="l" defTabSz="1828800" rtl="0" eaLnBrk="1" latinLnBrk="0" hangingPunct="1">
+              <a:lnSpc>
+                <a:spcPct val="90000"/>
+              </a:lnSpc>
+              <a:spcBef>
+                <a:spcPts val="1000"/>
+              </a:spcBef>
+              <a:buFont typeface="Arial" panose="020B0604020202020204" pitchFamily="34" charset="0"/>
+              <a:buChar char="•"/>
+              <a:defRPr kumimoji="1" sz="3600" kern="1200">
+                <a:solidFill>
+                  <a:schemeClr val="tx1"/>
+                </a:solidFill>
+                <a:latin typeface="+mn-lt"/>
+                <a:ea typeface="+mn-ea"/>
+                <a:cs typeface="+mn-cs"/>
+              </a:defRPr>
+            </a:lvl9pPr>
+          </a:lstStyle>
+          <a:p>
+            <a:r>
+              <a:rPr lang="ja-JP" altLang="en-US"/>
+              <a:t>テキストであっても表情と同程度感情を伝達する</a:t>
+            </a:r>
+          </a:p>
+        </p:txBody>
+      </p:sp>
+      <p:grpSp>
+        <p:nvGrpSpPr>
+          <p:cNvPr id="55" name="グループ化 54">
+            <a:extLst>
+              <a:ext uri="{FF2B5EF4-FFF2-40B4-BE49-F238E27FC236}">
+                <a16:creationId xmlns:a16="http://schemas.microsoft.com/office/drawing/2014/main" id="{99B0A0B3-241E-1943-8100-5C1759CCD494}"/>
+              </a:ext>
+            </a:extLst>
+          </p:cNvPr>
+          <p:cNvGrpSpPr/>
+          <p:nvPr/>
+        </p:nvGrpSpPr>
+        <p:grpSpPr>
+          <a:xfrm>
+            <a:off x="617232" y="6641924"/>
+            <a:ext cx="539448" cy="487368"/>
+            <a:chOff x="400056" y="1061560"/>
+            <a:chExt cx="269724" cy="243684"/>
+          </a:xfrm>
+        </p:grpSpPr>
+        <p:sp>
+          <p:nvSpPr>
+            <p:cNvPr id="56" name="三角形 55">
+              <a:extLst>
+                <a:ext uri="{FF2B5EF4-FFF2-40B4-BE49-F238E27FC236}">
+                  <a16:creationId xmlns:a16="http://schemas.microsoft.com/office/drawing/2014/main" id="{9A78022D-A10B-914B-BF48-BAA35AD67649}"/>
+                </a:ext>
+              </a:extLst>
+            </p:cNvPr>
+            <p:cNvSpPr/>
+            <p:nvPr userDrawn="1"/>
+          </p:nvSpPr>
+          <p:spPr>
+            <a:xfrm rot="5400000">
+              <a:off x="359835" y="1105015"/>
+              <a:ext cx="240450" cy="160008"/>
+            </a:xfrm>
+            <a:prstGeom prst="triangle">
+              <a:avLst/>
+            </a:prstGeom>
+            <a:solidFill>
+              <a:schemeClr val="accent1"/>
+            </a:solidFill>
+            <a:ln>
+              <a:noFill/>
+            </a:ln>
+          </p:spPr>
+          <p:style>
+            <a:lnRef idx="0">
+              <a:scrgbClr r="0" g="0" b="0"/>
+            </a:lnRef>
+            <a:fillRef idx="0">
+              <a:scrgbClr r="0" g="0" b="0"/>
+            </a:fillRef>
+            <a:effectRef idx="0">
+              <a:scrgbClr r="0" g="0" b="0"/>
+            </a:effectRef>
+            <a:fontRef idx="minor">
+              <a:schemeClr val="lt1"/>
+            </a:fontRef>
+          </p:style>
+          <p:txBody>
+            <a:bodyPr rtlCol="0" anchor="ctr"/>
+            <a:lstStyle/>
+            <a:p>
+              <a:pPr algn="ctr"/>
+              <a:endParaRPr kumimoji="1" lang="ja-JP" altLang="en-US" sz="7200"/>
+            </a:p>
+          </p:txBody>
+        </p:sp>
+        <p:sp>
+          <p:nvSpPr>
+            <p:cNvPr id="57" name="三角形 56">
+              <a:extLst>
+                <a:ext uri="{FF2B5EF4-FFF2-40B4-BE49-F238E27FC236}">
+                  <a16:creationId xmlns:a16="http://schemas.microsoft.com/office/drawing/2014/main" id="{F0260CA7-CF0F-5449-B7E1-34DBD1B435EB}"/>
+                </a:ext>
+              </a:extLst>
+            </p:cNvPr>
+            <p:cNvSpPr/>
+            <p:nvPr userDrawn="1"/>
+          </p:nvSpPr>
+          <p:spPr>
+            <a:xfrm rot="5400000">
+              <a:off x="469551" y="1101781"/>
+              <a:ext cx="240450" cy="160008"/>
+            </a:xfrm>
+            <a:prstGeom prst="triangle">
+              <a:avLst/>
+            </a:prstGeom>
+            <a:solidFill>
+              <a:schemeClr val="accent1"/>
+            </a:solidFill>
+            <a:ln>
+              <a:noFill/>
+            </a:ln>
+          </p:spPr>
+          <p:style>
+            <a:lnRef idx="0">
+              <a:scrgbClr r="0" g="0" b="0"/>
+            </a:lnRef>
+            <a:fillRef idx="0">
+              <a:scrgbClr r="0" g="0" b="0"/>
+            </a:fillRef>
+            <a:effectRef idx="0">
+              <a:scrgbClr r="0" g="0" b="0"/>
+            </a:effectRef>
+            <a:fontRef idx="minor">
+              <a:schemeClr val="lt1"/>
+            </a:fontRef>
+          </p:style>
+          <p:txBody>
+            <a:bodyPr rtlCol="0" anchor="ctr"/>
+            <a:lstStyle/>
+            <a:p>
+              <a:pPr algn="ctr"/>
+              <a:endParaRPr kumimoji="1" lang="ja-JP" altLang="en-US" sz="7200"/>
+            </a:p>
+          </p:txBody>
+        </p:sp>
+      </p:grpSp>
+      <p:sp>
+        <p:nvSpPr>
+          <p:cNvPr id="58" name="テキスト プレースホルダー 27">
+            <a:extLst>
+              <a:ext uri="{FF2B5EF4-FFF2-40B4-BE49-F238E27FC236}">
+                <a16:creationId xmlns:a16="http://schemas.microsoft.com/office/drawing/2014/main" id="{70C0AC02-4003-5D4D-AB50-40EC61043E87}"/>
+              </a:ext>
+            </a:extLst>
+          </p:cNvPr>
+          <p:cNvSpPr txBox="1">
+            <a:spLocks/>
+          </p:cNvSpPr>
+          <p:nvPr/>
+        </p:nvSpPr>
+        <p:spPr>
+          <a:xfrm>
+            <a:off x="1254486" y="6569299"/>
+            <a:ext cx="16632960" cy="997834"/>
+          </a:xfrm>
+          <a:prstGeom prst="rect">
+            <a:avLst/>
+          </a:prstGeom>
+        </p:spPr>
+        <p:txBody>
+          <a:bodyPr>
+            <a:normAutofit/>
+          </a:bodyPr>
+          <a:lstStyle>
+            <a:lvl1pPr marL="0" indent="0" algn="l" defTabSz="1828800" rtl="0" eaLnBrk="1" latinLnBrk="0" hangingPunct="1">
+              <a:lnSpc>
+                <a:spcPct val="90000"/>
+              </a:lnSpc>
+              <a:spcBef>
+                <a:spcPts val="2000"/>
+              </a:spcBef>
+              <a:buFont typeface="Arial" panose="020B0604020202020204" pitchFamily="34" charset="0"/>
+              <a:buNone/>
+              <a:defRPr kumimoji="1" sz="4800" kern="1200">
+                <a:solidFill>
+                  <a:srgbClr val="424242"/>
+                </a:solidFill>
+                <a:latin typeface="+mn-lt"/>
+                <a:ea typeface="+mn-ea"/>
+                <a:cs typeface="+mn-cs"/>
+              </a:defRPr>
+            </a:lvl1pPr>
+            <a:lvl2pPr marL="1371600" indent="-457200" algn="l" defTabSz="1828800" rtl="0" eaLnBrk="1" latinLnBrk="0" hangingPunct="1">
+              <a:lnSpc>
+                <a:spcPct val="90000"/>
+              </a:lnSpc>
+              <a:spcBef>
+                <a:spcPts val="1000"/>
+              </a:spcBef>
+              <a:buFont typeface="Arial" panose="020B0604020202020204" pitchFamily="34" charset="0"/>
+              <a:buChar char="•"/>
+              <a:defRPr kumimoji="1" sz="4800" kern="1200">
+                <a:solidFill>
+                  <a:schemeClr val="tx1"/>
+                </a:solidFill>
+                <a:latin typeface="+mn-lt"/>
+                <a:ea typeface="+mn-ea"/>
+                <a:cs typeface="+mn-cs"/>
+              </a:defRPr>
+            </a:lvl2pPr>
+            <a:lvl3pPr marL="2286000" indent="-457200" algn="l" defTabSz="1828800" rtl="0" eaLnBrk="1" latinLnBrk="0" hangingPunct="1">
+              <a:lnSpc>
+                <a:spcPct val="90000"/>
+              </a:lnSpc>
+              <a:spcBef>
+                <a:spcPts val="1000"/>
+              </a:spcBef>
+              <a:buFont typeface="Arial" panose="020B0604020202020204" pitchFamily="34" charset="0"/>
+              <a:buChar char="•"/>
+              <a:defRPr kumimoji="1" sz="4000" kern="1200">
+                <a:solidFill>
+                  <a:schemeClr val="tx1"/>
+                </a:solidFill>
+                <a:latin typeface="+mn-lt"/>
+                <a:ea typeface="+mn-ea"/>
+                <a:cs typeface="+mn-cs"/>
+              </a:defRPr>
+            </a:lvl3pPr>
+            <a:lvl4pPr marL="3200400" indent="-457200" algn="l" defTabSz="1828800" rtl="0" eaLnBrk="1" latinLnBrk="0" hangingPunct="1">
+              <a:lnSpc>
+                <a:spcPct val="90000"/>
+              </a:lnSpc>
+              <a:spcBef>
+                <a:spcPts val="1000"/>
+              </a:spcBef>
+              <a:buFont typeface="Arial" panose="020B0604020202020204" pitchFamily="34" charset="0"/>
+              <a:buChar char="•"/>
+              <a:defRPr kumimoji="1" sz="3600" kern="1200">
+                <a:solidFill>
+                  <a:schemeClr val="tx1"/>
+                </a:solidFill>
+                <a:latin typeface="+mn-lt"/>
+                <a:ea typeface="+mn-ea"/>
+                <a:cs typeface="+mn-cs"/>
+              </a:defRPr>
+            </a:lvl4pPr>
+            <a:lvl5pPr marL="4114800" indent="-457200" algn="l" defTabSz="1828800" rtl="0" eaLnBrk="1" latinLnBrk="0" hangingPunct="1">
+              <a:lnSpc>
+                <a:spcPct val="90000"/>
+              </a:lnSpc>
+              <a:spcBef>
+                <a:spcPts val="1000"/>
+              </a:spcBef>
+              <a:buFont typeface="Arial" panose="020B0604020202020204" pitchFamily="34" charset="0"/>
+              <a:buChar char="•"/>
+              <a:defRPr kumimoji="1" sz="3600" kern="1200">
+                <a:solidFill>
+                  <a:schemeClr val="tx1"/>
+                </a:solidFill>
+                <a:latin typeface="+mn-lt"/>
+                <a:ea typeface="+mn-ea"/>
+                <a:cs typeface="+mn-cs"/>
+              </a:defRPr>
+            </a:lvl5pPr>
+            <a:lvl6pPr marL="5029200" indent="-457200" algn="l" defTabSz="1828800" rtl="0" eaLnBrk="1" latinLnBrk="0" hangingPunct="1">
+              <a:lnSpc>
+                <a:spcPct val="90000"/>
+              </a:lnSpc>
+              <a:spcBef>
+                <a:spcPts val="1000"/>
+              </a:spcBef>
+              <a:buFont typeface="Arial" panose="020B0604020202020204" pitchFamily="34" charset="0"/>
+              <a:buChar char="•"/>
+              <a:defRPr kumimoji="1" sz="3600" kern="1200">
+                <a:solidFill>
+                  <a:schemeClr val="tx1"/>
+                </a:solidFill>
+                <a:latin typeface="+mn-lt"/>
+                <a:ea typeface="+mn-ea"/>
+                <a:cs typeface="+mn-cs"/>
+              </a:defRPr>
+            </a:lvl6pPr>
+            <a:lvl7pPr marL="5943600" indent="-457200" algn="l" defTabSz="1828800" rtl="0" eaLnBrk="1" latinLnBrk="0" hangingPunct="1">
+              <a:lnSpc>
+                <a:spcPct val="90000"/>
+              </a:lnSpc>
+              <a:spcBef>
+                <a:spcPts val="1000"/>
+              </a:spcBef>
+              <a:buFont typeface="Arial" panose="020B0604020202020204" pitchFamily="34" charset="0"/>
+              <a:buChar char="•"/>
+              <a:defRPr kumimoji="1" sz="3600" kern="1200">
+                <a:solidFill>
+                  <a:schemeClr val="tx1"/>
+                </a:solidFill>
+                <a:latin typeface="+mn-lt"/>
+                <a:ea typeface="+mn-ea"/>
+                <a:cs typeface="+mn-cs"/>
+              </a:defRPr>
+            </a:lvl7pPr>
+            <a:lvl8pPr marL="6858000" indent="-457200" algn="l" defTabSz="1828800" rtl="0" eaLnBrk="1" latinLnBrk="0" hangingPunct="1">
+              <a:lnSpc>
+                <a:spcPct val="90000"/>
+              </a:lnSpc>
+              <a:spcBef>
+                <a:spcPts val="1000"/>
+              </a:spcBef>
+              <a:buFont typeface="Arial" panose="020B0604020202020204" pitchFamily="34" charset="0"/>
+              <a:buChar char="•"/>
+              <a:defRPr kumimoji="1" sz="3600" kern="1200">
+                <a:solidFill>
+                  <a:schemeClr val="tx1"/>
+                </a:solidFill>
+                <a:latin typeface="+mn-lt"/>
+                <a:ea typeface="+mn-ea"/>
+                <a:cs typeface="+mn-cs"/>
+              </a:defRPr>
+            </a:lvl8pPr>
+            <a:lvl9pPr marL="7772400" indent="-457200" algn="l" defTabSz="1828800" rtl="0" eaLnBrk="1" latinLnBrk="0" hangingPunct="1">
+              <a:lnSpc>
+                <a:spcPct val="90000"/>
+              </a:lnSpc>
+              <a:spcBef>
+                <a:spcPts val="1000"/>
+              </a:spcBef>
+              <a:buFont typeface="Arial" panose="020B0604020202020204" pitchFamily="34" charset="0"/>
+              <a:buChar char="•"/>
+              <a:defRPr kumimoji="1" sz="3600" kern="1200">
+                <a:solidFill>
+                  <a:schemeClr val="tx1"/>
+                </a:solidFill>
+                <a:latin typeface="+mn-lt"/>
+                <a:ea typeface="+mn-ea"/>
+                <a:cs typeface="+mn-cs"/>
+              </a:defRPr>
+            </a:lvl9pPr>
+          </a:lstStyle>
+          <a:p>
+            <a:r>
+              <a:rPr lang="ja-JP" altLang="en-US"/>
+              <a:t>伝達方法と感情に関連はみられなかった</a:t>
+            </a:r>
+            <a:endParaRPr lang="en-US" altLang="ja-JP" dirty="0"/>
+          </a:p>
+        </p:txBody>
+      </p:sp>
+      <p:sp>
+        <p:nvSpPr>
+          <p:cNvPr id="59" name="三角形 58">
+            <a:extLst>
+              <a:ext uri="{FF2B5EF4-FFF2-40B4-BE49-F238E27FC236}">
+                <a16:creationId xmlns:a16="http://schemas.microsoft.com/office/drawing/2014/main" id="{721D6AAC-E877-3048-AB9C-6162E522BB7F}"/>
+              </a:ext>
+            </a:extLst>
+          </p:cNvPr>
+          <p:cNvSpPr/>
+          <p:nvPr/>
+        </p:nvSpPr>
+        <p:spPr>
+          <a:xfrm rot="5400000">
+            <a:off x="1076238" y="7482648"/>
+            <a:ext cx="480900" cy="320016"/>
+          </a:xfrm>
+          <a:prstGeom prst="triangle">
+            <a:avLst/>
+          </a:prstGeom>
+          <a:solidFill>
+            <a:schemeClr val="accent1"/>
+          </a:solidFill>
+          <a:ln>
+            <a:noFill/>
+          </a:ln>
+        </p:spPr>
+        <p:style>
+          <a:lnRef idx="0">
+            <a:scrgbClr r="0" g="0" b="0"/>
+          </a:lnRef>
+          <a:fillRef idx="0">
+            <a:scrgbClr r="0" g="0" b="0"/>
+          </a:fillRef>
+          <a:effectRef idx="0">
+            <a:scrgbClr r="0" g="0" b="0"/>
+          </a:effectRef>
+          <a:fontRef idx="minor">
+            <a:schemeClr val="lt1"/>
+          </a:fontRef>
+        </p:style>
+        <p:txBody>
+          <a:bodyPr rtlCol="0" anchor="ctr"/>
+          <a:lstStyle/>
+          <a:p>
+            <a:pPr algn="ctr"/>
+            <a:endParaRPr kumimoji="1" lang="ja-JP" altLang="en-US" sz="7200"/>
+          </a:p>
+        </p:txBody>
+      </p:sp>
+      <p:sp>
+        <p:nvSpPr>
+          <p:cNvPr id="60" name="テキスト プレースホルダー 29">
+            <a:extLst>
+              <a:ext uri="{FF2B5EF4-FFF2-40B4-BE49-F238E27FC236}">
+                <a16:creationId xmlns:a16="http://schemas.microsoft.com/office/drawing/2014/main" id="{E7B17F6C-3461-CB4C-827B-29BC7352EBCB}"/>
+              </a:ext>
+            </a:extLst>
+          </p:cNvPr>
+          <p:cNvSpPr txBox="1">
+            <a:spLocks/>
+          </p:cNvSpPr>
+          <p:nvPr/>
+        </p:nvSpPr>
+        <p:spPr>
+          <a:xfrm>
+            <a:off x="1568600" y="7367374"/>
+            <a:ext cx="16135964" cy="853994"/>
+          </a:xfrm>
+          <a:prstGeom prst="rect">
+            <a:avLst/>
+          </a:prstGeom>
+        </p:spPr>
+        <p:txBody>
+          <a:bodyPr>
+            <a:normAutofit/>
+          </a:bodyPr>
+          <a:lstStyle>
+            <a:lvl1pPr marL="0" indent="0" algn="l" defTabSz="1828800" rtl="0" eaLnBrk="1" latinLnBrk="0" hangingPunct="1">
+              <a:lnSpc>
+                <a:spcPct val="90000"/>
+              </a:lnSpc>
+              <a:spcBef>
+                <a:spcPts val="2000"/>
+              </a:spcBef>
+              <a:buFont typeface="Arial" panose="020B0604020202020204" pitchFamily="34" charset="0"/>
+              <a:buNone/>
+              <a:defRPr kumimoji="1" sz="4000" kern="1200">
+                <a:solidFill>
+                  <a:srgbClr val="424242"/>
+                </a:solidFill>
+                <a:latin typeface="+mn-lt"/>
+                <a:ea typeface="+mn-ea"/>
+                <a:cs typeface="+mn-cs"/>
+              </a:defRPr>
+            </a:lvl1pPr>
+            <a:lvl2pPr marL="1371600" indent="-457200" algn="l" defTabSz="1828800" rtl="0" eaLnBrk="1" latinLnBrk="0" hangingPunct="1">
+              <a:lnSpc>
+                <a:spcPct val="90000"/>
+              </a:lnSpc>
+              <a:spcBef>
+                <a:spcPts val="1000"/>
+              </a:spcBef>
+              <a:buFont typeface="Arial" panose="020B0604020202020204" pitchFamily="34" charset="0"/>
+              <a:buChar char="•"/>
+              <a:defRPr kumimoji="1" sz="4800" kern="1200">
+                <a:solidFill>
+                  <a:schemeClr val="tx1"/>
+                </a:solidFill>
+                <a:latin typeface="+mn-lt"/>
+                <a:ea typeface="+mn-ea"/>
+                <a:cs typeface="+mn-cs"/>
+              </a:defRPr>
+            </a:lvl2pPr>
+            <a:lvl3pPr marL="2286000" indent="-457200" algn="l" defTabSz="1828800" rtl="0" eaLnBrk="1" latinLnBrk="0" hangingPunct="1">
+              <a:lnSpc>
+                <a:spcPct val="90000"/>
+              </a:lnSpc>
+              <a:spcBef>
+                <a:spcPts val="1000"/>
+              </a:spcBef>
+              <a:buFont typeface="Arial" panose="020B0604020202020204" pitchFamily="34" charset="0"/>
+              <a:buChar char="•"/>
+              <a:defRPr kumimoji="1" sz="4000" kern="1200">
+                <a:solidFill>
+                  <a:schemeClr val="tx1"/>
+                </a:solidFill>
+                <a:latin typeface="+mn-lt"/>
+                <a:ea typeface="+mn-ea"/>
+                <a:cs typeface="+mn-cs"/>
+              </a:defRPr>
+            </a:lvl3pPr>
+            <a:lvl4pPr marL="3200400" indent="-457200" algn="l" defTabSz="1828800" rtl="0" eaLnBrk="1" latinLnBrk="0" hangingPunct="1">
+              <a:lnSpc>
+                <a:spcPct val="90000"/>
+              </a:lnSpc>
+              <a:spcBef>
+                <a:spcPts val="1000"/>
+              </a:spcBef>
+              <a:buFont typeface="Arial" panose="020B0604020202020204" pitchFamily="34" charset="0"/>
+              <a:buChar char="•"/>
+              <a:defRPr kumimoji="1" sz="3600" kern="1200">
+                <a:solidFill>
+                  <a:schemeClr val="tx1"/>
+                </a:solidFill>
+                <a:latin typeface="+mn-lt"/>
+                <a:ea typeface="+mn-ea"/>
+                <a:cs typeface="+mn-cs"/>
+              </a:defRPr>
+            </a:lvl4pPr>
+            <a:lvl5pPr marL="4114800" indent="-457200" algn="l" defTabSz="1828800" rtl="0" eaLnBrk="1" latinLnBrk="0" hangingPunct="1">
+              <a:lnSpc>
+                <a:spcPct val="90000"/>
+              </a:lnSpc>
+              <a:spcBef>
+                <a:spcPts val="1000"/>
+              </a:spcBef>
+              <a:buFont typeface="Arial" panose="020B0604020202020204" pitchFamily="34" charset="0"/>
+              <a:buChar char="•"/>
+              <a:defRPr kumimoji="1" sz="3600" kern="1200">
+                <a:solidFill>
+                  <a:schemeClr val="tx1"/>
+                </a:solidFill>
+                <a:latin typeface="+mn-lt"/>
+                <a:ea typeface="+mn-ea"/>
+                <a:cs typeface="+mn-cs"/>
+              </a:defRPr>
+            </a:lvl5pPr>
+            <a:lvl6pPr marL="5029200" indent="-457200" algn="l" defTabSz="1828800" rtl="0" eaLnBrk="1" latinLnBrk="0" hangingPunct="1">
+              <a:lnSpc>
+                <a:spcPct val="90000"/>
+              </a:lnSpc>
+              <a:spcBef>
+                <a:spcPts val="1000"/>
+              </a:spcBef>
+              <a:buFont typeface="Arial" panose="020B0604020202020204" pitchFamily="34" charset="0"/>
+              <a:buChar char="•"/>
+              <a:defRPr kumimoji="1" sz="3600" kern="1200">
+                <a:solidFill>
+                  <a:schemeClr val="tx1"/>
+                </a:solidFill>
+                <a:latin typeface="+mn-lt"/>
+                <a:ea typeface="+mn-ea"/>
+                <a:cs typeface="+mn-cs"/>
+              </a:defRPr>
+            </a:lvl6pPr>
+            <a:lvl7pPr marL="5943600" indent="-457200" algn="l" defTabSz="1828800" rtl="0" eaLnBrk="1" latinLnBrk="0" hangingPunct="1">
+              <a:lnSpc>
+                <a:spcPct val="90000"/>
+              </a:lnSpc>
+              <a:spcBef>
+                <a:spcPts val="1000"/>
+              </a:spcBef>
+              <a:buFont typeface="Arial" panose="020B0604020202020204" pitchFamily="34" charset="0"/>
+              <a:buChar char="•"/>
+              <a:defRPr kumimoji="1" sz="3600" kern="1200">
+                <a:solidFill>
+                  <a:schemeClr val="tx1"/>
+                </a:solidFill>
+                <a:latin typeface="+mn-lt"/>
+                <a:ea typeface="+mn-ea"/>
+                <a:cs typeface="+mn-cs"/>
+              </a:defRPr>
+            </a:lvl7pPr>
+            <a:lvl8pPr marL="6858000" indent="-457200" algn="l" defTabSz="1828800" rtl="0" eaLnBrk="1" latinLnBrk="0" hangingPunct="1">
+              <a:lnSpc>
+                <a:spcPct val="90000"/>
+              </a:lnSpc>
+              <a:spcBef>
+                <a:spcPts val="1000"/>
+              </a:spcBef>
+              <a:buFont typeface="Arial" panose="020B0604020202020204" pitchFamily="34" charset="0"/>
+              <a:buChar char="•"/>
+              <a:defRPr kumimoji="1" sz="3600" kern="1200">
+                <a:solidFill>
+                  <a:schemeClr val="tx1"/>
+                </a:solidFill>
+                <a:latin typeface="+mn-lt"/>
+                <a:ea typeface="+mn-ea"/>
+                <a:cs typeface="+mn-cs"/>
+              </a:defRPr>
+            </a:lvl8pPr>
+            <a:lvl9pPr marL="7772400" indent="-457200" algn="l" defTabSz="1828800" rtl="0" eaLnBrk="1" latinLnBrk="0" hangingPunct="1">
+              <a:lnSpc>
+                <a:spcPct val="90000"/>
+              </a:lnSpc>
+              <a:spcBef>
+                <a:spcPts val="1000"/>
+              </a:spcBef>
+              <a:buFont typeface="Arial" panose="020B0604020202020204" pitchFamily="34" charset="0"/>
+              <a:buChar char="•"/>
+              <a:defRPr kumimoji="1" sz="3600" kern="1200">
+                <a:solidFill>
+                  <a:schemeClr val="tx1"/>
+                </a:solidFill>
+                <a:latin typeface="+mn-lt"/>
+                <a:ea typeface="+mn-ea"/>
+                <a:cs typeface="+mn-cs"/>
+              </a:defRPr>
+            </a:lvl9pPr>
+          </a:lstStyle>
+          <a:p>
+            <a:r>
+              <a:rPr lang="ja-JP" altLang="en-US"/>
+              <a:t>感情は伝達方法とは独立に</a:t>
+            </a:r>
+            <a:r>
+              <a:rPr lang="en-US" altLang="ja-JP" dirty="0"/>
+              <a:t>demand difference</a:t>
+            </a:r>
+            <a:r>
+              <a:rPr lang="ja-JP" altLang="en-US"/>
+              <a:t>に影響を与える</a:t>
+            </a:r>
+          </a:p>
+        </p:txBody>
+      </p:sp>
+      <p:pic>
+        <p:nvPicPr>
+          <p:cNvPr id="31" name="図 30">
+            <a:extLst>
+              <a:ext uri="{FF2B5EF4-FFF2-40B4-BE49-F238E27FC236}">
+                <a16:creationId xmlns:a16="http://schemas.microsoft.com/office/drawing/2014/main" id="{061B6C64-EB6E-1049-B001-365B402371B9}"/>
+              </a:ext>
+            </a:extLst>
+          </p:cNvPr>
+          <p:cNvPicPr>
+            <a:picLocks noChangeAspect="1"/>
+          </p:cNvPicPr>
+          <p:nvPr/>
+        </p:nvPicPr>
+        <p:blipFill>
+          <a:blip r:embed="rId3"/>
+          <a:stretch>
+            <a:fillRect/>
+          </a:stretch>
+        </p:blipFill>
+        <p:spPr>
+          <a:xfrm>
+            <a:off x="1254486" y="8267307"/>
+            <a:ext cx="8112352" cy="4672304"/>
+          </a:xfrm>
+          <a:prstGeom prst="rect">
+            <a:avLst/>
+          </a:prstGeom>
+        </p:spPr>
+      </p:pic>
+      <p:pic>
+        <p:nvPicPr>
+          <p:cNvPr id="33" name="図 32">
+            <a:extLst>
+              <a:ext uri="{FF2B5EF4-FFF2-40B4-BE49-F238E27FC236}">
+                <a16:creationId xmlns:a16="http://schemas.microsoft.com/office/drawing/2014/main" id="{60AA3D5C-A433-0848-809D-0129548D2476}"/>
+              </a:ext>
+            </a:extLst>
+          </p:cNvPr>
+          <p:cNvPicPr>
+            <a:picLocks noChangeAspect="1"/>
+          </p:cNvPicPr>
+          <p:nvPr/>
+        </p:nvPicPr>
+        <p:blipFill>
+          <a:blip r:embed="rId4"/>
+          <a:stretch>
+            <a:fillRect/>
+          </a:stretch>
+        </p:blipFill>
+        <p:spPr>
+          <a:xfrm>
+            <a:off x="10423939" y="8221368"/>
+            <a:ext cx="6492461" cy="4718243"/>
+          </a:xfrm>
+          <a:prstGeom prst="rect">
+            <a:avLst/>
+          </a:prstGeom>
+        </p:spPr>
+      </p:pic>
+    </p:spTree>
+    <p:extLst>
+      <p:ext uri="{BB962C8B-B14F-4D97-AF65-F5344CB8AC3E}">
+        <p14:creationId xmlns:p14="http://schemas.microsoft.com/office/powerpoint/2010/main" val="1866718161"/>
+      </p:ext>
+    </p:extLst>
+  </p:cSld>
+  <p:clrMapOvr>
+    <a:masterClrMapping/>
+  </p:clrMapOvr>
+</p:sld>
+</file>
+
+<file path=ppt/slides/slide13.xml><?xml version="1.0" encoding="utf-8"?>
+<p:sld xmlns:a="http://schemas.openxmlformats.org/drawingml/2006/main" xmlns:r="http://schemas.openxmlformats.org/officeDocument/2006/relationships" xmlns:p="http://schemas.openxmlformats.org/presentationml/2006/main">
+  <p:cSld>
+    <p:spTree>
+      <p:nvGrpSpPr>
+        <p:cNvPr id="1" name=""/>
+        <p:cNvGrpSpPr/>
+        <p:nvPr/>
+      </p:nvGrpSpPr>
+      <p:grpSpPr>
+        <a:xfrm>
+          <a:off x="0" y="0"/>
+          <a:ext cx="0" cy="0"/>
+          <a:chOff x="0" y="0"/>
+          <a:chExt cx="0" cy="0"/>
+        </a:xfrm>
+      </p:grpSpPr>
+      <p:sp>
+        <p:nvSpPr>
+          <p:cNvPr id="2" name="日付プレースホルダー 1">
+            <a:extLst>
+              <a:ext uri="{FF2B5EF4-FFF2-40B4-BE49-F238E27FC236}">
                 <a16:creationId xmlns:a16="http://schemas.microsoft.com/office/drawing/2014/main" id="{ED28F015-1019-8346-8D0C-51203339476B}"/>
               </a:ext>
             </a:extLst>
@@ -8227,7 +14236,7 @@
           <a:p>
             <a:fld id="{BA7AA989-C6B8-3949-9280-88DA60BA6993}" type="datetime1">
               <a:rPr lang="ja-JP" altLang="en-US" smtClean="0"/>
-              <a:t>2018/4/30</a:t>
+              <a:t>2018/5/1</a:t>
             </a:fld>
             <a:endParaRPr lang="ja-JP" altLang="en-US"/>
           </a:p>
@@ -8290,7 +14299,7 @@
             <a:fld id="{89242BC1-393D-1248-985B-18DA624F2964}" type="slidenum">
               <a:rPr lang="ja-JP" altLang="en-US" smtClean="0"/>
               <a:pPr/>
-              <a:t>11</a:t>
+              <a:t>13</a:t>
             </a:fld>
             <a:endParaRPr lang="ja-JP" altLang="en-US"/>
           </a:p>
@@ -9285,7 +15294,7 @@
 </p:sld>
 </file>
 
-<file path=ppt/slides/slide12.xml><?xml version="1.0" encoding="utf-8"?>
+<file path=ppt/slides/slide14.xml><?xml version="1.0" encoding="utf-8"?>
 <p:sld xmlns:a="http://schemas.openxmlformats.org/drawingml/2006/main" xmlns:r="http://schemas.openxmlformats.org/officeDocument/2006/relationships" xmlns:p="http://schemas.openxmlformats.org/presentationml/2006/main" show="0">
   <p:cSld>
     <p:spTree>
@@ -10330,7 +16339,7 @@
           <a:p>
             <a:fld id="{2716A096-282C-054E-93D6-6FCA6F3CFD24}" type="datetime1">
               <a:rPr lang="ja-JP" altLang="en-US" smtClean="0"/>
-              <a:t>2018/4/30</a:t>
+              <a:t>2018/5/1</a:t>
             </a:fld>
             <a:endParaRPr lang="ja-JP" altLang="en-US"/>
           </a:p>
@@ -11423,7 +17432,7 @@
           <a:p>
             <a:fld id="{E987203A-5B41-5648-8157-822A487E08FC}" type="datetime1">
               <a:rPr lang="ja-JP" altLang="en-US" smtClean="0"/>
-              <a:t>2018/4/30</a:t>
+              <a:t>2018/5/1</a:t>
             </a:fld>
             <a:endParaRPr lang="ja-JP" altLang="en-US"/>
           </a:p>
@@ -11544,7 +17553,7 @@
           <a:p>
             <a:r>
               <a:rPr lang="ja-JP" altLang="en-US"/>
-              <a:t>実験</a:t>
+              <a:t>実験概要</a:t>
             </a:r>
             <a:endParaRPr kumimoji="1" lang="ja-JP" altLang="en-US"/>
           </a:p>
@@ -13615,7 +19624,7 @@
           <a:p>
             <a:fld id="{E987203A-5B41-5648-8157-822A487E08FC}" type="datetime1">
               <a:rPr lang="ja-JP" altLang="en-US" smtClean="0"/>
-              <a:t>2018/4/30</a:t>
+              <a:t>2018/5/1</a:t>
             </a:fld>
             <a:endParaRPr lang="ja-JP" altLang="en-US"/>
           </a:p>
@@ -13736,7 +19745,7 @@
           <a:p>
             <a:r>
               <a:rPr lang="ja-JP" altLang="en-US"/>
-              <a:t>実験</a:t>
+              <a:t>実験概要</a:t>
             </a:r>
             <a:endParaRPr kumimoji="1" lang="ja-JP" altLang="en-US"/>
           </a:p>
@@ -15780,7 +21789,7 @@
           <a:p>
             <a:fld id="{E987203A-5B41-5648-8157-822A487E08FC}" type="datetime1">
               <a:rPr lang="ja-JP" altLang="en-US" smtClean="0"/>
-              <a:t>2018/4/30</a:t>
+              <a:t>2018/5/1</a:t>
             </a:fld>
             <a:endParaRPr lang="ja-JP" altLang="en-US"/>
           </a:p>
@@ -15901,7 +21910,7 @@
           <a:p>
             <a:r>
               <a:rPr lang="ja-JP" altLang="en-US"/>
-              <a:t>実験</a:t>
+              <a:t>実験概要</a:t>
             </a:r>
             <a:endParaRPr kumimoji="1" lang="ja-JP" altLang="en-US"/>
           </a:p>
@@ -18907,7 +24916,7 @@
           <a:p>
             <a:fld id="{E987203A-5B41-5648-8157-822A487E08FC}" type="datetime1">
               <a:rPr lang="ja-JP" altLang="en-US" smtClean="0"/>
-              <a:t>2018/4/30</a:t>
+              <a:t>2018/5/1</a:t>
             </a:fld>
             <a:endParaRPr lang="ja-JP" altLang="en-US"/>
           </a:p>
@@ -19028,7 +25037,7 @@
           <a:p>
             <a:r>
               <a:rPr lang="ja-JP" altLang="en-US"/>
-              <a:t>実験</a:t>
+              <a:t>実験概要</a:t>
             </a:r>
             <a:endParaRPr kumimoji="1" lang="ja-JP" altLang="en-US"/>
           </a:p>
@@ -21529,7 +27538,7 @@
           <a:p>
             <a:fld id="{E987203A-5B41-5648-8157-822A487E08FC}" type="datetime1">
               <a:rPr lang="ja-JP" altLang="en-US" smtClean="0"/>
-              <a:t>2018/4/30</a:t>
+              <a:t>2018/5/1</a:t>
             </a:fld>
             <a:endParaRPr lang="ja-JP" altLang="en-US"/>
           </a:p>
@@ -21650,7 +27659,7 @@
           <a:p>
             <a:r>
               <a:rPr lang="ja-JP" altLang="en-US"/>
-              <a:t>実験</a:t>
+              <a:t>実験概要</a:t>
             </a:r>
             <a:endParaRPr kumimoji="1" lang="ja-JP" altLang="en-US"/>
           </a:p>
@@ -24666,7 +30675,7 @@
           <a:p>
             <a:fld id="{E987203A-5B41-5648-8157-822A487E08FC}" type="datetime1">
               <a:rPr lang="ja-JP" altLang="en-US" smtClean="0"/>
-              <a:t>2018/4/30</a:t>
+              <a:t>2018/5/1</a:t>
             </a:fld>
             <a:endParaRPr lang="ja-JP" altLang="en-US"/>
           </a:p>
@@ -24787,7 +30796,7 @@
           <a:p>
             <a:r>
               <a:rPr lang="ja-JP" altLang="en-US"/>
-              <a:t>実験</a:t>
+              <a:t>実験概要</a:t>
             </a:r>
             <a:endParaRPr kumimoji="1" lang="ja-JP" altLang="en-US"/>
           </a:p>
@@ -27309,7 +33318,7 @@
           <a:p>
             <a:fld id="{E987203A-5B41-5648-8157-822A487E08FC}" type="datetime1">
               <a:rPr lang="ja-JP" altLang="en-US" smtClean="0"/>
-              <a:t>2018/4/30</a:t>
+              <a:t>2018/5/1</a:t>
             </a:fld>
             <a:endParaRPr lang="ja-JP" altLang="en-US"/>
           </a:p>
@@ -27430,7 +33439,7 @@
           <a:p>
             <a:r>
               <a:rPr lang="ja-JP" altLang="en-US"/>
-              <a:t>実験</a:t>
+              <a:t>実験概要</a:t>
             </a:r>
             <a:endParaRPr kumimoji="1" lang="ja-JP" altLang="en-US"/>
           </a:p>

--- a/presentation_1st.pptx
+++ b/presentation_1st.pptx
@@ -5,7 +5,7 @@
     <p:sldMasterId id="2147483675" r:id="rId1"/>
   </p:sldMasterIdLst>
   <p:notesMasterIdLst>
-    <p:notesMasterId r:id="rId21"/>
+    <p:notesMasterId r:id="rId23"/>
   </p:notesMasterIdLst>
   <p:sldIdLst>
     <p:sldId id="256" r:id="rId2"/>
@@ -24,9 +24,11 @@
     <p:sldId id="284" r:id="rId15"/>
     <p:sldId id="279" r:id="rId16"/>
     <p:sldId id="280" r:id="rId17"/>
-    <p:sldId id="286" r:id="rId18"/>
-    <p:sldId id="270" r:id="rId19"/>
-    <p:sldId id="267" r:id="rId20"/>
+    <p:sldId id="287" r:id="rId18"/>
+    <p:sldId id="286" r:id="rId19"/>
+    <p:sldId id="288" r:id="rId20"/>
+    <p:sldId id="270" r:id="rId21"/>
+    <p:sldId id="267" r:id="rId22"/>
   </p:sldIdLst>
   <p:sldSz cx="18288000" cy="13716000"/>
   <p:notesSz cx="6858000" cy="9144000"/>
@@ -128,12 +130,12 @@
   <p:extLst>
     <p:ext uri="{EFAFB233-063F-42B5-8137-9DF3F51BA10A}">
       <p15:sldGuideLst xmlns:p15="http://schemas.microsoft.com/office/powerpoint/2012/main">
-        <p15:guide id="1" orient="horz" pos="4479" userDrawn="1">
+        <p15:guide id="1" orient="horz" pos="5635" userDrawn="1">
           <p15:clr>
             <a:srgbClr val="A4A3A4"/>
           </p15:clr>
         </p15:guide>
-        <p15:guide id="2" pos="203" userDrawn="1">
+        <p15:guide id="2" pos="8890" userDrawn="1">
           <p15:clr>
             <a:srgbClr val="A4A3A4"/>
           </p15:clr>
@@ -1239,7 +1241,211 @@
     </p:spTree>
     <p:extLst>
       <p:ext uri="{BB962C8B-B14F-4D97-AF65-F5344CB8AC3E}">
+        <p14:creationId xmlns:p14="http://schemas.microsoft.com/office/powerpoint/2010/main" val="3800975366"/>
+      </p:ext>
+    </p:extLst>
+  </p:cSld>
+  <p:clrMapOvr>
+    <a:masterClrMapping/>
+  </p:clrMapOvr>
+</p:notes>
+</file>
+
+<file path=ppt/notesSlides/notesSlide16.xml><?xml version="1.0" encoding="utf-8"?>
+<p:notes xmlns:a="http://schemas.openxmlformats.org/drawingml/2006/main" xmlns:r="http://schemas.openxmlformats.org/officeDocument/2006/relationships" xmlns:p="http://schemas.openxmlformats.org/presentationml/2006/main">
+  <p:cSld>
+    <p:spTree>
+      <p:nvGrpSpPr>
+        <p:cNvPr id="1" name=""/>
+        <p:cNvGrpSpPr/>
+        <p:nvPr/>
+      </p:nvGrpSpPr>
+      <p:grpSpPr>
+        <a:xfrm>
+          <a:off x="0" y="0"/>
+          <a:ext cx="0" cy="0"/>
+          <a:chOff x="0" y="0"/>
+          <a:chExt cx="0" cy="0"/>
+        </a:xfrm>
+      </p:grpSpPr>
+      <p:sp>
+        <p:nvSpPr>
+          <p:cNvPr id="2" name="スライド イメージ プレースホルダー 1"/>
+          <p:cNvSpPr>
+            <a:spLocks noGrp="1" noRot="1" noChangeAspect="1"/>
+          </p:cNvSpPr>
+          <p:nvPr>
+            <p:ph type="sldImg"/>
+          </p:nvPr>
+        </p:nvSpPr>
+        <p:spPr/>
+      </p:sp>
+      <p:sp>
+        <p:nvSpPr>
+          <p:cNvPr id="3" name="ノート プレースホルダー 2"/>
+          <p:cNvSpPr>
+            <a:spLocks noGrp="1"/>
+          </p:cNvSpPr>
+          <p:nvPr>
+            <p:ph type="body" idx="1"/>
+          </p:nvPr>
+        </p:nvSpPr>
+        <p:spPr/>
+        <p:txBody>
+          <a:bodyPr/>
+          <a:lstStyle/>
+          <a:p>
+            <a:r>
+              <a:rPr kumimoji="1" lang="ja-JP" altLang="en-US"/>
+              <a:t>すなわちレベル１が参加者にとって最も価値が低く，レベル</a:t>
+            </a:r>
+            <a:r>
+              <a:rPr kumimoji="1" lang="en-US" altLang="ja-JP" dirty="0"/>
+              <a:t>9</a:t>
+            </a:r>
+            <a:r>
+              <a:rPr kumimoji="1" lang="ja-JP" altLang="en-US"/>
+              <a:t>が最も価値が高いということ</a:t>
+            </a:r>
+            <a:endParaRPr kumimoji="1" lang="en-US" altLang="ja-JP" dirty="0"/>
+          </a:p>
+          <a:p>
+            <a:r>
+              <a:rPr kumimoji="1" lang="ja-JP" altLang="en-US"/>
+              <a:t>研究によってはレベルが上がるにつれて参加者にとっての価値が減少するとして実験しているものもある</a:t>
+            </a:r>
+          </a:p>
+        </p:txBody>
+      </p:sp>
+      <p:sp>
+        <p:nvSpPr>
+          <p:cNvPr id="4" name="スライド番号プレースホルダー 3"/>
+          <p:cNvSpPr>
+            <a:spLocks noGrp="1"/>
+          </p:cNvSpPr>
+          <p:nvPr>
+            <p:ph type="sldNum" sz="quarter" idx="10"/>
+          </p:nvPr>
+        </p:nvSpPr>
+        <p:spPr/>
+        <p:txBody>
+          <a:bodyPr/>
+          <a:lstStyle/>
+          <a:p>
+            <a:fld id="{DF04AD5B-25DE-AE41-9ACA-EFDE3C4BB9CC}" type="slidenum">
+              <a:rPr kumimoji="1" lang="ja-JP" altLang="en-US" smtClean="0"/>
+              <a:t>18</a:t>
+            </a:fld>
+            <a:endParaRPr kumimoji="1" lang="ja-JP" altLang="en-US"/>
+          </a:p>
+        </p:txBody>
+      </p:sp>
+    </p:spTree>
+    <p:extLst>
+      <p:ext uri="{BB962C8B-B14F-4D97-AF65-F5344CB8AC3E}">
         <p14:creationId xmlns:p14="http://schemas.microsoft.com/office/powerpoint/2010/main" val="1258176441"/>
+      </p:ext>
+    </p:extLst>
+  </p:cSld>
+  <p:clrMapOvr>
+    <a:masterClrMapping/>
+  </p:clrMapOvr>
+</p:notes>
+</file>
+
+<file path=ppt/notesSlides/notesSlide17.xml><?xml version="1.0" encoding="utf-8"?>
+<p:notes xmlns:a="http://schemas.openxmlformats.org/drawingml/2006/main" xmlns:r="http://schemas.openxmlformats.org/officeDocument/2006/relationships" xmlns:p="http://schemas.openxmlformats.org/presentationml/2006/main">
+  <p:cSld>
+    <p:spTree>
+      <p:nvGrpSpPr>
+        <p:cNvPr id="1" name=""/>
+        <p:cNvGrpSpPr/>
+        <p:nvPr/>
+      </p:nvGrpSpPr>
+      <p:grpSpPr>
+        <a:xfrm>
+          <a:off x="0" y="0"/>
+          <a:ext cx="0" cy="0"/>
+          <a:chOff x="0" y="0"/>
+          <a:chExt cx="0" cy="0"/>
+        </a:xfrm>
+      </p:grpSpPr>
+      <p:sp>
+        <p:nvSpPr>
+          <p:cNvPr id="2" name="スライド イメージ プレースホルダー 1"/>
+          <p:cNvSpPr>
+            <a:spLocks noGrp="1" noRot="1" noChangeAspect="1"/>
+          </p:cNvSpPr>
+          <p:nvPr>
+            <p:ph type="sldImg"/>
+          </p:nvPr>
+        </p:nvSpPr>
+        <p:spPr/>
+      </p:sp>
+      <p:sp>
+        <p:nvSpPr>
+          <p:cNvPr id="3" name="ノート プレースホルダー 2"/>
+          <p:cNvSpPr>
+            <a:spLocks noGrp="1"/>
+          </p:cNvSpPr>
+          <p:nvPr>
+            <p:ph type="body" idx="1"/>
+          </p:nvPr>
+        </p:nvSpPr>
+        <p:spPr/>
+        <p:txBody>
+          <a:bodyPr/>
+          <a:lstStyle/>
+          <a:p>
+            <a:r>
+              <a:rPr kumimoji="1" lang="ja-JP" altLang="en-US"/>
+              <a:t>すなわちレベル１が参加者にとって最も価値が低く，レベル</a:t>
+            </a:r>
+            <a:r>
+              <a:rPr kumimoji="1" lang="en-US" altLang="ja-JP" dirty="0"/>
+              <a:t>9</a:t>
+            </a:r>
+            <a:r>
+              <a:rPr kumimoji="1" lang="ja-JP" altLang="en-US"/>
+              <a:t>が最も価値が高いということ</a:t>
+            </a:r>
+            <a:endParaRPr kumimoji="1" lang="en-US" altLang="ja-JP" dirty="0"/>
+          </a:p>
+          <a:p>
+            <a:r>
+              <a:rPr kumimoji="1" lang="ja-JP" altLang="en-US"/>
+              <a:t>研究によってはレベルが上がるにつれて参加者にとっての価値が減少するとして実験しているものもある</a:t>
+            </a:r>
+          </a:p>
+        </p:txBody>
+      </p:sp>
+      <p:sp>
+        <p:nvSpPr>
+          <p:cNvPr id="4" name="スライド番号プレースホルダー 3"/>
+          <p:cNvSpPr>
+            <a:spLocks noGrp="1"/>
+          </p:cNvSpPr>
+          <p:nvPr>
+            <p:ph type="sldNum" sz="quarter" idx="10"/>
+          </p:nvPr>
+        </p:nvSpPr>
+        <p:spPr/>
+        <p:txBody>
+          <a:bodyPr/>
+          <a:lstStyle/>
+          <a:p>
+            <a:fld id="{DF04AD5B-25DE-AE41-9ACA-EFDE3C4BB9CC}" type="slidenum">
+              <a:rPr kumimoji="1" lang="ja-JP" altLang="en-US" smtClean="0"/>
+              <a:t>19</a:t>
+            </a:fld>
+            <a:endParaRPr kumimoji="1" lang="ja-JP" altLang="en-US"/>
+          </a:p>
+        </p:txBody>
+      </p:sp>
+    </p:spTree>
+    <p:extLst>
+      <p:ext uri="{BB962C8B-B14F-4D97-AF65-F5344CB8AC3E}">
+        <p14:creationId xmlns:p14="http://schemas.microsoft.com/office/powerpoint/2010/main" val="731544333"/>
       </p:ext>
     </p:extLst>
   </p:cSld>
@@ -17230,15 +17436,7 @@
           <a:p>
             <a:r>
               <a:rPr lang="en-US" altLang="ja-JP" dirty="0"/>
-              <a:t>ANOVA(</a:t>
-            </a:r>
-            <a:r>
-              <a:rPr lang="ja-JP" altLang="en-US"/>
-              <a:t>分散分析</a:t>
-            </a:r>
-            <a:r>
-              <a:rPr lang="en-US" altLang="ja-JP" dirty="0"/>
-              <a:t>)</a:t>
+              <a:t>ANOVA</a:t>
             </a:r>
             <a:r>
               <a:rPr lang="ja-JP" altLang="en-US"/>
@@ -20691,15 +20889,7 @@
           <a:p>
             <a:r>
               <a:rPr lang="en-US" altLang="ja-JP" dirty="0"/>
-              <a:t>ANOVA(</a:t>
-            </a:r>
-            <a:r>
-              <a:rPr lang="ja-JP" altLang="en-US"/>
-              <a:t>分散分析</a:t>
-            </a:r>
-            <a:r>
-              <a:rPr lang="en-US" altLang="ja-JP" dirty="0"/>
-              <a:t>)</a:t>
+              <a:t>ANOVA</a:t>
             </a:r>
             <a:r>
               <a:rPr lang="ja-JP" altLang="en-US"/>
@@ -23003,8 +23193,8 @@
           <a:lstStyle/>
           <a:p>
             <a:r>
-              <a:rPr kumimoji="1" lang="en-US" altLang="ja-JP" dirty="0"/>
-              <a:t>3</a:t>
+              <a:rPr lang="en-US" altLang="ja-JP" dirty="0"/>
+              <a:t>4</a:t>
             </a:r>
             <a:endParaRPr kumimoji="1" lang="ja-JP" altLang="en-US"/>
           </a:p>
@@ -23032,73 +23222,12 @@
           <a:lstStyle/>
           <a:p>
             <a:r>
-              <a:rPr lang="ja-JP" altLang="en-US"/>
-              <a:t>実験結果</a:t>
-            </a:r>
-            <a:endParaRPr kumimoji="1" lang="ja-JP" altLang="en-US"/>
+              <a:rPr kumimoji="1" lang="ja-JP" altLang="en-US"/>
+              <a:t>考察</a:t>
+            </a:r>
           </a:p>
         </p:txBody>
       </p:sp>
-      <p:pic>
-        <p:nvPicPr>
-          <p:cNvPr id="31" name="図 30">
-            <a:extLst>
-              <a:ext uri="{FF2B5EF4-FFF2-40B4-BE49-F238E27FC236}">
-                <a16:creationId xmlns:a16="http://schemas.microsoft.com/office/drawing/2014/main" id="{061B6C64-EB6E-1049-B001-365B402371B9}"/>
-              </a:ext>
-            </a:extLst>
-          </p:cNvPr>
-          <p:cNvPicPr>
-            <a:picLocks noChangeAspect="1"/>
-          </p:cNvPicPr>
-          <p:nvPr/>
-        </p:nvPicPr>
-        <p:blipFill>
-          <a:blip r:embed="rId3"/>
-          <a:stretch>
-            <a:fillRect/>
-          </a:stretch>
-        </p:blipFill>
-        <p:spPr>
-          <a:xfrm>
-            <a:off x="1254486" y="8677383"/>
-            <a:ext cx="7920000" cy="4561520"/>
-          </a:xfrm>
-          <a:prstGeom prst="rect">
-            <a:avLst/>
-          </a:prstGeom>
-        </p:spPr>
-      </p:pic>
-      <p:pic>
-        <p:nvPicPr>
-          <p:cNvPr id="33" name="図 32">
-            <a:extLst>
-              <a:ext uri="{FF2B5EF4-FFF2-40B4-BE49-F238E27FC236}">
-                <a16:creationId xmlns:a16="http://schemas.microsoft.com/office/drawing/2014/main" id="{60AA3D5C-A433-0848-809D-0129548D2476}"/>
-              </a:ext>
-            </a:extLst>
-          </p:cNvPr>
-          <p:cNvPicPr>
-            <a:picLocks noChangeAspect="1"/>
-          </p:cNvPicPr>
-          <p:nvPr/>
-        </p:nvPicPr>
-        <p:blipFill>
-          <a:blip r:embed="rId4"/>
-          <a:stretch>
-            <a:fillRect/>
-          </a:stretch>
-        </p:blipFill>
-        <p:spPr>
-          <a:xfrm>
-            <a:off x="10461630" y="8673056"/>
-            <a:ext cx="6228000" cy="4526053"/>
-          </a:xfrm>
-          <a:prstGeom prst="rect">
-            <a:avLst/>
-          </a:prstGeom>
-        </p:spPr>
-      </p:pic>
       <p:grpSp>
         <p:nvGrpSpPr>
           <p:cNvPr id="35" name="グループ化 34">
@@ -23598,20 +23727,16 @@
           </a:lstStyle>
           <a:p>
             <a:r>
+              <a:rPr lang="ja-JP" altLang="en-US"/>
+              <a:t>エージェントの感情によって</a:t>
+            </a:r>
+            <a:r>
               <a:rPr lang="en-US" altLang="ja-JP" dirty="0"/>
-              <a:t>ANOVA(</a:t>
+              <a:t>demand difference</a:t>
             </a:r>
             <a:r>
               <a:rPr lang="ja-JP" altLang="en-US"/>
-              <a:t>分散分析</a:t>
-            </a:r>
-            <a:r>
-              <a:rPr lang="en-US" altLang="ja-JP" dirty="0"/>
-              <a:t>)</a:t>
-            </a:r>
-            <a:r>
-              <a:rPr lang="ja-JP" altLang="en-US"/>
-              <a:t>を使用して分析</a:t>
+              <a:t>が変化</a:t>
             </a:r>
             <a:endParaRPr lang="en-US" altLang="ja-JP" dirty="0"/>
           </a:p>
@@ -23811,37 +23936,8 @@
           <a:p>
             <a:r>
               <a:rPr lang="ja-JP" altLang="en-US"/>
-              <a:t>要因は感情</a:t>
-            </a:r>
-            <a:r>
-              <a:rPr lang="en-US" altLang="ja-JP" dirty="0"/>
-              <a:t>(</a:t>
-            </a:r>
-            <a:r>
-              <a:rPr lang="ja-JP" altLang="en-US"/>
-              <a:t>怒り・喜び・中立</a:t>
-            </a:r>
-            <a:r>
-              <a:rPr lang="en-US" altLang="ja-JP" dirty="0"/>
-              <a:t>)</a:t>
-            </a:r>
-            <a:r>
-              <a:rPr lang="ja-JP" altLang="en-US"/>
-              <a:t>と伝達方法</a:t>
-            </a:r>
-            <a:r>
-              <a:rPr lang="en-US" altLang="ja-JP" dirty="0"/>
-              <a:t>(</a:t>
-            </a:r>
-            <a:r>
-              <a:rPr lang="ja-JP" altLang="en-US"/>
-              <a:t>言語と非言語</a:t>
-            </a:r>
-            <a:r>
-              <a:rPr lang="en-US" altLang="ja-JP" dirty="0"/>
-              <a:t>)</a:t>
-            </a:r>
-            <a:endParaRPr lang="ja-JP" altLang="en-US"/>
+              <a:t>感情によって譲歩の度合いが異なる</a:t>
+            </a:r>
           </a:p>
         </p:txBody>
       </p:sp>
@@ -24360,328 +24456,7 @@
           <a:p>
             <a:r>
               <a:rPr lang="ja-JP" altLang="en-US"/>
-              <a:t>伝達方法には統計的有意差はみられなかった</a:t>
-            </a:r>
-            <a:endParaRPr lang="en-US" altLang="ja-JP" dirty="0"/>
-          </a:p>
-        </p:txBody>
-      </p:sp>
-      <p:grpSp>
-        <p:nvGrpSpPr>
-          <p:cNvPr id="51" name="グループ化 50">
-            <a:extLst>
-              <a:ext uri="{FF2B5EF4-FFF2-40B4-BE49-F238E27FC236}">
-                <a16:creationId xmlns:a16="http://schemas.microsoft.com/office/drawing/2014/main" id="{77D2C6B4-3111-014D-8AB2-C0255F7C4B6D}"/>
-              </a:ext>
-            </a:extLst>
-          </p:cNvPr>
-          <p:cNvGrpSpPr/>
-          <p:nvPr/>
-        </p:nvGrpSpPr>
-        <p:grpSpPr>
-          <a:xfrm>
-            <a:off x="617232" y="5712270"/>
-            <a:ext cx="539448" cy="487368"/>
-            <a:chOff x="400056" y="1061560"/>
-            <a:chExt cx="269724" cy="243684"/>
-          </a:xfrm>
-        </p:grpSpPr>
-        <p:sp>
-          <p:nvSpPr>
-            <p:cNvPr id="52" name="三角形 51">
-              <a:extLst>
-                <a:ext uri="{FF2B5EF4-FFF2-40B4-BE49-F238E27FC236}">
-                  <a16:creationId xmlns:a16="http://schemas.microsoft.com/office/drawing/2014/main" id="{8DC8DE29-3BF8-9443-8B99-773F5AEA90BA}"/>
-                </a:ext>
-              </a:extLst>
-            </p:cNvPr>
-            <p:cNvSpPr/>
-            <p:nvPr userDrawn="1"/>
-          </p:nvSpPr>
-          <p:spPr>
-            <a:xfrm rot="5400000">
-              <a:off x="359835" y="1105015"/>
-              <a:ext cx="240450" cy="160008"/>
-            </a:xfrm>
-            <a:prstGeom prst="triangle">
-              <a:avLst/>
-            </a:prstGeom>
-            <a:solidFill>
-              <a:schemeClr val="accent1"/>
-            </a:solidFill>
-            <a:ln>
-              <a:noFill/>
-            </a:ln>
-          </p:spPr>
-          <p:style>
-            <a:lnRef idx="0">
-              <a:scrgbClr r="0" g="0" b="0"/>
-            </a:lnRef>
-            <a:fillRef idx="0">
-              <a:scrgbClr r="0" g="0" b="0"/>
-            </a:fillRef>
-            <a:effectRef idx="0">
-              <a:scrgbClr r="0" g="0" b="0"/>
-            </a:effectRef>
-            <a:fontRef idx="minor">
-              <a:schemeClr val="lt1"/>
-            </a:fontRef>
-          </p:style>
-          <p:txBody>
-            <a:bodyPr rtlCol="0" anchor="ctr"/>
-            <a:lstStyle/>
-            <a:p>
-              <a:pPr algn="ctr"/>
-              <a:endParaRPr kumimoji="1" lang="ja-JP" altLang="en-US" sz="7200"/>
-            </a:p>
-          </p:txBody>
-        </p:sp>
-        <p:sp>
-          <p:nvSpPr>
-            <p:cNvPr id="53" name="三角形 52">
-              <a:extLst>
-                <a:ext uri="{FF2B5EF4-FFF2-40B4-BE49-F238E27FC236}">
-                  <a16:creationId xmlns:a16="http://schemas.microsoft.com/office/drawing/2014/main" id="{D094062C-EA47-1448-9156-D34D866E0EA7}"/>
-                </a:ext>
-              </a:extLst>
-            </p:cNvPr>
-            <p:cNvSpPr/>
-            <p:nvPr userDrawn="1"/>
-          </p:nvSpPr>
-          <p:spPr>
-            <a:xfrm rot="5400000">
-              <a:off x="469551" y="1101781"/>
-              <a:ext cx="240450" cy="160008"/>
-            </a:xfrm>
-            <a:prstGeom prst="triangle">
-              <a:avLst/>
-            </a:prstGeom>
-            <a:solidFill>
-              <a:schemeClr val="accent1"/>
-            </a:solidFill>
-            <a:ln>
-              <a:noFill/>
-            </a:ln>
-          </p:spPr>
-          <p:style>
-            <a:lnRef idx="0">
-              <a:scrgbClr r="0" g="0" b="0"/>
-            </a:lnRef>
-            <a:fillRef idx="0">
-              <a:scrgbClr r="0" g="0" b="0"/>
-            </a:fillRef>
-            <a:effectRef idx="0">
-              <a:scrgbClr r="0" g="0" b="0"/>
-            </a:effectRef>
-            <a:fontRef idx="minor">
-              <a:schemeClr val="lt1"/>
-            </a:fontRef>
-          </p:style>
-          <p:txBody>
-            <a:bodyPr rtlCol="0" anchor="ctr"/>
-            <a:lstStyle/>
-            <a:p>
-              <a:pPr algn="ctr"/>
-              <a:endParaRPr kumimoji="1" lang="ja-JP" altLang="en-US" sz="7200"/>
-            </a:p>
-          </p:txBody>
-        </p:sp>
-      </p:grpSp>
-      <p:sp>
-        <p:nvSpPr>
-          <p:cNvPr id="54" name="テキスト プレースホルダー 27">
-            <a:extLst>
-              <a:ext uri="{FF2B5EF4-FFF2-40B4-BE49-F238E27FC236}">
-                <a16:creationId xmlns:a16="http://schemas.microsoft.com/office/drawing/2014/main" id="{431EB3C7-61C1-004F-A912-56A5A7984221}"/>
-              </a:ext>
-            </a:extLst>
-          </p:cNvPr>
-          <p:cNvSpPr txBox="1">
-            <a:spLocks/>
-          </p:cNvSpPr>
-          <p:nvPr/>
-        </p:nvSpPr>
-        <p:spPr>
-          <a:xfrm>
-            <a:off x="1254486" y="5639645"/>
-            <a:ext cx="16632960" cy="997834"/>
-          </a:xfrm>
-          <a:prstGeom prst="rect">
-            <a:avLst/>
-          </a:prstGeom>
-        </p:spPr>
-        <p:txBody>
-          <a:bodyPr>
-            <a:normAutofit/>
-          </a:bodyPr>
-          <a:lstStyle>
-            <a:lvl1pPr marL="0" indent="0" algn="l" defTabSz="1828800" rtl="0" eaLnBrk="1" latinLnBrk="0" hangingPunct="1">
-              <a:lnSpc>
-                <a:spcPct val="90000"/>
-              </a:lnSpc>
-              <a:spcBef>
-                <a:spcPts val="2000"/>
-              </a:spcBef>
-              <a:buFont typeface="Arial" panose="020B0604020202020204" pitchFamily="34" charset="0"/>
-              <a:buNone/>
-              <a:defRPr kumimoji="1" sz="4800" kern="1200">
-                <a:solidFill>
-                  <a:srgbClr val="424242"/>
-                </a:solidFill>
-                <a:latin typeface="+mn-lt"/>
-                <a:ea typeface="+mn-ea"/>
-                <a:cs typeface="+mn-cs"/>
-              </a:defRPr>
-            </a:lvl1pPr>
-            <a:lvl2pPr marL="1371600" indent="-457200" algn="l" defTabSz="1828800" rtl="0" eaLnBrk="1" latinLnBrk="0" hangingPunct="1">
-              <a:lnSpc>
-                <a:spcPct val="90000"/>
-              </a:lnSpc>
-              <a:spcBef>
-                <a:spcPts val="1000"/>
-              </a:spcBef>
-              <a:buFont typeface="Arial" panose="020B0604020202020204" pitchFamily="34" charset="0"/>
-              <a:buChar char="•"/>
-              <a:defRPr kumimoji="1" sz="4800" kern="1200">
-                <a:solidFill>
-                  <a:schemeClr val="tx1"/>
-                </a:solidFill>
-                <a:latin typeface="+mn-lt"/>
-                <a:ea typeface="+mn-ea"/>
-                <a:cs typeface="+mn-cs"/>
-              </a:defRPr>
-            </a:lvl2pPr>
-            <a:lvl3pPr marL="2286000" indent="-457200" algn="l" defTabSz="1828800" rtl="0" eaLnBrk="1" latinLnBrk="0" hangingPunct="1">
-              <a:lnSpc>
-                <a:spcPct val="90000"/>
-              </a:lnSpc>
-              <a:spcBef>
-                <a:spcPts val="1000"/>
-              </a:spcBef>
-              <a:buFont typeface="Arial" panose="020B0604020202020204" pitchFamily="34" charset="0"/>
-              <a:buChar char="•"/>
-              <a:defRPr kumimoji="1" sz="4000" kern="1200">
-                <a:solidFill>
-                  <a:schemeClr val="tx1"/>
-                </a:solidFill>
-                <a:latin typeface="+mn-lt"/>
-                <a:ea typeface="+mn-ea"/>
-                <a:cs typeface="+mn-cs"/>
-              </a:defRPr>
-            </a:lvl3pPr>
-            <a:lvl4pPr marL="3200400" indent="-457200" algn="l" defTabSz="1828800" rtl="0" eaLnBrk="1" latinLnBrk="0" hangingPunct="1">
-              <a:lnSpc>
-                <a:spcPct val="90000"/>
-              </a:lnSpc>
-              <a:spcBef>
-                <a:spcPts val="1000"/>
-              </a:spcBef>
-              <a:buFont typeface="Arial" panose="020B0604020202020204" pitchFamily="34" charset="0"/>
-              <a:buChar char="•"/>
-              <a:defRPr kumimoji="1" sz="3600" kern="1200">
-                <a:solidFill>
-                  <a:schemeClr val="tx1"/>
-                </a:solidFill>
-                <a:latin typeface="+mn-lt"/>
-                <a:ea typeface="+mn-ea"/>
-                <a:cs typeface="+mn-cs"/>
-              </a:defRPr>
-            </a:lvl4pPr>
-            <a:lvl5pPr marL="4114800" indent="-457200" algn="l" defTabSz="1828800" rtl="0" eaLnBrk="1" latinLnBrk="0" hangingPunct="1">
-              <a:lnSpc>
-                <a:spcPct val="90000"/>
-              </a:lnSpc>
-              <a:spcBef>
-                <a:spcPts val="1000"/>
-              </a:spcBef>
-              <a:buFont typeface="Arial" panose="020B0604020202020204" pitchFamily="34" charset="0"/>
-              <a:buChar char="•"/>
-              <a:defRPr kumimoji="1" sz="3600" kern="1200">
-                <a:solidFill>
-                  <a:schemeClr val="tx1"/>
-                </a:solidFill>
-                <a:latin typeface="+mn-lt"/>
-                <a:ea typeface="+mn-ea"/>
-                <a:cs typeface="+mn-cs"/>
-              </a:defRPr>
-            </a:lvl5pPr>
-            <a:lvl6pPr marL="5029200" indent="-457200" algn="l" defTabSz="1828800" rtl="0" eaLnBrk="1" latinLnBrk="0" hangingPunct="1">
-              <a:lnSpc>
-                <a:spcPct val="90000"/>
-              </a:lnSpc>
-              <a:spcBef>
-                <a:spcPts val="1000"/>
-              </a:spcBef>
-              <a:buFont typeface="Arial" panose="020B0604020202020204" pitchFamily="34" charset="0"/>
-              <a:buChar char="•"/>
-              <a:defRPr kumimoji="1" sz="3600" kern="1200">
-                <a:solidFill>
-                  <a:schemeClr val="tx1"/>
-                </a:solidFill>
-                <a:latin typeface="+mn-lt"/>
-                <a:ea typeface="+mn-ea"/>
-                <a:cs typeface="+mn-cs"/>
-              </a:defRPr>
-            </a:lvl6pPr>
-            <a:lvl7pPr marL="5943600" indent="-457200" algn="l" defTabSz="1828800" rtl="0" eaLnBrk="1" latinLnBrk="0" hangingPunct="1">
-              <a:lnSpc>
-                <a:spcPct val="90000"/>
-              </a:lnSpc>
-              <a:spcBef>
-                <a:spcPts val="1000"/>
-              </a:spcBef>
-              <a:buFont typeface="Arial" panose="020B0604020202020204" pitchFamily="34" charset="0"/>
-              <a:buChar char="•"/>
-              <a:defRPr kumimoji="1" sz="3600" kern="1200">
-                <a:solidFill>
-                  <a:schemeClr val="tx1"/>
-                </a:solidFill>
-                <a:latin typeface="+mn-lt"/>
-                <a:ea typeface="+mn-ea"/>
-                <a:cs typeface="+mn-cs"/>
-              </a:defRPr>
-            </a:lvl7pPr>
-            <a:lvl8pPr marL="6858000" indent="-457200" algn="l" defTabSz="1828800" rtl="0" eaLnBrk="1" latinLnBrk="0" hangingPunct="1">
-              <a:lnSpc>
-                <a:spcPct val="90000"/>
-              </a:lnSpc>
-              <a:spcBef>
-                <a:spcPts val="1000"/>
-              </a:spcBef>
-              <a:buFont typeface="Arial" panose="020B0604020202020204" pitchFamily="34" charset="0"/>
-              <a:buChar char="•"/>
-              <a:defRPr kumimoji="1" sz="3600" kern="1200">
-                <a:solidFill>
-                  <a:schemeClr val="tx1"/>
-                </a:solidFill>
-                <a:latin typeface="+mn-lt"/>
-                <a:ea typeface="+mn-ea"/>
-                <a:cs typeface="+mn-cs"/>
-              </a:defRPr>
-            </a:lvl8pPr>
-            <a:lvl9pPr marL="7772400" indent="-457200" algn="l" defTabSz="1828800" rtl="0" eaLnBrk="1" latinLnBrk="0" hangingPunct="1">
-              <a:lnSpc>
-                <a:spcPct val="90000"/>
-              </a:lnSpc>
-              <a:spcBef>
-                <a:spcPts val="1000"/>
-              </a:spcBef>
-              <a:buFont typeface="Arial" panose="020B0604020202020204" pitchFamily="34" charset="0"/>
-              <a:buChar char="•"/>
-              <a:defRPr kumimoji="1" sz="3600" kern="1200">
-                <a:solidFill>
-                  <a:schemeClr val="tx1"/>
-                </a:solidFill>
-                <a:latin typeface="+mn-lt"/>
-                <a:ea typeface="+mn-ea"/>
-                <a:cs typeface="+mn-cs"/>
-              </a:defRPr>
-            </a:lvl9pPr>
-          </a:lstStyle>
-          <a:p>
-            <a:r>
-              <a:rPr lang="ja-JP" altLang="en-US"/>
-              <a:t>感情には統計的有意差がみられた</a:t>
+              <a:t>人間同士の交渉では感情が影響を与える</a:t>
             </a:r>
             <a:endParaRPr lang="en-US" altLang="ja-JP" dirty="0"/>
           </a:p>
@@ -24931,17 +24706,17 @@
           <a:p>
             <a:r>
               <a:rPr lang="ja-JP" altLang="en-US"/>
-              <a:t>テキストであっても表情と同程度感情を伝達する</a:t>
+              <a:t>エージェントと人間との交渉でも感情が影響を与えることを確認</a:t>
             </a:r>
           </a:p>
         </p:txBody>
       </p:sp>
       <p:grpSp>
         <p:nvGrpSpPr>
-          <p:cNvPr id="63" name="グループ化 62">
+          <p:cNvPr id="9" name="グループ化 8">
             <a:extLst>
               <a:ext uri="{FF2B5EF4-FFF2-40B4-BE49-F238E27FC236}">
-                <a16:creationId xmlns:a16="http://schemas.microsoft.com/office/drawing/2014/main" id="{95D72EB3-F955-8C44-8B67-FDAD1F0BC4B9}"/>
+                <a16:creationId xmlns:a16="http://schemas.microsoft.com/office/drawing/2014/main" id="{4350BB52-9BEE-E244-BCEE-8D80F929346E}"/>
               </a:ext>
             </a:extLst>
           </p:cNvPr>
@@ -24950,7 +24725,1296 @@
         </p:nvGrpSpPr>
         <p:grpSpPr>
           <a:xfrm>
-            <a:off x="617232" y="7314786"/>
+            <a:off x="571049" y="7433817"/>
+            <a:ext cx="17273779" cy="5347792"/>
+            <a:chOff x="571049" y="7433817"/>
+            <a:chExt cx="17273779" cy="5347792"/>
+          </a:xfrm>
+        </p:grpSpPr>
+        <p:grpSp>
+          <p:nvGrpSpPr>
+            <p:cNvPr id="43" name="グループ化 42">
+              <a:extLst>
+                <a:ext uri="{FF2B5EF4-FFF2-40B4-BE49-F238E27FC236}">
+                  <a16:creationId xmlns:a16="http://schemas.microsoft.com/office/drawing/2014/main" id="{20A0C924-8D33-B94D-88F7-75B2DF9A8C0F}"/>
+                </a:ext>
+              </a:extLst>
+            </p:cNvPr>
+            <p:cNvGrpSpPr/>
+            <p:nvPr/>
+          </p:nvGrpSpPr>
+          <p:grpSpPr>
+            <a:xfrm>
+              <a:off x="3544736" y="9020201"/>
+              <a:ext cx="11198527" cy="3761408"/>
+              <a:chOff x="3506678" y="8239275"/>
+              <a:chExt cx="11198527" cy="3761408"/>
+            </a:xfrm>
+          </p:grpSpPr>
+          <p:grpSp>
+            <p:nvGrpSpPr>
+              <p:cNvPr id="44" name="グループ化 43">
+                <a:extLst>
+                  <a:ext uri="{FF2B5EF4-FFF2-40B4-BE49-F238E27FC236}">
+                    <a16:creationId xmlns:a16="http://schemas.microsoft.com/office/drawing/2014/main" id="{CB38C342-DCBA-8E42-A89A-36800460040D}"/>
+                  </a:ext>
+                </a:extLst>
+              </p:cNvPr>
+              <p:cNvGrpSpPr/>
+              <p:nvPr/>
+            </p:nvGrpSpPr>
+            <p:grpSpPr>
+              <a:xfrm>
+                <a:off x="4535379" y="8239275"/>
+                <a:ext cx="9217242" cy="1952773"/>
+                <a:chOff x="1978725" y="8532573"/>
+                <a:chExt cx="9217242" cy="1952773"/>
+              </a:xfrm>
+            </p:grpSpPr>
+            <p:grpSp>
+              <p:nvGrpSpPr>
+                <p:cNvPr id="59" name="グループ化 58">
+                  <a:extLst>
+                    <a:ext uri="{FF2B5EF4-FFF2-40B4-BE49-F238E27FC236}">
+                      <a16:creationId xmlns:a16="http://schemas.microsoft.com/office/drawing/2014/main" id="{BEDCE5AE-CF8C-6540-BB7A-AD0F66406040}"/>
+                    </a:ext>
+                  </a:extLst>
+                </p:cNvPr>
+                <p:cNvGrpSpPr/>
+                <p:nvPr/>
+              </p:nvGrpSpPr>
+              <p:grpSpPr>
+                <a:xfrm>
+                  <a:off x="1978725" y="8538153"/>
+                  <a:ext cx="2057400" cy="1947193"/>
+                  <a:chOff x="2143691" y="8532574"/>
+                  <a:chExt cx="2057400" cy="1947193"/>
+                </a:xfrm>
+              </p:grpSpPr>
+              <p:sp>
+                <p:nvSpPr>
+                  <p:cNvPr id="76" name="スマイル 75">
+                    <a:extLst>
+                      <a:ext uri="{FF2B5EF4-FFF2-40B4-BE49-F238E27FC236}">
+                        <a16:creationId xmlns:a16="http://schemas.microsoft.com/office/drawing/2014/main" id="{D59C3766-623B-B64D-8B8F-C289089B0BE8}"/>
+                      </a:ext>
+                    </a:extLst>
+                  </p:cNvPr>
+                  <p:cNvSpPr/>
+                  <p:nvPr/>
+                </p:nvSpPr>
+                <p:spPr>
+                  <a:xfrm>
+                    <a:off x="2576090" y="8532574"/>
+                    <a:ext cx="1192602" cy="1104181"/>
+                  </a:xfrm>
+                  <a:prstGeom prst="smileyFace">
+                    <a:avLst>
+                      <a:gd name="adj" fmla="val -4653"/>
+                    </a:avLst>
+                  </a:prstGeom>
+                  <a:noFill/>
+                  <a:ln w="38100">
+                    <a:solidFill>
+                      <a:schemeClr val="accent1"/>
+                    </a:solidFill>
+                  </a:ln>
+                </p:spPr>
+                <p:style>
+                  <a:lnRef idx="2">
+                    <a:schemeClr val="accent1">
+                      <a:shade val="50000"/>
+                    </a:schemeClr>
+                  </a:lnRef>
+                  <a:fillRef idx="1">
+                    <a:schemeClr val="accent1"/>
+                  </a:fillRef>
+                  <a:effectRef idx="0">
+                    <a:schemeClr val="accent1"/>
+                  </a:effectRef>
+                  <a:fontRef idx="minor">
+                    <a:schemeClr val="lt1"/>
+                  </a:fontRef>
+                </p:style>
+                <p:txBody>
+                  <a:bodyPr rtlCol="0" anchor="ctr"/>
+                  <a:lstStyle/>
+                  <a:p>
+                    <a:pPr algn="ctr"/>
+                    <a:endParaRPr kumimoji="1" lang="ja-JP" altLang="en-US">
+                      <a:solidFill>
+                        <a:schemeClr val="bg2"/>
+                      </a:solidFill>
+                    </a:endParaRPr>
+                  </a:p>
+                </p:txBody>
+              </p:sp>
+              <p:sp>
+                <p:nvSpPr>
+                  <p:cNvPr id="77" name="テキスト ボックス 76">
+                    <a:extLst>
+                      <a:ext uri="{FF2B5EF4-FFF2-40B4-BE49-F238E27FC236}">
+                        <a16:creationId xmlns:a16="http://schemas.microsoft.com/office/drawing/2014/main" id="{BAFFE0E9-D138-E743-9337-83D227060B17}"/>
+                      </a:ext>
+                    </a:extLst>
+                  </p:cNvPr>
+                  <p:cNvSpPr txBox="1"/>
+                  <p:nvPr/>
+                </p:nvSpPr>
+                <p:spPr>
+                  <a:xfrm>
+                    <a:off x="2143691" y="9831546"/>
+                    <a:ext cx="2057400" cy="648221"/>
+                  </a:xfrm>
+                  <a:prstGeom prst="rect">
+                    <a:avLst/>
+                  </a:prstGeom>
+                  <a:noFill/>
+                </p:spPr>
+                <p:txBody>
+                  <a:bodyPr wrap="square" rtlCol="0">
+                    <a:spAutoFit/>
+                  </a:bodyPr>
+                  <a:lstStyle/>
+                  <a:p>
+                    <a:pPr algn="ctr"/>
+                    <a:r>
+                      <a:rPr kumimoji="1" lang="en-US" altLang="ja-JP" dirty="0"/>
+                      <a:t>angry</a:t>
+                    </a:r>
+                    <a:endParaRPr kumimoji="1" lang="ja-JP" altLang="en-US"/>
+                  </a:p>
+                </p:txBody>
+              </p:sp>
+            </p:grpSp>
+            <p:grpSp>
+              <p:nvGrpSpPr>
+                <p:cNvPr id="60" name="グループ化 59">
+                  <a:extLst>
+                    <a:ext uri="{FF2B5EF4-FFF2-40B4-BE49-F238E27FC236}">
+                      <a16:creationId xmlns:a16="http://schemas.microsoft.com/office/drawing/2014/main" id="{226C91A1-C8D1-264F-A587-4321DCCE72B2}"/>
+                    </a:ext>
+                  </a:extLst>
+                </p:cNvPr>
+                <p:cNvGrpSpPr/>
+                <p:nvPr/>
+              </p:nvGrpSpPr>
+              <p:grpSpPr>
+                <a:xfrm>
+                  <a:off x="5558646" y="8532574"/>
+                  <a:ext cx="2057400" cy="1947192"/>
+                  <a:chOff x="5558646" y="8532574"/>
+                  <a:chExt cx="2057400" cy="1947192"/>
+                </a:xfrm>
+              </p:grpSpPr>
+              <p:sp>
+                <p:nvSpPr>
+                  <p:cNvPr id="74" name="スマイル 73">
+                    <a:extLst>
+                      <a:ext uri="{FF2B5EF4-FFF2-40B4-BE49-F238E27FC236}">
+                        <a16:creationId xmlns:a16="http://schemas.microsoft.com/office/drawing/2014/main" id="{82DF510F-97A7-E944-A3F6-54E4DD89A149}"/>
+                      </a:ext>
+                    </a:extLst>
+                  </p:cNvPr>
+                  <p:cNvSpPr/>
+                  <p:nvPr/>
+                </p:nvSpPr>
+                <p:spPr>
+                  <a:xfrm>
+                    <a:off x="5991045" y="8532574"/>
+                    <a:ext cx="1192602" cy="1104181"/>
+                  </a:xfrm>
+                  <a:prstGeom prst="smileyFace">
+                    <a:avLst>
+                      <a:gd name="adj" fmla="val -35"/>
+                    </a:avLst>
+                  </a:prstGeom>
+                  <a:noFill/>
+                  <a:ln w="38100">
+                    <a:solidFill>
+                      <a:schemeClr val="accent1"/>
+                    </a:solidFill>
+                  </a:ln>
+                </p:spPr>
+                <p:style>
+                  <a:lnRef idx="2">
+                    <a:schemeClr val="accent1">
+                      <a:shade val="50000"/>
+                    </a:schemeClr>
+                  </a:lnRef>
+                  <a:fillRef idx="1">
+                    <a:schemeClr val="accent1"/>
+                  </a:fillRef>
+                  <a:effectRef idx="0">
+                    <a:schemeClr val="accent1"/>
+                  </a:effectRef>
+                  <a:fontRef idx="minor">
+                    <a:schemeClr val="lt1"/>
+                  </a:fontRef>
+                </p:style>
+                <p:txBody>
+                  <a:bodyPr rtlCol="0" anchor="ctr"/>
+                  <a:lstStyle/>
+                  <a:p>
+                    <a:pPr algn="ctr"/>
+                    <a:endParaRPr kumimoji="1" lang="ja-JP" altLang="en-US">
+                      <a:solidFill>
+                        <a:schemeClr val="bg2"/>
+                      </a:solidFill>
+                    </a:endParaRPr>
+                  </a:p>
+                </p:txBody>
+              </p:sp>
+              <p:sp>
+                <p:nvSpPr>
+                  <p:cNvPr id="75" name="テキスト ボックス 74">
+                    <a:extLst>
+                      <a:ext uri="{FF2B5EF4-FFF2-40B4-BE49-F238E27FC236}">
+                        <a16:creationId xmlns:a16="http://schemas.microsoft.com/office/drawing/2014/main" id="{A4D6CF7C-926F-FE40-A8C3-652567FCFA70}"/>
+                      </a:ext>
+                    </a:extLst>
+                  </p:cNvPr>
+                  <p:cNvSpPr txBox="1"/>
+                  <p:nvPr/>
+                </p:nvSpPr>
+                <p:spPr>
+                  <a:xfrm>
+                    <a:off x="5558646" y="9831545"/>
+                    <a:ext cx="2057400" cy="648221"/>
+                  </a:xfrm>
+                  <a:prstGeom prst="rect">
+                    <a:avLst/>
+                  </a:prstGeom>
+                  <a:noFill/>
+                </p:spPr>
+                <p:txBody>
+                  <a:bodyPr wrap="square" rtlCol="0">
+                    <a:spAutoFit/>
+                  </a:bodyPr>
+                  <a:lstStyle/>
+                  <a:p>
+                    <a:pPr algn="ctr"/>
+                    <a:r>
+                      <a:rPr lang="en-US" altLang="ja-JP" dirty="0"/>
+                      <a:t>neutral</a:t>
+                    </a:r>
+                    <a:endParaRPr kumimoji="1" lang="ja-JP" altLang="en-US"/>
+                  </a:p>
+                </p:txBody>
+              </p:sp>
+            </p:grpSp>
+            <p:grpSp>
+              <p:nvGrpSpPr>
+                <p:cNvPr id="71" name="グループ化 70">
+                  <a:extLst>
+                    <a:ext uri="{FF2B5EF4-FFF2-40B4-BE49-F238E27FC236}">
+                      <a16:creationId xmlns:a16="http://schemas.microsoft.com/office/drawing/2014/main" id="{3EF42AEF-C143-254A-BB39-AE142D069F95}"/>
+                    </a:ext>
+                  </a:extLst>
+                </p:cNvPr>
+                <p:cNvGrpSpPr/>
+                <p:nvPr/>
+              </p:nvGrpSpPr>
+              <p:grpSpPr>
+                <a:xfrm>
+                  <a:off x="9138567" y="8532573"/>
+                  <a:ext cx="2057400" cy="1947192"/>
+                  <a:chOff x="9138567" y="8532573"/>
+                  <a:chExt cx="2057400" cy="1947192"/>
+                </a:xfrm>
+              </p:grpSpPr>
+              <p:sp>
+                <p:nvSpPr>
+                  <p:cNvPr id="72" name="スマイル 71">
+                    <a:extLst>
+                      <a:ext uri="{FF2B5EF4-FFF2-40B4-BE49-F238E27FC236}">
+                        <a16:creationId xmlns:a16="http://schemas.microsoft.com/office/drawing/2014/main" id="{8F7030EA-165F-674C-B929-7BB39E8A394F}"/>
+                      </a:ext>
+                    </a:extLst>
+                  </p:cNvPr>
+                  <p:cNvSpPr/>
+                  <p:nvPr/>
+                </p:nvSpPr>
+                <p:spPr>
+                  <a:xfrm>
+                    <a:off x="9570966" y="8532573"/>
+                    <a:ext cx="1192602" cy="1104181"/>
+                  </a:xfrm>
+                  <a:prstGeom prst="smileyFace">
+                    <a:avLst>
+                      <a:gd name="adj" fmla="val 4653"/>
+                    </a:avLst>
+                  </a:prstGeom>
+                  <a:noFill/>
+                  <a:ln w="38100">
+                    <a:solidFill>
+                      <a:schemeClr val="accent1"/>
+                    </a:solidFill>
+                  </a:ln>
+                </p:spPr>
+                <p:style>
+                  <a:lnRef idx="2">
+                    <a:schemeClr val="accent1">
+                      <a:shade val="50000"/>
+                    </a:schemeClr>
+                  </a:lnRef>
+                  <a:fillRef idx="1">
+                    <a:schemeClr val="accent1"/>
+                  </a:fillRef>
+                  <a:effectRef idx="0">
+                    <a:schemeClr val="accent1"/>
+                  </a:effectRef>
+                  <a:fontRef idx="minor">
+                    <a:schemeClr val="lt1"/>
+                  </a:fontRef>
+                </p:style>
+                <p:txBody>
+                  <a:bodyPr rtlCol="0" anchor="ctr"/>
+                  <a:lstStyle/>
+                  <a:p>
+                    <a:pPr algn="ctr"/>
+                    <a:endParaRPr kumimoji="1" lang="ja-JP" altLang="en-US">
+                      <a:solidFill>
+                        <a:schemeClr val="bg2"/>
+                      </a:solidFill>
+                    </a:endParaRPr>
+                  </a:p>
+                </p:txBody>
+              </p:sp>
+              <p:sp>
+                <p:nvSpPr>
+                  <p:cNvPr id="73" name="テキスト ボックス 72">
+                    <a:extLst>
+                      <a:ext uri="{FF2B5EF4-FFF2-40B4-BE49-F238E27FC236}">
+                        <a16:creationId xmlns:a16="http://schemas.microsoft.com/office/drawing/2014/main" id="{32D835FA-13BC-0A46-BAFF-501A5BAE03F0}"/>
+                      </a:ext>
+                    </a:extLst>
+                  </p:cNvPr>
+                  <p:cNvSpPr txBox="1"/>
+                  <p:nvPr/>
+                </p:nvSpPr>
+                <p:spPr>
+                  <a:xfrm>
+                    <a:off x="9138567" y="9831544"/>
+                    <a:ext cx="2057400" cy="648221"/>
+                  </a:xfrm>
+                  <a:prstGeom prst="rect">
+                    <a:avLst/>
+                  </a:prstGeom>
+                  <a:noFill/>
+                </p:spPr>
+                <p:txBody>
+                  <a:bodyPr wrap="square" rtlCol="0">
+                    <a:spAutoFit/>
+                  </a:bodyPr>
+                  <a:lstStyle/>
+                  <a:p>
+                    <a:pPr algn="ctr"/>
+                    <a:r>
+                      <a:rPr kumimoji="1" lang="en-US" altLang="ja-JP" dirty="0"/>
+                      <a:t>happy</a:t>
+                    </a:r>
+                    <a:endParaRPr kumimoji="1" lang="ja-JP" altLang="en-US"/>
+                  </a:p>
+                </p:txBody>
+              </p:sp>
+            </p:grpSp>
+          </p:grpSp>
+          <p:sp>
+            <p:nvSpPr>
+              <p:cNvPr id="55" name="右矢印 54">
+                <a:extLst>
+                  <a:ext uri="{FF2B5EF4-FFF2-40B4-BE49-F238E27FC236}">
+                    <a16:creationId xmlns:a16="http://schemas.microsoft.com/office/drawing/2014/main" id="{307B3658-0979-1C4B-A0F9-E586185E5A29}"/>
+                  </a:ext>
+                </a:extLst>
+              </p:cNvPr>
+              <p:cNvSpPr/>
+              <p:nvPr/>
+            </p:nvSpPr>
+            <p:spPr>
+              <a:xfrm flipH="1">
+                <a:off x="4535378" y="10563435"/>
+                <a:ext cx="9217241" cy="785954"/>
+              </a:xfrm>
+              <a:prstGeom prst="rightArrow">
+                <a:avLst/>
+              </a:prstGeom>
+              <a:ln>
+                <a:noFill/>
+              </a:ln>
+            </p:spPr>
+            <p:style>
+              <a:lnRef idx="2">
+                <a:schemeClr val="accent1">
+                  <a:shade val="50000"/>
+                </a:schemeClr>
+              </a:lnRef>
+              <a:fillRef idx="1">
+                <a:schemeClr val="accent1"/>
+              </a:fillRef>
+              <a:effectRef idx="0">
+                <a:schemeClr val="accent1"/>
+              </a:effectRef>
+              <a:fontRef idx="minor">
+                <a:schemeClr val="lt1"/>
+              </a:fontRef>
+            </p:style>
+            <p:txBody>
+              <a:bodyPr rtlCol="0" anchor="ctr"/>
+              <a:lstStyle/>
+              <a:p>
+                <a:pPr algn="ctr"/>
+                <a:endParaRPr kumimoji="1" lang="ja-JP" altLang="en-US">
+                  <a:solidFill>
+                    <a:schemeClr val="bg2"/>
+                  </a:solidFill>
+                </a:endParaRPr>
+              </a:p>
+            </p:txBody>
+          </p:sp>
+          <p:sp>
+            <p:nvSpPr>
+              <p:cNvPr id="56" name="テキスト ボックス 55">
+                <a:extLst>
+                  <a:ext uri="{FF2B5EF4-FFF2-40B4-BE49-F238E27FC236}">
+                    <a16:creationId xmlns:a16="http://schemas.microsoft.com/office/drawing/2014/main" id="{644F1DBF-AB40-2344-AD9D-89CEEA11A1C5}"/>
+                  </a:ext>
+                </a:extLst>
+              </p:cNvPr>
+              <p:cNvSpPr txBox="1"/>
+              <p:nvPr/>
+            </p:nvSpPr>
+            <p:spPr>
+              <a:xfrm>
+                <a:off x="3506678" y="11332091"/>
+                <a:ext cx="2057400" cy="648221"/>
+              </a:xfrm>
+              <a:prstGeom prst="rect">
+                <a:avLst/>
+              </a:prstGeom>
+              <a:noFill/>
+            </p:spPr>
+            <p:txBody>
+              <a:bodyPr wrap="square" rtlCol="0">
+                <a:spAutoFit/>
+              </a:bodyPr>
+              <a:lstStyle/>
+              <a:p>
+                <a:pPr algn="ctr"/>
+                <a:r>
+                  <a:rPr lang="ja-JP" altLang="en-US"/>
+                  <a:t>大</a:t>
+                </a:r>
+                <a:endParaRPr kumimoji="1" lang="ja-JP" altLang="en-US"/>
+              </a:p>
+            </p:txBody>
+          </p:sp>
+          <p:sp>
+            <p:nvSpPr>
+              <p:cNvPr id="57" name="テキスト ボックス 56">
+                <a:extLst>
+                  <a:ext uri="{FF2B5EF4-FFF2-40B4-BE49-F238E27FC236}">
+                    <a16:creationId xmlns:a16="http://schemas.microsoft.com/office/drawing/2014/main" id="{EB3E4FA0-4887-B74A-A235-E240613E3D89}"/>
+                  </a:ext>
+                </a:extLst>
+              </p:cNvPr>
+              <p:cNvSpPr txBox="1"/>
+              <p:nvPr/>
+            </p:nvSpPr>
+            <p:spPr>
+              <a:xfrm>
+                <a:off x="12647805" y="11332091"/>
+                <a:ext cx="2057400" cy="648221"/>
+              </a:xfrm>
+              <a:prstGeom prst="rect">
+                <a:avLst/>
+              </a:prstGeom>
+              <a:noFill/>
+            </p:spPr>
+            <p:txBody>
+              <a:bodyPr wrap="square" rtlCol="0">
+                <a:spAutoFit/>
+              </a:bodyPr>
+              <a:lstStyle/>
+              <a:p>
+                <a:pPr algn="ctr"/>
+                <a:r>
+                  <a:rPr kumimoji="1" lang="ja-JP" altLang="en-US"/>
+                  <a:t>小</a:t>
+                </a:r>
+              </a:p>
+            </p:txBody>
+          </p:sp>
+          <p:sp>
+            <p:nvSpPr>
+              <p:cNvPr id="58" name="テキスト ボックス 57">
+                <a:extLst>
+                  <a:ext uri="{FF2B5EF4-FFF2-40B4-BE49-F238E27FC236}">
+                    <a16:creationId xmlns:a16="http://schemas.microsoft.com/office/drawing/2014/main" id="{ED129EAA-6074-8140-935A-953A7F53456B}"/>
+                  </a:ext>
+                </a:extLst>
+              </p:cNvPr>
+              <p:cNvSpPr txBox="1"/>
+              <p:nvPr/>
+            </p:nvSpPr>
+            <p:spPr>
+              <a:xfrm>
+                <a:off x="6718380" y="11292797"/>
+                <a:ext cx="4851241" cy="707886"/>
+              </a:xfrm>
+              <a:prstGeom prst="rect">
+                <a:avLst/>
+              </a:prstGeom>
+              <a:noFill/>
+            </p:spPr>
+            <p:txBody>
+              <a:bodyPr wrap="square" rtlCol="0">
+                <a:spAutoFit/>
+              </a:bodyPr>
+              <a:lstStyle/>
+              <a:p>
+                <a:pPr algn="ctr"/>
+                <a:r>
+                  <a:rPr kumimoji="1" lang="en-US" altLang="ja-JP" sz="4000" dirty="0"/>
+                  <a:t>demand difference</a:t>
+                </a:r>
+                <a:endParaRPr kumimoji="1" lang="ja-JP" altLang="en-US" sz="4000"/>
+              </a:p>
+            </p:txBody>
+          </p:sp>
+        </p:grpSp>
+        <p:sp>
+          <p:nvSpPr>
+            <p:cNvPr id="7" name="角丸四角形吹き出し 6">
+              <a:extLst>
+                <a:ext uri="{FF2B5EF4-FFF2-40B4-BE49-F238E27FC236}">
+                  <a16:creationId xmlns:a16="http://schemas.microsoft.com/office/drawing/2014/main" id="{427C2687-A324-F24E-94F1-399096AC0EF2}"/>
+                </a:ext>
+              </a:extLst>
+            </p:cNvPr>
+            <p:cNvSpPr/>
+            <p:nvPr/>
+          </p:nvSpPr>
+          <p:spPr>
+            <a:xfrm>
+              <a:off x="571049" y="7433818"/>
+              <a:ext cx="4294249" cy="1639019"/>
+            </a:xfrm>
+            <a:prstGeom prst="wedgeRoundRectCallout">
+              <a:avLst>
+                <a:gd name="adj1" fmla="val 56557"/>
+                <a:gd name="adj2" fmla="val 43589"/>
+                <a:gd name="adj3" fmla="val 16667"/>
+              </a:avLst>
+            </a:prstGeom>
+            <a:ln>
+              <a:noFill/>
+            </a:ln>
+          </p:spPr>
+          <p:style>
+            <a:lnRef idx="2">
+              <a:schemeClr val="accent1">
+                <a:shade val="50000"/>
+              </a:schemeClr>
+            </a:lnRef>
+            <a:fillRef idx="1">
+              <a:schemeClr val="accent1"/>
+            </a:fillRef>
+            <a:effectRef idx="0">
+              <a:schemeClr val="accent1"/>
+            </a:effectRef>
+            <a:fontRef idx="minor">
+              <a:schemeClr val="lt1"/>
+            </a:fontRef>
+          </p:style>
+          <p:txBody>
+            <a:bodyPr rtlCol="0" anchor="ctr"/>
+            <a:lstStyle/>
+            <a:p>
+              <a:pPr algn="ctr"/>
+              <a:r>
+                <a:rPr kumimoji="1" lang="ja-JP" altLang="en-US">
+                  <a:solidFill>
+                    <a:schemeClr val="bg2"/>
+                  </a:solidFill>
+                </a:rPr>
+                <a:t>交渉が決裂する</a:t>
+              </a:r>
+              <a:endParaRPr kumimoji="1" lang="en-US" altLang="ja-JP" dirty="0">
+                <a:solidFill>
+                  <a:schemeClr val="bg2"/>
+                </a:solidFill>
+              </a:endParaRPr>
+            </a:p>
+            <a:p>
+              <a:pPr algn="ctr"/>
+              <a:r>
+                <a:rPr kumimoji="1" lang="ja-JP" altLang="en-US">
+                  <a:solidFill>
+                    <a:schemeClr val="bg2"/>
+                  </a:solidFill>
+                </a:rPr>
+                <a:t>可能性がある</a:t>
+              </a:r>
+            </a:p>
+          </p:txBody>
+        </p:sp>
+        <p:sp>
+          <p:nvSpPr>
+            <p:cNvPr id="78" name="角丸四角形吹き出し 77">
+              <a:extLst>
+                <a:ext uri="{FF2B5EF4-FFF2-40B4-BE49-F238E27FC236}">
+                  <a16:creationId xmlns:a16="http://schemas.microsoft.com/office/drawing/2014/main" id="{AE0A3C38-5E48-EE48-80B2-47760EEE4489}"/>
+                </a:ext>
+              </a:extLst>
+            </p:cNvPr>
+            <p:cNvSpPr/>
+            <p:nvPr/>
+          </p:nvSpPr>
+          <p:spPr>
+            <a:xfrm>
+              <a:off x="13550579" y="7433817"/>
+              <a:ext cx="4294249" cy="1639019"/>
+            </a:xfrm>
+            <a:prstGeom prst="wedgeRoundRectCallout">
+              <a:avLst>
+                <a:gd name="adj1" fmla="val -56318"/>
+                <a:gd name="adj2" fmla="val 45197"/>
+                <a:gd name="adj3" fmla="val 16667"/>
+              </a:avLst>
+            </a:prstGeom>
+            <a:ln>
+              <a:noFill/>
+            </a:ln>
+          </p:spPr>
+          <p:style>
+            <a:lnRef idx="2">
+              <a:schemeClr val="accent1">
+                <a:shade val="50000"/>
+              </a:schemeClr>
+            </a:lnRef>
+            <a:fillRef idx="1">
+              <a:schemeClr val="accent1"/>
+            </a:fillRef>
+            <a:effectRef idx="0">
+              <a:schemeClr val="accent1"/>
+            </a:effectRef>
+            <a:fontRef idx="minor">
+              <a:schemeClr val="lt1"/>
+            </a:fontRef>
+          </p:style>
+          <p:txBody>
+            <a:bodyPr rtlCol="0" anchor="ctr"/>
+            <a:lstStyle/>
+            <a:p>
+              <a:pPr algn="ctr"/>
+              <a:r>
+                <a:rPr kumimoji="1" lang="ja-JP" altLang="en-US">
+                  <a:solidFill>
+                    <a:schemeClr val="bg2"/>
+                  </a:solidFill>
+                </a:rPr>
+                <a:t>譲歩しなくても</a:t>
+              </a:r>
+              <a:endParaRPr kumimoji="1" lang="en-US" altLang="ja-JP" dirty="0">
+                <a:solidFill>
+                  <a:schemeClr val="bg2"/>
+                </a:solidFill>
+              </a:endParaRPr>
+            </a:p>
+            <a:p>
+              <a:pPr algn="ctr"/>
+              <a:r>
+                <a:rPr kumimoji="1" lang="ja-JP" altLang="en-US">
+                  <a:solidFill>
+                    <a:schemeClr val="bg2"/>
+                  </a:solidFill>
+                </a:rPr>
+                <a:t>交渉が成立</a:t>
+              </a:r>
+            </a:p>
+          </p:txBody>
+        </p:sp>
+      </p:grpSp>
+      <p:sp>
+        <p:nvSpPr>
+          <p:cNvPr id="79" name="三角形 78">
+            <a:extLst>
+              <a:ext uri="{FF2B5EF4-FFF2-40B4-BE49-F238E27FC236}">
+                <a16:creationId xmlns:a16="http://schemas.microsoft.com/office/drawing/2014/main" id="{E0F60DAD-5B9C-934E-AF78-47C116E279F3}"/>
+              </a:ext>
+            </a:extLst>
+          </p:cNvPr>
+          <p:cNvSpPr/>
+          <p:nvPr/>
+        </p:nvSpPr>
+        <p:spPr>
+          <a:xfrm rot="5400000">
+            <a:off x="1076238" y="5758257"/>
+            <a:ext cx="480900" cy="320016"/>
+          </a:xfrm>
+          <a:prstGeom prst="triangle">
+            <a:avLst/>
+          </a:prstGeom>
+          <a:solidFill>
+            <a:schemeClr val="accent1"/>
+          </a:solidFill>
+          <a:ln>
+            <a:noFill/>
+          </a:ln>
+        </p:spPr>
+        <p:style>
+          <a:lnRef idx="0">
+            <a:scrgbClr r="0" g="0" b="0"/>
+          </a:lnRef>
+          <a:fillRef idx="0">
+            <a:scrgbClr r="0" g="0" b="0"/>
+          </a:fillRef>
+          <a:effectRef idx="0">
+            <a:scrgbClr r="0" g="0" b="0"/>
+          </a:effectRef>
+          <a:fontRef idx="minor">
+            <a:schemeClr val="lt1"/>
+          </a:fontRef>
+        </p:style>
+        <p:txBody>
+          <a:bodyPr rtlCol="0" anchor="ctr"/>
+          <a:lstStyle/>
+          <a:p>
+            <a:pPr algn="ctr"/>
+            <a:endParaRPr kumimoji="1" lang="ja-JP" altLang="en-US" sz="7200"/>
+          </a:p>
+        </p:txBody>
+      </p:sp>
+      <p:sp>
+        <p:nvSpPr>
+          <p:cNvPr id="80" name="テキスト プレースホルダー 29">
+            <a:extLst>
+              <a:ext uri="{FF2B5EF4-FFF2-40B4-BE49-F238E27FC236}">
+                <a16:creationId xmlns:a16="http://schemas.microsoft.com/office/drawing/2014/main" id="{98ADA220-722F-9446-9572-CDAD184E2AB1}"/>
+              </a:ext>
+            </a:extLst>
+          </p:cNvPr>
+          <p:cNvSpPr txBox="1">
+            <a:spLocks/>
+          </p:cNvSpPr>
+          <p:nvPr/>
+        </p:nvSpPr>
+        <p:spPr>
+          <a:xfrm>
+            <a:off x="1568600" y="5642983"/>
+            <a:ext cx="16135964" cy="853994"/>
+          </a:xfrm>
+          <a:prstGeom prst="rect">
+            <a:avLst/>
+          </a:prstGeom>
+        </p:spPr>
+        <p:txBody>
+          <a:bodyPr>
+            <a:normAutofit/>
+          </a:bodyPr>
+          <a:lstStyle>
+            <a:lvl1pPr marL="0" indent="0" algn="l" defTabSz="1828800" rtl="0" eaLnBrk="1" latinLnBrk="0" hangingPunct="1">
+              <a:lnSpc>
+                <a:spcPct val="90000"/>
+              </a:lnSpc>
+              <a:spcBef>
+                <a:spcPts val="2000"/>
+              </a:spcBef>
+              <a:buFont typeface="Arial" panose="020B0604020202020204" pitchFamily="34" charset="0"/>
+              <a:buNone/>
+              <a:defRPr kumimoji="1" sz="4000" kern="1200">
+                <a:solidFill>
+                  <a:srgbClr val="424242"/>
+                </a:solidFill>
+                <a:latin typeface="+mn-lt"/>
+                <a:ea typeface="+mn-ea"/>
+                <a:cs typeface="+mn-cs"/>
+              </a:defRPr>
+            </a:lvl1pPr>
+            <a:lvl2pPr marL="1371600" indent="-457200" algn="l" defTabSz="1828800" rtl="0" eaLnBrk="1" latinLnBrk="0" hangingPunct="1">
+              <a:lnSpc>
+                <a:spcPct val="90000"/>
+              </a:lnSpc>
+              <a:spcBef>
+                <a:spcPts val="1000"/>
+              </a:spcBef>
+              <a:buFont typeface="Arial" panose="020B0604020202020204" pitchFamily="34" charset="0"/>
+              <a:buChar char="•"/>
+              <a:defRPr kumimoji="1" sz="4800" kern="1200">
+                <a:solidFill>
+                  <a:schemeClr val="tx1"/>
+                </a:solidFill>
+                <a:latin typeface="+mn-lt"/>
+                <a:ea typeface="+mn-ea"/>
+                <a:cs typeface="+mn-cs"/>
+              </a:defRPr>
+            </a:lvl2pPr>
+            <a:lvl3pPr marL="2286000" indent="-457200" algn="l" defTabSz="1828800" rtl="0" eaLnBrk="1" latinLnBrk="0" hangingPunct="1">
+              <a:lnSpc>
+                <a:spcPct val="90000"/>
+              </a:lnSpc>
+              <a:spcBef>
+                <a:spcPts val="1000"/>
+              </a:spcBef>
+              <a:buFont typeface="Arial" panose="020B0604020202020204" pitchFamily="34" charset="0"/>
+              <a:buChar char="•"/>
+              <a:defRPr kumimoji="1" sz="4000" kern="1200">
+                <a:solidFill>
+                  <a:schemeClr val="tx1"/>
+                </a:solidFill>
+                <a:latin typeface="+mn-lt"/>
+                <a:ea typeface="+mn-ea"/>
+                <a:cs typeface="+mn-cs"/>
+              </a:defRPr>
+            </a:lvl3pPr>
+            <a:lvl4pPr marL="3200400" indent="-457200" algn="l" defTabSz="1828800" rtl="0" eaLnBrk="1" latinLnBrk="0" hangingPunct="1">
+              <a:lnSpc>
+                <a:spcPct val="90000"/>
+              </a:lnSpc>
+              <a:spcBef>
+                <a:spcPts val="1000"/>
+              </a:spcBef>
+              <a:buFont typeface="Arial" panose="020B0604020202020204" pitchFamily="34" charset="0"/>
+              <a:buChar char="•"/>
+              <a:defRPr kumimoji="1" sz="3600" kern="1200">
+                <a:solidFill>
+                  <a:schemeClr val="tx1"/>
+                </a:solidFill>
+                <a:latin typeface="+mn-lt"/>
+                <a:ea typeface="+mn-ea"/>
+                <a:cs typeface="+mn-cs"/>
+              </a:defRPr>
+            </a:lvl4pPr>
+            <a:lvl5pPr marL="4114800" indent="-457200" algn="l" defTabSz="1828800" rtl="0" eaLnBrk="1" latinLnBrk="0" hangingPunct="1">
+              <a:lnSpc>
+                <a:spcPct val="90000"/>
+              </a:lnSpc>
+              <a:spcBef>
+                <a:spcPts val="1000"/>
+              </a:spcBef>
+              <a:buFont typeface="Arial" panose="020B0604020202020204" pitchFamily="34" charset="0"/>
+              <a:buChar char="•"/>
+              <a:defRPr kumimoji="1" sz="3600" kern="1200">
+                <a:solidFill>
+                  <a:schemeClr val="tx1"/>
+                </a:solidFill>
+                <a:latin typeface="+mn-lt"/>
+                <a:ea typeface="+mn-ea"/>
+                <a:cs typeface="+mn-cs"/>
+              </a:defRPr>
+            </a:lvl5pPr>
+            <a:lvl6pPr marL="5029200" indent="-457200" algn="l" defTabSz="1828800" rtl="0" eaLnBrk="1" latinLnBrk="0" hangingPunct="1">
+              <a:lnSpc>
+                <a:spcPct val="90000"/>
+              </a:lnSpc>
+              <a:spcBef>
+                <a:spcPts val="1000"/>
+              </a:spcBef>
+              <a:buFont typeface="Arial" panose="020B0604020202020204" pitchFamily="34" charset="0"/>
+              <a:buChar char="•"/>
+              <a:defRPr kumimoji="1" sz="3600" kern="1200">
+                <a:solidFill>
+                  <a:schemeClr val="tx1"/>
+                </a:solidFill>
+                <a:latin typeface="+mn-lt"/>
+                <a:ea typeface="+mn-ea"/>
+                <a:cs typeface="+mn-cs"/>
+              </a:defRPr>
+            </a:lvl6pPr>
+            <a:lvl7pPr marL="5943600" indent="-457200" algn="l" defTabSz="1828800" rtl="0" eaLnBrk="1" latinLnBrk="0" hangingPunct="1">
+              <a:lnSpc>
+                <a:spcPct val="90000"/>
+              </a:lnSpc>
+              <a:spcBef>
+                <a:spcPts val="1000"/>
+              </a:spcBef>
+              <a:buFont typeface="Arial" panose="020B0604020202020204" pitchFamily="34" charset="0"/>
+              <a:buChar char="•"/>
+              <a:defRPr kumimoji="1" sz="3600" kern="1200">
+                <a:solidFill>
+                  <a:schemeClr val="tx1"/>
+                </a:solidFill>
+                <a:latin typeface="+mn-lt"/>
+                <a:ea typeface="+mn-ea"/>
+                <a:cs typeface="+mn-cs"/>
+              </a:defRPr>
+            </a:lvl7pPr>
+            <a:lvl8pPr marL="6858000" indent="-457200" algn="l" defTabSz="1828800" rtl="0" eaLnBrk="1" latinLnBrk="0" hangingPunct="1">
+              <a:lnSpc>
+                <a:spcPct val="90000"/>
+              </a:lnSpc>
+              <a:spcBef>
+                <a:spcPts val="1000"/>
+              </a:spcBef>
+              <a:buFont typeface="Arial" panose="020B0604020202020204" pitchFamily="34" charset="0"/>
+              <a:buChar char="•"/>
+              <a:defRPr kumimoji="1" sz="3600" kern="1200">
+                <a:solidFill>
+                  <a:schemeClr val="tx1"/>
+                </a:solidFill>
+                <a:latin typeface="+mn-lt"/>
+                <a:ea typeface="+mn-ea"/>
+                <a:cs typeface="+mn-cs"/>
+              </a:defRPr>
+            </a:lvl8pPr>
+            <a:lvl9pPr marL="7772400" indent="-457200" algn="l" defTabSz="1828800" rtl="0" eaLnBrk="1" latinLnBrk="0" hangingPunct="1">
+              <a:lnSpc>
+                <a:spcPct val="90000"/>
+              </a:lnSpc>
+              <a:spcBef>
+                <a:spcPts val="1000"/>
+              </a:spcBef>
+              <a:buFont typeface="Arial" panose="020B0604020202020204" pitchFamily="34" charset="0"/>
+              <a:buChar char="•"/>
+              <a:defRPr kumimoji="1" sz="3600" kern="1200">
+                <a:solidFill>
+                  <a:schemeClr val="tx1"/>
+                </a:solidFill>
+                <a:latin typeface="+mn-lt"/>
+                <a:ea typeface="+mn-ea"/>
+                <a:cs typeface="+mn-cs"/>
+              </a:defRPr>
+            </a:lvl9pPr>
+          </a:lstStyle>
+          <a:p>
+            <a:r>
+              <a:rPr lang="ja-JP" altLang="en-US"/>
+              <a:t>適切な感情を提示することで協調を促進</a:t>
+            </a:r>
+          </a:p>
+        </p:txBody>
+      </p:sp>
+    </p:spTree>
+    <p:extLst>
+      <p:ext uri="{BB962C8B-B14F-4D97-AF65-F5344CB8AC3E}">
+        <p14:creationId xmlns:p14="http://schemas.microsoft.com/office/powerpoint/2010/main" val="612262494"/>
+      </p:ext>
+    </p:extLst>
+  </p:cSld>
+  <p:clrMapOvr>
+    <a:masterClrMapping/>
+  </p:clrMapOvr>
+</p:sld>
+</file>
+
+<file path=ppt/slides/slide18.xml><?xml version="1.0" encoding="utf-8"?>
+<p:sld xmlns:a="http://schemas.openxmlformats.org/drawingml/2006/main" xmlns:r="http://schemas.openxmlformats.org/officeDocument/2006/relationships" xmlns:p="http://schemas.openxmlformats.org/presentationml/2006/main">
+  <p:cSld>
+    <p:spTree>
+      <p:nvGrpSpPr>
+        <p:cNvPr id="1" name=""/>
+        <p:cNvGrpSpPr/>
+        <p:nvPr/>
+      </p:nvGrpSpPr>
+      <p:grpSpPr>
+        <a:xfrm>
+          <a:off x="0" y="0"/>
+          <a:ext cx="0" cy="0"/>
+          <a:chOff x="0" y="0"/>
+          <a:chExt cx="0" cy="0"/>
+        </a:xfrm>
+      </p:grpSpPr>
+      <p:sp>
+        <p:nvSpPr>
+          <p:cNvPr id="2" name="日付プレースホルダー 1">
+            <a:extLst>
+              <a:ext uri="{FF2B5EF4-FFF2-40B4-BE49-F238E27FC236}">
+                <a16:creationId xmlns:a16="http://schemas.microsoft.com/office/drawing/2014/main" id="{9A3628AA-5FBA-534C-B3C4-2DB73F7968C2}"/>
+              </a:ext>
+            </a:extLst>
+          </p:cNvPr>
+          <p:cNvSpPr>
+            <a:spLocks noGrp="1"/>
+          </p:cNvSpPr>
+          <p:nvPr>
+            <p:ph type="dt" sz="half" idx="10"/>
+          </p:nvPr>
+        </p:nvSpPr>
+        <p:spPr/>
+        <p:txBody>
+          <a:bodyPr/>
+          <a:lstStyle/>
+          <a:p>
+            <a:fld id="{E987203A-5B41-5648-8157-822A487E08FC}" type="datetime1">
+              <a:rPr lang="ja-JP" altLang="en-US" smtClean="0"/>
+              <a:t>2018/5/2</a:t>
+            </a:fld>
+            <a:endParaRPr lang="ja-JP" altLang="en-US"/>
+          </a:p>
+        </p:txBody>
+      </p:sp>
+      <p:sp>
+        <p:nvSpPr>
+          <p:cNvPr id="3" name="フッター プレースホルダー 2">
+            <a:extLst>
+              <a:ext uri="{FF2B5EF4-FFF2-40B4-BE49-F238E27FC236}">
+                <a16:creationId xmlns:a16="http://schemas.microsoft.com/office/drawing/2014/main" id="{98D8000A-67DE-B846-8AE0-A91C6FD8ECBB}"/>
+              </a:ext>
+            </a:extLst>
+          </p:cNvPr>
+          <p:cNvSpPr>
+            <a:spLocks noGrp="1"/>
+          </p:cNvSpPr>
+          <p:nvPr>
+            <p:ph type="ftr" sz="quarter" idx="11"/>
+          </p:nvPr>
+        </p:nvSpPr>
+        <p:spPr/>
+        <p:txBody>
+          <a:bodyPr/>
+          <a:lstStyle/>
+          <a:p>
+            <a:r>
+              <a:rPr lang="ja-JP" altLang="en-US"/>
+              <a:t>文献講読発表</a:t>
+            </a:r>
+            <a:r>
+              <a:rPr lang="en-US" altLang="ja-JP"/>
+              <a:t>(2018.04.25)</a:t>
+            </a:r>
+            <a:endParaRPr lang="ja-JP" altLang="en-US"/>
+          </a:p>
+        </p:txBody>
+      </p:sp>
+      <p:sp>
+        <p:nvSpPr>
+          <p:cNvPr id="4" name="スライド番号プレースホルダー 3">
+            <a:extLst>
+              <a:ext uri="{FF2B5EF4-FFF2-40B4-BE49-F238E27FC236}">
+                <a16:creationId xmlns:a16="http://schemas.microsoft.com/office/drawing/2014/main" id="{5241896A-DBD1-D845-A5F2-1904C1003E91}"/>
+              </a:ext>
+            </a:extLst>
+          </p:cNvPr>
+          <p:cNvSpPr>
+            <a:spLocks noGrp="1"/>
+          </p:cNvSpPr>
+          <p:nvPr>
+            <p:ph type="sldNum" sz="quarter" idx="12"/>
+          </p:nvPr>
+        </p:nvSpPr>
+        <p:spPr/>
+        <p:txBody>
+          <a:bodyPr/>
+          <a:lstStyle/>
+          <a:p>
+            <a:fld id="{89242BC1-393D-1248-985B-18DA624F2964}" type="slidenum">
+              <a:rPr lang="ja-JP" altLang="en-US" smtClean="0"/>
+              <a:pPr/>
+              <a:t>18</a:t>
+            </a:fld>
+            <a:endParaRPr lang="ja-JP" altLang="en-US"/>
+          </a:p>
+        </p:txBody>
+      </p:sp>
+      <p:sp>
+        <p:nvSpPr>
+          <p:cNvPr id="5" name="テキスト プレースホルダー 4">
+            <a:extLst>
+              <a:ext uri="{FF2B5EF4-FFF2-40B4-BE49-F238E27FC236}">
+                <a16:creationId xmlns:a16="http://schemas.microsoft.com/office/drawing/2014/main" id="{9F22905A-C42A-1845-B4C2-9D8885E87338}"/>
+              </a:ext>
+            </a:extLst>
+          </p:cNvPr>
+          <p:cNvSpPr>
+            <a:spLocks noGrp="1"/>
+          </p:cNvSpPr>
+          <p:nvPr>
+            <p:ph type="body" sz="quarter" idx="13"/>
+          </p:nvPr>
+        </p:nvSpPr>
+        <p:spPr/>
+        <p:txBody>
+          <a:bodyPr/>
+          <a:lstStyle/>
+          <a:p>
+            <a:r>
+              <a:rPr lang="en-US" altLang="ja-JP" dirty="0"/>
+              <a:t>4</a:t>
+            </a:r>
+            <a:endParaRPr kumimoji="1" lang="ja-JP" altLang="en-US"/>
+          </a:p>
+        </p:txBody>
+      </p:sp>
+      <p:sp>
+        <p:nvSpPr>
+          <p:cNvPr id="6" name="テキスト プレースホルダー 5">
+            <a:extLst>
+              <a:ext uri="{FF2B5EF4-FFF2-40B4-BE49-F238E27FC236}">
+                <a16:creationId xmlns:a16="http://schemas.microsoft.com/office/drawing/2014/main" id="{A72A944A-0DD6-C246-AA6A-153A95866A6D}"/>
+              </a:ext>
+            </a:extLst>
+          </p:cNvPr>
+          <p:cNvSpPr>
+            <a:spLocks noGrp="1"/>
+          </p:cNvSpPr>
+          <p:nvPr>
+            <p:ph type="body" sz="quarter" idx="14"/>
+          </p:nvPr>
+        </p:nvSpPr>
+        <p:spPr/>
+        <p:txBody>
+          <a:bodyPr/>
+          <a:lstStyle/>
+          <a:p>
+            <a:r>
+              <a:rPr kumimoji="1" lang="ja-JP" altLang="en-US"/>
+              <a:t>考察</a:t>
+            </a:r>
+          </a:p>
+        </p:txBody>
+      </p:sp>
+      <p:grpSp>
+        <p:nvGrpSpPr>
+          <p:cNvPr id="35" name="グループ化 34">
+            <a:extLst>
+              <a:ext uri="{FF2B5EF4-FFF2-40B4-BE49-F238E27FC236}">
+                <a16:creationId xmlns:a16="http://schemas.microsoft.com/office/drawing/2014/main" id="{AB16B722-0D46-E24D-A20E-09138FE8C8EC}"/>
+              </a:ext>
+            </a:extLst>
+          </p:cNvPr>
+          <p:cNvGrpSpPr/>
+          <p:nvPr/>
+        </p:nvGrpSpPr>
+        <p:grpSpPr>
+          <a:xfrm>
+            <a:off x="289330" y="1413298"/>
+            <a:ext cx="2160000" cy="934436"/>
+            <a:chOff x="144665" y="525617"/>
+            <a:chExt cx="1080000" cy="467218"/>
+          </a:xfrm>
+        </p:grpSpPr>
+        <p:sp>
+          <p:nvSpPr>
+            <p:cNvPr id="36" name="正方形/長方形 35">
+              <a:extLst>
+                <a:ext uri="{FF2B5EF4-FFF2-40B4-BE49-F238E27FC236}">
+                  <a16:creationId xmlns:a16="http://schemas.microsoft.com/office/drawing/2014/main" id="{C7BE27B8-E1BF-9849-910A-12ED6A6A7226}"/>
+                </a:ext>
+              </a:extLst>
+            </p:cNvPr>
+            <p:cNvSpPr/>
+            <p:nvPr userDrawn="1"/>
+          </p:nvSpPr>
+          <p:spPr>
+            <a:xfrm>
+              <a:off x="145524" y="542424"/>
+              <a:ext cx="91081" cy="450411"/>
+            </a:xfrm>
+            <a:prstGeom prst="rect">
+              <a:avLst/>
+            </a:prstGeom>
+            <a:solidFill>
+              <a:schemeClr val="accent1"/>
+            </a:solidFill>
+            <a:ln>
+              <a:noFill/>
+            </a:ln>
+          </p:spPr>
+          <p:style>
+            <a:lnRef idx="2">
+              <a:schemeClr val="accent1">
+                <a:shade val="50000"/>
+              </a:schemeClr>
+            </a:lnRef>
+            <a:fillRef idx="1">
+              <a:schemeClr val="accent1"/>
+            </a:fillRef>
+            <a:effectRef idx="0">
+              <a:schemeClr val="accent1"/>
+            </a:effectRef>
+            <a:fontRef idx="minor">
+              <a:schemeClr val="lt1"/>
+            </a:fontRef>
+          </p:style>
+          <p:txBody>
+            <a:bodyPr rot="0" spcFirstLastPara="0" vertOverflow="overflow" horzOverflow="overflow" vert="horz" wrap="square" lIns="68580" tIns="34290" rIns="68580" bIns="34290" numCol="1" spcCol="0" rtlCol="0" fromWordArt="0" anchor="ctr" anchorCtr="0" forceAA="0" compatLnSpc="1">
+              <a:prstTxWarp prst="textNoShape">
+                <a:avLst/>
+              </a:prstTxWarp>
+              <a:noAutofit/>
+            </a:bodyPr>
+            <a:lstStyle/>
+            <a:p>
+              <a:pPr algn="ctr"/>
+              <a:endParaRPr kumimoji="1" lang="ja-JP" altLang="en-US" sz="2700"/>
+            </a:p>
+          </p:txBody>
+        </p:sp>
+        <p:sp>
+          <p:nvSpPr>
+            <p:cNvPr id="37" name="正方形/長方形 36">
+              <a:extLst>
+                <a:ext uri="{FF2B5EF4-FFF2-40B4-BE49-F238E27FC236}">
+                  <a16:creationId xmlns:a16="http://schemas.microsoft.com/office/drawing/2014/main" id="{B03DE4C5-552F-0F48-848B-8D93953E79F9}"/>
+                </a:ext>
+              </a:extLst>
+            </p:cNvPr>
+            <p:cNvSpPr/>
+            <p:nvPr userDrawn="1"/>
+          </p:nvSpPr>
+          <p:spPr>
+            <a:xfrm>
+              <a:off x="144665" y="525617"/>
+              <a:ext cx="1080000" cy="16137"/>
+            </a:xfrm>
+            <a:prstGeom prst="rect">
+              <a:avLst/>
+            </a:prstGeom>
+            <a:solidFill>
+              <a:schemeClr val="accent1"/>
+            </a:solidFill>
+            <a:ln>
+              <a:noFill/>
+            </a:ln>
+          </p:spPr>
+          <p:style>
+            <a:lnRef idx="2">
+              <a:schemeClr val="accent1">
+                <a:shade val="50000"/>
+              </a:schemeClr>
+            </a:lnRef>
+            <a:fillRef idx="1">
+              <a:schemeClr val="accent1"/>
+            </a:fillRef>
+            <a:effectRef idx="0">
+              <a:schemeClr val="accent1"/>
+            </a:effectRef>
+            <a:fontRef idx="minor">
+              <a:schemeClr val="lt1"/>
+            </a:fontRef>
+          </p:style>
+          <p:txBody>
+            <a:bodyPr rot="0" spcFirstLastPara="0" vertOverflow="overflow" horzOverflow="overflow" vert="horz" wrap="square" lIns="68580" tIns="34290" rIns="68580" bIns="34290" numCol="1" spcCol="0" rtlCol="0" fromWordArt="0" anchor="ctr" anchorCtr="0" forceAA="0" compatLnSpc="1">
+              <a:prstTxWarp prst="textNoShape">
+                <a:avLst/>
+              </a:prstTxWarp>
+              <a:noAutofit/>
+            </a:bodyPr>
+            <a:lstStyle/>
+            <a:p>
+              <a:pPr algn="ctr"/>
+              <a:endParaRPr kumimoji="1" lang="ja-JP" altLang="en-US" sz="2700"/>
+            </a:p>
+          </p:txBody>
+        </p:sp>
+      </p:grpSp>
+      <p:grpSp>
+        <p:nvGrpSpPr>
+          <p:cNvPr id="38" name="グループ化 37">
+            <a:extLst>
+              <a:ext uri="{FF2B5EF4-FFF2-40B4-BE49-F238E27FC236}">
+                <a16:creationId xmlns:a16="http://schemas.microsoft.com/office/drawing/2014/main" id="{BE56D25C-2BDE-D141-A6FF-3FEFE5C206FA}"/>
+              </a:ext>
+            </a:extLst>
+          </p:cNvPr>
+          <p:cNvGrpSpPr/>
+          <p:nvPr/>
+        </p:nvGrpSpPr>
+        <p:grpSpPr>
+          <a:xfrm>
+            <a:off x="617232" y="2557358"/>
             <a:ext cx="539448" cy="487368"/>
             <a:chOff x="400056" y="1061560"/>
             <a:chExt cx="269724" cy="243684"/>
@@ -24958,10 +26022,10 @@
         </p:grpSpPr>
         <p:sp>
           <p:nvSpPr>
-            <p:cNvPr id="64" name="三角形 63">
+            <p:cNvPr id="39" name="三角形 38">
               <a:extLst>
                 <a:ext uri="{FF2B5EF4-FFF2-40B4-BE49-F238E27FC236}">
-                  <a16:creationId xmlns:a16="http://schemas.microsoft.com/office/drawing/2014/main" id="{E2786557-2E9E-9241-A5DA-B96A617B5C46}"/>
+                  <a16:creationId xmlns:a16="http://schemas.microsoft.com/office/drawing/2014/main" id="{9DCCDE8C-2311-AC41-ACDE-9EFB630D2F98}"/>
                 </a:ext>
               </a:extLst>
             </p:cNvPr>
@@ -25008,10 +26072,10 @@
         </p:sp>
         <p:sp>
           <p:nvSpPr>
-            <p:cNvPr id="65" name="三角形 64">
+            <p:cNvPr id="40" name="三角形 39">
               <a:extLst>
                 <a:ext uri="{FF2B5EF4-FFF2-40B4-BE49-F238E27FC236}">
-                  <a16:creationId xmlns:a16="http://schemas.microsoft.com/office/drawing/2014/main" id="{E9FB826F-1341-4E4A-8866-DA9401DDD919}"/>
+                  <a16:creationId xmlns:a16="http://schemas.microsoft.com/office/drawing/2014/main" id="{D1745660-D13A-3944-B628-BBE9244F345F}"/>
                 </a:ext>
               </a:extLst>
             </p:cNvPr>
@@ -25059,10 +26123,10 @@
       </p:grpSp>
       <p:sp>
         <p:nvSpPr>
-          <p:cNvPr id="66" name="テキスト プレースホルダー 27">
+          <p:cNvPr id="42" name="テキスト プレースホルダー 27">
             <a:extLst>
               <a:ext uri="{FF2B5EF4-FFF2-40B4-BE49-F238E27FC236}">
-                <a16:creationId xmlns:a16="http://schemas.microsoft.com/office/drawing/2014/main" id="{203FB6D1-B66C-C749-92FC-DEBBB73B9978}"/>
+                <a16:creationId xmlns:a16="http://schemas.microsoft.com/office/drawing/2014/main" id="{60406625-1823-E442-A2FE-03577DEEB756}"/>
               </a:ext>
             </a:extLst>
           </p:cNvPr>
@@ -25073,7 +26137,7 @@
         </p:nvSpPr>
         <p:spPr>
           <a:xfrm>
-            <a:off x="1254486" y="7242161"/>
+            <a:off x="1254486" y="2484733"/>
             <a:ext cx="16632960" cy="997834"/>
           </a:xfrm>
           <a:prstGeom prst="rect">
@@ -25251,7 +26315,7 @@
           <a:p>
             <a:r>
               <a:rPr lang="ja-JP" altLang="en-US"/>
-              <a:t>伝達方法と感情に関連はみられなかった</a:t>
+              <a:t>非言語情報は感情表現を増大・減少させる</a:t>
             </a:r>
             <a:endParaRPr lang="en-US" altLang="ja-JP" dirty="0"/>
           </a:p>
@@ -25259,10 +26323,530 @@
       </p:sp>
       <p:sp>
         <p:nvSpPr>
-          <p:cNvPr id="67" name="三角形 66">
+          <p:cNvPr id="46" name="テキスト プレースホルダー 30">
             <a:extLst>
               <a:ext uri="{FF2B5EF4-FFF2-40B4-BE49-F238E27FC236}">
-                <a16:creationId xmlns:a16="http://schemas.microsoft.com/office/drawing/2014/main" id="{FB7D243B-9422-5545-979C-AF1EB953B202}"/>
+                <a16:creationId xmlns:a16="http://schemas.microsoft.com/office/drawing/2014/main" id="{D1E20380-EE69-3645-903D-57F695254A5B}"/>
+              </a:ext>
+            </a:extLst>
+          </p:cNvPr>
+          <p:cNvSpPr txBox="1">
+            <a:spLocks/>
+          </p:cNvSpPr>
+          <p:nvPr/>
+        </p:nvSpPr>
+        <p:spPr>
+          <a:xfrm>
+            <a:off x="571049" y="1583871"/>
+            <a:ext cx="17302163" cy="1403350"/>
+          </a:xfrm>
+          <a:prstGeom prst="rect">
+            <a:avLst/>
+          </a:prstGeom>
+        </p:spPr>
+        <p:txBody>
+          <a:bodyPr>
+            <a:normAutofit/>
+          </a:bodyPr>
+          <a:lstStyle>
+            <a:lvl1pPr marL="0" indent="0" algn="l" defTabSz="1828800" rtl="0" eaLnBrk="1" latinLnBrk="0" hangingPunct="1">
+              <a:lnSpc>
+                <a:spcPct val="90000"/>
+              </a:lnSpc>
+              <a:spcBef>
+                <a:spcPts val="2000"/>
+              </a:spcBef>
+              <a:buFont typeface="Arial" panose="020B0604020202020204" pitchFamily="34" charset="0"/>
+              <a:buNone/>
+              <a:defRPr kumimoji="1" sz="6000" kern="1200">
+                <a:solidFill>
+                  <a:schemeClr val="tx1"/>
+                </a:solidFill>
+                <a:latin typeface="+mn-lt"/>
+                <a:ea typeface="+mn-ea"/>
+                <a:cs typeface="+mn-cs"/>
+              </a:defRPr>
+            </a:lvl1pPr>
+            <a:lvl2pPr marL="1371600" indent="-457200" algn="l" defTabSz="1828800" rtl="0" eaLnBrk="1" latinLnBrk="0" hangingPunct="1">
+              <a:lnSpc>
+                <a:spcPct val="90000"/>
+              </a:lnSpc>
+              <a:spcBef>
+                <a:spcPts val="1000"/>
+              </a:spcBef>
+              <a:buFont typeface="Arial" panose="020B0604020202020204" pitchFamily="34" charset="0"/>
+              <a:buChar char="•"/>
+              <a:defRPr kumimoji="1" sz="4800" kern="1200">
+                <a:solidFill>
+                  <a:schemeClr val="tx1"/>
+                </a:solidFill>
+                <a:latin typeface="+mn-lt"/>
+                <a:ea typeface="+mn-ea"/>
+                <a:cs typeface="+mn-cs"/>
+              </a:defRPr>
+            </a:lvl2pPr>
+            <a:lvl3pPr marL="2286000" indent="-457200" algn="l" defTabSz="1828800" rtl="0" eaLnBrk="1" latinLnBrk="0" hangingPunct="1">
+              <a:lnSpc>
+                <a:spcPct val="90000"/>
+              </a:lnSpc>
+              <a:spcBef>
+                <a:spcPts val="1000"/>
+              </a:spcBef>
+              <a:buFont typeface="Arial" panose="020B0604020202020204" pitchFamily="34" charset="0"/>
+              <a:buChar char="•"/>
+              <a:defRPr kumimoji="1" sz="4000" kern="1200">
+                <a:solidFill>
+                  <a:schemeClr val="tx1"/>
+                </a:solidFill>
+                <a:latin typeface="+mn-lt"/>
+                <a:ea typeface="+mn-ea"/>
+                <a:cs typeface="+mn-cs"/>
+              </a:defRPr>
+            </a:lvl3pPr>
+            <a:lvl4pPr marL="3200400" indent="-457200" algn="l" defTabSz="1828800" rtl="0" eaLnBrk="1" latinLnBrk="0" hangingPunct="1">
+              <a:lnSpc>
+                <a:spcPct val="90000"/>
+              </a:lnSpc>
+              <a:spcBef>
+                <a:spcPts val="1000"/>
+              </a:spcBef>
+              <a:buFont typeface="Arial" panose="020B0604020202020204" pitchFamily="34" charset="0"/>
+              <a:buChar char="•"/>
+              <a:defRPr kumimoji="1" sz="3600" kern="1200">
+                <a:solidFill>
+                  <a:schemeClr val="tx1"/>
+                </a:solidFill>
+                <a:latin typeface="+mn-lt"/>
+                <a:ea typeface="+mn-ea"/>
+                <a:cs typeface="+mn-cs"/>
+              </a:defRPr>
+            </a:lvl4pPr>
+            <a:lvl5pPr marL="4114800" indent="-457200" algn="l" defTabSz="1828800" rtl="0" eaLnBrk="1" latinLnBrk="0" hangingPunct="1">
+              <a:lnSpc>
+                <a:spcPct val="90000"/>
+              </a:lnSpc>
+              <a:spcBef>
+                <a:spcPts val="1000"/>
+              </a:spcBef>
+              <a:buFont typeface="Arial" panose="020B0604020202020204" pitchFamily="34" charset="0"/>
+              <a:buChar char="•"/>
+              <a:defRPr kumimoji="1" sz="3600" kern="1200">
+                <a:solidFill>
+                  <a:schemeClr val="tx1"/>
+                </a:solidFill>
+                <a:latin typeface="+mn-lt"/>
+                <a:ea typeface="+mn-ea"/>
+                <a:cs typeface="+mn-cs"/>
+              </a:defRPr>
+            </a:lvl5pPr>
+            <a:lvl6pPr marL="5029200" indent="-457200" algn="l" defTabSz="1828800" rtl="0" eaLnBrk="1" latinLnBrk="0" hangingPunct="1">
+              <a:lnSpc>
+                <a:spcPct val="90000"/>
+              </a:lnSpc>
+              <a:spcBef>
+                <a:spcPts val="1000"/>
+              </a:spcBef>
+              <a:buFont typeface="Arial" panose="020B0604020202020204" pitchFamily="34" charset="0"/>
+              <a:buChar char="•"/>
+              <a:defRPr kumimoji="1" sz="3600" kern="1200">
+                <a:solidFill>
+                  <a:schemeClr val="tx1"/>
+                </a:solidFill>
+                <a:latin typeface="+mn-lt"/>
+                <a:ea typeface="+mn-ea"/>
+                <a:cs typeface="+mn-cs"/>
+              </a:defRPr>
+            </a:lvl6pPr>
+            <a:lvl7pPr marL="5943600" indent="-457200" algn="l" defTabSz="1828800" rtl="0" eaLnBrk="1" latinLnBrk="0" hangingPunct="1">
+              <a:lnSpc>
+                <a:spcPct val="90000"/>
+              </a:lnSpc>
+              <a:spcBef>
+                <a:spcPts val="1000"/>
+              </a:spcBef>
+              <a:buFont typeface="Arial" panose="020B0604020202020204" pitchFamily="34" charset="0"/>
+              <a:buChar char="•"/>
+              <a:defRPr kumimoji="1" sz="3600" kern="1200">
+                <a:solidFill>
+                  <a:schemeClr val="tx1"/>
+                </a:solidFill>
+                <a:latin typeface="+mn-lt"/>
+                <a:ea typeface="+mn-ea"/>
+                <a:cs typeface="+mn-cs"/>
+              </a:defRPr>
+            </a:lvl7pPr>
+            <a:lvl8pPr marL="6858000" indent="-457200" algn="l" defTabSz="1828800" rtl="0" eaLnBrk="1" latinLnBrk="0" hangingPunct="1">
+              <a:lnSpc>
+                <a:spcPct val="90000"/>
+              </a:lnSpc>
+              <a:spcBef>
+                <a:spcPts val="1000"/>
+              </a:spcBef>
+              <a:buFont typeface="Arial" panose="020B0604020202020204" pitchFamily="34" charset="0"/>
+              <a:buChar char="•"/>
+              <a:defRPr kumimoji="1" sz="3600" kern="1200">
+                <a:solidFill>
+                  <a:schemeClr val="tx1"/>
+                </a:solidFill>
+                <a:latin typeface="+mn-lt"/>
+                <a:ea typeface="+mn-ea"/>
+                <a:cs typeface="+mn-cs"/>
+              </a:defRPr>
+            </a:lvl8pPr>
+            <a:lvl9pPr marL="7772400" indent="-457200" algn="l" defTabSz="1828800" rtl="0" eaLnBrk="1" latinLnBrk="0" hangingPunct="1">
+              <a:lnSpc>
+                <a:spcPct val="90000"/>
+              </a:lnSpc>
+              <a:spcBef>
+                <a:spcPts val="1000"/>
+              </a:spcBef>
+              <a:buFont typeface="Arial" panose="020B0604020202020204" pitchFamily="34" charset="0"/>
+              <a:buChar char="•"/>
+              <a:defRPr kumimoji="1" sz="3600" kern="1200">
+                <a:solidFill>
+                  <a:schemeClr val="tx1"/>
+                </a:solidFill>
+                <a:latin typeface="+mn-lt"/>
+                <a:ea typeface="+mn-ea"/>
+                <a:cs typeface="+mn-cs"/>
+              </a:defRPr>
+            </a:lvl9pPr>
+          </a:lstStyle>
+          <a:p>
+            <a:r>
+              <a:rPr lang="ja-JP" altLang="en-US"/>
+              <a:t>今後の展望</a:t>
+            </a:r>
+          </a:p>
+        </p:txBody>
+      </p:sp>
+      <p:grpSp>
+        <p:nvGrpSpPr>
+          <p:cNvPr id="47" name="グループ化 46">
+            <a:extLst>
+              <a:ext uri="{FF2B5EF4-FFF2-40B4-BE49-F238E27FC236}">
+                <a16:creationId xmlns:a16="http://schemas.microsoft.com/office/drawing/2014/main" id="{78A596D3-83E3-BB41-8333-BA7BF317A908}"/>
+              </a:ext>
+            </a:extLst>
+          </p:cNvPr>
+          <p:cNvGrpSpPr/>
+          <p:nvPr/>
+        </p:nvGrpSpPr>
+        <p:grpSpPr>
+          <a:xfrm>
+            <a:off x="617232" y="3402458"/>
+            <a:ext cx="539448" cy="487368"/>
+            <a:chOff x="400056" y="1061560"/>
+            <a:chExt cx="269724" cy="243684"/>
+          </a:xfrm>
+        </p:grpSpPr>
+        <p:sp>
+          <p:nvSpPr>
+            <p:cNvPr id="48" name="三角形 47">
+              <a:extLst>
+                <a:ext uri="{FF2B5EF4-FFF2-40B4-BE49-F238E27FC236}">
+                  <a16:creationId xmlns:a16="http://schemas.microsoft.com/office/drawing/2014/main" id="{CFA68BDC-54FD-9144-B77A-C7F1BBA50EF8}"/>
+                </a:ext>
+              </a:extLst>
+            </p:cNvPr>
+            <p:cNvSpPr/>
+            <p:nvPr userDrawn="1"/>
+          </p:nvSpPr>
+          <p:spPr>
+            <a:xfrm rot="5400000">
+              <a:off x="359835" y="1105015"/>
+              <a:ext cx="240450" cy="160008"/>
+            </a:xfrm>
+            <a:prstGeom prst="triangle">
+              <a:avLst/>
+            </a:prstGeom>
+            <a:solidFill>
+              <a:schemeClr val="accent1"/>
+            </a:solidFill>
+            <a:ln>
+              <a:noFill/>
+            </a:ln>
+          </p:spPr>
+          <p:style>
+            <a:lnRef idx="0">
+              <a:scrgbClr r="0" g="0" b="0"/>
+            </a:lnRef>
+            <a:fillRef idx="0">
+              <a:scrgbClr r="0" g="0" b="0"/>
+            </a:fillRef>
+            <a:effectRef idx="0">
+              <a:scrgbClr r="0" g="0" b="0"/>
+            </a:effectRef>
+            <a:fontRef idx="minor">
+              <a:schemeClr val="lt1"/>
+            </a:fontRef>
+          </p:style>
+          <p:txBody>
+            <a:bodyPr rtlCol="0" anchor="ctr"/>
+            <a:lstStyle/>
+            <a:p>
+              <a:pPr algn="ctr"/>
+              <a:endParaRPr kumimoji="1" lang="ja-JP" altLang="en-US" sz="7200"/>
+            </a:p>
+          </p:txBody>
+        </p:sp>
+        <p:sp>
+          <p:nvSpPr>
+            <p:cNvPr id="49" name="三角形 48">
+              <a:extLst>
+                <a:ext uri="{FF2B5EF4-FFF2-40B4-BE49-F238E27FC236}">
+                  <a16:creationId xmlns:a16="http://schemas.microsoft.com/office/drawing/2014/main" id="{063E9992-2E21-DD49-B346-92BA79701EF3}"/>
+                </a:ext>
+              </a:extLst>
+            </p:cNvPr>
+            <p:cNvSpPr/>
+            <p:nvPr userDrawn="1"/>
+          </p:nvSpPr>
+          <p:spPr>
+            <a:xfrm rot="5400000">
+              <a:off x="469551" y="1101781"/>
+              <a:ext cx="240450" cy="160008"/>
+            </a:xfrm>
+            <a:prstGeom prst="triangle">
+              <a:avLst/>
+            </a:prstGeom>
+            <a:solidFill>
+              <a:schemeClr val="accent1"/>
+            </a:solidFill>
+            <a:ln>
+              <a:noFill/>
+            </a:ln>
+          </p:spPr>
+          <p:style>
+            <a:lnRef idx="0">
+              <a:scrgbClr r="0" g="0" b="0"/>
+            </a:lnRef>
+            <a:fillRef idx="0">
+              <a:scrgbClr r="0" g="0" b="0"/>
+            </a:fillRef>
+            <a:effectRef idx="0">
+              <a:scrgbClr r="0" g="0" b="0"/>
+            </a:effectRef>
+            <a:fontRef idx="minor">
+              <a:schemeClr val="lt1"/>
+            </a:fontRef>
+          </p:style>
+          <p:txBody>
+            <a:bodyPr rtlCol="0" anchor="ctr"/>
+            <a:lstStyle/>
+            <a:p>
+              <a:pPr algn="ctr"/>
+              <a:endParaRPr kumimoji="1" lang="ja-JP" altLang="en-US" sz="7200"/>
+            </a:p>
+          </p:txBody>
+        </p:sp>
+      </p:grpSp>
+      <p:sp>
+        <p:nvSpPr>
+          <p:cNvPr id="50" name="テキスト プレースホルダー 27">
+            <a:extLst>
+              <a:ext uri="{FF2B5EF4-FFF2-40B4-BE49-F238E27FC236}">
+                <a16:creationId xmlns:a16="http://schemas.microsoft.com/office/drawing/2014/main" id="{9D012A2F-C6FE-3C41-B764-C744DB967018}"/>
+              </a:ext>
+            </a:extLst>
+          </p:cNvPr>
+          <p:cNvSpPr txBox="1">
+            <a:spLocks/>
+          </p:cNvSpPr>
+          <p:nvPr/>
+        </p:nvSpPr>
+        <p:spPr>
+          <a:xfrm>
+            <a:off x="1254486" y="3329833"/>
+            <a:ext cx="16632960" cy="997834"/>
+          </a:xfrm>
+          <a:prstGeom prst="rect">
+            <a:avLst/>
+          </a:prstGeom>
+        </p:spPr>
+        <p:txBody>
+          <a:bodyPr>
+            <a:normAutofit/>
+          </a:bodyPr>
+          <a:lstStyle>
+            <a:lvl1pPr marL="0" indent="0" algn="l" defTabSz="1828800" rtl="0" eaLnBrk="1" latinLnBrk="0" hangingPunct="1">
+              <a:lnSpc>
+                <a:spcPct val="90000"/>
+              </a:lnSpc>
+              <a:spcBef>
+                <a:spcPts val="2000"/>
+              </a:spcBef>
+              <a:buFont typeface="Arial" panose="020B0604020202020204" pitchFamily="34" charset="0"/>
+              <a:buNone/>
+              <a:defRPr kumimoji="1" sz="4800" kern="1200">
+                <a:solidFill>
+                  <a:srgbClr val="424242"/>
+                </a:solidFill>
+                <a:latin typeface="+mn-lt"/>
+                <a:ea typeface="+mn-ea"/>
+                <a:cs typeface="+mn-cs"/>
+              </a:defRPr>
+            </a:lvl1pPr>
+            <a:lvl2pPr marL="1371600" indent="-457200" algn="l" defTabSz="1828800" rtl="0" eaLnBrk="1" latinLnBrk="0" hangingPunct="1">
+              <a:lnSpc>
+                <a:spcPct val="90000"/>
+              </a:lnSpc>
+              <a:spcBef>
+                <a:spcPts val="1000"/>
+              </a:spcBef>
+              <a:buFont typeface="Arial" panose="020B0604020202020204" pitchFamily="34" charset="0"/>
+              <a:buChar char="•"/>
+              <a:defRPr kumimoji="1" sz="4800" kern="1200">
+                <a:solidFill>
+                  <a:schemeClr val="tx1"/>
+                </a:solidFill>
+                <a:latin typeface="+mn-lt"/>
+                <a:ea typeface="+mn-ea"/>
+                <a:cs typeface="+mn-cs"/>
+              </a:defRPr>
+            </a:lvl2pPr>
+            <a:lvl3pPr marL="2286000" indent="-457200" algn="l" defTabSz="1828800" rtl="0" eaLnBrk="1" latinLnBrk="0" hangingPunct="1">
+              <a:lnSpc>
+                <a:spcPct val="90000"/>
+              </a:lnSpc>
+              <a:spcBef>
+                <a:spcPts val="1000"/>
+              </a:spcBef>
+              <a:buFont typeface="Arial" panose="020B0604020202020204" pitchFamily="34" charset="0"/>
+              <a:buChar char="•"/>
+              <a:defRPr kumimoji="1" sz="4000" kern="1200">
+                <a:solidFill>
+                  <a:schemeClr val="tx1"/>
+                </a:solidFill>
+                <a:latin typeface="+mn-lt"/>
+                <a:ea typeface="+mn-ea"/>
+                <a:cs typeface="+mn-cs"/>
+              </a:defRPr>
+            </a:lvl3pPr>
+            <a:lvl4pPr marL="3200400" indent="-457200" algn="l" defTabSz="1828800" rtl="0" eaLnBrk="1" latinLnBrk="0" hangingPunct="1">
+              <a:lnSpc>
+                <a:spcPct val="90000"/>
+              </a:lnSpc>
+              <a:spcBef>
+                <a:spcPts val="1000"/>
+              </a:spcBef>
+              <a:buFont typeface="Arial" panose="020B0604020202020204" pitchFamily="34" charset="0"/>
+              <a:buChar char="•"/>
+              <a:defRPr kumimoji="1" sz="3600" kern="1200">
+                <a:solidFill>
+                  <a:schemeClr val="tx1"/>
+                </a:solidFill>
+                <a:latin typeface="+mn-lt"/>
+                <a:ea typeface="+mn-ea"/>
+                <a:cs typeface="+mn-cs"/>
+              </a:defRPr>
+            </a:lvl4pPr>
+            <a:lvl5pPr marL="4114800" indent="-457200" algn="l" defTabSz="1828800" rtl="0" eaLnBrk="1" latinLnBrk="0" hangingPunct="1">
+              <a:lnSpc>
+                <a:spcPct val="90000"/>
+              </a:lnSpc>
+              <a:spcBef>
+                <a:spcPts val="1000"/>
+              </a:spcBef>
+              <a:buFont typeface="Arial" panose="020B0604020202020204" pitchFamily="34" charset="0"/>
+              <a:buChar char="•"/>
+              <a:defRPr kumimoji="1" sz="3600" kern="1200">
+                <a:solidFill>
+                  <a:schemeClr val="tx1"/>
+                </a:solidFill>
+                <a:latin typeface="+mn-lt"/>
+                <a:ea typeface="+mn-ea"/>
+                <a:cs typeface="+mn-cs"/>
+              </a:defRPr>
+            </a:lvl5pPr>
+            <a:lvl6pPr marL="5029200" indent="-457200" algn="l" defTabSz="1828800" rtl="0" eaLnBrk="1" latinLnBrk="0" hangingPunct="1">
+              <a:lnSpc>
+                <a:spcPct val="90000"/>
+              </a:lnSpc>
+              <a:spcBef>
+                <a:spcPts val="1000"/>
+              </a:spcBef>
+              <a:buFont typeface="Arial" panose="020B0604020202020204" pitchFamily="34" charset="0"/>
+              <a:buChar char="•"/>
+              <a:defRPr kumimoji="1" sz="3600" kern="1200">
+                <a:solidFill>
+                  <a:schemeClr val="tx1"/>
+                </a:solidFill>
+                <a:latin typeface="+mn-lt"/>
+                <a:ea typeface="+mn-ea"/>
+                <a:cs typeface="+mn-cs"/>
+              </a:defRPr>
+            </a:lvl6pPr>
+            <a:lvl7pPr marL="5943600" indent="-457200" algn="l" defTabSz="1828800" rtl="0" eaLnBrk="1" latinLnBrk="0" hangingPunct="1">
+              <a:lnSpc>
+                <a:spcPct val="90000"/>
+              </a:lnSpc>
+              <a:spcBef>
+                <a:spcPts val="1000"/>
+              </a:spcBef>
+              <a:buFont typeface="Arial" panose="020B0604020202020204" pitchFamily="34" charset="0"/>
+              <a:buChar char="•"/>
+              <a:defRPr kumimoji="1" sz="3600" kern="1200">
+                <a:solidFill>
+                  <a:schemeClr val="tx1"/>
+                </a:solidFill>
+                <a:latin typeface="+mn-lt"/>
+                <a:ea typeface="+mn-ea"/>
+                <a:cs typeface="+mn-cs"/>
+              </a:defRPr>
+            </a:lvl7pPr>
+            <a:lvl8pPr marL="6858000" indent="-457200" algn="l" defTabSz="1828800" rtl="0" eaLnBrk="1" latinLnBrk="0" hangingPunct="1">
+              <a:lnSpc>
+                <a:spcPct val="90000"/>
+              </a:lnSpc>
+              <a:spcBef>
+                <a:spcPts val="1000"/>
+              </a:spcBef>
+              <a:buFont typeface="Arial" panose="020B0604020202020204" pitchFamily="34" charset="0"/>
+              <a:buChar char="•"/>
+              <a:defRPr kumimoji="1" sz="3600" kern="1200">
+                <a:solidFill>
+                  <a:schemeClr val="tx1"/>
+                </a:solidFill>
+                <a:latin typeface="+mn-lt"/>
+                <a:ea typeface="+mn-ea"/>
+                <a:cs typeface="+mn-cs"/>
+              </a:defRPr>
+            </a:lvl8pPr>
+            <a:lvl9pPr marL="7772400" indent="-457200" algn="l" defTabSz="1828800" rtl="0" eaLnBrk="1" latinLnBrk="0" hangingPunct="1">
+              <a:lnSpc>
+                <a:spcPct val="90000"/>
+              </a:lnSpc>
+              <a:spcBef>
+                <a:spcPts val="1000"/>
+              </a:spcBef>
+              <a:buFont typeface="Arial" panose="020B0604020202020204" pitchFamily="34" charset="0"/>
+              <a:buChar char="•"/>
+              <a:defRPr kumimoji="1" sz="3600" kern="1200">
+                <a:solidFill>
+                  <a:schemeClr val="tx1"/>
+                </a:solidFill>
+                <a:latin typeface="+mn-lt"/>
+                <a:ea typeface="+mn-ea"/>
+                <a:cs typeface="+mn-cs"/>
+              </a:defRPr>
+            </a:lvl9pPr>
+          </a:lstStyle>
+          <a:p>
+            <a:r>
+              <a:rPr lang="ja-JP" altLang="en-US"/>
+              <a:t>非言語情報は無意識的に発生する傾向がある</a:t>
+            </a:r>
+            <a:endParaRPr lang="en-US" altLang="ja-JP" dirty="0"/>
+          </a:p>
+        </p:txBody>
+      </p:sp>
+      <p:sp>
+        <p:nvSpPr>
+          <p:cNvPr id="61" name="三角形 60">
+            <a:extLst>
+              <a:ext uri="{FF2B5EF4-FFF2-40B4-BE49-F238E27FC236}">
+                <a16:creationId xmlns:a16="http://schemas.microsoft.com/office/drawing/2014/main" id="{45E85650-C524-714D-BCF4-91E2BA04FBD8}"/>
               </a:ext>
             </a:extLst>
           </p:cNvPr>
@@ -25271,7 +26855,7 @@
         </p:nvSpPr>
         <p:spPr>
           <a:xfrm rot="5400000">
-            <a:off x="1076238" y="8155510"/>
+            <a:off x="1076238" y="4224541"/>
             <a:ext cx="480900" cy="320016"/>
           </a:xfrm>
           <a:prstGeom prst="triangle">
@@ -25309,10 +26893,10 @@
       </p:sp>
       <p:sp>
         <p:nvSpPr>
-          <p:cNvPr id="68" name="テキスト プレースホルダー 29">
+          <p:cNvPr id="62" name="テキスト プレースホルダー 29">
             <a:extLst>
               <a:ext uri="{FF2B5EF4-FFF2-40B4-BE49-F238E27FC236}">
-                <a16:creationId xmlns:a16="http://schemas.microsoft.com/office/drawing/2014/main" id="{2A2F38F0-F966-9A46-AB8B-D9E187A0B395}"/>
+                <a16:creationId xmlns:a16="http://schemas.microsoft.com/office/drawing/2014/main" id="{0259F2F3-2A02-894C-8A4A-414B6B3B8C19}"/>
               </a:ext>
             </a:extLst>
           </p:cNvPr>
@@ -25323,7 +26907,7 @@
         </p:nvSpPr>
         <p:spPr>
           <a:xfrm>
-            <a:off x="1568600" y="8040236"/>
+            <a:off x="1568600" y="4109267"/>
             <a:ext cx="16135964" cy="853994"/>
           </a:xfrm>
           <a:prstGeom prst="rect">
@@ -25501,16 +27085,2469 @@
           <a:p>
             <a:r>
               <a:rPr lang="ja-JP" altLang="en-US"/>
-              <a:t>感情は伝達方法とは独立に</a:t>
-            </a:r>
+              <a:t>言語情報は意識的に発生</a:t>
+            </a:r>
+          </a:p>
+        </p:txBody>
+      </p:sp>
+      <p:sp>
+        <p:nvSpPr>
+          <p:cNvPr id="85" name="三角形 84">
+            <a:extLst>
+              <a:ext uri="{FF2B5EF4-FFF2-40B4-BE49-F238E27FC236}">
+                <a16:creationId xmlns:a16="http://schemas.microsoft.com/office/drawing/2014/main" id="{D5372EEC-A12E-9C42-BA47-3FAFAF210858}"/>
+              </a:ext>
+            </a:extLst>
+          </p:cNvPr>
+          <p:cNvSpPr/>
+          <p:nvPr/>
+        </p:nvSpPr>
+        <p:spPr>
+          <a:xfrm rot="5400000">
+            <a:off x="1076238" y="4976137"/>
+            <a:ext cx="480900" cy="320016"/>
+          </a:xfrm>
+          <a:prstGeom prst="triangle">
+            <a:avLst/>
+          </a:prstGeom>
+          <a:solidFill>
+            <a:schemeClr val="accent1"/>
+          </a:solidFill>
+          <a:ln>
+            <a:noFill/>
+          </a:ln>
+        </p:spPr>
+        <p:style>
+          <a:lnRef idx="0">
+            <a:scrgbClr r="0" g="0" b="0"/>
+          </a:lnRef>
+          <a:fillRef idx="0">
+            <a:scrgbClr r="0" g="0" b="0"/>
+          </a:fillRef>
+          <a:effectRef idx="0">
+            <a:scrgbClr r="0" g="0" b="0"/>
+          </a:effectRef>
+          <a:fontRef idx="minor">
+            <a:schemeClr val="lt1"/>
+          </a:fontRef>
+        </p:style>
+        <p:txBody>
+          <a:bodyPr rtlCol="0" anchor="ctr"/>
+          <a:lstStyle/>
+          <a:p>
+            <a:pPr algn="ctr"/>
+            <a:endParaRPr kumimoji="1" lang="ja-JP" altLang="en-US" sz="7200"/>
+          </a:p>
+        </p:txBody>
+      </p:sp>
+      <p:sp>
+        <p:nvSpPr>
+          <p:cNvPr id="86" name="テキスト プレースホルダー 29">
+            <a:extLst>
+              <a:ext uri="{FF2B5EF4-FFF2-40B4-BE49-F238E27FC236}">
+                <a16:creationId xmlns:a16="http://schemas.microsoft.com/office/drawing/2014/main" id="{733A6D2A-0A32-6C49-81E4-ABA395E2E4D6}"/>
+              </a:ext>
+            </a:extLst>
+          </p:cNvPr>
+          <p:cNvSpPr txBox="1">
+            <a:spLocks/>
+          </p:cNvSpPr>
+          <p:nvPr/>
+        </p:nvSpPr>
+        <p:spPr>
+          <a:xfrm>
+            <a:off x="1568600" y="4860863"/>
+            <a:ext cx="16135964" cy="853994"/>
+          </a:xfrm>
+          <a:prstGeom prst="rect">
+            <a:avLst/>
+          </a:prstGeom>
+        </p:spPr>
+        <p:txBody>
+          <a:bodyPr>
+            <a:normAutofit/>
+          </a:bodyPr>
+          <a:lstStyle>
+            <a:lvl1pPr marL="0" indent="0" algn="l" defTabSz="1828800" rtl="0" eaLnBrk="1" latinLnBrk="0" hangingPunct="1">
+              <a:lnSpc>
+                <a:spcPct val="90000"/>
+              </a:lnSpc>
+              <a:spcBef>
+                <a:spcPts val="2000"/>
+              </a:spcBef>
+              <a:buFont typeface="Arial" panose="020B0604020202020204" pitchFamily="34" charset="0"/>
+              <a:buNone/>
+              <a:defRPr kumimoji="1" sz="4000" kern="1200">
+                <a:solidFill>
+                  <a:srgbClr val="424242"/>
+                </a:solidFill>
+                <a:latin typeface="+mn-lt"/>
+                <a:ea typeface="+mn-ea"/>
+                <a:cs typeface="+mn-cs"/>
+              </a:defRPr>
+            </a:lvl1pPr>
+            <a:lvl2pPr marL="1371600" indent="-457200" algn="l" defTabSz="1828800" rtl="0" eaLnBrk="1" latinLnBrk="0" hangingPunct="1">
+              <a:lnSpc>
+                <a:spcPct val="90000"/>
+              </a:lnSpc>
+              <a:spcBef>
+                <a:spcPts val="1000"/>
+              </a:spcBef>
+              <a:buFont typeface="Arial" panose="020B0604020202020204" pitchFamily="34" charset="0"/>
+              <a:buChar char="•"/>
+              <a:defRPr kumimoji="1" sz="4800" kern="1200">
+                <a:solidFill>
+                  <a:schemeClr val="tx1"/>
+                </a:solidFill>
+                <a:latin typeface="+mn-lt"/>
+                <a:ea typeface="+mn-ea"/>
+                <a:cs typeface="+mn-cs"/>
+              </a:defRPr>
+            </a:lvl2pPr>
+            <a:lvl3pPr marL="2286000" indent="-457200" algn="l" defTabSz="1828800" rtl="0" eaLnBrk="1" latinLnBrk="0" hangingPunct="1">
+              <a:lnSpc>
+                <a:spcPct val="90000"/>
+              </a:lnSpc>
+              <a:spcBef>
+                <a:spcPts val="1000"/>
+              </a:spcBef>
+              <a:buFont typeface="Arial" panose="020B0604020202020204" pitchFamily="34" charset="0"/>
+              <a:buChar char="•"/>
+              <a:defRPr kumimoji="1" sz="4000" kern="1200">
+                <a:solidFill>
+                  <a:schemeClr val="tx1"/>
+                </a:solidFill>
+                <a:latin typeface="+mn-lt"/>
+                <a:ea typeface="+mn-ea"/>
+                <a:cs typeface="+mn-cs"/>
+              </a:defRPr>
+            </a:lvl3pPr>
+            <a:lvl4pPr marL="3200400" indent="-457200" algn="l" defTabSz="1828800" rtl="0" eaLnBrk="1" latinLnBrk="0" hangingPunct="1">
+              <a:lnSpc>
+                <a:spcPct val="90000"/>
+              </a:lnSpc>
+              <a:spcBef>
+                <a:spcPts val="1000"/>
+              </a:spcBef>
+              <a:buFont typeface="Arial" panose="020B0604020202020204" pitchFamily="34" charset="0"/>
+              <a:buChar char="•"/>
+              <a:defRPr kumimoji="1" sz="3600" kern="1200">
+                <a:solidFill>
+                  <a:schemeClr val="tx1"/>
+                </a:solidFill>
+                <a:latin typeface="+mn-lt"/>
+                <a:ea typeface="+mn-ea"/>
+                <a:cs typeface="+mn-cs"/>
+              </a:defRPr>
+            </a:lvl4pPr>
+            <a:lvl5pPr marL="4114800" indent="-457200" algn="l" defTabSz="1828800" rtl="0" eaLnBrk="1" latinLnBrk="0" hangingPunct="1">
+              <a:lnSpc>
+                <a:spcPct val="90000"/>
+              </a:lnSpc>
+              <a:spcBef>
+                <a:spcPts val="1000"/>
+              </a:spcBef>
+              <a:buFont typeface="Arial" panose="020B0604020202020204" pitchFamily="34" charset="0"/>
+              <a:buChar char="•"/>
+              <a:defRPr kumimoji="1" sz="3600" kern="1200">
+                <a:solidFill>
+                  <a:schemeClr val="tx1"/>
+                </a:solidFill>
+                <a:latin typeface="+mn-lt"/>
+                <a:ea typeface="+mn-ea"/>
+                <a:cs typeface="+mn-cs"/>
+              </a:defRPr>
+            </a:lvl5pPr>
+            <a:lvl6pPr marL="5029200" indent="-457200" algn="l" defTabSz="1828800" rtl="0" eaLnBrk="1" latinLnBrk="0" hangingPunct="1">
+              <a:lnSpc>
+                <a:spcPct val="90000"/>
+              </a:lnSpc>
+              <a:spcBef>
+                <a:spcPts val="1000"/>
+              </a:spcBef>
+              <a:buFont typeface="Arial" panose="020B0604020202020204" pitchFamily="34" charset="0"/>
+              <a:buChar char="•"/>
+              <a:defRPr kumimoji="1" sz="3600" kern="1200">
+                <a:solidFill>
+                  <a:schemeClr val="tx1"/>
+                </a:solidFill>
+                <a:latin typeface="+mn-lt"/>
+                <a:ea typeface="+mn-ea"/>
+                <a:cs typeface="+mn-cs"/>
+              </a:defRPr>
+            </a:lvl6pPr>
+            <a:lvl7pPr marL="5943600" indent="-457200" algn="l" defTabSz="1828800" rtl="0" eaLnBrk="1" latinLnBrk="0" hangingPunct="1">
+              <a:lnSpc>
+                <a:spcPct val="90000"/>
+              </a:lnSpc>
+              <a:spcBef>
+                <a:spcPts val="1000"/>
+              </a:spcBef>
+              <a:buFont typeface="Arial" panose="020B0604020202020204" pitchFamily="34" charset="0"/>
+              <a:buChar char="•"/>
+              <a:defRPr kumimoji="1" sz="3600" kern="1200">
+                <a:solidFill>
+                  <a:schemeClr val="tx1"/>
+                </a:solidFill>
+                <a:latin typeface="+mn-lt"/>
+                <a:ea typeface="+mn-ea"/>
+                <a:cs typeface="+mn-cs"/>
+              </a:defRPr>
+            </a:lvl7pPr>
+            <a:lvl8pPr marL="6858000" indent="-457200" algn="l" defTabSz="1828800" rtl="0" eaLnBrk="1" latinLnBrk="0" hangingPunct="1">
+              <a:lnSpc>
+                <a:spcPct val="90000"/>
+              </a:lnSpc>
+              <a:spcBef>
+                <a:spcPts val="1000"/>
+              </a:spcBef>
+              <a:buFont typeface="Arial" panose="020B0604020202020204" pitchFamily="34" charset="0"/>
+              <a:buChar char="•"/>
+              <a:defRPr kumimoji="1" sz="3600" kern="1200">
+                <a:solidFill>
+                  <a:schemeClr val="tx1"/>
+                </a:solidFill>
+                <a:latin typeface="+mn-lt"/>
+                <a:ea typeface="+mn-ea"/>
+                <a:cs typeface="+mn-cs"/>
+              </a:defRPr>
+            </a:lvl8pPr>
+            <a:lvl9pPr marL="7772400" indent="-457200" algn="l" defTabSz="1828800" rtl="0" eaLnBrk="1" latinLnBrk="0" hangingPunct="1">
+              <a:lnSpc>
+                <a:spcPct val="90000"/>
+              </a:lnSpc>
+              <a:spcBef>
+                <a:spcPts val="1000"/>
+              </a:spcBef>
+              <a:buFont typeface="Arial" panose="020B0604020202020204" pitchFamily="34" charset="0"/>
+              <a:buChar char="•"/>
+              <a:defRPr kumimoji="1" sz="3600" kern="1200">
+                <a:solidFill>
+                  <a:schemeClr val="tx1"/>
+                </a:solidFill>
+                <a:latin typeface="+mn-lt"/>
+                <a:ea typeface="+mn-ea"/>
+                <a:cs typeface="+mn-cs"/>
+              </a:defRPr>
+            </a:lvl9pPr>
+          </a:lstStyle>
+          <a:p>
+            <a:r>
+              <a:rPr lang="ja-JP" altLang="en-US"/>
+              <a:t>非言語情報は信頼を得るための重要な役割を担う</a:t>
+            </a:r>
+          </a:p>
+        </p:txBody>
+      </p:sp>
+      <p:sp>
+        <p:nvSpPr>
+          <p:cNvPr id="88" name="右矢印 87">
+            <a:extLst>
+              <a:ext uri="{FF2B5EF4-FFF2-40B4-BE49-F238E27FC236}">
+                <a16:creationId xmlns:a16="http://schemas.microsoft.com/office/drawing/2014/main" id="{B2726149-731B-4241-8CC2-43028B60AB91}"/>
+              </a:ext>
+            </a:extLst>
+          </p:cNvPr>
+          <p:cNvSpPr/>
+          <p:nvPr/>
+        </p:nvSpPr>
+        <p:spPr>
+          <a:xfrm rot="5400000">
+            <a:off x="8806581" y="5472839"/>
+            <a:ext cx="674837" cy="1734774"/>
+          </a:xfrm>
+          <a:prstGeom prst="rightArrow">
+            <a:avLst/>
+          </a:prstGeom>
+          <a:ln>
+            <a:noFill/>
+          </a:ln>
+        </p:spPr>
+        <p:style>
+          <a:lnRef idx="2">
+            <a:schemeClr val="accent1">
+              <a:shade val="50000"/>
+            </a:schemeClr>
+          </a:lnRef>
+          <a:fillRef idx="1">
+            <a:schemeClr val="accent1"/>
+          </a:fillRef>
+          <a:effectRef idx="0">
+            <a:schemeClr val="accent1"/>
+          </a:effectRef>
+          <a:fontRef idx="minor">
+            <a:schemeClr val="lt1"/>
+          </a:fontRef>
+        </p:style>
+        <p:txBody>
+          <a:bodyPr rtlCol="0" anchor="ctr"/>
+          <a:lstStyle/>
+          <a:p>
+            <a:pPr algn="ctr"/>
+            <a:endParaRPr kumimoji="1" lang="ja-JP" altLang="en-US">
+              <a:solidFill>
+                <a:schemeClr val="bg2"/>
+              </a:solidFill>
+            </a:endParaRPr>
+          </a:p>
+        </p:txBody>
+      </p:sp>
+      <p:sp>
+        <p:nvSpPr>
+          <p:cNvPr id="89" name="テキスト ボックス 88">
+            <a:extLst>
+              <a:ext uri="{FF2B5EF4-FFF2-40B4-BE49-F238E27FC236}">
+                <a16:creationId xmlns:a16="http://schemas.microsoft.com/office/drawing/2014/main" id="{DF2C7423-B68F-474A-8821-485C8D836D1F}"/>
+              </a:ext>
+            </a:extLst>
+          </p:cNvPr>
+          <p:cNvSpPr txBox="1"/>
+          <p:nvPr/>
+        </p:nvSpPr>
+        <p:spPr>
+          <a:xfrm>
+            <a:off x="797127" y="7185472"/>
+            <a:ext cx="16693747" cy="1446550"/>
+          </a:xfrm>
+          <a:prstGeom prst="rect">
+            <a:avLst/>
+          </a:prstGeom>
+          <a:noFill/>
+        </p:spPr>
+        <p:txBody>
+          <a:bodyPr wrap="square" rtlCol="0">
+            <a:spAutoFit/>
+          </a:bodyPr>
+          <a:lstStyle/>
+          <a:p>
+            <a:pPr algn="ctr"/>
+            <a:r>
+              <a:rPr lang="ja-JP" altLang="en-US" sz="4400">
+                <a:solidFill>
+                  <a:schemeClr val="accent2"/>
+                </a:solidFill>
+              </a:rPr>
+              <a:t>言語・非言語の感情表現が交渉でどのような効果を及ぼすか</a:t>
+            </a:r>
+            <a:endParaRPr lang="en-US" altLang="ja-JP" sz="4400" dirty="0">
+              <a:solidFill>
+                <a:schemeClr val="accent2"/>
+              </a:solidFill>
+            </a:endParaRPr>
+          </a:p>
+          <a:p>
+            <a:pPr algn="ctr"/>
+            <a:r>
+              <a:rPr lang="ja-JP" altLang="en-US" sz="4400">
+                <a:solidFill>
+                  <a:schemeClr val="accent2"/>
+                </a:solidFill>
+              </a:rPr>
+              <a:t>さらなる研究が必要</a:t>
+            </a:r>
+            <a:endParaRPr kumimoji="1" lang="en-US" altLang="ja-JP" sz="4400" dirty="0">
+              <a:solidFill>
+                <a:schemeClr val="accent2"/>
+              </a:solidFill>
+            </a:endParaRPr>
+          </a:p>
+        </p:txBody>
+      </p:sp>
+    </p:spTree>
+    <p:extLst>
+      <p:ext uri="{BB962C8B-B14F-4D97-AF65-F5344CB8AC3E}">
+        <p14:creationId xmlns:p14="http://schemas.microsoft.com/office/powerpoint/2010/main" val="1668306569"/>
+      </p:ext>
+    </p:extLst>
+  </p:cSld>
+  <p:clrMapOvr>
+    <a:masterClrMapping/>
+  </p:clrMapOvr>
+</p:sld>
+</file>
+
+<file path=ppt/slides/slide19.xml><?xml version="1.0" encoding="utf-8"?>
+<p:sld xmlns:a="http://schemas.openxmlformats.org/drawingml/2006/main" xmlns:r="http://schemas.openxmlformats.org/officeDocument/2006/relationships" xmlns:p="http://schemas.openxmlformats.org/presentationml/2006/main">
+  <p:cSld>
+    <p:spTree>
+      <p:nvGrpSpPr>
+        <p:cNvPr id="1" name=""/>
+        <p:cNvGrpSpPr/>
+        <p:nvPr/>
+      </p:nvGrpSpPr>
+      <p:grpSpPr>
+        <a:xfrm>
+          <a:off x="0" y="0"/>
+          <a:ext cx="0" cy="0"/>
+          <a:chOff x="0" y="0"/>
+          <a:chExt cx="0" cy="0"/>
+        </a:xfrm>
+      </p:grpSpPr>
+      <p:sp>
+        <p:nvSpPr>
+          <p:cNvPr id="2" name="日付プレースホルダー 1">
+            <a:extLst>
+              <a:ext uri="{FF2B5EF4-FFF2-40B4-BE49-F238E27FC236}">
+                <a16:creationId xmlns:a16="http://schemas.microsoft.com/office/drawing/2014/main" id="{9A3628AA-5FBA-534C-B3C4-2DB73F7968C2}"/>
+              </a:ext>
+            </a:extLst>
+          </p:cNvPr>
+          <p:cNvSpPr>
+            <a:spLocks noGrp="1"/>
+          </p:cNvSpPr>
+          <p:nvPr>
+            <p:ph type="dt" sz="half" idx="10"/>
+          </p:nvPr>
+        </p:nvSpPr>
+        <p:spPr/>
+        <p:txBody>
+          <a:bodyPr/>
+          <a:lstStyle/>
+          <a:p>
+            <a:fld id="{E987203A-5B41-5648-8157-822A487E08FC}" type="datetime1">
+              <a:rPr lang="ja-JP" altLang="en-US" smtClean="0"/>
+              <a:t>2018/5/2</a:t>
+            </a:fld>
+            <a:endParaRPr lang="ja-JP" altLang="en-US"/>
+          </a:p>
+        </p:txBody>
+      </p:sp>
+      <p:sp>
+        <p:nvSpPr>
+          <p:cNvPr id="3" name="フッター プレースホルダー 2">
+            <a:extLst>
+              <a:ext uri="{FF2B5EF4-FFF2-40B4-BE49-F238E27FC236}">
+                <a16:creationId xmlns:a16="http://schemas.microsoft.com/office/drawing/2014/main" id="{98D8000A-67DE-B846-8AE0-A91C6FD8ECBB}"/>
+              </a:ext>
+            </a:extLst>
+          </p:cNvPr>
+          <p:cNvSpPr>
+            <a:spLocks noGrp="1"/>
+          </p:cNvSpPr>
+          <p:nvPr>
+            <p:ph type="ftr" sz="quarter" idx="11"/>
+          </p:nvPr>
+        </p:nvSpPr>
+        <p:spPr/>
+        <p:txBody>
+          <a:bodyPr/>
+          <a:lstStyle/>
+          <a:p>
+            <a:r>
+              <a:rPr lang="ja-JP" altLang="en-US"/>
+              <a:t>文献講読発表</a:t>
+            </a:r>
+            <a:r>
+              <a:rPr lang="en-US" altLang="ja-JP"/>
+              <a:t>(2018.04.25)</a:t>
+            </a:r>
+            <a:endParaRPr lang="ja-JP" altLang="en-US"/>
+          </a:p>
+        </p:txBody>
+      </p:sp>
+      <p:sp>
+        <p:nvSpPr>
+          <p:cNvPr id="4" name="スライド番号プレースホルダー 3">
+            <a:extLst>
+              <a:ext uri="{FF2B5EF4-FFF2-40B4-BE49-F238E27FC236}">
+                <a16:creationId xmlns:a16="http://schemas.microsoft.com/office/drawing/2014/main" id="{5241896A-DBD1-D845-A5F2-1904C1003E91}"/>
+              </a:ext>
+            </a:extLst>
+          </p:cNvPr>
+          <p:cNvSpPr>
+            <a:spLocks noGrp="1"/>
+          </p:cNvSpPr>
+          <p:nvPr>
+            <p:ph type="sldNum" sz="quarter" idx="12"/>
+          </p:nvPr>
+        </p:nvSpPr>
+        <p:spPr/>
+        <p:txBody>
+          <a:bodyPr/>
+          <a:lstStyle/>
+          <a:p>
+            <a:fld id="{89242BC1-393D-1248-985B-18DA624F2964}" type="slidenum">
+              <a:rPr lang="ja-JP" altLang="en-US" smtClean="0"/>
+              <a:pPr/>
+              <a:t>19</a:t>
+            </a:fld>
+            <a:endParaRPr lang="ja-JP" altLang="en-US"/>
+          </a:p>
+        </p:txBody>
+      </p:sp>
+      <p:sp>
+        <p:nvSpPr>
+          <p:cNvPr id="5" name="テキスト プレースホルダー 4">
+            <a:extLst>
+              <a:ext uri="{FF2B5EF4-FFF2-40B4-BE49-F238E27FC236}">
+                <a16:creationId xmlns:a16="http://schemas.microsoft.com/office/drawing/2014/main" id="{9F22905A-C42A-1845-B4C2-9D8885E87338}"/>
+              </a:ext>
+            </a:extLst>
+          </p:cNvPr>
+          <p:cNvSpPr>
+            <a:spLocks noGrp="1"/>
+          </p:cNvSpPr>
+          <p:nvPr>
+            <p:ph type="body" sz="quarter" idx="13"/>
+          </p:nvPr>
+        </p:nvSpPr>
+        <p:spPr/>
+        <p:txBody>
+          <a:bodyPr/>
+          <a:lstStyle/>
+          <a:p>
             <a:r>
               <a:rPr lang="en-US" altLang="ja-JP" dirty="0"/>
-              <a:t>demand difference</a:t>
-            </a:r>
+              <a:t>4</a:t>
+            </a:r>
+            <a:endParaRPr kumimoji="1" lang="ja-JP" altLang="en-US"/>
+          </a:p>
+        </p:txBody>
+      </p:sp>
+      <p:sp>
+        <p:nvSpPr>
+          <p:cNvPr id="6" name="テキスト プレースホルダー 5">
+            <a:extLst>
+              <a:ext uri="{FF2B5EF4-FFF2-40B4-BE49-F238E27FC236}">
+                <a16:creationId xmlns:a16="http://schemas.microsoft.com/office/drawing/2014/main" id="{A72A944A-0DD6-C246-AA6A-153A95866A6D}"/>
+              </a:ext>
+            </a:extLst>
+          </p:cNvPr>
+          <p:cNvSpPr>
+            <a:spLocks noGrp="1"/>
+          </p:cNvSpPr>
+          <p:nvPr>
+            <p:ph type="body" sz="quarter" idx="14"/>
+          </p:nvPr>
+        </p:nvSpPr>
+        <p:spPr/>
+        <p:txBody>
+          <a:bodyPr/>
+          <a:lstStyle/>
+          <a:p>
+            <a:r>
+              <a:rPr kumimoji="1" lang="ja-JP" altLang="en-US"/>
+              <a:t>考察</a:t>
+            </a:r>
+          </a:p>
+        </p:txBody>
+      </p:sp>
+      <p:grpSp>
+        <p:nvGrpSpPr>
+          <p:cNvPr id="35" name="グループ化 34">
+            <a:extLst>
+              <a:ext uri="{FF2B5EF4-FFF2-40B4-BE49-F238E27FC236}">
+                <a16:creationId xmlns:a16="http://schemas.microsoft.com/office/drawing/2014/main" id="{AB16B722-0D46-E24D-A20E-09138FE8C8EC}"/>
+              </a:ext>
+            </a:extLst>
+          </p:cNvPr>
+          <p:cNvGrpSpPr/>
+          <p:nvPr/>
+        </p:nvGrpSpPr>
+        <p:grpSpPr>
+          <a:xfrm>
+            <a:off x="289330" y="1413298"/>
+            <a:ext cx="2160000" cy="934436"/>
+            <a:chOff x="144665" y="525617"/>
+            <a:chExt cx="1080000" cy="467218"/>
+          </a:xfrm>
+        </p:grpSpPr>
+        <p:sp>
+          <p:nvSpPr>
+            <p:cNvPr id="36" name="正方形/長方形 35">
+              <a:extLst>
+                <a:ext uri="{FF2B5EF4-FFF2-40B4-BE49-F238E27FC236}">
+                  <a16:creationId xmlns:a16="http://schemas.microsoft.com/office/drawing/2014/main" id="{C7BE27B8-E1BF-9849-910A-12ED6A6A7226}"/>
+                </a:ext>
+              </a:extLst>
+            </p:cNvPr>
+            <p:cNvSpPr/>
+            <p:nvPr userDrawn="1"/>
+          </p:nvSpPr>
+          <p:spPr>
+            <a:xfrm>
+              <a:off x="145524" y="542424"/>
+              <a:ext cx="91081" cy="450411"/>
+            </a:xfrm>
+            <a:prstGeom prst="rect">
+              <a:avLst/>
+            </a:prstGeom>
+            <a:solidFill>
+              <a:schemeClr val="accent1"/>
+            </a:solidFill>
+            <a:ln>
+              <a:noFill/>
+            </a:ln>
+          </p:spPr>
+          <p:style>
+            <a:lnRef idx="2">
+              <a:schemeClr val="accent1">
+                <a:shade val="50000"/>
+              </a:schemeClr>
+            </a:lnRef>
+            <a:fillRef idx="1">
+              <a:schemeClr val="accent1"/>
+            </a:fillRef>
+            <a:effectRef idx="0">
+              <a:schemeClr val="accent1"/>
+            </a:effectRef>
+            <a:fontRef idx="minor">
+              <a:schemeClr val="lt1"/>
+            </a:fontRef>
+          </p:style>
+          <p:txBody>
+            <a:bodyPr rot="0" spcFirstLastPara="0" vertOverflow="overflow" horzOverflow="overflow" vert="horz" wrap="square" lIns="68580" tIns="34290" rIns="68580" bIns="34290" numCol="1" spcCol="0" rtlCol="0" fromWordArt="0" anchor="ctr" anchorCtr="0" forceAA="0" compatLnSpc="1">
+              <a:prstTxWarp prst="textNoShape">
+                <a:avLst/>
+              </a:prstTxWarp>
+              <a:noAutofit/>
+            </a:bodyPr>
+            <a:lstStyle/>
+            <a:p>
+              <a:pPr algn="ctr"/>
+              <a:endParaRPr kumimoji="1" lang="ja-JP" altLang="en-US" sz="2700"/>
+            </a:p>
+          </p:txBody>
+        </p:sp>
+        <p:sp>
+          <p:nvSpPr>
+            <p:cNvPr id="37" name="正方形/長方形 36">
+              <a:extLst>
+                <a:ext uri="{FF2B5EF4-FFF2-40B4-BE49-F238E27FC236}">
+                  <a16:creationId xmlns:a16="http://schemas.microsoft.com/office/drawing/2014/main" id="{B03DE4C5-552F-0F48-848B-8D93953E79F9}"/>
+                </a:ext>
+              </a:extLst>
+            </p:cNvPr>
+            <p:cNvSpPr/>
+            <p:nvPr userDrawn="1"/>
+          </p:nvSpPr>
+          <p:spPr>
+            <a:xfrm>
+              <a:off x="144665" y="525617"/>
+              <a:ext cx="1080000" cy="16137"/>
+            </a:xfrm>
+            <a:prstGeom prst="rect">
+              <a:avLst/>
+            </a:prstGeom>
+            <a:solidFill>
+              <a:schemeClr val="accent1"/>
+            </a:solidFill>
+            <a:ln>
+              <a:noFill/>
+            </a:ln>
+          </p:spPr>
+          <p:style>
+            <a:lnRef idx="2">
+              <a:schemeClr val="accent1">
+                <a:shade val="50000"/>
+              </a:schemeClr>
+            </a:lnRef>
+            <a:fillRef idx="1">
+              <a:schemeClr val="accent1"/>
+            </a:fillRef>
+            <a:effectRef idx="0">
+              <a:schemeClr val="accent1"/>
+            </a:effectRef>
+            <a:fontRef idx="minor">
+              <a:schemeClr val="lt1"/>
+            </a:fontRef>
+          </p:style>
+          <p:txBody>
+            <a:bodyPr rot="0" spcFirstLastPara="0" vertOverflow="overflow" horzOverflow="overflow" vert="horz" wrap="square" lIns="68580" tIns="34290" rIns="68580" bIns="34290" numCol="1" spcCol="0" rtlCol="0" fromWordArt="0" anchor="ctr" anchorCtr="0" forceAA="0" compatLnSpc="1">
+              <a:prstTxWarp prst="textNoShape">
+                <a:avLst/>
+              </a:prstTxWarp>
+              <a:noAutofit/>
+            </a:bodyPr>
+            <a:lstStyle/>
+            <a:p>
+              <a:pPr algn="ctr"/>
+              <a:endParaRPr kumimoji="1" lang="ja-JP" altLang="en-US" sz="2700"/>
+            </a:p>
+          </p:txBody>
+        </p:sp>
+      </p:grpSp>
+      <p:sp>
+        <p:nvSpPr>
+          <p:cNvPr id="46" name="テキスト プレースホルダー 30">
+            <a:extLst>
+              <a:ext uri="{FF2B5EF4-FFF2-40B4-BE49-F238E27FC236}">
+                <a16:creationId xmlns:a16="http://schemas.microsoft.com/office/drawing/2014/main" id="{D1E20380-EE69-3645-903D-57F695254A5B}"/>
+              </a:ext>
+            </a:extLst>
+          </p:cNvPr>
+          <p:cNvSpPr txBox="1">
+            <a:spLocks/>
+          </p:cNvSpPr>
+          <p:nvPr/>
+        </p:nvSpPr>
+        <p:spPr>
+          <a:xfrm>
+            <a:off x="571049" y="1583871"/>
+            <a:ext cx="17302163" cy="1403350"/>
+          </a:xfrm>
+          <a:prstGeom prst="rect">
+            <a:avLst/>
+          </a:prstGeom>
+        </p:spPr>
+        <p:txBody>
+          <a:bodyPr>
+            <a:normAutofit/>
+          </a:bodyPr>
+          <a:lstStyle>
+            <a:lvl1pPr marL="0" indent="0" algn="l" defTabSz="1828800" rtl="0" eaLnBrk="1" latinLnBrk="0" hangingPunct="1">
+              <a:lnSpc>
+                <a:spcPct val="90000"/>
+              </a:lnSpc>
+              <a:spcBef>
+                <a:spcPts val="2000"/>
+              </a:spcBef>
+              <a:buFont typeface="Arial" panose="020B0604020202020204" pitchFamily="34" charset="0"/>
+              <a:buNone/>
+              <a:defRPr kumimoji="1" sz="6000" kern="1200">
+                <a:solidFill>
+                  <a:schemeClr val="tx1"/>
+                </a:solidFill>
+                <a:latin typeface="+mn-lt"/>
+                <a:ea typeface="+mn-ea"/>
+                <a:cs typeface="+mn-cs"/>
+              </a:defRPr>
+            </a:lvl1pPr>
+            <a:lvl2pPr marL="1371600" indent="-457200" algn="l" defTabSz="1828800" rtl="0" eaLnBrk="1" latinLnBrk="0" hangingPunct="1">
+              <a:lnSpc>
+                <a:spcPct val="90000"/>
+              </a:lnSpc>
+              <a:spcBef>
+                <a:spcPts val="1000"/>
+              </a:spcBef>
+              <a:buFont typeface="Arial" panose="020B0604020202020204" pitchFamily="34" charset="0"/>
+              <a:buChar char="•"/>
+              <a:defRPr kumimoji="1" sz="4800" kern="1200">
+                <a:solidFill>
+                  <a:schemeClr val="tx1"/>
+                </a:solidFill>
+                <a:latin typeface="+mn-lt"/>
+                <a:ea typeface="+mn-ea"/>
+                <a:cs typeface="+mn-cs"/>
+              </a:defRPr>
+            </a:lvl2pPr>
+            <a:lvl3pPr marL="2286000" indent="-457200" algn="l" defTabSz="1828800" rtl="0" eaLnBrk="1" latinLnBrk="0" hangingPunct="1">
+              <a:lnSpc>
+                <a:spcPct val="90000"/>
+              </a:lnSpc>
+              <a:spcBef>
+                <a:spcPts val="1000"/>
+              </a:spcBef>
+              <a:buFont typeface="Arial" panose="020B0604020202020204" pitchFamily="34" charset="0"/>
+              <a:buChar char="•"/>
+              <a:defRPr kumimoji="1" sz="4000" kern="1200">
+                <a:solidFill>
+                  <a:schemeClr val="tx1"/>
+                </a:solidFill>
+                <a:latin typeface="+mn-lt"/>
+                <a:ea typeface="+mn-ea"/>
+                <a:cs typeface="+mn-cs"/>
+              </a:defRPr>
+            </a:lvl3pPr>
+            <a:lvl4pPr marL="3200400" indent="-457200" algn="l" defTabSz="1828800" rtl="0" eaLnBrk="1" latinLnBrk="0" hangingPunct="1">
+              <a:lnSpc>
+                <a:spcPct val="90000"/>
+              </a:lnSpc>
+              <a:spcBef>
+                <a:spcPts val="1000"/>
+              </a:spcBef>
+              <a:buFont typeface="Arial" panose="020B0604020202020204" pitchFamily="34" charset="0"/>
+              <a:buChar char="•"/>
+              <a:defRPr kumimoji="1" sz="3600" kern="1200">
+                <a:solidFill>
+                  <a:schemeClr val="tx1"/>
+                </a:solidFill>
+                <a:latin typeface="+mn-lt"/>
+                <a:ea typeface="+mn-ea"/>
+                <a:cs typeface="+mn-cs"/>
+              </a:defRPr>
+            </a:lvl4pPr>
+            <a:lvl5pPr marL="4114800" indent="-457200" algn="l" defTabSz="1828800" rtl="0" eaLnBrk="1" latinLnBrk="0" hangingPunct="1">
+              <a:lnSpc>
+                <a:spcPct val="90000"/>
+              </a:lnSpc>
+              <a:spcBef>
+                <a:spcPts val="1000"/>
+              </a:spcBef>
+              <a:buFont typeface="Arial" panose="020B0604020202020204" pitchFamily="34" charset="0"/>
+              <a:buChar char="•"/>
+              <a:defRPr kumimoji="1" sz="3600" kern="1200">
+                <a:solidFill>
+                  <a:schemeClr val="tx1"/>
+                </a:solidFill>
+                <a:latin typeface="+mn-lt"/>
+                <a:ea typeface="+mn-ea"/>
+                <a:cs typeface="+mn-cs"/>
+              </a:defRPr>
+            </a:lvl5pPr>
+            <a:lvl6pPr marL="5029200" indent="-457200" algn="l" defTabSz="1828800" rtl="0" eaLnBrk="1" latinLnBrk="0" hangingPunct="1">
+              <a:lnSpc>
+                <a:spcPct val="90000"/>
+              </a:lnSpc>
+              <a:spcBef>
+                <a:spcPts val="1000"/>
+              </a:spcBef>
+              <a:buFont typeface="Arial" panose="020B0604020202020204" pitchFamily="34" charset="0"/>
+              <a:buChar char="•"/>
+              <a:defRPr kumimoji="1" sz="3600" kern="1200">
+                <a:solidFill>
+                  <a:schemeClr val="tx1"/>
+                </a:solidFill>
+                <a:latin typeface="+mn-lt"/>
+                <a:ea typeface="+mn-ea"/>
+                <a:cs typeface="+mn-cs"/>
+              </a:defRPr>
+            </a:lvl6pPr>
+            <a:lvl7pPr marL="5943600" indent="-457200" algn="l" defTabSz="1828800" rtl="0" eaLnBrk="1" latinLnBrk="0" hangingPunct="1">
+              <a:lnSpc>
+                <a:spcPct val="90000"/>
+              </a:lnSpc>
+              <a:spcBef>
+                <a:spcPts val="1000"/>
+              </a:spcBef>
+              <a:buFont typeface="Arial" panose="020B0604020202020204" pitchFamily="34" charset="0"/>
+              <a:buChar char="•"/>
+              <a:defRPr kumimoji="1" sz="3600" kern="1200">
+                <a:solidFill>
+                  <a:schemeClr val="tx1"/>
+                </a:solidFill>
+                <a:latin typeface="+mn-lt"/>
+                <a:ea typeface="+mn-ea"/>
+                <a:cs typeface="+mn-cs"/>
+              </a:defRPr>
+            </a:lvl7pPr>
+            <a:lvl8pPr marL="6858000" indent="-457200" algn="l" defTabSz="1828800" rtl="0" eaLnBrk="1" latinLnBrk="0" hangingPunct="1">
+              <a:lnSpc>
+                <a:spcPct val="90000"/>
+              </a:lnSpc>
+              <a:spcBef>
+                <a:spcPts val="1000"/>
+              </a:spcBef>
+              <a:buFont typeface="Arial" panose="020B0604020202020204" pitchFamily="34" charset="0"/>
+              <a:buChar char="•"/>
+              <a:defRPr kumimoji="1" sz="3600" kern="1200">
+                <a:solidFill>
+                  <a:schemeClr val="tx1"/>
+                </a:solidFill>
+                <a:latin typeface="+mn-lt"/>
+                <a:ea typeface="+mn-ea"/>
+                <a:cs typeface="+mn-cs"/>
+              </a:defRPr>
+            </a:lvl8pPr>
+            <a:lvl9pPr marL="7772400" indent="-457200" algn="l" defTabSz="1828800" rtl="0" eaLnBrk="1" latinLnBrk="0" hangingPunct="1">
+              <a:lnSpc>
+                <a:spcPct val="90000"/>
+              </a:lnSpc>
+              <a:spcBef>
+                <a:spcPts val="1000"/>
+              </a:spcBef>
+              <a:buFont typeface="Arial" panose="020B0604020202020204" pitchFamily="34" charset="0"/>
+              <a:buChar char="•"/>
+              <a:defRPr kumimoji="1" sz="3600" kern="1200">
+                <a:solidFill>
+                  <a:schemeClr val="tx1"/>
+                </a:solidFill>
+                <a:latin typeface="+mn-lt"/>
+                <a:ea typeface="+mn-ea"/>
+                <a:cs typeface="+mn-cs"/>
+              </a:defRPr>
+            </a:lvl9pPr>
+          </a:lstStyle>
+          <a:p>
             <a:r>
               <a:rPr lang="ja-JP" altLang="en-US"/>
-              <a:t>に影響を与える</a:t>
-            </a:r>
+              <a:t>今後の展望</a:t>
+            </a:r>
+          </a:p>
+        </p:txBody>
+      </p:sp>
+      <p:grpSp>
+        <p:nvGrpSpPr>
+          <p:cNvPr id="44" name="グループ化 43">
+            <a:extLst>
+              <a:ext uri="{FF2B5EF4-FFF2-40B4-BE49-F238E27FC236}">
+                <a16:creationId xmlns:a16="http://schemas.microsoft.com/office/drawing/2014/main" id="{B340531D-7A0A-AF44-9528-8ABE96A661D4}"/>
+              </a:ext>
+            </a:extLst>
+          </p:cNvPr>
+          <p:cNvGrpSpPr/>
+          <p:nvPr/>
+        </p:nvGrpSpPr>
+        <p:grpSpPr>
+          <a:xfrm>
+            <a:off x="617232" y="2557358"/>
+            <a:ext cx="539448" cy="487368"/>
+            <a:chOff x="400056" y="1061560"/>
+            <a:chExt cx="269724" cy="243684"/>
+          </a:xfrm>
+        </p:grpSpPr>
+        <p:sp>
+          <p:nvSpPr>
+            <p:cNvPr id="45" name="三角形 44">
+              <a:extLst>
+                <a:ext uri="{FF2B5EF4-FFF2-40B4-BE49-F238E27FC236}">
+                  <a16:creationId xmlns:a16="http://schemas.microsoft.com/office/drawing/2014/main" id="{E89A58E3-C66F-9C42-BD08-EF42D216C746}"/>
+                </a:ext>
+              </a:extLst>
+            </p:cNvPr>
+            <p:cNvSpPr/>
+            <p:nvPr userDrawn="1"/>
+          </p:nvSpPr>
+          <p:spPr>
+            <a:xfrm rot="5400000">
+              <a:off x="359835" y="1105015"/>
+              <a:ext cx="240450" cy="160008"/>
+            </a:xfrm>
+            <a:prstGeom prst="triangle">
+              <a:avLst/>
+            </a:prstGeom>
+            <a:solidFill>
+              <a:schemeClr val="accent1"/>
+            </a:solidFill>
+            <a:ln>
+              <a:noFill/>
+            </a:ln>
+          </p:spPr>
+          <p:style>
+            <a:lnRef idx="0">
+              <a:scrgbClr r="0" g="0" b="0"/>
+            </a:lnRef>
+            <a:fillRef idx="0">
+              <a:scrgbClr r="0" g="0" b="0"/>
+            </a:fillRef>
+            <a:effectRef idx="0">
+              <a:scrgbClr r="0" g="0" b="0"/>
+            </a:effectRef>
+            <a:fontRef idx="minor">
+              <a:schemeClr val="lt1"/>
+            </a:fontRef>
+          </p:style>
+          <p:txBody>
+            <a:bodyPr rtlCol="0" anchor="ctr"/>
+            <a:lstStyle/>
+            <a:p>
+              <a:pPr algn="ctr"/>
+              <a:endParaRPr kumimoji="1" lang="ja-JP" altLang="en-US" sz="7200"/>
+            </a:p>
+          </p:txBody>
+        </p:sp>
+        <p:sp>
+          <p:nvSpPr>
+            <p:cNvPr id="51" name="三角形 50">
+              <a:extLst>
+                <a:ext uri="{FF2B5EF4-FFF2-40B4-BE49-F238E27FC236}">
+                  <a16:creationId xmlns:a16="http://schemas.microsoft.com/office/drawing/2014/main" id="{98334894-80B2-FD43-9907-8497AD776786}"/>
+                </a:ext>
+              </a:extLst>
+            </p:cNvPr>
+            <p:cNvSpPr/>
+            <p:nvPr userDrawn="1"/>
+          </p:nvSpPr>
+          <p:spPr>
+            <a:xfrm rot="5400000">
+              <a:off x="469551" y="1101781"/>
+              <a:ext cx="240450" cy="160008"/>
+            </a:xfrm>
+            <a:prstGeom prst="triangle">
+              <a:avLst/>
+            </a:prstGeom>
+            <a:solidFill>
+              <a:schemeClr val="accent1"/>
+            </a:solidFill>
+            <a:ln>
+              <a:noFill/>
+            </a:ln>
+          </p:spPr>
+          <p:style>
+            <a:lnRef idx="0">
+              <a:scrgbClr r="0" g="0" b="0"/>
+            </a:lnRef>
+            <a:fillRef idx="0">
+              <a:scrgbClr r="0" g="0" b="0"/>
+            </a:fillRef>
+            <a:effectRef idx="0">
+              <a:scrgbClr r="0" g="0" b="0"/>
+            </a:effectRef>
+            <a:fontRef idx="minor">
+              <a:schemeClr val="lt1"/>
+            </a:fontRef>
+          </p:style>
+          <p:txBody>
+            <a:bodyPr rtlCol="0" anchor="ctr"/>
+            <a:lstStyle/>
+            <a:p>
+              <a:pPr algn="ctr"/>
+              <a:endParaRPr kumimoji="1" lang="ja-JP" altLang="en-US" sz="7200"/>
+            </a:p>
+          </p:txBody>
+        </p:sp>
+      </p:grpSp>
+      <p:sp>
+        <p:nvSpPr>
+          <p:cNvPr id="52" name="テキスト プレースホルダー 27">
+            <a:extLst>
+              <a:ext uri="{FF2B5EF4-FFF2-40B4-BE49-F238E27FC236}">
+                <a16:creationId xmlns:a16="http://schemas.microsoft.com/office/drawing/2014/main" id="{B8C15C33-5A32-714E-9A9F-F3D3D67A2AAE}"/>
+              </a:ext>
+            </a:extLst>
+          </p:cNvPr>
+          <p:cNvSpPr txBox="1">
+            <a:spLocks/>
+          </p:cNvSpPr>
+          <p:nvPr/>
+        </p:nvSpPr>
+        <p:spPr>
+          <a:xfrm>
+            <a:off x="1254486" y="2484733"/>
+            <a:ext cx="16632960" cy="997834"/>
+          </a:xfrm>
+          <a:prstGeom prst="rect">
+            <a:avLst/>
+          </a:prstGeom>
+        </p:spPr>
+        <p:txBody>
+          <a:bodyPr>
+            <a:normAutofit/>
+          </a:bodyPr>
+          <a:lstStyle>
+            <a:lvl1pPr marL="0" indent="0" algn="l" defTabSz="1828800" rtl="0" eaLnBrk="1" latinLnBrk="0" hangingPunct="1">
+              <a:lnSpc>
+                <a:spcPct val="90000"/>
+              </a:lnSpc>
+              <a:spcBef>
+                <a:spcPts val="2000"/>
+              </a:spcBef>
+              <a:buFont typeface="Arial" panose="020B0604020202020204" pitchFamily="34" charset="0"/>
+              <a:buNone/>
+              <a:defRPr kumimoji="1" sz="4800" kern="1200">
+                <a:solidFill>
+                  <a:srgbClr val="424242"/>
+                </a:solidFill>
+                <a:latin typeface="+mn-lt"/>
+                <a:ea typeface="+mn-ea"/>
+                <a:cs typeface="+mn-cs"/>
+              </a:defRPr>
+            </a:lvl1pPr>
+            <a:lvl2pPr marL="1371600" indent="-457200" algn="l" defTabSz="1828800" rtl="0" eaLnBrk="1" latinLnBrk="0" hangingPunct="1">
+              <a:lnSpc>
+                <a:spcPct val="90000"/>
+              </a:lnSpc>
+              <a:spcBef>
+                <a:spcPts val="1000"/>
+              </a:spcBef>
+              <a:buFont typeface="Arial" panose="020B0604020202020204" pitchFamily="34" charset="0"/>
+              <a:buChar char="•"/>
+              <a:defRPr kumimoji="1" sz="4800" kern="1200">
+                <a:solidFill>
+                  <a:schemeClr val="tx1"/>
+                </a:solidFill>
+                <a:latin typeface="+mn-lt"/>
+                <a:ea typeface="+mn-ea"/>
+                <a:cs typeface="+mn-cs"/>
+              </a:defRPr>
+            </a:lvl2pPr>
+            <a:lvl3pPr marL="2286000" indent="-457200" algn="l" defTabSz="1828800" rtl="0" eaLnBrk="1" latinLnBrk="0" hangingPunct="1">
+              <a:lnSpc>
+                <a:spcPct val="90000"/>
+              </a:lnSpc>
+              <a:spcBef>
+                <a:spcPts val="1000"/>
+              </a:spcBef>
+              <a:buFont typeface="Arial" panose="020B0604020202020204" pitchFamily="34" charset="0"/>
+              <a:buChar char="•"/>
+              <a:defRPr kumimoji="1" sz="4000" kern="1200">
+                <a:solidFill>
+                  <a:schemeClr val="tx1"/>
+                </a:solidFill>
+                <a:latin typeface="+mn-lt"/>
+                <a:ea typeface="+mn-ea"/>
+                <a:cs typeface="+mn-cs"/>
+              </a:defRPr>
+            </a:lvl3pPr>
+            <a:lvl4pPr marL="3200400" indent="-457200" algn="l" defTabSz="1828800" rtl="0" eaLnBrk="1" latinLnBrk="0" hangingPunct="1">
+              <a:lnSpc>
+                <a:spcPct val="90000"/>
+              </a:lnSpc>
+              <a:spcBef>
+                <a:spcPts val="1000"/>
+              </a:spcBef>
+              <a:buFont typeface="Arial" panose="020B0604020202020204" pitchFamily="34" charset="0"/>
+              <a:buChar char="•"/>
+              <a:defRPr kumimoji="1" sz="3600" kern="1200">
+                <a:solidFill>
+                  <a:schemeClr val="tx1"/>
+                </a:solidFill>
+                <a:latin typeface="+mn-lt"/>
+                <a:ea typeface="+mn-ea"/>
+                <a:cs typeface="+mn-cs"/>
+              </a:defRPr>
+            </a:lvl4pPr>
+            <a:lvl5pPr marL="4114800" indent="-457200" algn="l" defTabSz="1828800" rtl="0" eaLnBrk="1" latinLnBrk="0" hangingPunct="1">
+              <a:lnSpc>
+                <a:spcPct val="90000"/>
+              </a:lnSpc>
+              <a:spcBef>
+                <a:spcPts val="1000"/>
+              </a:spcBef>
+              <a:buFont typeface="Arial" panose="020B0604020202020204" pitchFamily="34" charset="0"/>
+              <a:buChar char="•"/>
+              <a:defRPr kumimoji="1" sz="3600" kern="1200">
+                <a:solidFill>
+                  <a:schemeClr val="tx1"/>
+                </a:solidFill>
+                <a:latin typeface="+mn-lt"/>
+                <a:ea typeface="+mn-ea"/>
+                <a:cs typeface="+mn-cs"/>
+              </a:defRPr>
+            </a:lvl5pPr>
+            <a:lvl6pPr marL="5029200" indent="-457200" algn="l" defTabSz="1828800" rtl="0" eaLnBrk="1" latinLnBrk="0" hangingPunct="1">
+              <a:lnSpc>
+                <a:spcPct val="90000"/>
+              </a:lnSpc>
+              <a:spcBef>
+                <a:spcPts val="1000"/>
+              </a:spcBef>
+              <a:buFont typeface="Arial" panose="020B0604020202020204" pitchFamily="34" charset="0"/>
+              <a:buChar char="•"/>
+              <a:defRPr kumimoji="1" sz="3600" kern="1200">
+                <a:solidFill>
+                  <a:schemeClr val="tx1"/>
+                </a:solidFill>
+                <a:latin typeface="+mn-lt"/>
+                <a:ea typeface="+mn-ea"/>
+                <a:cs typeface="+mn-cs"/>
+              </a:defRPr>
+            </a:lvl6pPr>
+            <a:lvl7pPr marL="5943600" indent="-457200" algn="l" defTabSz="1828800" rtl="0" eaLnBrk="1" latinLnBrk="0" hangingPunct="1">
+              <a:lnSpc>
+                <a:spcPct val="90000"/>
+              </a:lnSpc>
+              <a:spcBef>
+                <a:spcPts val="1000"/>
+              </a:spcBef>
+              <a:buFont typeface="Arial" panose="020B0604020202020204" pitchFamily="34" charset="0"/>
+              <a:buChar char="•"/>
+              <a:defRPr kumimoji="1" sz="3600" kern="1200">
+                <a:solidFill>
+                  <a:schemeClr val="tx1"/>
+                </a:solidFill>
+                <a:latin typeface="+mn-lt"/>
+                <a:ea typeface="+mn-ea"/>
+                <a:cs typeface="+mn-cs"/>
+              </a:defRPr>
+            </a:lvl7pPr>
+            <a:lvl8pPr marL="6858000" indent="-457200" algn="l" defTabSz="1828800" rtl="0" eaLnBrk="1" latinLnBrk="0" hangingPunct="1">
+              <a:lnSpc>
+                <a:spcPct val="90000"/>
+              </a:lnSpc>
+              <a:spcBef>
+                <a:spcPts val="1000"/>
+              </a:spcBef>
+              <a:buFont typeface="Arial" panose="020B0604020202020204" pitchFamily="34" charset="0"/>
+              <a:buChar char="•"/>
+              <a:defRPr kumimoji="1" sz="3600" kern="1200">
+                <a:solidFill>
+                  <a:schemeClr val="tx1"/>
+                </a:solidFill>
+                <a:latin typeface="+mn-lt"/>
+                <a:ea typeface="+mn-ea"/>
+                <a:cs typeface="+mn-cs"/>
+              </a:defRPr>
+            </a:lvl8pPr>
+            <a:lvl9pPr marL="7772400" indent="-457200" algn="l" defTabSz="1828800" rtl="0" eaLnBrk="1" latinLnBrk="0" hangingPunct="1">
+              <a:lnSpc>
+                <a:spcPct val="90000"/>
+              </a:lnSpc>
+              <a:spcBef>
+                <a:spcPts val="1000"/>
+              </a:spcBef>
+              <a:buFont typeface="Arial" panose="020B0604020202020204" pitchFamily="34" charset="0"/>
+              <a:buChar char="•"/>
+              <a:defRPr kumimoji="1" sz="3600" kern="1200">
+                <a:solidFill>
+                  <a:schemeClr val="tx1"/>
+                </a:solidFill>
+                <a:latin typeface="+mn-lt"/>
+                <a:ea typeface="+mn-ea"/>
+                <a:cs typeface="+mn-cs"/>
+              </a:defRPr>
+            </a:lvl9pPr>
+          </a:lstStyle>
+          <a:p>
+            <a:r>
+              <a:rPr lang="ja-JP" altLang="en-US"/>
+              <a:t>怒り・喜び以外の感情が交渉に影響を及ぼすか</a:t>
+            </a:r>
+            <a:endParaRPr lang="en-US" altLang="ja-JP" dirty="0"/>
+          </a:p>
+        </p:txBody>
+      </p:sp>
+      <p:sp>
+        <p:nvSpPr>
+          <p:cNvPr id="53" name="右矢印 52">
+            <a:extLst>
+              <a:ext uri="{FF2B5EF4-FFF2-40B4-BE49-F238E27FC236}">
+                <a16:creationId xmlns:a16="http://schemas.microsoft.com/office/drawing/2014/main" id="{859D4D0E-9111-D847-8CF8-AB67C5A4970E}"/>
+              </a:ext>
+            </a:extLst>
+          </p:cNvPr>
+          <p:cNvSpPr/>
+          <p:nvPr/>
+        </p:nvSpPr>
+        <p:spPr>
+          <a:xfrm rot="5400000">
+            <a:off x="8806581" y="3909992"/>
+            <a:ext cx="674837" cy="1734774"/>
+          </a:xfrm>
+          <a:prstGeom prst="rightArrow">
+            <a:avLst/>
+          </a:prstGeom>
+          <a:ln>
+            <a:noFill/>
+          </a:ln>
+        </p:spPr>
+        <p:style>
+          <a:lnRef idx="2">
+            <a:schemeClr val="accent1">
+              <a:shade val="50000"/>
+            </a:schemeClr>
+          </a:lnRef>
+          <a:fillRef idx="1">
+            <a:schemeClr val="accent1"/>
+          </a:fillRef>
+          <a:effectRef idx="0">
+            <a:schemeClr val="accent1"/>
+          </a:effectRef>
+          <a:fontRef idx="minor">
+            <a:schemeClr val="lt1"/>
+          </a:fontRef>
+        </p:style>
+        <p:txBody>
+          <a:bodyPr rtlCol="0" anchor="ctr"/>
+          <a:lstStyle/>
+          <a:p>
+            <a:pPr algn="ctr"/>
+            <a:endParaRPr kumimoji="1" lang="ja-JP" altLang="en-US">
+              <a:solidFill>
+                <a:schemeClr val="bg2"/>
+              </a:solidFill>
+            </a:endParaRPr>
+          </a:p>
+        </p:txBody>
+      </p:sp>
+      <p:sp>
+        <p:nvSpPr>
+          <p:cNvPr id="54" name="テキスト ボックス 53">
+            <a:extLst>
+              <a:ext uri="{FF2B5EF4-FFF2-40B4-BE49-F238E27FC236}">
+                <a16:creationId xmlns:a16="http://schemas.microsoft.com/office/drawing/2014/main" id="{795976B5-5051-C44E-8E91-697D3D382244}"/>
+              </a:ext>
+            </a:extLst>
+          </p:cNvPr>
+          <p:cNvSpPr txBox="1"/>
+          <p:nvPr/>
+        </p:nvSpPr>
+        <p:spPr>
+          <a:xfrm>
+            <a:off x="797127" y="5622625"/>
+            <a:ext cx="16693747" cy="769441"/>
+          </a:xfrm>
+          <a:prstGeom prst="rect">
+            <a:avLst/>
+          </a:prstGeom>
+          <a:noFill/>
+        </p:spPr>
+        <p:txBody>
+          <a:bodyPr wrap="square" rtlCol="0">
+            <a:spAutoFit/>
+          </a:bodyPr>
+          <a:lstStyle/>
+          <a:p>
+            <a:pPr algn="ctr"/>
+            <a:r>
+              <a:rPr lang="ja-JP" altLang="en-US" sz="4400">
+                <a:solidFill>
+                  <a:schemeClr val="accent2"/>
+                </a:solidFill>
+              </a:rPr>
+              <a:t>様々な感情が交渉にどのような効果を与えるか研究が必要</a:t>
+            </a:r>
+            <a:endParaRPr kumimoji="1" lang="en-US" altLang="ja-JP" sz="4400" dirty="0">
+              <a:solidFill>
+                <a:schemeClr val="accent2"/>
+              </a:solidFill>
+            </a:endParaRPr>
+          </a:p>
+        </p:txBody>
+      </p:sp>
+      <p:sp>
+        <p:nvSpPr>
+          <p:cNvPr id="55" name="三角形 54">
+            <a:extLst>
+              <a:ext uri="{FF2B5EF4-FFF2-40B4-BE49-F238E27FC236}">
+                <a16:creationId xmlns:a16="http://schemas.microsoft.com/office/drawing/2014/main" id="{22CE9083-1DFF-2347-B055-F6C57DBED4C4}"/>
+              </a:ext>
+            </a:extLst>
+          </p:cNvPr>
+          <p:cNvSpPr/>
+          <p:nvPr/>
+        </p:nvSpPr>
+        <p:spPr>
+          <a:xfrm rot="5400000">
+            <a:off x="1076238" y="3361776"/>
+            <a:ext cx="480900" cy="320016"/>
+          </a:xfrm>
+          <a:prstGeom prst="triangle">
+            <a:avLst/>
+          </a:prstGeom>
+          <a:solidFill>
+            <a:schemeClr val="accent1"/>
+          </a:solidFill>
+          <a:ln>
+            <a:noFill/>
+          </a:ln>
+        </p:spPr>
+        <p:style>
+          <a:lnRef idx="0">
+            <a:scrgbClr r="0" g="0" b="0"/>
+          </a:lnRef>
+          <a:fillRef idx="0">
+            <a:scrgbClr r="0" g="0" b="0"/>
+          </a:fillRef>
+          <a:effectRef idx="0">
+            <a:scrgbClr r="0" g="0" b="0"/>
+          </a:effectRef>
+          <a:fontRef idx="minor">
+            <a:schemeClr val="lt1"/>
+          </a:fontRef>
+        </p:style>
+        <p:txBody>
+          <a:bodyPr rtlCol="0" anchor="ctr"/>
+          <a:lstStyle/>
+          <a:p>
+            <a:pPr algn="ctr"/>
+            <a:endParaRPr kumimoji="1" lang="ja-JP" altLang="en-US" sz="7200"/>
+          </a:p>
+        </p:txBody>
+      </p:sp>
+      <p:sp>
+        <p:nvSpPr>
+          <p:cNvPr id="56" name="テキスト プレースホルダー 29">
+            <a:extLst>
+              <a:ext uri="{FF2B5EF4-FFF2-40B4-BE49-F238E27FC236}">
+                <a16:creationId xmlns:a16="http://schemas.microsoft.com/office/drawing/2014/main" id="{09C4CF51-2CEC-1745-8885-78294B54F550}"/>
+              </a:ext>
+            </a:extLst>
+          </p:cNvPr>
+          <p:cNvSpPr txBox="1">
+            <a:spLocks/>
+          </p:cNvSpPr>
+          <p:nvPr/>
+        </p:nvSpPr>
+        <p:spPr>
+          <a:xfrm>
+            <a:off x="1568600" y="3246502"/>
+            <a:ext cx="16135964" cy="853994"/>
+          </a:xfrm>
+          <a:prstGeom prst="rect">
+            <a:avLst/>
+          </a:prstGeom>
+        </p:spPr>
+        <p:txBody>
+          <a:bodyPr>
+            <a:normAutofit/>
+          </a:bodyPr>
+          <a:lstStyle>
+            <a:lvl1pPr marL="0" indent="0" algn="l" defTabSz="1828800" rtl="0" eaLnBrk="1" latinLnBrk="0" hangingPunct="1">
+              <a:lnSpc>
+                <a:spcPct val="90000"/>
+              </a:lnSpc>
+              <a:spcBef>
+                <a:spcPts val="2000"/>
+              </a:spcBef>
+              <a:buFont typeface="Arial" panose="020B0604020202020204" pitchFamily="34" charset="0"/>
+              <a:buNone/>
+              <a:defRPr kumimoji="1" sz="4000" kern="1200">
+                <a:solidFill>
+                  <a:srgbClr val="424242"/>
+                </a:solidFill>
+                <a:latin typeface="+mn-lt"/>
+                <a:ea typeface="+mn-ea"/>
+                <a:cs typeface="+mn-cs"/>
+              </a:defRPr>
+            </a:lvl1pPr>
+            <a:lvl2pPr marL="1371600" indent="-457200" algn="l" defTabSz="1828800" rtl="0" eaLnBrk="1" latinLnBrk="0" hangingPunct="1">
+              <a:lnSpc>
+                <a:spcPct val="90000"/>
+              </a:lnSpc>
+              <a:spcBef>
+                <a:spcPts val="1000"/>
+              </a:spcBef>
+              <a:buFont typeface="Arial" panose="020B0604020202020204" pitchFamily="34" charset="0"/>
+              <a:buChar char="•"/>
+              <a:defRPr kumimoji="1" sz="4800" kern="1200">
+                <a:solidFill>
+                  <a:schemeClr val="tx1"/>
+                </a:solidFill>
+                <a:latin typeface="+mn-lt"/>
+                <a:ea typeface="+mn-ea"/>
+                <a:cs typeface="+mn-cs"/>
+              </a:defRPr>
+            </a:lvl2pPr>
+            <a:lvl3pPr marL="2286000" indent="-457200" algn="l" defTabSz="1828800" rtl="0" eaLnBrk="1" latinLnBrk="0" hangingPunct="1">
+              <a:lnSpc>
+                <a:spcPct val="90000"/>
+              </a:lnSpc>
+              <a:spcBef>
+                <a:spcPts val="1000"/>
+              </a:spcBef>
+              <a:buFont typeface="Arial" panose="020B0604020202020204" pitchFamily="34" charset="0"/>
+              <a:buChar char="•"/>
+              <a:defRPr kumimoji="1" sz="4000" kern="1200">
+                <a:solidFill>
+                  <a:schemeClr val="tx1"/>
+                </a:solidFill>
+                <a:latin typeface="+mn-lt"/>
+                <a:ea typeface="+mn-ea"/>
+                <a:cs typeface="+mn-cs"/>
+              </a:defRPr>
+            </a:lvl3pPr>
+            <a:lvl4pPr marL="3200400" indent="-457200" algn="l" defTabSz="1828800" rtl="0" eaLnBrk="1" latinLnBrk="0" hangingPunct="1">
+              <a:lnSpc>
+                <a:spcPct val="90000"/>
+              </a:lnSpc>
+              <a:spcBef>
+                <a:spcPts val="1000"/>
+              </a:spcBef>
+              <a:buFont typeface="Arial" panose="020B0604020202020204" pitchFamily="34" charset="0"/>
+              <a:buChar char="•"/>
+              <a:defRPr kumimoji="1" sz="3600" kern="1200">
+                <a:solidFill>
+                  <a:schemeClr val="tx1"/>
+                </a:solidFill>
+                <a:latin typeface="+mn-lt"/>
+                <a:ea typeface="+mn-ea"/>
+                <a:cs typeface="+mn-cs"/>
+              </a:defRPr>
+            </a:lvl4pPr>
+            <a:lvl5pPr marL="4114800" indent="-457200" algn="l" defTabSz="1828800" rtl="0" eaLnBrk="1" latinLnBrk="0" hangingPunct="1">
+              <a:lnSpc>
+                <a:spcPct val="90000"/>
+              </a:lnSpc>
+              <a:spcBef>
+                <a:spcPts val="1000"/>
+              </a:spcBef>
+              <a:buFont typeface="Arial" panose="020B0604020202020204" pitchFamily="34" charset="0"/>
+              <a:buChar char="•"/>
+              <a:defRPr kumimoji="1" sz="3600" kern="1200">
+                <a:solidFill>
+                  <a:schemeClr val="tx1"/>
+                </a:solidFill>
+                <a:latin typeface="+mn-lt"/>
+                <a:ea typeface="+mn-ea"/>
+                <a:cs typeface="+mn-cs"/>
+              </a:defRPr>
+            </a:lvl5pPr>
+            <a:lvl6pPr marL="5029200" indent="-457200" algn="l" defTabSz="1828800" rtl="0" eaLnBrk="1" latinLnBrk="0" hangingPunct="1">
+              <a:lnSpc>
+                <a:spcPct val="90000"/>
+              </a:lnSpc>
+              <a:spcBef>
+                <a:spcPts val="1000"/>
+              </a:spcBef>
+              <a:buFont typeface="Arial" panose="020B0604020202020204" pitchFamily="34" charset="0"/>
+              <a:buChar char="•"/>
+              <a:defRPr kumimoji="1" sz="3600" kern="1200">
+                <a:solidFill>
+                  <a:schemeClr val="tx1"/>
+                </a:solidFill>
+                <a:latin typeface="+mn-lt"/>
+                <a:ea typeface="+mn-ea"/>
+                <a:cs typeface="+mn-cs"/>
+              </a:defRPr>
+            </a:lvl6pPr>
+            <a:lvl7pPr marL="5943600" indent="-457200" algn="l" defTabSz="1828800" rtl="0" eaLnBrk="1" latinLnBrk="0" hangingPunct="1">
+              <a:lnSpc>
+                <a:spcPct val="90000"/>
+              </a:lnSpc>
+              <a:spcBef>
+                <a:spcPts val="1000"/>
+              </a:spcBef>
+              <a:buFont typeface="Arial" panose="020B0604020202020204" pitchFamily="34" charset="0"/>
+              <a:buChar char="•"/>
+              <a:defRPr kumimoji="1" sz="3600" kern="1200">
+                <a:solidFill>
+                  <a:schemeClr val="tx1"/>
+                </a:solidFill>
+                <a:latin typeface="+mn-lt"/>
+                <a:ea typeface="+mn-ea"/>
+                <a:cs typeface="+mn-cs"/>
+              </a:defRPr>
+            </a:lvl7pPr>
+            <a:lvl8pPr marL="6858000" indent="-457200" algn="l" defTabSz="1828800" rtl="0" eaLnBrk="1" latinLnBrk="0" hangingPunct="1">
+              <a:lnSpc>
+                <a:spcPct val="90000"/>
+              </a:lnSpc>
+              <a:spcBef>
+                <a:spcPts val="1000"/>
+              </a:spcBef>
+              <a:buFont typeface="Arial" panose="020B0604020202020204" pitchFamily="34" charset="0"/>
+              <a:buChar char="•"/>
+              <a:defRPr kumimoji="1" sz="3600" kern="1200">
+                <a:solidFill>
+                  <a:schemeClr val="tx1"/>
+                </a:solidFill>
+                <a:latin typeface="+mn-lt"/>
+                <a:ea typeface="+mn-ea"/>
+                <a:cs typeface="+mn-cs"/>
+              </a:defRPr>
+            </a:lvl8pPr>
+            <a:lvl9pPr marL="7772400" indent="-457200" algn="l" defTabSz="1828800" rtl="0" eaLnBrk="1" latinLnBrk="0" hangingPunct="1">
+              <a:lnSpc>
+                <a:spcPct val="90000"/>
+              </a:lnSpc>
+              <a:spcBef>
+                <a:spcPts val="1000"/>
+              </a:spcBef>
+              <a:buFont typeface="Arial" panose="020B0604020202020204" pitchFamily="34" charset="0"/>
+              <a:buChar char="•"/>
+              <a:defRPr kumimoji="1" sz="3600" kern="1200">
+                <a:solidFill>
+                  <a:schemeClr val="tx1"/>
+                </a:solidFill>
+                <a:latin typeface="+mn-lt"/>
+                <a:ea typeface="+mn-ea"/>
+                <a:cs typeface="+mn-cs"/>
+              </a:defRPr>
+            </a:lvl9pPr>
+          </a:lstStyle>
+          <a:p>
+            <a:r>
+              <a:rPr lang="ja-JP" altLang="en-US"/>
+              <a:t>嘆願・妥協を行う相手では譲歩する度合いが異なる</a:t>
+            </a:r>
+          </a:p>
+        </p:txBody>
+      </p:sp>
+      <p:grpSp>
+        <p:nvGrpSpPr>
+          <p:cNvPr id="57" name="グループ化 56">
+            <a:extLst>
+              <a:ext uri="{FF2B5EF4-FFF2-40B4-BE49-F238E27FC236}">
+                <a16:creationId xmlns:a16="http://schemas.microsoft.com/office/drawing/2014/main" id="{462714CF-CC58-0F43-A9E4-9D8BDFFE1C74}"/>
+              </a:ext>
+            </a:extLst>
+          </p:cNvPr>
+          <p:cNvGrpSpPr/>
+          <p:nvPr/>
+        </p:nvGrpSpPr>
+        <p:grpSpPr>
+          <a:xfrm>
+            <a:off x="617232" y="7099657"/>
+            <a:ext cx="539448" cy="487368"/>
+            <a:chOff x="400056" y="1061560"/>
+            <a:chExt cx="269724" cy="243684"/>
+          </a:xfrm>
+        </p:grpSpPr>
+        <p:sp>
+          <p:nvSpPr>
+            <p:cNvPr id="58" name="三角形 57">
+              <a:extLst>
+                <a:ext uri="{FF2B5EF4-FFF2-40B4-BE49-F238E27FC236}">
+                  <a16:creationId xmlns:a16="http://schemas.microsoft.com/office/drawing/2014/main" id="{424D98D7-DE20-A44D-91D1-DE8F8B1A1C25}"/>
+                </a:ext>
+              </a:extLst>
+            </p:cNvPr>
+            <p:cNvSpPr/>
+            <p:nvPr userDrawn="1"/>
+          </p:nvSpPr>
+          <p:spPr>
+            <a:xfrm rot="5400000">
+              <a:off x="359835" y="1105015"/>
+              <a:ext cx="240450" cy="160008"/>
+            </a:xfrm>
+            <a:prstGeom prst="triangle">
+              <a:avLst/>
+            </a:prstGeom>
+            <a:solidFill>
+              <a:schemeClr val="accent1"/>
+            </a:solidFill>
+            <a:ln>
+              <a:noFill/>
+            </a:ln>
+          </p:spPr>
+          <p:style>
+            <a:lnRef idx="0">
+              <a:scrgbClr r="0" g="0" b="0"/>
+            </a:lnRef>
+            <a:fillRef idx="0">
+              <a:scrgbClr r="0" g="0" b="0"/>
+            </a:fillRef>
+            <a:effectRef idx="0">
+              <a:scrgbClr r="0" g="0" b="0"/>
+            </a:effectRef>
+            <a:fontRef idx="minor">
+              <a:schemeClr val="lt1"/>
+            </a:fontRef>
+          </p:style>
+          <p:txBody>
+            <a:bodyPr rtlCol="0" anchor="ctr"/>
+            <a:lstStyle/>
+            <a:p>
+              <a:pPr algn="ctr"/>
+              <a:endParaRPr kumimoji="1" lang="ja-JP" altLang="en-US" sz="7200"/>
+            </a:p>
+          </p:txBody>
+        </p:sp>
+        <p:sp>
+          <p:nvSpPr>
+            <p:cNvPr id="59" name="三角形 58">
+              <a:extLst>
+                <a:ext uri="{FF2B5EF4-FFF2-40B4-BE49-F238E27FC236}">
+                  <a16:creationId xmlns:a16="http://schemas.microsoft.com/office/drawing/2014/main" id="{476528A0-14F5-CF42-BEC5-90BC4B6365F3}"/>
+                </a:ext>
+              </a:extLst>
+            </p:cNvPr>
+            <p:cNvSpPr/>
+            <p:nvPr userDrawn="1"/>
+          </p:nvSpPr>
+          <p:spPr>
+            <a:xfrm rot="5400000">
+              <a:off x="469551" y="1101781"/>
+              <a:ext cx="240450" cy="160008"/>
+            </a:xfrm>
+            <a:prstGeom prst="triangle">
+              <a:avLst/>
+            </a:prstGeom>
+            <a:solidFill>
+              <a:schemeClr val="accent1"/>
+            </a:solidFill>
+            <a:ln>
+              <a:noFill/>
+            </a:ln>
+          </p:spPr>
+          <p:style>
+            <a:lnRef idx="0">
+              <a:scrgbClr r="0" g="0" b="0"/>
+            </a:lnRef>
+            <a:fillRef idx="0">
+              <a:scrgbClr r="0" g="0" b="0"/>
+            </a:fillRef>
+            <a:effectRef idx="0">
+              <a:scrgbClr r="0" g="0" b="0"/>
+            </a:effectRef>
+            <a:fontRef idx="minor">
+              <a:schemeClr val="lt1"/>
+            </a:fontRef>
+          </p:style>
+          <p:txBody>
+            <a:bodyPr rtlCol="0" anchor="ctr"/>
+            <a:lstStyle/>
+            <a:p>
+              <a:pPr algn="ctr"/>
+              <a:endParaRPr kumimoji="1" lang="ja-JP" altLang="en-US" sz="7200"/>
+            </a:p>
+          </p:txBody>
+        </p:sp>
+      </p:grpSp>
+      <p:sp>
+        <p:nvSpPr>
+          <p:cNvPr id="60" name="テキスト プレースホルダー 27">
+            <a:extLst>
+              <a:ext uri="{FF2B5EF4-FFF2-40B4-BE49-F238E27FC236}">
+                <a16:creationId xmlns:a16="http://schemas.microsoft.com/office/drawing/2014/main" id="{74ABE184-2C2D-1B47-A1DE-C0B0D1BD6A5F}"/>
+              </a:ext>
+            </a:extLst>
+          </p:cNvPr>
+          <p:cNvSpPr txBox="1">
+            <a:spLocks/>
+          </p:cNvSpPr>
+          <p:nvPr/>
+        </p:nvSpPr>
+        <p:spPr>
+          <a:xfrm>
+            <a:off x="1254486" y="7027032"/>
+            <a:ext cx="16632960" cy="997834"/>
+          </a:xfrm>
+          <a:prstGeom prst="rect">
+            <a:avLst/>
+          </a:prstGeom>
+        </p:spPr>
+        <p:txBody>
+          <a:bodyPr>
+            <a:normAutofit/>
+          </a:bodyPr>
+          <a:lstStyle>
+            <a:lvl1pPr marL="0" indent="0" algn="l" defTabSz="1828800" rtl="0" eaLnBrk="1" latinLnBrk="0" hangingPunct="1">
+              <a:lnSpc>
+                <a:spcPct val="90000"/>
+              </a:lnSpc>
+              <a:spcBef>
+                <a:spcPts val="2000"/>
+              </a:spcBef>
+              <a:buFont typeface="Arial" panose="020B0604020202020204" pitchFamily="34" charset="0"/>
+              <a:buNone/>
+              <a:defRPr kumimoji="1" sz="4800" kern="1200">
+                <a:solidFill>
+                  <a:srgbClr val="424242"/>
+                </a:solidFill>
+                <a:latin typeface="+mn-lt"/>
+                <a:ea typeface="+mn-ea"/>
+                <a:cs typeface="+mn-cs"/>
+              </a:defRPr>
+            </a:lvl1pPr>
+            <a:lvl2pPr marL="1371600" indent="-457200" algn="l" defTabSz="1828800" rtl="0" eaLnBrk="1" latinLnBrk="0" hangingPunct="1">
+              <a:lnSpc>
+                <a:spcPct val="90000"/>
+              </a:lnSpc>
+              <a:spcBef>
+                <a:spcPts val="1000"/>
+              </a:spcBef>
+              <a:buFont typeface="Arial" panose="020B0604020202020204" pitchFamily="34" charset="0"/>
+              <a:buChar char="•"/>
+              <a:defRPr kumimoji="1" sz="4800" kern="1200">
+                <a:solidFill>
+                  <a:schemeClr val="tx1"/>
+                </a:solidFill>
+                <a:latin typeface="+mn-lt"/>
+                <a:ea typeface="+mn-ea"/>
+                <a:cs typeface="+mn-cs"/>
+              </a:defRPr>
+            </a:lvl2pPr>
+            <a:lvl3pPr marL="2286000" indent="-457200" algn="l" defTabSz="1828800" rtl="0" eaLnBrk="1" latinLnBrk="0" hangingPunct="1">
+              <a:lnSpc>
+                <a:spcPct val="90000"/>
+              </a:lnSpc>
+              <a:spcBef>
+                <a:spcPts val="1000"/>
+              </a:spcBef>
+              <a:buFont typeface="Arial" panose="020B0604020202020204" pitchFamily="34" charset="0"/>
+              <a:buChar char="•"/>
+              <a:defRPr kumimoji="1" sz="4000" kern="1200">
+                <a:solidFill>
+                  <a:schemeClr val="tx1"/>
+                </a:solidFill>
+                <a:latin typeface="+mn-lt"/>
+                <a:ea typeface="+mn-ea"/>
+                <a:cs typeface="+mn-cs"/>
+              </a:defRPr>
+            </a:lvl3pPr>
+            <a:lvl4pPr marL="3200400" indent="-457200" algn="l" defTabSz="1828800" rtl="0" eaLnBrk="1" latinLnBrk="0" hangingPunct="1">
+              <a:lnSpc>
+                <a:spcPct val="90000"/>
+              </a:lnSpc>
+              <a:spcBef>
+                <a:spcPts val="1000"/>
+              </a:spcBef>
+              <a:buFont typeface="Arial" panose="020B0604020202020204" pitchFamily="34" charset="0"/>
+              <a:buChar char="•"/>
+              <a:defRPr kumimoji="1" sz="3600" kern="1200">
+                <a:solidFill>
+                  <a:schemeClr val="tx1"/>
+                </a:solidFill>
+                <a:latin typeface="+mn-lt"/>
+                <a:ea typeface="+mn-ea"/>
+                <a:cs typeface="+mn-cs"/>
+              </a:defRPr>
+            </a:lvl4pPr>
+            <a:lvl5pPr marL="4114800" indent="-457200" algn="l" defTabSz="1828800" rtl="0" eaLnBrk="1" latinLnBrk="0" hangingPunct="1">
+              <a:lnSpc>
+                <a:spcPct val="90000"/>
+              </a:lnSpc>
+              <a:spcBef>
+                <a:spcPts val="1000"/>
+              </a:spcBef>
+              <a:buFont typeface="Arial" panose="020B0604020202020204" pitchFamily="34" charset="0"/>
+              <a:buChar char="•"/>
+              <a:defRPr kumimoji="1" sz="3600" kern="1200">
+                <a:solidFill>
+                  <a:schemeClr val="tx1"/>
+                </a:solidFill>
+                <a:latin typeface="+mn-lt"/>
+                <a:ea typeface="+mn-ea"/>
+                <a:cs typeface="+mn-cs"/>
+              </a:defRPr>
+            </a:lvl5pPr>
+            <a:lvl6pPr marL="5029200" indent="-457200" algn="l" defTabSz="1828800" rtl="0" eaLnBrk="1" latinLnBrk="0" hangingPunct="1">
+              <a:lnSpc>
+                <a:spcPct val="90000"/>
+              </a:lnSpc>
+              <a:spcBef>
+                <a:spcPts val="1000"/>
+              </a:spcBef>
+              <a:buFont typeface="Arial" panose="020B0604020202020204" pitchFamily="34" charset="0"/>
+              <a:buChar char="•"/>
+              <a:defRPr kumimoji="1" sz="3600" kern="1200">
+                <a:solidFill>
+                  <a:schemeClr val="tx1"/>
+                </a:solidFill>
+                <a:latin typeface="+mn-lt"/>
+                <a:ea typeface="+mn-ea"/>
+                <a:cs typeface="+mn-cs"/>
+              </a:defRPr>
+            </a:lvl6pPr>
+            <a:lvl7pPr marL="5943600" indent="-457200" algn="l" defTabSz="1828800" rtl="0" eaLnBrk="1" latinLnBrk="0" hangingPunct="1">
+              <a:lnSpc>
+                <a:spcPct val="90000"/>
+              </a:lnSpc>
+              <a:spcBef>
+                <a:spcPts val="1000"/>
+              </a:spcBef>
+              <a:buFont typeface="Arial" panose="020B0604020202020204" pitchFamily="34" charset="0"/>
+              <a:buChar char="•"/>
+              <a:defRPr kumimoji="1" sz="3600" kern="1200">
+                <a:solidFill>
+                  <a:schemeClr val="tx1"/>
+                </a:solidFill>
+                <a:latin typeface="+mn-lt"/>
+                <a:ea typeface="+mn-ea"/>
+                <a:cs typeface="+mn-cs"/>
+              </a:defRPr>
+            </a:lvl7pPr>
+            <a:lvl8pPr marL="6858000" indent="-457200" algn="l" defTabSz="1828800" rtl="0" eaLnBrk="1" latinLnBrk="0" hangingPunct="1">
+              <a:lnSpc>
+                <a:spcPct val="90000"/>
+              </a:lnSpc>
+              <a:spcBef>
+                <a:spcPts val="1000"/>
+              </a:spcBef>
+              <a:buFont typeface="Arial" panose="020B0604020202020204" pitchFamily="34" charset="0"/>
+              <a:buChar char="•"/>
+              <a:defRPr kumimoji="1" sz="3600" kern="1200">
+                <a:solidFill>
+                  <a:schemeClr val="tx1"/>
+                </a:solidFill>
+                <a:latin typeface="+mn-lt"/>
+                <a:ea typeface="+mn-ea"/>
+                <a:cs typeface="+mn-cs"/>
+              </a:defRPr>
+            </a:lvl8pPr>
+            <a:lvl9pPr marL="7772400" indent="-457200" algn="l" defTabSz="1828800" rtl="0" eaLnBrk="1" latinLnBrk="0" hangingPunct="1">
+              <a:lnSpc>
+                <a:spcPct val="90000"/>
+              </a:lnSpc>
+              <a:spcBef>
+                <a:spcPts val="1000"/>
+              </a:spcBef>
+              <a:buFont typeface="Arial" panose="020B0604020202020204" pitchFamily="34" charset="0"/>
+              <a:buChar char="•"/>
+              <a:defRPr kumimoji="1" sz="3600" kern="1200">
+                <a:solidFill>
+                  <a:schemeClr val="tx1"/>
+                </a:solidFill>
+                <a:latin typeface="+mn-lt"/>
+                <a:ea typeface="+mn-ea"/>
+                <a:cs typeface="+mn-cs"/>
+              </a:defRPr>
+            </a:lvl9pPr>
+          </a:lstStyle>
+          <a:p>
+            <a:r>
+              <a:rPr lang="ja-JP" altLang="en-US"/>
+              <a:t>再度同じ相手と交渉を行う場合の考慮</a:t>
+            </a:r>
+            <a:endParaRPr lang="en-US" altLang="ja-JP" dirty="0"/>
+          </a:p>
+        </p:txBody>
+      </p:sp>
+      <p:sp>
+        <p:nvSpPr>
+          <p:cNvPr id="63" name="三角形 62">
+            <a:extLst>
+              <a:ext uri="{FF2B5EF4-FFF2-40B4-BE49-F238E27FC236}">
+                <a16:creationId xmlns:a16="http://schemas.microsoft.com/office/drawing/2014/main" id="{AFFE6A0D-382D-4940-9ED1-A3B3A1EE784B}"/>
+              </a:ext>
+            </a:extLst>
+          </p:cNvPr>
+          <p:cNvSpPr/>
+          <p:nvPr/>
+        </p:nvSpPr>
+        <p:spPr>
+          <a:xfrm rot="5400000">
+            <a:off x="1076238" y="7933013"/>
+            <a:ext cx="480900" cy="320016"/>
+          </a:xfrm>
+          <a:prstGeom prst="triangle">
+            <a:avLst/>
+          </a:prstGeom>
+          <a:solidFill>
+            <a:schemeClr val="accent1"/>
+          </a:solidFill>
+          <a:ln>
+            <a:noFill/>
+          </a:ln>
+        </p:spPr>
+        <p:style>
+          <a:lnRef idx="0">
+            <a:scrgbClr r="0" g="0" b="0"/>
+          </a:lnRef>
+          <a:fillRef idx="0">
+            <a:scrgbClr r="0" g="0" b="0"/>
+          </a:fillRef>
+          <a:effectRef idx="0">
+            <a:scrgbClr r="0" g="0" b="0"/>
+          </a:effectRef>
+          <a:fontRef idx="minor">
+            <a:schemeClr val="lt1"/>
+          </a:fontRef>
+        </p:style>
+        <p:txBody>
+          <a:bodyPr rtlCol="0" anchor="ctr"/>
+          <a:lstStyle/>
+          <a:p>
+            <a:pPr algn="ctr"/>
+            <a:endParaRPr kumimoji="1" lang="ja-JP" altLang="en-US" sz="7200"/>
+          </a:p>
+        </p:txBody>
+      </p:sp>
+      <p:sp>
+        <p:nvSpPr>
+          <p:cNvPr id="64" name="テキスト プレースホルダー 29">
+            <a:extLst>
+              <a:ext uri="{FF2B5EF4-FFF2-40B4-BE49-F238E27FC236}">
+                <a16:creationId xmlns:a16="http://schemas.microsoft.com/office/drawing/2014/main" id="{A46024A8-CA3E-4A46-B940-90AD8824DE7D}"/>
+              </a:ext>
+            </a:extLst>
+          </p:cNvPr>
+          <p:cNvSpPr txBox="1">
+            <a:spLocks/>
+          </p:cNvSpPr>
+          <p:nvPr/>
+        </p:nvSpPr>
+        <p:spPr>
+          <a:xfrm>
+            <a:off x="1568600" y="7817739"/>
+            <a:ext cx="16135964" cy="853994"/>
+          </a:xfrm>
+          <a:prstGeom prst="rect">
+            <a:avLst/>
+          </a:prstGeom>
+        </p:spPr>
+        <p:txBody>
+          <a:bodyPr>
+            <a:normAutofit/>
+          </a:bodyPr>
+          <a:lstStyle>
+            <a:lvl1pPr marL="0" indent="0" algn="l" defTabSz="1828800" rtl="0" eaLnBrk="1" latinLnBrk="0" hangingPunct="1">
+              <a:lnSpc>
+                <a:spcPct val="90000"/>
+              </a:lnSpc>
+              <a:spcBef>
+                <a:spcPts val="2000"/>
+              </a:spcBef>
+              <a:buFont typeface="Arial" panose="020B0604020202020204" pitchFamily="34" charset="0"/>
+              <a:buNone/>
+              <a:defRPr kumimoji="1" sz="4000" kern="1200">
+                <a:solidFill>
+                  <a:srgbClr val="424242"/>
+                </a:solidFill>
+                <a:latin typeface="+mn-lt"/>
+                <a:ea typeface="+mn-ea"/>
+                <a:cs typeface="+mn-cs"/>
+              </a:defRPr>
+            </a:lvl1pPr>
+            <a:lvl2pPr marL="1371600" indent="-457200" algn="l" defTabSz="1828800" rtl="0" eaLnBrk="1" latinLnBrk="0" hangingPunct="1">
+              <a:lnSpc>
+                <a:spcPct val="90000"/>
+              </a:lnSpc>
+              <a:spcBef>
+                <a:spcPts val="1000"/>
+              </a:spcBef>
+              <a:buFont typeface="Arial" panose="020B0604020202020204" pitchFamily="34" charset="0"/>
+              <a:buChar char="•"/>
+              <a:defRPr kumimoji="1" sz="4800" kern="1200">
+                <a:solidFill>
+                  <a:schemeClr val="tx1"/>
+                </a:solidFill>
+                <a:latin typeface="+mn-lt"/>
+                <a:ea typeface="+mn-ea"/>
+                <a:cs typeface="+mn-cs"/>
+              </a:defRPr>
+            </a:lvl2pPr>
+            <a:lvl3pPr marL="2286000" indent="-457200" algn="l" defTabSz="1828800" rtl="0" eaLnBrk="1" latinLnBrk="0" hangingPunct="1">
+              <a:lnSpc>
+                <a:spcPct val="90000"/>
+              </a:lnSpc>
+              <a:spcBef>
+                <a:spcPts val="1000"/>
+              </a:spcBef>
+              <a:buFont typeface="Arial" panose="020B0604020202020204" pitchFamily="34" charset="0"/>
+              <a:buChar char="•"/>
+              <a:defRPr kumimoji="1" sz="4000" kern="1200">
+                <a:solidFill>
+                  <a:schemeClr val="tx1"/>
+                </a:solidFill>
+                <a:latin typeface="+mn-lt"/>
+                <a:ea typeface="+mn-ea"/>
+                <a:cs typeface="+mn-cs"/>
+              </a:defRPr>
+            </a:lvl3pPr>
+            <a:lvl4pPr marL="3200400" indent="-457200" algn="l" defTabSz="1828800" rtl="0" eaLnBrk="1" latinLnBrk="0" hangingPunct="1">
+              <a:lnSpc>
+                <a:spcPct val="90000"/>
+              </a:lnSpc>
+              <a:spcBef>
+                <a:spcPts val="1000"/>
+              </a:spcBef>
+              <a:buFont typeface="Arial" panose="020B0604020202020204" pitchFamily="34" charset="0"/>
+              <a:buChar char="•"/>
+              <a:defRPr kumimoji="1" sz="3600" kern="1200">
+                <a:solidFill>
+                  <a:schemeClr val="tx1"/>
+                </a:solidFill>
+                <a:latin typeface="+mn-lt"/>
+                <a:ea typeface="+mn-ea"/>
+                <a:cs typeface="+mn-cs"/>
+              </a:defRPr>
+            </a:lvl4pPr>
+            <a:lvl5pPr marL="4114800" indent="-457200" algn="l" defTabSz="1828800" rtl="0" eaLnBrk="1" latinLnBrk="0" hangingPunct="1">
+              <a:lnSpc>
+                <a:spcPct val="90000"/>
+              </a:lnSpc>
+              <a:spcBef>
+                <a:spcPts val="1000"/>
+              </a:spcBef>
+              <a:buFont typeface="Arial" panose="020B0604020202020204" pitchFamily="34" charset="0"/>
+              <a:buChar char="•"/>
+              <a:defRPr kumimoji="1" sz="3600" kern="1200">
+                <a:solidFill>
+                  <a:schemeClr val="tx1"/>
+                </a:solidFill>
+                <a:latin typeface="+mn-lt"/>
+                <a:ea typeface="+mn-ea"/>
+                <a:cs typeface="+mn-cs"/>
+              </a:defRPr>
+            </a:lvl5pPr>
+            <a:lvl6pPr marL="5029200" indent="-457200" algn="l" defTabSz="1828800" rtl="0" eaLnBrk="1" latinLnBrk="0" hangingPunct="1">
+              <a:lnSpc>
+                <a:spcPct val="90000"/>
+              </a:lnSpc>
+              <a:spcBef>
+                <a:spcPts val="1000"/>
+              </a:spcBef>
+              <a:buFont typeface="Arial" panose="020B0604020202020204" pitchFamily="34" charset="0"/>
+              <a:buChar char="•"/>
+              <a:defRPr kumimoji="1" sz="3600" kern="1200">
+                <a:solidFill>
+                  <a:schemeClr val="tx1"/>
+                </a:solidFill>
+                <a:latin typeface="+mn-lt"/>
+                <a:ea typeface="+mn-ea"/>
+                <a:cs typeface="+mn-cs"/>
+              </a:defRPr>
+            </a:lvl6pPr>
+            <a:lvl7pPr marL="5943600" indent="-457200" algn="l" defTabSz="1828800" rtl="0" eaLnBrk="1" latinLnBrk="0" hangingPunct="1">
+              <a:lnSpc>
+                <a:spcPct val="90000"/>
+              </a:lnSpc>
+              <a:spcBef>
+                <a:spcPts val="1000"/>
+              </a:spcBef>
+              <a:buFont typeface="Arial" panose="020B0604020202020204" pitchFamily="34" charset="0"/>
+              <a:buChar char="•"/>
+              <a:defRPr kumimoji="1" sz="3600" kern="1200">
+                <a:solidFill>
+                  <a:schemeClr val="tx1"/>
+                </a:solidFill>
+                <a:latin typeface="+mn-lt"/>
+                <a:ea typeface="+mn-ea"/>
+                <a:cs typeface="+mn-cs"/>
+              </a:defRPr>
+            </a:lvl7pPr>
+            <a:lvl8pPr marL="6858000" indent="-457200" algn="l" defTabSz="1828800" rtl="0" eaLnBrk="1" latinLnBrk="0" hangingPunct="1">
+              <a:lnSpc>
+                <a:spcPct val="90000"/>
+              </a:lnSpc>
+              <a:spcBef>
+                <a:spcPts val="1000"/>
+              </a:spcBef>
+              <a:buFont typeface="Arial" panose="020B0604020202020204" pitchFamily="34" charset="0"/>
+              <a:buChar char="•"/>
+              <a:defRPr kumimoji="1" sz="3600" kern="1200">
+                <a:solidFill>
+                  <a:schemeClr val="tx1"/>
+                </a:solidFill>
+                <a:latin typeface="+mn-lt"/>
+                <a:ea typeface="+mn-ea"/>
+                <a:cs typeface="+mn-cs"/>
+              </a:defRPr>
+            </a:lvl8pPr>
+            <a:lvl9pPr marL="7772400" indent="-457200" algn="l" defTabSz="1828800" rtl="0" eaLnBrk="1" latinLnBrk="0" hangingPunct="1">
+              <a:lnSpc>
+                <a:spcPct val="90000"/>
+              </a:lnSpc>
+              <a:spcBef>
+                <a:spcPts val="1000"/>
+              </a:spcBef>
+              <a:buFont typeface="Arial" panose="020B0604020202020204" pitchFamily="34" charset="0"/>
+              <a:buChar char="•"/>
+              <a:defRPr kumimoji="1" sz="3600" kern="1200">
+                <a:solidFill>
+                  <a:schemeClr val="tx1"/>
+                </a:solidFill>
+                <a:latin typeface="+mn-lt"/>
+                <a:ea typeface="+mn-ea"/>
+                <a:cs typeface="+mn-cs"/>
+              </a:defRPr>
+            </a:lvl9pPr>
+          </a:lstStyle>
+          <a:p>
+            <a:r>
+              <a:rPr lang="ja-JP" altLang="en-US"/>
+              <a:t>実際には同じ相手と再び交渉を行うことがある</a:t>
+            </a:r>
+          </a:p>
+        </p:txBody>
+      </p:sp>
+      <p:sp>
+        <p:nvSpPr>
+          <p:cNvPr id="65" name="三角形 64">
+            <a:extLst>
+              <a:ext uri="{FF2B5EF4-FFF2-40B4-BE49-F238E27FC236}">
+                <a16:creationId xmlns:a16="http://schemas.microsoft.com/office/drawing/2014/main" id="{451D053D-1234-B748-AE65-8B58A031A11A}"/>
+              </a:ext>
+            </a:extLst>
+          </p:cNvPr>
+          <p:cNvSpPr/>
+          <p:nvPr/>
+        </p:nvSpPr>
+        <p:spPr>
+          <a:xfrm rot="5400000">
+            <a:off x="1076238" y="8724690"/>
+            <a:ext cx="480900" cy="320016"/>
+          </a:xfrm>
+          <a:prstGeom prst="triangle">
+            <a:avLst/>
+          </a:prstGeom>
+          <a:solidFill>
+            <a:schemeClr val="accent1"/>
+          </a:solidFill>
+          <a:ln>
+            <a:noFill/>
+          </a:ln>
+        </p:spPr>
+        <p:style>
+          <a:lnRef idx="0">
+            <a:scrgbClr r="0" g="0" b="0"/>
+          </a:lnRef>
+          <a:fillRef idx="0">
+            <a:scrgbClr r="0" g="0" b="0"/>
+          </a:fillRef>
+          <a:effectRef idx="0">
+            <a:scrgbClr r="0" g="0" b="0"/>
+          </a:effectRef>
+          <a:fontRef idx="minor">
+            <a:schemeClr val="lt1"/>
+          </a:fontRef>
+        </p:style>
+        <p:txBody>
+          <a:bodyPr rtlCol="0" anchor="ctr"/>
+          <a:lstStyle/>
+          <a:p>
+            <a:pPr algn="ctr"/>
+            <a:endParaRPr kumimoji="1" lang="ja-JP" altLang="en-US" sz="7200"/>
+          </a:p>
+        </p:txBody>
+      </p:sp>
+      <p:sp>
+        <p:nvSpPr>
+          <p:cNvPr id="66" name="テキスト プレースホルダー 29">
+            <a:extLst>
+              <a:ext uri="{FF2B5EF4-FFF2-40B4-BE49-F238E27FC236}">
+                <a16:creationId xmlns:a16="http://schemas.microsoft.com/office/drawing/2014/main" id="{FFF11173-4F2A-8F4C-92E9-CF93222EF158}"/>
+              </a:ext>
+            </a:extLst>
+          </p:cNvPr>
+          <p:cNvSpPr txBox="1">
+            <a:spLocks/>
+          </p:cNvSpPr>
+          <p:nvPr/>
+        </p:nvSpPr>
+        <p:spPr>
+          <a:xfrm>
+            <a:off x="1568600" y="8609416"/>
+            <a:ext cx="16135964" cy="853994"/>
+          </a:xfrm>
+          <a:prstGeom prst="rect">
+            <a:avLst/>
+          </a:prstGeom>
+        </p:spPr>
+        <p:txBody>
+          <a:bodyPr>
+            <a:normAutofit/>
+          </a:bodyPr>
+          <a:lstStyle>
+            <a:lvl1pPr marL="0" indent="0" algn="l" defTabSz="1828800" rtl="0" eaLnBrk="1" latinLnBrk="0" hangingPunct="1">
+              <a:lnSpc>
+                <a:spcPct val="90000"/>
+              </a:lnSpc>
+              <a:spcBef>
+                <a:spcPts val="2000"/>
+              </a:spcBef>
+              <a:buFont typeface="Arial" panose="020B0604020202020204" pitchFamily="34" charset="0"/>
+              <a:buNone/>
+              <a:defRPr kumimoji="1" sz="4000" kern="1200">
+                <a:solidFill>
+                  <a:srgbClr val="424242"/>
+                </a:solidFill>
+                <a:latin typeface="+mn-lt"/>
+                <a:ea typeface="+mn-ea"/>
+                <a:cs typeface="+mn-cs"/>
+              </a:defRPr>
+            </a:lvl1pPr>
+            <a:lvl2pPr marL="1371600" indent="-457200" algn="l" defTabSz="1828800" rtl="0" eaLnBrk="1" latinLnBrk="0" hangingPunct="1">
+              <a:lnSpc>
+                <a:spcPct val="90000"/>
+              </a:lnSpc>
+              <a:spcBef>
+                <a:spcPts val="1000"/>
+              </a:spcBef>
+              <a:buFont typeface="Arial" panose="020B0604020202020204" pitchFamily="34" charset="0"/>
+              <a:buChar char="•"/>
+              <a:defRPr kumimoji="1" sz="4800" kern="1200">
+                <a:solidFill>
+                  <a:schemeClr val="tx1"/>
+                </a:solidFill>
+                <a:latin typeface="+mn-lt"/>
+                <a:ea typeface="+mn-ea"/>
+                <a:cs typeface="+mn-cs"/>
+              </a:defRPr>
+            </a:lvl2pPr>
+            <a:lvl3pPr marL="2286000" indent="-457200" algn="l" defTabSz="1828800" rtl="0" eaLnBrk="1" latinLnBrk="0" hangingPunct="1">
+              <a:lnSpc>
+                <a:spcPct val="90000"/>
+              </a:lnSpc>
+              <a:spcBef>
+                <a:spcPts val="1000"/>
+              </a:spcBef>
+              <a:buFont typeface="Arial" panose="020B0604020202020204" pitchFamily="34" charset="0"/>
+              <a:buChar char="•"/>
+              <a:defRPr kumimoji="1" sz="4000" kern="1200">
+                <a:solidFill>
+                  <a:schemeClr val="tx1"/>
+                </a:solidFill>
+                <a:latin typeface="+mn-lt"/>
+                <a:ea typeface="+mn-ea"/>
+                <a:cs typeface="+mn-cs"/>
+              </a:defRPr>
+            </a:lvl3pPr>
+            <a:lvl4pPr marL="3200400" indent="-457200" algn="l" defTabSz="1828800" rtl="0" eaLnBrk="1" latinLnBrk="0" hangingPunct="1">
+              <a:lnSpc>
+                <a:spcPct val="90000"/>
+              </a:lnSpc>
+              <a:spcBef>
+                <a:spcPts val="1000"/>
+              </a:spcBef>
+              <a:buFont typeface="Arial" panose="020B0604020202020204" pitchFamily="34" charset="0"/>
+              <a:buChar char="•"/>
+              <a:defRPr kumimoji="1" sz="3600" kern="1200">
+                <a:solidFill>
+                  <a:schemeClr val="tx1"/>
+                </a:solidFill>
+                <a:latin typeface="+mn-lt"/>
+                <a:ea typeface="+mn-ea"/>
+                <a:cs typeface="+mn-cs"/>
+              </a:defRPr>
+            </a:lvl4pPr>
+            <a:lvl5pPr marL="4114800" indent="-457200" algn="l" defTabSz="1828800" rtl="0" eaLnBrk="1" latinLnBrk="0" hangingPunct="1">
+              <a:lnSpc>
+                <a:spcPct val="90000"/>
+              </a:lnSpc>
+              <a:spcBef>
+                <a:spcPts val="1000"/>
+              </a:spcBef>
+              <a:buFont typeface="Arial" panose="020B0604020202020204" pitchFamily="34" charset="0"/>
+              <a:buChar char="•"/>
+              <a:defRPr kumimoji="1" sz="3600" kern="1200">
+                <a:solidFill>
+                  <a:schemeClr val="tx1"/>
+                </a:solidFill>
+                <a:latin typeface="+mn-lt"/>
+                <a:ea typeface="+mn-ea"/>
+                <a:cs typeface="+mn-cs"/>
+              </a:defRPr>
+            </a:lvl5pPr>
+            <a:lvl6pPr marL="5029200" indent="-457200" algn="l" defTabSz="1828800" rtl="0" eaLnBrk="1" latinLnBrk="0" hangingPunct="1">
+              <a:lnSpc>
+                <a:spcPct val="90000"/>
+              </a:lnSpc>
+              <a:spcBef>
+                <a:spcPts val="1000"/>
+              </a:spcBef>
+              <a:buFont typeface="Arial" panose="020B0604020202020204" pitchFamily="34" charset="0"/>
+              <a:buChar char="•"/>
+              <a:defRPr kumimoji="1" sz="3600" kern="1200">
+                <a:solidFill>
+                  <a:schemeClr val="tx1"/>
+                </a:solidFill>
+                <a:latin typeface="+mn-lt"/>
+                <a:ea typeface="+mn-ea"/>
+                <a:cs typeface="+mn-cs"/>
+              </a:defRPr>
+            </a:lvl6pPr>
+            <a:lvl7pPr marL="5943600" indent="-457200" algn="l" defTabSz="1828800" rtl="0" eaLnBrk="1" latinLnBrk="0" hangingPunct="1">
+              <a:lnSpc>
+                <a:spcPct val="90000"/>
+              </a:lnSpc>
+              <a:spcBef>
+                <a:spcPts val="1000"/>
+              </a:spcBef>
+              <a:buFont typeface="Arial" panose="020B0604020202020204" pitchFamily="34" charset="0"/>
+              <a:buChar char="•"/>
+              <a:defRPr kumimoji="1" sz="3600" kern="1200">
+                <a:solidFill>
+                  <a:schemeClr val="tx1"/>
+                </a:solidFill>
+                <a:latin typeface="+mn-lt"/>
+                <a:ea typeface="+mn-ea"/>
+                <a:cs typeface="+mn-cs"/>
+              </a:defRPr>
+            </a:lvl7pPr>
+            <a:lvl8pPr marL="6858000" indent="-457200" algn="l" defTabSz="1828800" rtl="0" eaLnBrk="1" latinLnBrk="0" hangingPunct="1">
+              <a:lnSpc>
+                <a:spcPct val="90000"/>
+              </a:lnSpc>
+              <a:spcBef>
+                <a:spcPts val="1000"/>
+              </a:spcBef>
+              <a:buFont typeface="Arial" panose="020B0604020202020204" pitchFamily="34" charset="0"/>
+              <a:buChar char="•"/>
+              <a:defRPr kumimoji="1" sz="3600" kern="1200">
+                <a:solidFill>
+                  <a:schemeClr val="tx1"/>
+                </a:solidFill>
+                <a:latin typeface="+mn-lt"/>
+                <a:ea typeface="+mn-ea"/>
+                <a:cs typeface="+mn-cs"/>
+              </a:defRPr>
+            </a:lvl8pPr>
+            <a:lvl9pPr marL="7772400" indent="-457200" algn="l" defTabSz="1828800" rtl="0" eaLnBrk="1" latinLnBrk="0" hangingPunct="1">
+              <a:lnSpc>
+                <a:spcPct val="90000"/>
+              </a:lnSpc>
+              <a:spcBef>
+                <a:spcPts val="1000"/>
+              </a:spcBef>
+              <a:buFont typeface="Arial" panose="020B0604020202020204" pitchFamily="34" charset="0"/>
+              <a:buChar char="•"/>
+              <a:defRPr kumimoji="1" sz="3600" kern="1200">
+                <a:solidFill>
+                  <a:schemeClr val="tx1"/>
+                </a:solidFill>
+                <a:latin typeface="+mn-lt"/>
+                <a:ea typeface="+mn-ea"/>
+                <a:cs typeface="+mn-cs"/>
+              </a:defRPr>
+            </a:lvl9pPr>
+          </a:lstStyle>
+          <a:p>
+            <a:r>
+              <a:rPr lang="ja-JP" altLang="en-US"/>
+              <a:t>良い関係を築くことは交渉を円滑に行うために必要</a:t>
+            </a:r>
+          </a:p>
+        </p:txBody>
+      </p:sp>
+      <p:sp>
+        <p:nvSpPr>
+          <p:cNvPr id="67" name="右矢印 66">
+            <a:extLst>
+              <a:ext uri="{FF2B5EF4-FFF2-40B4-BE49-F238E27FC236}">
+                <a16:creationId xmlns:a16="http://schemas.microsoft.com/office/drawing/2014/main" id="{2F9FB26D-9A34-3647-9999-C0D244730948}"/>
+              </a:ext>
+            </a:extLst>
+          </p:cNvPr>
+          <p:cNvSpPr/>
+          <p:nvPr/>
+        </p:nvSpPr>
+        <p:spPr>
+          <a:xfrm rot="5400000">
+            <a:off x="8806580" y="10224271"/>
+            <a:ext cx="674837" cy="1734774"/>
+          </a:xfrm>
+          <a:prstGeom prst="rightArrow">
+            <a:avLst/>
+          </a:prstGeom>
+          <a:ln>
+            <a:noFill/>
+          </a:ln>
+        </p:spPr>
+        <p:style>
+          <a:lnRef idx="2">
+            <a:schemeClr val="accent1">
+              <a:shade val="50000"/>
+            </a:schemeClr>
+          </a:lnRef>
+          <a:fillRef idx="1">
+            <a:schemeClr val="accent1"/>
+          </a:fillRef>
+          <a:effectRef idx="0">
+            <a:schemeClr val="accent1"/>
+          </a:effectRef>
+          <a:fontRef idx="minor">
+            <a:schemeClr val="lt1"/>
+          </a:fontRef>
+        </p:style>
+        <p:txBody>
+          <a:bodyPr rtlCol="0" anchor="ctr"/>
+          <a:lstStyle/>
+          <a:p>
+            <a:pPr algn="ctr"/>
+            <a:endParaRPr kumimoji="1" lang="ja-JP" altLang="en-US">
+              <a:solidFill>
+                <a:schemeClr val="bg2"/>
+              </a:solidFill>
+            </a:endParaRPr>
+          </a:p>
+        </p:txBody>
+      </p:sp>
+      <p:sp>
+        <p:nvSpPr>
+          <p:cNvPr id="68" name="テキスト ボックス 67">
+            <a:extLst>
+              <a:ext uri="{FF2B5EF4-FFF2-40B4-BE49-F238E27FC236}">
+                <a16:creationId xmlns:a16="http://schemas.microsoft.com/office/drawing/2014/main" id="{C7CA7237-7E70-7443-8251-0681CB438858}"/>
+              </a:ext>
+            </a:extLst>
+          </p:cNvPr>
+          <p:cNvSpPr txBox="1"/>
+          <p:nvPr/>
+        </p:nvSpPr>
+        <p:spPr>
+          <a:xfrm>
+            <a:off x="797126" y="11936904"/>
+            <a:ext cx="16693747" cy="769441"/>
+          </a:xfrm>
+          <a:prstGeom prst="rect">
+            <a:avLst/>
+          </a:prstGeom>
+          <a:noFill/>
+        </p:spPr>
+        <p:txBody>
+          <a:bodyPr wrap="square" rtlCol="0">
+            <a:spAutoFit/>
+          </a:bodyPr>
+          <a:lstStyle/>
+          <a:p>
+            <a:pPr algn="ctr"/>
+            <a:r>
+              <a:rPr lang="ja-JP" altLang="en-US" sz="4400">
+                <a:solidFill>
+                  <a:schemeClr val="accent2"/>
+                </a:solidFill>
+              </a:rPr>
+              <a:t>感情が長期的に与える影響について研究が必要</a:t>
+            </a:r>
+            <a:endParaRPr kumimoji="1" lang="en-US" altLang="ja-JP" sz="4400" dirty="0">
+              <a:solidFill>
+                <a:schemeClr val="accent2"/>
+              </a:solidFill>
+            </a:endParaRPr>
           </a:p>
         </p:txBody>
       </p:sp>
@@ -25519,7 +29556,7 @@
           <p:cNvPr id="69" name="三角形 68">
             <a:extLst>
               <a:ext uri="{FF2B5EF4-FFF2-40B4-BE49-F238E27FC236}">
-                <a16:creationId xmlns:a16="http://schemas.microsoft.com/office/drawing/2014/main" id="{0C1444F8-F7C0-294F-A42F-12E996EB22A7}"/>
+                <a16:creationId xmlns:a16="http://schemas.microsoft.com/office/drawing/2014/main" id="{F11041A9-1C8E-C84C-809C-1F05F9F1DC52}"/>
               </a:ext>
             </a:extLst>
           </p:cNvPr>
@@ -25528,7 +29565,7 @@
         </p:nvSpPr>
         <p:spPr>
           <a:xfrm rot="5400000">
-            <a:off x="1076238" y="6568057"/>
+            <a:off x="1076238" y="9557278"/>
             <a:ext cx="480900" cy="320016"/>
           </a:xfrm>
           <a:prstGeom prst="triangle">
@@ -25569,7 +29606,7 @@
           <p:cNvPr id="70" name="テキスト プレースホルダー 29">
             <a:extLst>
               <a:ext uri="{FF2B5EF4-FFF2-40B4-BE49-F238E27FC236}">
-                <a16:creationId xmlns:a16="http://schemas.microsoft.com/office/drawing/2014/main" id="{5469CECF-1B9C-2C46-BFC9-C96F24C7AB93}"/>
+                <a16:creationId xmlns:a16="http://schemas.microsoft.com/office/drawing/2014/main" id="{38CE8161-5A2A-2A48-AD03-A444F125651C}"/>
               </a:ext>
             </a:extLst>
           </p:cNvPr>
@@ -25580,7 +29617,7 @@
         </p:nvSpPr>
         <p:spPr>
           <a:xfrm>
-            <a:off x="1568600" y="6452783"/>
+            <a:off x="1568600" y="9442004"/>
             <a:ext cx="16135964" cy="853994"/>
           </a:xfrm>
           <a:prstGeom prst="rect">
@@ -25757,12 +29794,8 @@
           </a:lstStyle>
           <a:p>
             <a:r>
-              <a:rPr lang="en-US" altLang="ja-JP" dirty="0" err="1"/>
-              <a:t>Tucky</a:t>
-            </a:r>
-            <a:r>
               <a:rPr lang="ja-JP" altLang="en-US"/>
-              <a:t>の検定を実施</a:t>
+              <a:t>前の交渉での印象が次の交渉に影響を与える</a:t>
             </a:r>
           </a:p>
         </p:txBody>
@@ -25770,7 +29803,7 @@
     </p:spTree>
     <p:extLst>
       <p:ext uri="{BB962C8B-B14F-4D97-AF65-F5344CB8AC3E}">
-        <p14:creationId xmlns:p14="http://schemas.microsoft.com/office/powerpoint/2010/main" val="1668306569"/>
+        <p14:creationId xmlns:p14="http://schemas.microsoft.com/office/powerpoint/2010/main" val="1148769929"/>
       </p:ext>
     </p:extLst>
   </p:cSld>
@@ -25780,7 +29813,1100 @@
 </p:sld>
 </file>
 
-<file path=ppt/slides/slide18.xml><?xml version="1.0" encoding="utf-8"?>
+<file path=ppt/slides/slide2.xml><?xml version="1.0" encoding="utf-8"?>
+<p:sld xmlns:a="http://schemas.openxmlformats.org/drawingml/2006/main" xmlns:r="http://schemas.openxmlformats.org/officeDocument/2006/relationships" xmlns:p="http://schemas.openxmlformats.org/presentationml/2006/main">
+  <p:cSld>
+    <p:spTree>
+      <p:nvGrpSpPr>
+        <p:cNvPr id="1" name=""/>
+        <p:cNvGrpSpPr/>
+        <p:nvPr/>
+      </p:nvGrpSpPr>
+      <p:grpSpPr>
+        <a:xfrm>
+          <a:off x="0" y="0"/>
+          <a:ext cx="0" cy="0"/>
+          <a:chOff x="0" y="0"/>
+          <a:chExt cx="0" cy="0"/>
+        </a:xfrm>
+      </p:grpSpPr>
+      <p:sp>
+        <p:nvSpPr>
+          <p:cNvPr id="2" name="日付プレースホルダー 1">
+            <a:extLst>
+              <a:ext uri="{FF2B5EF4-FFF2-40B4-BE49-F238E27FC236}">
+                <a16:creationId xmlns:a16="http://schemas.microsoft.com/office/drawing/2014/main" id="{9A3628AA-5FBA-534C-B3C4-2DB73F7968C2}"/>
+              </a:ext>
+            </a:extLst>
+          </p:cNvPr>
+          <p:cNvSpPr>
+            <a:spLocks noGrp="1"/>
+          </p:cNvSpPr>
+          <p:nvPr>
+            <p:ph type="dt" sz="half" idx="10"/>
+          </p:nvPr>
+        </p:nvSpPr>
+        <p:spPr/>
+        <p:txBody>
+          <a:bodyPr/>
+          <a:lstStyle/>
+          <a:p>
+            <a:fld id="{2716A096-282C-054E-93D6-6FCA6F3CFD24}" type="datetime1">
+              <a:rPr lang="ja-JP" altLang="en-US" smtClean="0"/>
+              <a:t>2018/5/2</a:t>
+            </a:fld>
+            <a:endParaRPr lang="ja-JP" altLang="en-US"/>
+          </a:p>
+        </p:txBody>
+      </p:sp>
+      <p:sp>
+        <p:nvSpPr>
+          <p:cNvPr id="3" name="フッター プレースホルダー 2">
+            <a:extLst>
+              <a:ext uri="{FF2B5EF4-FFF2-40B4-BE49-F238E27FC236}">
+                <a16:creationId xmlns:a16="http://schemas.microsoft.com/office/drawing/2014/main" id="{98D8000A-67DE-B846-8AE0-A91C6FD8ECBB}"/>
+              </a:ext>
+            </a:extLst>
+          </p:cNvPr>
+          <p:cNvSpPr>
+            <a:spLocks noGrp="1"/>
+          </p:cNvSpPr>
+          <p:nvPr>
+            <p:ph type="ftr" sz="quarter" idx="11"/>
+          </p:nvPr>
+        </p:nvSpPr>
+        <p:spPr/>
+        <p:txBody>
+          <a:bodyPr/>
+          <a:lstStyle/>
+          <a:p>
+            <a:r>
+              <a:rPr lang="ja-JP" altLang="en-US"/>
+              <a:t>文献講読発表</a:t>
+            </a:r>
+            <a:r>
+              <a:rPr lang="en-US" altLang="ja-JP"/>
+              <a:t>(2018.04.25)</a:t>
+            </a:r>
+            <a:endParaRPr lang="ja-JP" altLang="en-US"/>
+          </a:p>
+        </p:txBody>
+      </p:sp>
+      <p:sp>
+        <p:nvSpPr>
+          <p:cNvPr id="4" name="スライド番号プレースホルダー 3">
+            <a:extLst>
+              <a:ext uri="{FF2B5EF4-FFF2-40B4-BE49-F238E27FC236}">
+                <a16:creationId xmlns:a16="http://schemas.microsoft.com/office/drawing/2014/main" id="{5241896A-DBD1-D845-A5F2-1904C1003E91}"/>
+              </a:ext>
+            </a:extLst>
+          </p:cNvPr>
+          <p:cNvSpPr>
+            <a:spLocks noGrp="1"/>
+          </p:cNvSpPr>
+          <p:nvPr>
+            <p:ph type="sldNum" sz="quarter" idx="12"/>
+          </p:nvPr>
+        </p:nvSpPr>
+        <p:spPr/>
+        <p:txBody>
+          <a:bodyPr/>
+          <a:lstStyle/>
+          <a:p>
+            <a:fld id="{89242BC1-393D-1248-985B-18DA624F2964}" type="slidenum">
+              <a:rPr lang="ja-JP" altLang="en-US" smtClean="0"/>
+              <a:pPr/>
+              <a:t>2</a:t>
+            </a:fld>
+            <a:endParaRPr lang="ja-JP" altLang="en-US"/>
+          </a:p>
+        </p:txBody>
+      </p:sp>
+      <p:sp>
+        <p:nvSpPr>
+          <p:cNvPr id="5" name="テキスト プレースホルダー 4">
+            <a:extLst>
+              <a:ext uri="{FF2B5EF4-FFF2-40B4-BE49-F238E27FC236}">
+                <a16:creationId xmlns:a16="http://schemas.microsoft.com/office/drawing/2014/main" id="{9F22905A-C42A-1845-B4C2-9D8885E87338}"/>
+              </a:ext>
+            </a:extLst>
+          </p:cNvPr>
+          <p:cNvSpPr>
+            <a:spLocks noGrp="1"/>
+          </p:cNvSpPr>
+          <p:nvPr>
+            <p:ph type="body" sz="quarter" idx="13"/>
+          </p:nvPr>
+        </p:nvSpPr>
+        <p:spPr/>
+        <p:txBody>
+          <a:bodyPr/>
+          <a:lstStyle/>
+          <a:p>
+            <a:r>
+              <a:rPr kumimoji="1" lang="en-US" altLang="ja-JP" dirty="0"/>
+              <a:t>1</a:t>
+            </a:r>
+            <a:endParaRPr kumimoji="1" lang="ja-JP" altLang="en-US"/>
+          </a:p>
+        </p:txBody>
+      </p:sp>
+      <p:sp>
+        <p:nvSpPr>
+          <p:cNvPr id="6" name="テキスト プレースホルダー 5">
+            <a:extLst>
+              <a:ext uri="{FF2B5EF4-FFF2-40B4-BE49-F238E27FC236}">
+                <a16:creationId xmlns:a16="http://schemas.microsoft.com/office/drawing/2014/main" id="{A72A944A-0DD6-C246-AA6A-153A95866A6D}"/>
+              </a:ext>
+            </a:extLst>
+          </p:cNvPr>
+          <p:cNvSpPr>
+            <a:spLocks noGrp="1"/>
+          </p:cNvSpPr>
+          <p:nvPr>
+            <p:ph type="body" sz="quarter" idx="14"/>
+          </p:nvPr>
+        </p:nvSpPr>
+        <p:spPr/>
+        <p:txBody>
+          <a:bodyPr/>
+          <a:lstStyle/>
+          <a:p>
+            <a:r>
+              <a:rPr lang="ja-JP" altLang="en-US"/>
+              <a:t>はじめに</a:t>
+            </a:r>
+            <a:endParaRPr kumimoji="1" lang="ja-JP" altLang="en-US"/>
+          </a:p>
+        </p:txBody>
+      </p:sp>
+      <p:grpSp>
+        <p:nvGrpSpPr>
+          <p:cNvPr id="7" name="グループ化 6">
+            <a:extLst>
+              <a:ext uri="{FF2B5EF4-FFF2-40B4-BE49-F238E27FC236}">
+                <a16:creationId xmlns:a16="http://schemas.microsoft.com/office/drawing/2014/main" id="{574E7AC4-0E50-8D4A-8968-2C2A9D916ADE}"/>
+              </a:ext>
+            </a:extLst>
+          </p:cNvPr>
+          <p:cNvGrpSpPr/>
+          <p:nvPr/>
+        </p:nvGrpSpPr>
+        <p:grpSpPr>
+          <a:xfrm>
+            <a:off x="289330" y="1413298"/>
+            <a:ext cx="2160000" cy="934436"/>
+            <a:chOff x="144665" y="525617"/>
+            <a:chExt cx="1080000" cy="467218"/>
+          </a:xfrm>
+        </p:grpSpPr>
+        <p:sp>
+          <p:nvSpPr>
+            <p:cNvPr id="8" name="正方形/長方形 7">
+              <a:extLst>
+                <a:ext uri="{FF2B5EF4-FFF2-40B4-BE49-F238E27FC236}">
+                  <a16:creationId xmlns:a16="http://schemas.microsoft.com/office/drawing/2014/main" id="{2B3F120B-64CB-EB47-B9A8-9A8AFBA36AC9}"/>
+                </a:ext>
+              </a:extLst>
+            </p:cNvPr>
+            <p:cNvSpPr/>
+            <p:nvPr userDrawn="1"/>
+          </p:nvSpPr>
+          <p:spPr>
+            <a:xfrm>
+              <a:off x="145524" y="542424"/>
+              <a:ext cx="91081" cy="450411"/>
+            </a:xfrm>
+            <a:prstGeom prst="rect">
+              <a:avLst/>
+            </a:prstGeom>
+            <a:solidFill>
+              <a:schemeClr val="accent1"/>
+            </a:solidFill>
+            <a:ln>
+              <a:noFill/>
+            </a:ln>
+          </p:spPr>
+          <p:style>
+            <a:lnRef idx="2">
+              <a:schemeClr val="accent1">
+                <a:shade val="50000"/>
+              </a:schemeClr>
+            </a:lnRef>
+            <a:fillRef idx="1">
+              <a:schemeClr val="accent1"/>
+            </a:fillRef>
+            <a:effectRef idx="0">
+              <a:schemeClr val="accent1"/>
+            </a:effectRef>
+            <a:fontRef idx="minor">
+              <a:schemeClr val="lt1"/>
+            </a:fontRef>
+          </p:style>
+          <p:txBody>
+            <a:bodyPr rot="0" spcFirstLastPara="0" vertOverflow="overflow" horzOverflow="overflow" vert="horz" wrap="square" lIns="68580" tIns="34290" rIns="68580" bIns="34290" numCol="1" spcCol="0" rtlCol="0" fromWordArt="0" anchor="ctr" anchorCtr="0" forceAA="0" compatLnSpc="1">
+              <a:prstTxWarp prst="textNoShape">
+                <a:avLst/>
+              </a:prstTxWarp>
+              <a:noAutofit/>
+            </a:bodyPr>
+            <a:lstStyle/>
+            <a:p>
+              <a:pPr algn="ctr"/>
+              <a:endParaRPr kumimoji="1" lang="ja-JP" altLang="en-US" sz="2700"/>
+            </a:p>
+          </p:txBody>
+        </p:sp>
+        <p:sp>
+          <p:nvSpPr>
+            <p:cNvPr id="9" name="正方形/長方形 8">
+              <a:extLst>
+                <a:ext uri="{FF2B5EF4-FFF2-40B4-BE49-F238E27FC236}">
+                  <a16:creationId xmlns:a16="http://schemas.microsoft.com/office/drawing/2014/main" id="{5105ED84-5CDD-FF47-B6D4-96E29099F211}"/>
+                </a:ext>
+              </a:extLst>
+            </p:cNvPr>
+            <p:cNvSpPr/>
+            <p:nvPr userDrawn="1"/>
+          </p:nvSpPr>
+          <p:spPr>
+            <a:xfrm>
+              <a:off x="144665" y="525617"/>
+              <a:ext cx="1080000" cy="16137"/>
+            </a:xfrm>
+            <a:prstGeom prst="rect">
+              <a:avLst/>
+            </a:prstGeom>
+            <a:solidFill>
+              <a:schemeClr val="accent1"/>
+            </a:solidFill>
+            <a:ln>
+              <a:noFill/>
+            </a:ln>
+          </p:spPr>
+          <p:style>
+            <a:lnRef idx="2">
+              <a:schemeClr val="accent1">
+                <a:shade val="50000"/>
+              </a:schemeClr>
+            </a:lnRef>
+            <a:fillRef idx="1">
+              <a:schemeClr val="accent1"/>
+            </a:fillRef>
+            <a:effectRef idx="0">
+              <a:schemeClr val="accent1"/>
+            </a:effectRef>
+            <a:fontRef idx="minor">
+              <a:schemeClr val="lt1"/>
+            </a:fontRef>
+          </p:style>
+          <p:txBody>
+            <a:bodyPr rot="0" spcFirstLastPara="0" vertOverflow="overflow" horzOverflow="overflow" vert="horz" wrap="square" lIns="68580" tIns="34290" rIns="68580" bIns="34290" numCol="1" spcCol="0" rtlCol="0" fromWordArt="0" anchor="ctr" anchorCtr="0" forceAA="0" compatLnSpc="1">
+              <a:prstTxWarp prst="textNoShape">
+                <a:avLst/>
+              </a:prstTxWarp>
+              <a:noAutofit/>
+            </a:bodyPr>
+            <a:lstStyle/>
+            <a:p>
+              <a:pPr algn="ctr"/>
+              <a:endParaRPr kumimoji="1" lang="ja-JP" altLang="en-US" sz="2700"/>
+            </a:p>
+          </p:txBody>
+        </p:sp>
+      </p:grpSp>
+      <p:grpSp>
+        <p:nvGrpSpPr>
+          <p:cNvPr id="10" name="グループ化 9">
+            <a:extLst>
+              <a:ext uri="{FF2B5EF4-FFF2-40B4-BE49-F238E27FC236}">
+                <a16:creationId xmlns:a16="http://schemas.microsoft.com/office/drawing/2014/main" id="{B2E76881-65E2-5241-B689-FEE316A34AA0}"/>
+              </a:ext>
+            </a:extLst>
+          </p:cNvPr>
+          <p:cNvGrpSpPr/>
+          <p:nvPr/>
+        </p:nvGrpSpPr>
+        <p:grpSpPr>
+          <a:xfrm>
+            <a:off x="617232" y="2557358"/>
+            <a:ext cx="539448" cy="487368"/>
+            <a:chOff x="400056" y="1061560"/>
+            <a:chExt cx="269724" cy="243684"/>
+          </a:xfrm>
+        </p:grpSpPr>
+        <p:sp>
+          <p:nvSpPr>
+            <p:cNvPr id="11" name="三角形 10">
+              <a:extLst>
+                <a:ext uri="{FF2B5EF4-FFF2-40B4-BE49-F238E27FC236}">
+                  <a16:creationId xmlns:a16="http://schemas.microsoft.com/office/drawing/2014/main" id="{16494B89-A6B9-3341-BB17-E86727ADCC2D}"/>
+                </a:ext>
+              </a:extLst>
+            </p:cNvPr>
+            <p:cNvSpPr/>
+            <p:nvPr userDrawn="1"/>
+          </p:nvSpPr>
+          <p:spPr>
+            <a:xfrm rot="5400000">
+              <a:off x="359835" y="1105015"/>
+              <a:ext cx="240450" cy="160008"/>
+            </a:xfrm>
+            <a:prstGeom prst="triangle">
+              <a:avLst/>
+            </a:prstGeom>
+            <a:solidFill>
+              <a:schemeClr val="accent1"/>
+            </a:solidFill>
+            <a:ln>
+              <a:noFill/>
+            </a:ln>
+          </p:spPr>
+          <p:style>
+            <a:lnRef idx="0">
+              <a:scrgbClr r="0" g="0" b="0"/>
+            </a:lnRef>
+            <a:fillRef idx="0">
+              <a:scrgbClr r="0" g="0" b="0"/>
+            </a:fillRef>
+            <a:effectRef idx="0">
+              <a:scrgbClr r="0" g="0" b="0"/>
+            </a:effectRef>
+            <a:fontRef idx="minor">
+              <a:schemeClr val="lt1"/>
+            </a:fontRef>
+          </p:style>
+          <p:txBody>
+            <a:bodyPr rtlCol="0" anchor="ctr"/>
+            <a:lstStyle/>
+            <a:p>
+              <a:pPr algn="ctr"/>
+              <a:endParaRPr kumimoji="1" lang="ja-JP" altLang="en-US" sz="7200"/>
+            </a:p>
+          </p:txBody>
+        </p:sp>
+        <p:sp>
+          <p:nvSpPr>
+            <p:cNvPr id="12" name="三角形 11">
+              <a:extLst>
+                <a:ext uri="{FF2B5EF4-FFF2-40B4-BE49-F238E27FC236}">
+                  <a16:creationId xmlns:a16="http://schemas.microsoft.com/office/drawing/2014/main" id="{E9F14F16-B830-5844-836E-439A243BF053}"/>
+                </a:ext>
+              </a:extLst>
+            </p:cNvPr>
+            <p:cNvSpPr/>
+            <p:nvPr userDrawn="1"/>
+          </p:nvSpPr>
+          <p:spPr>
+            <a:xfrm rot="5400000">
+              <a:off x="469551" y="1101781"/>
+              <a:ext cx="240450" cy="160008"/>
+            </a:xfrm>
+            <a:prstGeom prst="triangle">
+              <a:avLst/>
+            </a:prstGeom>
+            <a:solidFill>
+              <a:schemeClr val="accent1"/>
+            </a:solidFill>
+            <a:ln>
+              <a:noFill/>
+            </a:ln>
+          </p:spPr>
+          <p:style>
+            <a:lnRef idx="0">
+              <a:scrgbClr r="0" g="0" b="0"/>
+            </a:lnRef>
+            <a:fillRef idx="0">
+              <a:scrgbClr r="0" g="0" b="0"/>
+            </a:fillRef>
+            <a:effectRef idx="0">
+              <a:scrgbClr r="0" g="0" b="0"/>
+            </a:effectRef>
+            <a:fontRef idx="minor">
+              <a:schemeClr val="lt1"/>
+            </a:fontRef>
+          </p:style>
+          <p:txBody>
+            <a:bodyPr rtlCol="0" anchor="ctr"/>
+            <a:lstStyle/>
+            <a:p>
+              <a:pPr algn="ctr"/>
+              <a:endParaRPr kumimoji="1" lang="ja-JP" altLang="en-US" sz="7200"/>
+            </a:p>
+          </p:txBody>
+        </p:sp>
+      </p:grpSp>
+      <p:sp>
+        <p:nvSpPr>
+          <p:cNvPr id="13" name="三角形 12">
+            <a:extLst>
+              <a:ext uri="{FF2B5EF4-FFF2-40B4-BE49-F238E27FC236}">
+                <a16:creationId xmlns:a16="http://schemas.microsoft.com/office/drawing/2014/main" id="{70948973-0136-5542-BB52-6B4EB28156FB}"/>
+              </a:ext>
+            </a:extLst>
+          </p:cNvPr>
+          <p:cNvSpPr/>
+          <p:nvPr/>
+        </p:nvSpPr>
+        <p:spPr>
+          <a:xfrm rot="5400000">
+            <a:off x="1076238" y="3361776"/>
+            <a:ext cx="480900" cy="320016"/>
+          </a:xfrm>
+          <a:prstGeom prst="triangle">
+            <a:avLst/>
+          </a:prstGeom>
+          <a:solidFill>
+            <a:schemeClr val="accent1"/>
+          </a:solidFill>
+          <a:ln>
+            <a:noFill/>
+          </a:ln>
+        </p:spPr>
+        <p:style>
+          <a:lnRef idx="0">
+            <a:scrgbClr r="0" g="0" b="0"/>
+          </a:lnRef>
+          <a:fillRef idx="0">
+            <a:scrgbClr r="0" g="0" b="0"/>
+          </a:fillRef>
+          <a:effectRef idx="0">
+            <a:scrgbClr r="0" g="0" b="0"/>
+          </a:effectRef>
+          <a:fontRef idx="minor">
+            <a:schemeClr val="lt1"/>
+          </a:fontRef>
+        </p:style>
+        <p:txBody>
+          <a:bodyPr rtlCol="0" anchor="ctr"/>
+          <a:lstStyle/>
+          <a:p>
+            <a:pPr algn="ctr"/>
+            <a:endParaRPr kumimoji="1" lang="ja-JP" altLang="en-US" sz="7200"/>
+          </a:p>
+        </p:txBody>
+      </p:sp>
+      <p:sp>
+        <p:nvSpPr>
+          <p:cNvPr id="14" name="テキスト プレースホルダー 27">
+            <a:extLst>
+              <a:ext uri="{FF2B5EF4-FFF2-40B4-BE49-F238E27FC236}">
+                <a16:creationId xmlns:a16="http://schemas.microsoft.com/office/drawing/2014/main" id="{EBEDB96F-C6A2-A640-8292-2C80CBAFD729}"/>
+              </a:ext>
+            </a:extLst>
+          </p:cNvPr>
+          <p:cNvSpPr txBox="1">
+            <a:spLocks/>
+          </p:cNvSpPr>
+          <p:nvPr/>
+        </p:nvSpPr>
+        <p:spPr>
+          <a:xfrm>
+            <a:off x="1254486" y="2484733"/>
+            <a:ext cx="16632960" cy="997834"/>
+          </a:xfrm>
+          <a:prstGeom prst="rect">
+            <a:avLst/>
+          </a:prstGeom>
+        </p:spPr>
+        <p:txBody>
+          <a:bodyPr>
+            <a:normAutofit/>
+          </a:bodyPr>
+          <a:lstStyle>
+            <a:lvl1pPr marL="0" indent="0" algn="l" defTabSz="1828800" rtl="0" eaLnBrk="1" latinLnBrk="0" hangingPunct="1">
+              <a:lnSpc>
+                <a:spcPct val="90000"/>
+              </a:lnSpc>
+              <a:spcBef>
+                <a:spcPts val="2000"/>
+              </a:spcBef>
+              <a:buFont typeface="Arial" panose="020B0604020202020204" pitchFamily="34" charset="0"/>
+              <a:buNone/>
+              <a:defRPr kumimoji="1" sz="4800" kern="1200">
+                <a:solidFill>
+                  <a:srgbClr val="424242"/>
+                </a:solidFill>
+                <a:latin typeface="+mn-lt"/>
+                <a:ea typeface="+mn-ea"/>
+                <a:cs typeface="+mn-cs"/>
+              </a:defRPr>
+            </a:lvl1pPr>
+            <a:lvl2pPr marL="1371600" indent="-457200" algn="l" defTabSz="1828800" rtl="0" eaLnBrk="1" latinLnBrk="0" hangingPunct="1">
+              <a:lnSpc>
+                <a:spcPct val="90000"/>
+              </a:lnSpc>
+              <a:spcBef>
+                <a:spcPts val="1000"/>
+              </a:spcBef>
+              <a:buFont typeface="Arial" panose="020B0604020202020204" pitchFamily="34" charset="0"/>
+              <a:buChar char="•"/>
+              <a:defRPr kumimoji="1" sz="4800" kern="1200">
+                <a:solidFill>
+                  <a:schemeClr val="tx1"/>
+                </a:solidFill>
+                <a:latin typeface="+mn-lt"/>
+                <a:ea typeface="+mn-ea"/>
+                <a:cs typeface="+mn-cs"/>
+              </a:defRPr>
+            </a:lvl2pPr>
+            <a:lvl3pPr marL="2286000" indent="-457200" algn="l" defTabSz="1828800" rtl="0" eaLnBrk="1" latinLnBrk="0" hangingPunct="1">
+              <a:lnSpc>
+                <a:spcPct val="90000"/>
+              </a:lnSpc>
+              <a:spcBef>
+                <a:spcPts val="1000"/>
+              </a:spcBef>
+              <a:buFont typeface="Arial" panose="020B0604020202020204" pitchFamily="34" charset="0"/>
+              <a:buChar char="•"/>
+              <a:defRPr kumimoji="1" sz="4000" kern="1200">
+                <a:solidFill>
+                  <a:schemeClr val="tx1"/>
+                </a:solidFill>
+                <a:latin typeface="+mn-lt"/>
+                <a:ea typeface="+mn-ea"/>
+                <a:cs typeface="+mn-cs"/>
+              </a:defRPr>
+            </a:lvl3pPr>
+            <a:lvl4pPr marL="3200400" indent="-457200" algn="l" defTabSz="1828800" rtl="0" eaLnBrk="1" latinLnBrk="0" hangingPunct="1">
+              <a:lnSpc>
+                <a:spcPct val="90000"/>
+              </a:lnSpc>
+              <a:spcBef>
+                <a:spcPts val="1000"/>
+              </a:spcBef>
+              <a:buFont typeface="Arial" panose="020B0604020202020204" pitchFamily="34" charset="0"/>
+              <a:buChar char="•"/>
+              <a:defRPr kumimoji="1" sz="3600" kern="1200">
+                <a:solidFill>
+                  <a:schemeClr val="tx1"/>
+                </a:solidFill>
+                <a:latin typeface="+mn-lt"/>
+                <a:ea typeface="+mn-ea"/>
+                <a:cs typeface="+mn-cs"/>
+              </a:defRPr>
+            </a:lvl4pPr>
+            <a:lvl5pPr marL="4114800" indent="-457200" algn="l" defTabSz="1828800" rtl="0" eaLnBrk="1" latinLnBrk="0" hangingPunct="1">
+              <a:lnSpc>
+                <a:spcPct val="90000"/>
+              </a:lnSpc>
+              <a:spcBef>
+                <a:spcPts val="1000"/>
+              </a:spcBef>
+              <a:buFont typeface="Arial" panose="020B0604020202020204" pitchFamily="34" charset="0"/>
+              <a:buChar char="•"/>
+              <a:defRPr kumimoji="1" sz="3600" kern="1200">
+                <a:solidFill>
+                  <a:schemeClr val="tx1"/>
+                </a:solidFill>
+                <a:latin typeface="+mn-lt"/>
+                <a:ea typeface="+mn-ea"/>
+                <a:cs typeface="+mn-cs"/>
+              </a:defRPr>
+            </a:lvl5pPr>
+            <a:lvl6pPr marL="5029200" indent="-457200" algn="l" defTabSz="1828800" rtl="0" eaLnBrk="1" latinLnBrk="0" hangingPunct="1">
+              <a:lnSpc>
+                <a:spcPct val="90000"/>
+              </a:lnSpc>
+              <a:spcBef>
+                <a:spcPts val="1000"/>
+              </a:spcBef>
+              <a:buFont typeface="Arial" panose="020B0604020202020204" pitchFamily="34" charset="0"/>
+              <a:buChar char="•"/>
+              <a:defRPr kumimoji="1" sz="3600" kern="1200">
+                <a:solidFill>
+                  <a:schemeClr val="tx1"/>
+                </a:solidFill>
+                <a:latin typeface="+mn-lt"/>
+                <a:ea typeface="+mn-ea"/>
+                <a:cs typeface="+mn-cs"/>
+              </a:defRPr>
+            </a:lvl6pPr>
+            <a:lvl7pPr marL="5943600" indent="-457200" algn="l" defTabSz="1828800" rtl="0" eaLnBrk="1" latinLnBrk="0" hangingPunct="1">
+              <a:lnSpc>
+                <a:spcPct val="90000"/>
+              </a:lnSpc>
+              <a:spcBef>
+                <a:spcPts val="1000"/>
+              </a:spcBef>
+              <a:buFont typeface="Arial" panose="020B0604020202020204" pitchFamily="34" charset="0"/>
+              <a:buChar char="•"/>
+              <a:defRPr kumimoji="1" sz="3600" kern="1200">
+                <a:solidFill>
+                  <a:schemeClr val="tx1"/>
+                </a:solidFill>
+                <a:latin typeface="+mn-lt"/>
+                <a:ea typeface="+mn-ea"/>
+                <a:cs typeface="+mn-cs"/>
+              </a:defRPr>
+            </a:lvl7pPr>
+            <a:lvl8pPr marL="6858000" indent="-457200" algn="l" defTabSz="1828800" rtl="0" eaLnBrk="1" latinLnBrk="0" hangingPunct="1">
+              <a:lnSpc>
+                <a:spcPct val="90000"/>
+              </a:lnSpc>
+              <a:spcBef>
+                <a:spcPts val="1000"/>
+              </a:spcBef>
+              <a:buFont typeface="Arial" panose="020B0604020202020204" pitchFamily="34" charset="0"/>
+              <a:buChar char="•"/>
+              <a:defRPr kumimoji="1" sz="3600" kern="1200">
+                <a:solidFill>
+                  <a:schemeClr val="tx1"/>
+                </a:solidFill>
+                <a:latin typeface="+mn-lt"/>
+                <a:ea typeface="+mn-ea"/>
+                <a:cs typeface="+mn-cs"/>
+              </a:defRPr>
+            </a:lvl8pPr>
+            <a:lvl9pPr marL="7772400" indent="-457200" algn="l" defTabSz="1828800" rtl="0" eaLnBrk="1" latinLnBrk="0" hangingPunct="1">
+              <a:lnSpc>
+                <a:spcPct val="90000"/>
+              </a:lnSpc>
+              <a:spcBef>
+                <a:spcPts val="1000"/>
+              </a:spcBef>
+              <a:buFont typeface="Arial" panose="020B0604020202020204" pitchFamily="34" charset="0"/>
+              <a:buChar char="•"/>
+              <a:defRPr kumimoji="1" sz="3600" kern="1200">
+                <a:solidFill>
+                  <a:schemeClr val="tx1"/>
+                </a:solidFill>
+                <a:latin typeface="+mn-lt"/>
+                <a:ea typeface="+mn-ea"/>
+                <a:cs typeface="+mn-cs"/>
+              </a:defRPr>
+            </a:lvl9pPr>
+          </a:lstStyle>
+          <a:p>
+            <a:r>
+              <a:rPr lang="ja-JP" altLang="en-US"/>
+              <a:t>レベル</a:t>
+            </a:r>
+            <a:r>
+              <a:rPr lang="en-US" altLang="ja-JP" dirty="0"/>
+              <a:t>2</a:t>
+            </a:r>
+            <a:endParaRPr lang="ja-JP" altLang="en-US"/>
+          </a:p>
+        </p:txBody>
+      </p:sp>
+      <p:sp>
+        <p:nvSpPr>
+          <p:cNvPr id="15" name="テキスト プレースホルダー 29">
+            <a:extLst>
+              <a:ext uri="{FF2B5EF4-FFF2-40B4-BE49-F238E27FC236}">
+                <a16:creationId xmlns:a16="http://schemas.microsoft.com/office/drawing/2014/main" id="{CB58614A-1654-914F-BCB1-634026832709}"/>
+              </a:ext>
+            </a:extLst>
+          </p:cNvPr>
+          <p:cNvSpPr txBox="1">
+            <a:spLocks/>
+          </p:cNvSpPr>
+          <p:nvPr/>
+        </p:nvSpPr>
+        <p:spPr>
+          <a:xfrm>
+            <a:off x="1568600" y="3246502"/>
+            <a:ext cx="16135964" cy="853994"/>
+          </a:xfrm>
+          <a:prstGeom prst="rect">
+            <a:avLst/>
+          </a:prstGeom>
+        </p:spPr>
+        <p:txBody>
+          <a:bodyPr>
+            <a:normAutofit/>
+          </a:bodyPr>
+          <a:lstStyle>
+            <a:lvl1pPr marL="0" indent="0" algn="l" defTabSz="1828800" rtl="0" eaLnBrk="1" latinLnBrk="0" hangingPunct="1">
+              <a:lnSpc>
+                <a:spcPct val="90000"/>
+              </a:lnSpc>
+              <a:spcBef>
+                <a:spcPts val="2000"/>
+              </a:spcBef>
+              <a:buFont typeface="Arial" panose="020B0604020202020204" pitchFamily="34" charset="0"/>
+              <a:buNone/>
+              <a:defRPr kumimoji="1" sz="4000" kern="1200">
+                <a:solidFill>
+                  <a:srgbClr val="424242"/>
+                </a:solidFill>
+                <a:latin typeface="+mn-lt"/>
+                <a:ea typeface="+mn-ea"/>
+                <a:cs typeface="+mn-cs"/>
+              </a:defRPr>
+            </a:lvl1pPr>
+            <a:lvl2pPr marL="1371600" indent="-457200" algn="l" defTabSz="1828800" rtl="0" eaLnBrk="1" latinLnBrk="0" hangingPunct="1">
+              <a:lnSpc>
+                <a:spcPct val="90000"/>
+              </a:lnSpc>
+              <a:spcBef>
+                <a:spcPts val="1000"/>
+              </a:spcBef>
+              <a:buFont typeface="Arial" panose="020B0604020202020204" pitchFamily="34" charset="0"/>
+              <a:buChar char="•"/>
+              <a:defRPr kumimoji="1" sz="4800" kern="1200">
+                <a:solidFill>
+                  <a:schemeClr val="tx1"/>
+                </a:solidFill>
+                <a:latin typeface="+mn-lt"/>
+                <a:ea typeface="+mn-ea"/>
+                <a:cs typeface="+mn-cs"/>
+              </a:defRPr>
+            </a:lvl2pPr>
+            <a:lvl3pPr marL="2286000" indent="-457200" algn="l" defTabSz="1828800" rtl="0" eaLnBrk="1" latinLnBrk="0" hangingPunct="1">
+              <a:lnSpc>
+                <a:spcPct val="90000"/>
+              </a:lnSpc>
+              <a:spcBef>
+                <a:spcPts val="1000"/>
+              </a:spcBef>
+              <a:buFont typeface="Arial" panose="020B0604020202020204" pitchFamily="34" charset="0"/>
+              <a:buChar char="•"/>
+              <a:defRPr kumimoji="1" sz="4000" kern="1200">
+                <a:solidFill>
+                  <a:schemeClr val="tx1"/>
+                </a:solidFill>
+                <a:latin typeface="+mn-lt"/>
+                <a:ea typeface="+mn-ea"/>
+                <a:cs typeface="+mn-cs"/>
+              </a:defRPr>
+            </a:lvl3pPr>
+            <a:lvl4pPr marL="3200400" indent="-457200" algn="l" defTabSz="1828800" rtl="0" eaLnBrk="1" latinLnBrk="0" hangingPunct="1">
+              <a:lnSpc>
+                <a:spcPct val="90000"/>
+              </a:lnSpc>
+              <a:spcBef>
+                <a:spcPts val="1000"/>
+              </a:spcBef>
+              <a:buFont typeface="Arial" panose="020B0604020202020204" pitchFamily="34" charset="0"/>
+              <a:buChar char="•"/>
+              <a:defRPr kumimoji="1" sz="3600" kern="1200">
+                <a:solidFill>
+                  <a:schemeClr val="tx1"/>
+                </a:solidFill>
+                <a:latin typeface="+mn-lt"/>
+                <a:ea typeface="+mn-ea"/>
+                <a:cs typeface="+mn-cs"/>
+              </a:defRPr>
+            </a:lvl4pPr>
+            <a:lvl5pPr marL="4114800" indent="-457200" algn="l" defTabSz="1828800" rtl="0" eaLnBrk="1" latinLnBrk="0" hangingPunct="1">
+              <a:lnSpc>
+                <a:spcPct val="90000"/>
+              </a:lnSpc>
+              <a:spcBef>
+                <a:spcPts val="1000"/>
+              </a:spcBef>
+              <a:buFont typeface="Arial" panose="020B0604020202020204" pitchFamily="34" charset="0"/>
+              <a:buChar char="•"/>
+              <a:defRPr kumimoji="1" sz="3600" kern="1200">
+                <a:solidFill>
+                  <a:schemeClr val="tx1"/>
+                </a:solidFill>
+                <a:latin typeface="+mn-lt"/>
+                <a:ea typeface="+mn-ea"/>
+                <a:cs typeface="+mn-cs"/>
+              </a:defRPr>
+            </a:lvl5pPr>
+            <a:lvl6pPr marL="5029200" indent="-457200" algn="l" defTabSz="1828800" rtl="0" eaLnBrk="1" latinLnBrk="0" hangingPunct="1">
+              <a:lnSpc>
+                <a:spcPct val="90000"/>
+              </a:lnSpc>
+              <a:spcBef>
+                <a:spcPts val="1000"/>
+              </a:spcBef>
+              <a:buFont typeface="Arial" panose="020B0604020202020204" pitchFamily="34" charset="0"/>
+              <a:buChar char="•"/>
+              <a:defRPr kumimoji="1" sz="3600" kern="1200">
+                <a:solidFill>
+                  <a:schemeClr val="tx1"/>
+                </a:solidFill>
+                <a:latin typeface="+mn-lt"/>
+                <a:ea typeface="+mn-ea"/>
+                <a:cs typeface="+mn-cs"/>
+              </a:defRPr>
+            </a:lvl6pPr>
+            <a:lvl7pPr marL="5943600" indent="-457200" algn="l" defTabSz="1828800" rtl="0" eaLnBrk="1" latinLnBrk="0" hangingPunct="1">
+              <a:lnSpc>
+                <a:spcPct val="90000"/>
+              </a:lnSpc>
+              <a:spcBef>
+                <a:spcPts val="1000"/>
+              </a:spcBef>
+              <a:buFont typeface="Arial" panose="020B0604020202020204" pitchFamily="34" charset="0"/>
+              <a:buChar char="•"/>
+              <a:defRPr kumimoji="1" sz="3600" kern="1200">
+                <a:solidFill>
+                  <a:schemeClr val="tx1"/>
+                </a:solidFill>
+                <a:latin typeface="+mn-lt"/>
+                <a:ea typeface="+mn-ea"/>
+                <a:cs typeface="+mn-cs"/>
+              </a:defRPr>
+            </a:lvl7pPr>
+            <a:lvl8pPr marL="6858000" indent="-457200" algn="l" defTabSz="1828800" rtl="0" eaLnBrk="1" latinLnBrk="0" hangingPunct="1">
+              <a:lnSpc>
+                <a:spcPct val="90000"/>
+              </a:lnSpc>
+              <a:spcBef>
+                <a:spcPts val="1000"/>
+              </a:spcBef>
+              <a:buFont typeface="Arial" panose="020B0604020202020204" pitchFamily="34" charset="0"/>
+              <a:buChar char="•"/>
+              <a:defRPr kumimoji="1" sz="3600" kern="1200">
+                <a:solidFill>
+                  <a:schemeClr val="tx1"/>
+                </a:solidFill>
+                <a:latin typeface="+mn-lt"/>
+                <a:ea typeface="+mn-ea"/>
+                <a:cs typeface="+mn-cs"/>
+              </a:defRPr>
+            </a:lvl8pPr>
+            <a:lvl9pPr marL="7772400" indent="-457200" algn="l" defTabSz="1828800" rtl="0" eaLnBrk="1" latinLnBrk="0" hangingPunct="1">
+              <a:lnSpc>
+                <a:spcPct val="90000"/>
+              </a:lnSpc>
+              <a:spcBef>
+                <a:spcPts val="1000"/>
+              </a:spcBef>
+              <a:buFont typeface="Arial" panose="020B0604020202020204" pitchFamily="34" charset="0"/>
+              <a:buChar char="•"/>
+              <a:defRPr kumimoji="1" sz="3600" kern="1200">
+                <a:solidFill>
+                  <a:schemeClr val="tx1"/>
+                </a:solidFill>
+                <a:latin typeface="+mn-lt"/>
+                <a:ea typeface="+mn-ea"/>
+                <a:cs typeface="+mn-cs"/>
+              </a:defRPr>
+            </a:lvl9pPr>
+          </a:lstStyle>
+          <a:p>
+            <a:r>
+              <a:rPr lang="ja-JP" altLang="en-US"/>
+              <a:t>レベル</a:t>
+            </a:r>
+            <a:r>
+              <a:rPr lang="en-US" altLang="ja-JP" dirty="0"/>
+              <a:t>3</a:t>
+            </a:r>
+            <a:endParaRPr lang="ja-JP" altLang="en-US"/>
+          </a:p>
+        </p:txBody>
+      </p:sp>
+      <p:sp>
+        <p:nvSpPr>
+          <p:cNvPr id="16" name="テキスト プレースホルダー 30">
+            <a:extLst>
+              <a:ext uri="{FF2B5EF4-FFF2-40B4-BE49-F238E27FC236}">
+                <a16:creationId xmlns:a16="http://schemas.microsoft.com/office/drawing/2014/main" id="{B7CFE0E6-F6B1-374A-9C53-2093FC43F6E9}"/>
+              </a:ext>
+            </a:extLst>
+          </p:cNvPr>
+          <p:cNvSpPr txBox="1">
+            <a:spLocks/>
+          </p:cNvSpPr>
+          <p:nvPr/>
+        </p:nvSpPr>
+        <p:spPr>
+          <a:xfrm>
+            <a:off x="571049" y="1583871"/>
+            <a:ext cx="17302163" cy="1403350"/>
+          </a:xfrm>
+          <a:prstGeom prst="rect">
+            <a:avLst/>
+          </a:prstGeom>
+        </p:spPr>
+        <p:txBody>
+          <a:bodyPr>
+            <a:normAutofit/>
+          </a:bodyPr>
+          <a:lstStyle>
+            <a:lvl1pPr marL="0" indent="0" algn="l" defTabSz="1828800" rtl="0" eaLnBrk="1" latinLnBrk="0" hangingPunct="1">
+              <a:lnSpc>
+                <a:spcPct val="90000"/>
+              </a:lnSpc>
+              <a:spcBef>
+                <a:spcPts val="2000"/>
+              </a:spcBef>
+              <a:buFont typeface="Arial" panose="020B0604020202020204" pitchFamily="34" charset="0"/>
+              <a:buNone/>
+              <a:defRPr kumimoji="1" sz="6000" kern="1200">
+                <a:solidFill>
+                  <a:schemeClr val="tx1"/>
+                </a:solidFill>
+                <a:latin typeface="+mn-lt"/>
+                <a:ea typeface="+mn-ea"/>
+                <a:cs typeface="+mn-cs"/>
+              </a:defRPr>
+            </a:lvl1pPr>
+            <a:lvl2pPr marL="1371600" indent="-457200" algn="l" defTabSz="1828800" rtl="0" eaLnBrk="1" latinLnBrk="0" hangingPunct="1">
+              <a:lnSpc>
+                <a:spcPct val="90000"/>
+              </a:lnSpc>
+              <a:spcBef>
+                <a:spcPts val="1000"/>
+              </a:spcBef>
+              <a:buFont typeface="Arial" panose="020B0604020202020204" pitchFamily="34" charset="0"/>
+              <a:buChar char="•"/>
+              <a:defRPr kumimoji="1" sz="4800" kern="1200">
+                <a:solidFill>
+                  <a:schemeClr val="tx1"/>
+                </a:solidFill>
+                <a:latin typeface="+mn-lt"/>
+                <a:ea typeface="+mn-ea"/>
+                <a:cs typeface="+mn-cs"/>
+              </a:defRPr>
+            </a:lvl2pPr>
+            <a:lvl3pPr marL="2286000" indent="-457200" algn="l" defTabSz="1828800" rtl="0" eaLnBrk="1" latinLnBrk="0" hangingPunct="1">
+              <a:lnSpc>
+                <a:spcPct val="90000"/>
+              </a:lnSpc>
+              <a:spcBef>
+                <a:spcPts val="1000"/>
+              </a:spcBef>
+              <a:buFont typeface="Arial" panose="020B0604020202020204" pitchFamily="34" charset="0"/>
+              <a:buChar char="•"/>
+              <a:defRPr kumimoji="1" sz="4000" kern="1200">
+                <a:solidFill>
+                  <a:schemeClr val="tx1"/>
+                </a:solidFill>
+                <a:latin typeface="+mn-lt"/>
+                <a:ea typeface="+mn-ea"/>
+                <a:cs typeface="+mn-cs"/>
+              </a:defRPr>
+            </a:lvl3pPr>
+            <a:lvl4pPr marL="3200400" indent="-457200" algn="l" defTabSz="1828800" rtl="0" eaLnBrk="1" latinLnBrk="0" hangingPunct="1">
+              <a:lnSpc>
+                <a:spcPct val="90000"/>
+              </a:lnSpc>
+              <a:spcBef>
+                <a:spcPts val="1000"/>
+              </a:spcBef>
+              <a:buFont typeface="Arial" panose="020B0604020202020204" pitchFamily="34" charset="0"/>
+              <a:buChar char="•"/>
+              <a:defRPr kumimoji="1" sz="3600" kern="1200">
+                <a:solidFill>
+                  <a:schemeClr val="tx1"/>
+                </a:solidFill>
+                <a:latin typeface="+mn-lt"/>
+                <a:ea typeface="+mn-ea"/>
+                <a:cs typeface="+mn-cs"/>
+              </a:defRPr>
+            </a:lvl4pPr>
+            <a:lvl5pPr marL="4114800" indent="-457200" algn="l" defTabSz="1828800" rtl="0" eaLnBrk="1" latinLnBrk="0" hangingPunct="1">
+              <a:lnSpc>
+                <a:spcPct val="90000"/>
+              </a:lnSpc>
+              <a:spcBef>
+                <a:spcPts val="1000"/>
+              </a:spcBef>
+              <a:buFont typeface="Arial" panose="020B0604020202020204" pitchFamily="34" charset="0"/>
+              <a:buChar char="•"/>
+              <a:defRPr kumimoji="1" sz="3600" kern="1200">
+                <a:solidFill>
+                  <a:schemeClr val="tx1"/>
+                </a:solidFill>
+                <a:latin typeface="+mn-lt"/>
+                <a:ea typeface="+mn-ea"/>
+                <a:cs typeface="+mn-cs"/>
+              </a:defRPr>
+            </a:lvl5pPr>
+            <a:lvl6pPr marL="5029200" indent="-457200" algn="l" defTabSz="1828800" rtl="0" eaLnBrk="1" latinLnBrk="0" hangingPunct="1">
+              <a:lnSpc>
+                <a:spcPct val="90000"/>
+              </a:lnSpc>
+              <a:spcBef>
+                <a:spcPts val="1000"/>
+              </a:spcBef>
+              <a:buFont typeface="Arial" panose="020B0604020202020204" pitchFamily="34" charset="0"/>
+              <a:buChar char="•"/>
+              <a:defRPr kumimoji="1" sz="3600" kern="1200">
+                <a:solidFill>
+                  <a:schemeClr val="tx1"/>
+                </a:solidFill>
+                <a:latin typeface="+mn-lt"/>
+                <a:ea typeface="+mn-ea"/>
+                <a:cs typeface="+mn-cs"/>
+              </a:defRPr>
+            </a:lvl6pPr>
+            <a:lvl7pPr marL="5943600" indent="-457200" algn="l" defTabSz="1828800" rtl="0" eaLnBrk="1" latinLnBrk="0" hangingPunct="1">
+              <a:lnSpc>
+                <a:spcPct val="90000"/>
+              </a:lnSpc>
+              <a:spcBef>
+                <a:spcPts val="1000"/>
+              </a:spcBef>
+              <a:buFont typeface="Arial" panose="020B0604020202020204" pitchFamily="34" charset="0"/>
+              <a:buChar char="•"/>
+              <a:defRPr kumimoji="1" sz="3600" kern="1200">
+                <a:solidFill>
+                  <a:schemeClr val="tx1"/>
+                </a:solidFill>
+                <a:latin typeface="+mn-lt"/>
+                <a:ea typeface="+mn-ea"/>
+                <a:cs typeface="+mn-cs"/>
+              </a:defRPr>
+            </a:lvl7pPr>
+            <a:lvl8pPr marL="6858000" indent="-457200" algn="l" defTabSz="1828800" rtl="0" eaLnBrk="1" latinLnBrk="0" hangingPunct="1">
+              <a:lnSpc>
+                <a:spcPct val="90000"/>
+              </a:lnSpc>
+              <a:spcBef>
+                <a:spcPts val="1000"/>
+              </a:spcBef>
+              <a:buFont typeface="Arial" panose="020B0604020202020204" pitchFamily="34" charset="0"/>
+              <a:buChar char="•"/>
+              <a:defRPr kumimoji="1" sz="3600" kern="1200">
+                <a:solidFill>
+                  <a:schemeClr val="tx1"/>
+                </a:solidFill>
+                <a:latin typeface="+mn-lt"/>
+                <a:ea typeface="+mn-ea"/>
+                <a:cs typeface="+mn-cs"/>
+              </a:defRPr>
+            </a:lvl8pPr>
+            <a:lvl9pPr marL="7772400" indent="-457200" algn="l" defTabSz="1828800" rtl="0" eaLnBrk="1" latinLnBrk="0" hangingPunct="1">
+              <a:lnSpc>
+                <a:spcPct val="90000"/>
+              </a:lnSpc>
+              <a:spcBef>
+                <a:spcPts val="1000"/>
+              </a:spcBef>
+              <a:buFont typeface="Arial" panose="020B0604020202020204" pitchFamily="34" charset="0"/>
+              <a:buChar char="•"/>
+              <a:defRPr kumimoji="1" sz="3600" kern="1200">
+                <a:solidFill>
+                  <a:schemeClr val="tx1"/>
+                </a:solidFill>
+                <a:latin typeface="+mn-lt"/>
+                <a:ea typeface="+mn-ea"/>
+                <a:cs typeface="+mn-cs"/>
+              </a:defRPr>
+            </a:lvl9pPr>
+          </a:lstStyle>
+          <a:p>
+            <a:r>
+              <a:rPr lang="ja-JP" altLang="en-US"/>
+              <a:t>背景</a:t>
+            </a:r>
+          </a:p>
+        </p:txBody>
+      </p:sp>
+    </p:spTree>
+    <p:extLst>
+      <p:ext uri="{BB962C8B-B14F-4D97-AF65-F5344CB8AC3E}">
+        <p14:creationId xmlns:p14="http://schemas.microsoft.com/office/powerpoint/2010/main" val="1467729171"/>
+      </p:ext>
+    </p:extLst>
+  </p:cSld>
+  <p:clrMapOvr>
+    <a:masterClrMapping/>
+  </p:clrMapOvr>
+</p:sld>
+</file>
+
+<file path=ppt/slides/slide20.xml><?xml version="1.0" encoding="utf-8"?>
 <p:sld xmlns:a="http://schemas.openxmlformats.org/drawingml/2006/main" xmlns:r="http://schemas.openxmlformats.org/officeDocument/2006/relationships" xmlns:p="http://schemas.openxmlformats.org/presentationml/2006/main">
   <p:cSld>
     <p:spTree>
@@ -25883,7 +31009,7 @@
             <a:fld id="{89242BC1-393D-1248-985B-18DA624F2964}" type="slidenum">
               <a:rPr lang="ja-JP" altLang="en-US" smtClean="0"/>
               <a:pPr/>
-              <a:t>18</a:t>
+              <a:t>20</a:t>
             </a:fld>
             <a:endParaRPr lang="ja-JP" altLang="en-US"/>
           </a:p>
@@ -25912,7 +31038,7 @@
           <a:p>
             <a:r>
               <a:rPr kumimoji="1" lang="en-US" altLang="ja-JP" dirty="0"/>
-              <a:t>3</a:t>
+              <a:t>5</a:t>
             </a:r>
             <a:endParaRPr kumimoji="1" lang="ja-JP" altLang="en-US"/>
           </a:p>
@@ -26878,7 +32004,7 @@
 </p:sld>
 </file>
 
-<file path=ppt/slides/slide19.xml><?xml version="1.0" encoding="utf-8"?>
+<file path=ppt/slides/slide21.xml><?xml version="1.0" encoding="utf-8"?>
 <p:sld xmlns:a="http://schemas.openxmlformats.org/drawingml/2006/main" xmlns:r="http://schemas.openxmlformats.org/officeDocument/2006/relationships" xmlns:p="http://schemas.openxmlformats.org/presentationml/2006/main" show="0">
   <p:cSld>
     <p:spTree>
@@ -27874,1099 +33000,6 @@
     <p:extLst>
       <p:ext uri="{BB962C8B-B14F-4D97-AF65-F5344CB8AC3E}">
         <p14:creationId xmlns:p14="http://schemas.microsoft.com/office/powerpoint/2010/main" val="2204332774"/>
-      </p:ext>
-    </p:extLst>
-  </p:cSld>
-  <p:clrMapOvr>
-    <a:masterClrMapping/>
-  </p:clrMapOvr>
-</p:sld>
-</file>
-
-<file path=ppt/slides/slide2.xml><?xml version="1.0" encoding="utf-8"?>
-<p:sld xmlns:a="http://schemas.openxmlformats.org/drawingml/2006/main" xmlns:r="http://schemas.openxmlformats.org/officeDocument/2006/relationships" xmlns:p="http://schemas.openxmlformats.org/presentationml/2006/main">
-  <p:cSld>
-    <p:spTree>
-      <p:nvGrpSpPr>
-        <p:cNvPr id="1" name=""/>
-        <p:cNvGrpSpPr/>
-        <p:nvPr/>
-      </p:nvGrpSpPr>
-      <p:grpSpPr>
-        <a:xfrm>
-          <a:off x="0" y="0"/>
-          <a:ext cx="0" cy="0"/>
-          <a:chOff x="0" y="0"/>
-          <a:chExt cx="0" cy="0"/>
-        </a:xfrm>
-      </p:grpSpPr>
-      <p:sp>
-        <p:nvSpPr>
-          <p:cNvPr id="2" name="日付プレースホルダー 1">
-            <a:extLst>
-              <a:ext uri="{FF2B5EF4-FFF2-40B4-BE49-F238E27FC236}">
-                <a16:creationId xmlns:a16="http://schemas.microsoft.com/office/drawing/2014/main" id="{9A3628AA-5FBA-534C-B3C4-2DB73F7968C2}"/>
-              </a:ext>
-            </a:extLst>
-          </p:cNvPr>
-          <p:cNvSpPr>
-            <a:spLocks noGrp="1"/>
-          </p:cNvSpPr>
-          <p:nvPr>
-            <p:ph type="dt" sz="half" idx="10"/>
-          </p:nvPr>
-        </p:nvSpPr>
-        <p:spPr/>
-        <p:txBody>
-          <a:bodyPr/>
-          <a:lstStyle/>
-          <a:p>
-            <a:fld id="{2716A096-282C-054E-93D6-6FCA6F3CFD24}" type="datetime1">
-              <a:rPr lang="ja-JP" altLang="en-US" smtClean="0"/>
-              <a:t>2018/5/2</a:t>
-            </a:fld>
-            <a:endParaRPr lang="ja-JP" altLang="en-US"/>
-          </a:p>
-        </p:txBody>
-      </p:sp>
-      <p:sp>
-        <p:nvSpPr>
-          <p:cNvPr id="3" name="フッター プレースホルダー 2">
-            <a:extLst>
-              <a:ext uri="{FF2B5EF4-FFF2-40B4-BE49-F238E27FC236}">
-                <a16:creationId xmlns:a16="http://schemas.microsoft.com/office/drawing/2014/main" id="{98D8000A-67DE-B846-8AE0-A91C6FD8ECBB}"/>
-              </a:ext>
-            </a:extLst>
-          </p:cNvPr>
-          <p:cNvSpPr>
-            <a:spLocks noGrp="1"/>
-          </p:cNvSpPr>
-          <p:nvPr>
-            <p:ph type="ftr" sz="quarter" idx="11"/>
-          </p:nvPr>
-        </p:nvSpPr>
-        <p:spPr/>
-        <p:txBody>
-          <a:bodyPr/>
-          <a:lstStyle/>
-          <a:p>
-            <a:r>
-              <a:rPr lang="ja-JP" altLang="en-US"/>
-              <a:t>文献講読発表</a:t>
-            </a:r>
-            <a:r>
-              <a:rPr lang="en-US" altLang="ja-JP"/>
-              <a:t>(2018.04.25)</a:t>
-            </a:r>
-            <a:endParaRPr lang="ja-JP" altLang="en-US"/>
-          </a:p>
-        </p:txBody>
-      </p:sp>
-      <p:sp>
-        <p:nvSpPr>
-          <p:cNvPr id="4" name="スライド番号プレースホルダー 3">
-            <a:extLst>
-              <a:ext uri="{FF2B5EF4-FFF2-40B4-BE49-F238E27FC236}">
-                <a16:creationId xmlns:a16="http://schemas.microsoft.com/office/drawing/2014/main" id="{5241896A-DBD1-D845-A5F2-1904C1003E91}"/>
-              </a:ext>
-            </a:extLst>
-          </p:cNvPr>
-          <p:cNvSpPr>
-            <a:spLocks noGrp="1"/>
-          </p:cNvSpPr>
-          <p:nvPr>
-            <p:ph type="sldNum" sz="quarter" idx="12"/>
-          </p:nvPr>
-        </p:nvSpPr>
-        <p:spPr/>
-        <p:txBody>
-          <a:bodyPr/>
-          <a:lstStyle/>
-          <a:p>
-            <a:fld id="{89242BC1-393D-1248-985B-18DA624F2964}" type="slidenum">
-              <a:rPr lang="ja-JP" altLang="en-US" smtClean="0"/>
-              <a:pPr/>
-              <a:t>2</a:t>
-            </a:fld>
-            <a:endParaRPr lang="ja-JP" altLang="en-US"/>
-          </a:p>
-        </p:txBody>
-      </p:sp>
-      <p:sp>
-        <p:nvSpPr>
-          <p:cNvPr id="5" name="テキスト プレースホルダー 4">
-            <a:extLst>
-              <a:ext uri="{FF2B5EF4-FFF2-40B4-BE49-F238E27FC236}">
-                <a16:creationId xmlns:a16="http://schemas.microsoft.com/office/drawing/2014/main" id="{9F22905A-C42A-1845-B4C2-9D8885E87338}"/>
-              </a:ext>
-            </a:extLst>
-          </p:cNvPr>
-          <p:cNvSpPr>
-            <a:spLocks noGrp="1"/>
-          </p:cNvSpPr>
-          <p:nvPr>
-            <p:ph type="body" sz="quarter" idx="13"/>
-          </p:nvPr>
-        </p:nvSpPr>
-        <p:spPr/>
-        <p:txBody>
-          <a:bodyPr/>
-          <a:lstStyle/>
-          <a:p>
-            <a:r>
-              <a:rPr kumimoji="1" lang="en-US" altLang="ja-JP" dirty="0"/>
-              <a:t>1</a:t>
-            </a:r>
-            <a:endParaRPr kumimoji="1" lang="ja-JP" altLang="en-US"/>
-          </a:p>
-        </p:txBody>
-      </p:sp>
-      <p:sp>
-        <p:nvSpPr>
-          <p:cNvPr id="6" name="テキスト プレースホルダー 5">
-            <a:extLst>
-              <a:ext uri="{FF2B5EF4-FFF2-40B4-BE49-F238E27FC236}">
-                <a16:creationId xmlns:a16="http://schemas.microsoft.com/office/drawing/2014/main" id="{A72A944A-0DD6-C246-AA6A-153A95866A6D}"/>
-              </a:ext>
-            </a:extLst>
-          </p:cNvPr>
-          <p:cNvSpPr>
-            <a:spLocks noGrp="1"/>
-          </p:cNvSpPr>
-          <p:nvPr>
-            <p:ph type="body" sz="quarter" idx="14"/>
-          </p:nvPr>
-        </p:nvSpPr>
-        <p:spPr/>
-        <p:txBody>
-          <a:bodyPr/>
-          <a:lstStyle/>
-          <a:p>
-            <a:r>
-              <a:rPr lang="ja-JP" altLang="en-US"/>
-              <a:t>はじめに</a:t>
-            </a:r>
-            <a:endParaRPr kumimoji="1" lang="ja-JP" altLang="en-US"/>
-          </a:p>
-        </p:txBody>
-      </p:sp>
-      <p:grpSp>
-        <p:nvGrpSpPr>
-          <p:cNvPr id="7" name="グループ化 6">
-            <a:extLst>
-              <a:ext uri="{FF2B5EF4-FFF2-40B4-BE49-F238E27FC236}">
-                <a16:creationId xmlns:a16="http://schemas.microsoft.com/office/drawing/2014/main" id="{574E7AC4-0E50-8D4A-8968-2C2A9D916ADE}"/>
-              </a:ext>
-            </a:extLst>
-          </p:cNvPr>
-          <p:cNvGrpSpPr/>
-          <p:nvPr/>
-        </p:nvGrpSpPr>
-        <p:grpSpPr>
-          <a:xfrm>
-            <a:off x="289330" y="1413298"/>
-            <a:ext cx="2160000" cy="934436"/>
-            <a:chOff x="144665" y="525617"/>
-            <a:chExt cx="1080000" cy="467218"/>
-          </a:xfrm>
-        </p:grpSpPr>
-        <p:sp>
-          <p:nvSpPr>
-            <p:cNvPr id="8" name="正方形/長方形 7">
-              <a:extLst>
-                <a:ext uri="{FF2B5EF4-FFF2-40B4-BE49-F238E27FC236}">
-                  <a16:creationId xmlns:a16="http://schemas.microsoft.com/office/drawing/2014/main" id="{2B3F120B-64CB-EB47-B9A8-9A8AFBA36AC9}"/>
-                </a:ext>
-              </a:extLst>
-            </p:cNvPr>
-            <p:cNvSpPr/>
-            <p:nvPr userDrawn="1"/>
-          </p:nvSpPr>
-          <p:spPr>
-            <a:xfrm>
-              <a:off x="145524" y="542424"/>
-              <a:ext cx="91081" cy="450411"/>
-            </a:xfrm>
-            <a:prstGeom prst="rect">
-              <a:avLst/>
-            </a:prstGeom>
-            <a:solidFill>
-              <a:schemeClr val="accent1"/>
-            </a:solidFill>
-            <a:ln>
-              <a:noFill/>
-            </a:ln>
-          </p:spPr>
-          <p:style>
-            <a:lnRef idx="2">
-              <a:schemeClr val="accent1">
-                <a:shade val="50000"/>
-              </a:schemeClr>
-            </a:lnRef>
-            <a:fillRef idx="1">
-              <a:schemeClr val="accent1"/>
-            </a:fillRef>
-            <a:effectRef idx="0">
-              <a:schemeClr val="accent1"/>
-            </a:effectRef>
-            <a:fontRef idx="minor">
-              <a:schemeClr val="lt1"/>
-            </a:fontRef>
-          </p:style>
-          <p:txBody>
-            <a:bodyPr rot="0" spcFirstLastPara="0" vertOverflow="overflow" horzOverflow="overflow" vert="horz" wrap="square" lIns="68580" tIns="34290" rIns="68580" bIns="34290" numCol="1" spcCol="0" rtlCol="0" fromWordArt="0" anchor="ctr" anchorCtr="0" forceAA="0" compatLnSpc="1">
-              <a:prstTxWarp prst="textNoShape">
-                <a:avLst/>
-              </a:prstTxWarp>
-              <a:noAutofit/>
-            </a:bodyPr>
-            <a:lstStyle/>
-            <a:p>
-              <a:pPr algn="ctr"/>
-              <a:endParaRPr kumimoji="1" lang="ja-JP" altLang="en-US" sz="2700"/>
-            </a:p>
-          </p:txBody>
-        </p:sp>
-        <p:sp>
-          <p:nvSpPr>
-            <p:cNvPr id="9" name="正方形/長方形 8">
-              <a:extLst>
-                <a:ext uri="{FF2B5EF4-FFF2-40B4-BE49-F238E27FC236}">
-                  <a16:creationId xmlns:a16="http://schemas.microsoft.com/office/drawing/2014/main" id="{5105ED84-5CDD-FF47-B6D4-96E29099F211}"/>
-                </a:ext>
-              </a:extLst>
-            </p:cNvPr>
-            <p:cNvSpPr/>
-            <p:nvPr userDrawn="1"/>
-          </p:nvSpPr>
-          <p:spPr>
-            <a:xfrm>
-              <a:off x="144665" y="525617"/>
-              <a:ext cx="1080000" cy="16137"/>
-            </a:xfrm>
-            <a:prstGeom prst="rect">
-              <a:avLst/>
-            </a:prstGeom>
-            <a:solidFill>
-              <a:schemeClr val="accent1"/>
-            </a:solidFill>
-            <a:ln>
-              <a:noFill/>
-            </a:ln>
-          </p:spPr>
-          <p:style>
-            <a:lnRef idx="2">
-              <a:schemeClr val="accent1">
-                <a:shade val="50000"/>
-              </a:schemeClr>
-            </a:lnRef>
-            <a:fillRef idx="1">
-              <a:schemeClr val="accent1"/>
-            </a:fillRef>
-            <a:effectRef idx="0">
-              <a:schemeClr val="accent1"/>
-            </a:effectRef>
-            <a:fontRef idx="minor">
-              <a:schemeClr val="lt1"/>
-            </a:fontRef>
-          </p:style>
-          <p:txBody>
-            <a:bodyPr rot="0" spcFirstLastPara="0" vertOverflow="overflow" horzOverflow="overflow" vert="horz" wrap="square" lIns="68580" tIns="34290" rIns="68580" bIns="34290" numCol="1" spcCol="0" rtlCol="0" fromWordArt="0" anchor="ctr" anchorCtr="0" forceAA="0" compatLnSpc="1">
-              <a:prstTxWarp prst="textNoShape">
-                <a:avLst/>
-              </a:prstTxWarp>
-              <a:noAutofit/>
-            </a:bodyPr>
-            <a:lstStyle/>
-            <a:p>
-              <a:pPr algn="ctr"/>
-              <a:endParaRPr kumimoji="1" lang="ja-JP" altLang="en-US" sz="2700"/>
-            </a:p>
-          </p:txBody>
-        </p:sp>
-      </p:grpSp>
-      <p:grpSp>
-        <p:nvGrpSpPr>
-          <p:cNvPr id="10" name="グループ化 9">
-            <a:extLst>
-              <a:ext uri="{FF2B5EF4-FFF2-40B4-BE49-F238E27FC236}">
-                <a16:creationId xmlns:a16="http://schemas.microsoft.com/office/drawing/2014/main" id="{B2E76881-65E2-5241-B689-FEE316A34AA0}"/>
-              </a:ext>
-            </a:extLst>
-          </p:cNvPr>
-          <p:cNvGrpSpPr/>
-          <p:nvPr/>
-        </p:nvGrpSpPr>
-        <p:grpSpPr>
-          <a:xfrm>
-            <a:off x="617232" y="2557358"/>
-            <a:ext cx="539448" cy="487368"/>
-            <a:chOff x="400056" y="1061560"/>
-            <a:chExt cx="269724" cy="243684"/>
-          </a:xfrm>
-        </p:grpSpPr>
-        <p:sp>
-          <p:nvSpPr>
-            <p:cNvPr id="11" name="三角形 10">
-              <a:extLst>
-                <a:ext uri="{FF2B5EF4-FFF2-40B4-BE49-F238E27FC236}">
-                  <a16:creationId xmlns:a16="http://schemas.microsoft.com/office/drawing/2014/main" id="{16494B89-A6B9-3341-BB17-E86727ADCC2D}"/>
-                </a:ext>
-              </a:extLst>
-            </p:cNvPr>
-            <p:cNvSpPr/>
-            <p:nvPr userDrawn="1"/>
-          </p:nvSpPr>
-          <p:spPr>
-            <a:xfrm rot="5400000">
-              <a:off x="359835" y="1105015"/>
-              <a:ext cx="240450" cy="160008"/>
-            </a:xfrm>
-            <a:prstGeom prst="triangle">
-              <a:avLst/>
-            </a:prstGeom>
-            <a:solidFill>
-              <a:schemeClr val="accent1"/>
-            </a:solidFill>
-            <a:ln>
-              <a:noFill/>
-            </a:ln>
-          </p:spPr>
-          <p:style>
-            <a:lnRef idx="0">
-              <a:scrgbClr r="0" g="0" b="0"/>
-            </a:lnRef>
-            <a:fillRef idx="0">
-              <a:scrgbClr r="0" g="0" b="0"/>
-            </a:fillRef>
-            <a:effectRef idx="0">
-              <a:scrgbClr r="0" g="0" b="0"/>
-            </a:effectRef>
-            <a:fontRef idx="minor">
-              <a:schemeClr val="lt1"/>
-            </a:fontRef>
-          </p:style>
-          <p:txBody>
-            <a:bodyPr rtlCol="0" anchor="ctr"/>
-            <a:lstStyle/>
-            <a:p>
-              <a:pPr algn="ctr"/>
-              <a:endParaRPr kumimoji="1" lang="ja-JP" altLang="en-US" sz="7200"/>
-            </a:p>
-          </p:txBody>
-        </p:sp>
-        <p:sp>
-          <p:nvSpPr>
-            <p:cNvPr id="12" name="三角形 11">
-              <a:extLst>
-                <a:ext uri="{FF2B5EF4-FFF2-40B4-BE49-F238E27FC236}">
-                  <a16:creationId xmlns:a16="http://schemas.microsoft.com/office/drawing/2014/main" id="{E9F14F16-B830-5844-836E-439A243BF053}"/>
-                </a:ext>
-              </a:extLst>
-            </p:cNvPr>
-            <p:cNvSpPr/>
-            <p:nvPr userDrawn="1"/>
-          </p:nvSpPr>
-          <p:spPr>
-            <a:xfrm rot="5400000">
-              <a:off x="469551" y="1101781"/>
-              <a:ext cx="240450" cy="160008"/>
-            </a:xfrm>
-            <a:prstGeom prst="triangle">
-              <a:avLst/>
-            </a:prstGeom>
-            <a:solidFill>
-              <a:schemeClr val="accent1"/>
-            </a:solidFill>
-            <a:ln>
-              <a:noFill/>
-            </a:ln>
-          </p:spPr>
-          <p:style>
-            <a:lnRef idx="0">
-              <a:scrgbClr r="0" g="0" b="0"/>
-            </a:lnRef>
-            <a:fillRef idx="0">
-              <a:scrgbClr r="0" g="0" b="0"/>
-            </a:fillRef>
-            <a:effectRef idx="0">
-              <a:scrgbClr r="0" g="0" b="0"/>
-            </a:effectRef>
-            <a:fontRef idx="minor">
-              <a:schemeClr val="lt1"/>
-            </a:fontRef>
-          </p:style>
-          <p:txBody>
-            <a:bodyPr rtlCol="0" anchor="ctr"/>
-            <a:lstStyle/>
-            <a:p>
-              <a:pPr algn="ctr"/>
-              <a:endParaRPr kumimoji="1" lang="ja-JP" altLang="en-US" sz="7200"/>
-            </a:p>
-          </p:txBody>
-        </p:sp>
-      </p:grpSp>
-      <p:sp>
-        <p:nvSpPr>
-          <p:cNvPr id="13" name="三角形 12">
-            <a:extLst>
-              <a:ext uri="{FF2B5EF4-FFF2-40B4-BE49-F238E27FC236}">
-                <a16:creationId xmlns:a16="http://schemas.microsoft.com/office/drawing/2014/main" id="{70948973-0136-5542-BB52-6B4EB28156FB}"/>
-              </a:ext>
-            </a:extLst>
-          </p:cNvPr>
-          <p:cNvSpPr/>
-          <p:nvPr/>
-        </p:nvSpPr>
-        <p:spPr>
-          <a:xfrm rot="5400000">
-            <a:off x="1076238" y="3361776"/>
-            <a:ext cx="480900" cy="320016"/>
-          </a:xfrm>
-          <a:prstGeom prst="triangle">
-            <a:avLst/>
-          </a:prstGeom>
-          <a:solidFill>
-            <a:schemeClr val="accent1"/>
-          </a:solidFill>
-          <a:ln>
-            <a:noFill/>
-          </a:ln>
-        </p:spPr>
-        <p:style>
-          <a:lnRef idx="0">
-            <a:scrgbClr r="0" g="0" b="0"/>
-          </a:lnRef>
-          <a:fillRef idx="0">
-            <a:scrgbClr r="0" g="0" b="0"/>
-          </a:fillRef>
-          <a:effectRef idx="0">
-            <a:scrgbClr r="0" g="0" b="0"/>
-          </a:effectRef>
-          <a:fontRef idx="minor">
-            <a:schemeClr val="lt1"/>
-          </a:fontRef>
-        </p:style>
-        <p:txBody>
-          <a:bodyPr rtlCol="0" anchor="ctr"/>
-          <a:lstStyle/>
-          <a:p>
-            <a:pPr algn="ctr"/>
-            <a:endParaRPr kumimoji="1" lang="ja-JP" altLang="en-US" sz="7200"/>
-          </a:p>
-        </p:txBody>
-      </p:sp>
-      <p:sp>
-        <p:nvSpPr>
-          <p:cNvPr id="14" name="テキスト プレースホルダー 27">
-            <a:extLst>
-              <a:ext uri="{FF2B5EF4-FFF2-40B4-BE49-F238E27FC236}">
-                <a16:creationId xmlns:a16="http://schemas.microsoft.com/office/drawing/2014/main" id="{EBEDB96F-C6A2-A640-8292-2C80CBAFD729}"/>
-              </a:ext>
-            </a:extLst>
-          </p:cNvPr>
-          <p:cNvSpPr txBox="1">
-            <a:spLocks/>
-          </p:cNvSpPr>
-          <p:nvPr/>
-        </p:nvSpPr>
-        <p:spPr>
-          <a:xfrm>
-            <a:off x="1254486" y="2484733"/>
-            <a:ext cx="16632960" cy="997834"/>
-          </a:xfrm>
-          <a:prstGeom prst="rect">
-            <a:avLst/>
-          </a:prstGeom>
-        </p:spPr>
-        <p:txBody>
-          <a:bodyPr>
-            <a:normAutofit/>
-          </a:bodyPr>
-          <a:lstStyle>
-            <a:lvl1pPr marL="0" indent="0" algn="l" defTabSz="1828800" rtl="0" eaLnBrk="1" latinLnBrk="0" hangingPunct="1">
-              <a:lnSpc>
-                <a:spcPct val="90000"/>
-              </a:lnSpc>
-              <a:spcBef>
-                <a:spcPts val="2000"/>
-              </a:spcBef>
-              <a:buFont typeface="Arial" panose="020B0604020202020204" pitchFamily="34" charset="0"/>
-              <a:buNone/>
-              <a:defRPr kumimoji="1" sz="4800" kern="1200">
-                <a:solidFill>
-                  <a:srgbClr val="424242"/>
-                </a:solidFill>
-                <a:latin typeface="+mn-lt"/>
-                <a:ea typeface="+mn-ea"/>
-                <a:cs typeface="+mn-cs"/>
-              </a:defRPr>
-            </a:lvl1pPr>
-            <a:lvl2pPr marL="1371600" indent="-457200" algn="l" defTabSz="1828800" rtl="0" eaLnBrk="1" latinLnBrk="0" hangingPunct="1">
-              <a:lnSpc>
-                <a:spcPct val="90000"/>
-              </a:lnSpc>
-              <a:spcBef>
-                <a:spcPts val="1000"/>
-              </a:spcBef>
-              <a:buFont typeface="Arial" panose="020B0604020202020204" pitchFamily="34" charset="0"/>
-              <a:buChar char="•"/>
-              <a:defRPr kumimoji="1" sz="4800" kern="1200">
-                <a:solidFill>
-                  <a:schemeClr val="tx1"/>
-                </a:solidFill>
-                <a:latin typeface="+mn-lt"/>
-                <a:ea typeface="+mn-ea"/>
-                <a:cs typeface="+mn-cs"/>
-              </a:defRPr>
-            </a:lvl2pPr>
-            <a:lvl3pPr marL="2286000" indent="-457200" algn="l" defTabSz="1828800" rtl="0" eaLnBrk="1" latinLnBrk="0" hangingPunct="1">
-              <a:lnSpc>
-                <a:spcPct val="90000"/>
-              </a:lnSpc>
-              <a:spcBef>
-                <a:spcPts val="1000"/>
-              </a:spcBef>
-              <a:buFont typeface="Arial" panose="020B0604020202020204" pitchFamily="34" charset="0"/>
-              <a:buChar char="•"/>
-              <a:defRPr kumimoji="1" sz="4000" kern="1200">
-                <a:solidFill>
-                  <a:schemeClr val="tx1"/>
-                </a:solidFill>
-                <a:latin typeface="+mn-lt"/>
-                <a:ea typeface="+mn-ea"/>
-                <a:cs typeface="+mn-cs"/>
-              </a:defRPr>
-            </a:lvl3pPr>
-            <a:lvl4pPr marL="3200400" indent="-457200" algn="l" defTabSz="1828800" rtl="0" eaLnBrk="1" latinLnBrk="0" hangingPunct="1">
-              <a:lnSpc>
-                <a:spcPct val="90000"/>
-              </a:lnSpc>
-              <a:spcBef>
-                <a:spcPts val="1000"/>
-              </a:spcBef>
-              <a:buFont typeface="Arial" panose="020B0604020202020204" pitchFamily="34" charset="0"/>
-              <a:buChar char="•"/>
-              <a:defRPr kumimoji="1" sz="3600" kern="1200">
-                <a:solidFill>
-                  <a:schemeClr val="tx1"/>
-                </a:solidFill>
-                <a:latin typeface="+mn-lt"/>
-                <a:ea typeface="+mn-ea"/>
-                <a:cs typeface="+mn-cs"/>
-              </a:defRPr>
-            </a:lvl4pPr>
-            <a:lvl5pPr marL="4114800" indent="-457200" algn="l" defTabSz="1828800" rtl="0" eaLnBrk="1" latinLnBrk="0" hangingPunct="1">
-              <a:lnSpc>
-                <a:spcPct val="90000"/>
-              </a:lnSpc>
-              <a:spcBef>
-                <a:spcPts val="1000"/>
-              </a:spcBef>
-              <a:buFont typeface="Arial" panose="020B0604020202020204" pitchFamily="34" charset="0"/>
-              <a:buChar char="•"/>
-              <a:defRPr kumimoji="1" sz="3600" kern="1200">
-                <a:solidFill>
-                  <a:schemeClr val="tx1"/>
-                </a:solidFill>
-                <a:latin typeface="+mn-lt"/>
-                <a:ea typeface="+mn-ea"/>
-                <a:cs typeface="+mn-cs"/>
-              </a:defRPr>
-            </a:lvl5pPr>
-            <a:lvl6pPr marL="5029200" indent="-457200" algn="l" defTabSz="1828800" rtl="0" eaLnBrk="1" latinLnBrk="0" hangingPunct="1">
-              <a:lnSpc>
-                <a:spcPct val="90000"/>
-              </a:lnSpc>
-              <a:spcBef>
-                <a:spcPts val="1000"/>
-              </a:spcBef>
-              <a:buFont typeface="Arial" panose="020B0604020202020204" pitchFamily="34" charset="0"/>
-              <a:buChar char="•"/>
-              <a:defRPr kumimoji="1" sz="3600" kern="1200">
-                <a:solidFill>
-                  <a:schemeClr val="tx1"/>
-                </a:solidFill>
-                <a:latin typeface="+mn-lt"/>
-                <a:ea typeface="+mn-ea"/>
-                <a:cs typeface="+mn-cs"/>
-              </a:defRPr>
-            </a:lvl6pPr>
-            <a:lvl7pPr marL="5943600" indent="-457200" algn="l" defTabSz="1828800" rtl="0" eaLnBrk="1" latinLnBrk="0" hangingPunct="1">
-              <a:lnSpc>
-                <a:spcPct val="90000"/>
-              </a:lnSpc>
-              <a:spcBef>
-                <a:spcPts val="1000"/>
-              </a:spcBef>
-              <a:buFont typeface="Arial" panose="020B0604020202020204" pitchFamily="34" charset="0"/>
-              <a:buChar char="•"/>
-              <a:defRPr kumimoji="1" sz="3600" kern="1200">
-                <a:solidFill>
-                  <a:schemeClr val="tx1"/>
-                </a:solidFill>
-                <a:latin typeface="+mn-lt"/>
-                <a:ea typeface="+mn-ea"/>
-                <a:cs typeface="+mn-cs"/>
-              </a:defRPr>
-            </a:lvl7pPr>
-            <a:lvl8pPr marL="6858000" indent="-457200" algn="l" defTabSz="1828800" rtl="0" eaLnBrk="1" latinLnBrk="0" hangingPunct="1">
-              <a:lnSpc>
-                <a:spcPct val="90000"/>
-              </a:lnSpc>
-              <a:spcBef>
-                <a:spcPts val="1000"/>
-              </a:spcBef>
-              <a:buFont typeface="Arial" panose="020B0604020202020204" pitchFamily="34" charset="0"/>
-              <a:buChar char="•"/>
-              <a:defRPr kumimoji="1" sz="3600" kern="1200">
-                <a:solidFill>
-                  <a:schemeClr val="tx1"/>
-                </a:solidFill>
-                <a:latin typeface="+mn-lt"/>
-                <a:ea typeface="+mn-ea"/>
-                <a:cs typeface="+mn-cs"/>
-              </a:defRPr>
-            </a:lvl8pPr>
-            <a:lvl9pPr marL="7772400" indent="-457200" algn="l" defTabSz="1828800" rtl="0" eaLnBrk="1" latinLnBrk="0" hangingPunct="1">
-              <a:lnSpc>
-                <a:spcPct val="90000"/>
-              </a:lnSpc>
-              <a:spcBef>
-                <a:spcPts val="1000"/>
-              </a:spcBef>
-              <a:buFont typeface="Arial" panose="020B0604020202020204" pitchFamily="34" charset="0"/>
-              <a:buChar char="•"/>
-              <a:defRPr kumimoji="1" sz="3600" kern="1200">
-                <a:solidFill>
-                  <a:schemeClr val="tx1"/>
-                </a:solidFill>
-                <a:latin typeface="+mn-lt"/>
-                <a:ea typeface="+mn-ea"/>
-                <a:cs typeface="+mn-cs"/>
-              </a:defRPr>
-            </a:lvl9pPr>
-          </a:lstStyle>
-          <a:p>
-            <a:r>
-              <a:rPr lang="ja-JP" altLang="en-US"/>
-              <a:t>レベル</a:t>
-            </a:r>
-            <a:r>
-              <a:rPr lang="en-US" altLang="ja-JP" dirty="0"/>
-              <a:t>2</a:t>
-            </a:r>
-            <a:endParaRPr lang="ja-JP" altLang="en-US"/>
-          </a:p>
-        </p:txBody>
-      </p:sp>
-      <p:sp>
-        <p:nvSpPr>
-          <p:cNvPr id="15" name="テキスト プレースホルダー 29">
-            <a:extLst>
-              <a:ext uri="{FF2B5EF4-FFF2-40B4-BE49-F238E27FC236}">
-                <a16:creationId xmlns:a16="http://schemas.microsoft.com/office/drawing/2014/main" id="{CB58614A-1654-914F-BCB1-634026832709}"/>
-              </a:ext>
-            </a:extLst>
-          </p:cNvPr>
-          <p:cNvSpPr txBox="1">
-            <a:spLocks/>
-          </p:cNvSpPr>
-          <p:nvPr/>
-        </p:nvSpPr>
-        <p:spPr>
-          <a:xfrm>
-            <a:off x="1568600" y="3246502"/>
-            <a:ext cx="16135964" cy="853994"/>
-          </a:xfrm>
-          <a:prstGeom prst="rect">
-            <a:avLst/>
-          </a:prstGeom>
-        </p:spPr>
-        <p:txBody>
-          <a:bodyPr>
-            <a:normAutofit/>
-          </a:bodyPr>
-          <a:lstStyle>
-            <a:lvl1pPr marL="0" indent="0" algn="l" defTabSz="1828800" rtl="0" eaLnBrk="1" latinLnBrk="0" hangingPunct="1">
-              <a:lnSpc>
-                <a:spcPct val="90000"/>
-              </a:lnSpc>
-              <a:spcBef>
-                <a:spcPts val="2000"/>
-              </a:spcBef>
-              <a:buFont typeface="Arial" panose="020B0604020202020204" pitchFamily="34" charset="0"/>
-              <a:buNone/>
-              <a:defRPr kumimoji="1" sz="4000" kern="1200">
-                <a:solidFill>
-                  <a:srgbClr val="424242"/>
-                </a:solidFill>
-                <a:latin typeface="+mn-lt"/>
-                <a:ea typeface="+mn-ea"/>
-                <a:cs typeface="+mn-cs"/>
-              </a:defRPr>
-            </a:lvl1pPr>
-            <a:lvl2pPr marL="1371600" indent="-457200" algn="l" defTabSz="1828800" rtl="0" eaLnBrk="1" latinLnBrk="0" hangingPunct="1">
-              <a:lnSpc>
-                <a:spcPct val="90000"/>
-              </a:lnSpc>
-              <a:spcBef>
-                <a:spcPts val="1000"/>
-              </a:spcBef>
-              <a:buFont typeface="Arial" panose="020B0604020202020204" pitchFamily="34" charset="0"/>
-              <a:buChar char="•"/>
-              <a:defRPr kumimoji="1" sz="4800" kern="1200">
-                <a:solidFill>
-                  <a:schemeClr val="tx1"/>
-                </a:solidFill>
-                <a:latin typeface="+mn-lt"/>
-                <a:ea typeface="+mn-ea"/>
-                <a:cs typeface="+mn-cs"/>
-              </a:defRPr>
-            </a:lvl2pPr>
-            <a:lvl3pPr marL="2286000" indent="-457200" algn="l" defTabSz="1828800" rtl="0" eaLnBrk="1" latinLnBrk="0" hangingPunct="1">
-              <a:lnSpc>
-                <a:spcPct val="90000"/>
-              </a:lnSpc>
-              <a:spcBef>
-                <a:spcPts val="1000"/>
-              </a:spcBef>
-              <a:buFont typeface="Arial" panose="020B0604020202020204" pitchFamily="34" charset="0"/>
-              <a:buChar char="•"/>
-              <a:defRPr kumimoji="1" sz="4000" kern="1200">
-                <a:solidFill>
-                  <a:schemeClr val="tx1"/>
-                </a:solidFill>
-                <a:latin typeface="+mn-lt"/>
-                <a:ea typeface="+mn-ea"/>
-                <a:cs typeface="+mn-cs"/>
-              </a:defRPr>
-            </a:lvl3pPr>
-            <a:lvl4pPr marL="3200400" indent="-457200" algn="l" defTabSz="1828800" rtl="0" eaLnBrk="1" latinLnBrk="0" hangingPunct="1">
-              <a:lnSpc>
-                <a:spcPct val="90000"/>
-              </a:lnSpc>
-              <a:spcBef>
-                <a:spcPts val="1000"/>
-              </a:spcBef>
-              <a:buFont typeface="Arial" panose="020B0604020202020204" pitchFamily="34" charset="0"/>
-              <a:buChar char="•"/>
-              <a:defRPr kumimoji="1" sz="3600" kern="1200">
-                <a:solidFill>
-                  <a:schemeClr val="tx1"/>
-                </a:solidFill>
-                <a:latin typeface="+mn-lt"/>
-                <a:ea typeface="+mn-ea"/>
-                <a:cs typeface="+mn-cs"/>
-              </a:defRPr>
-            </a:lvl4pPr>
-            <a:lvl5pPr marL="4114800" indent="-457200" algn="l" defTabSz="1828800" rtl="0" eaLnBrk="1" latinLnBrk="0" hangingPunct="1">
-              <a:lnSpc>
-                <a:spcPct val="90000"/>
-              </a:lnSpc>
-              <a:spcBef>
-                <a:spcPts val="1000"/>
-              </a:spcBef>
-              <a:buFont typeface="Arial" panose="020B0604020202020204" pitchFamily="34" charset="0"/>
-              <a:buChar char="•"/>
-              <a:defRPr kumimoji="1" sz="3600" kern="1200">
-                <a:solidFill>
-                  <a:schemeClr val="tx1"/>
-                </a:solidFill>
-                <a:latin typeface="+mn-lt"/>
-                <a:ea typeface="+mn-ea"/>
-                <a:cs typeface="+mn-cs"/>
-              </a:defRPr>
-            </a:lvl5pPr>
-            <a:lvl6pPr marL="5029200" indent="-457200" algn="l" defTabSz="1828800" rtl="0" eaLnBrk="1" latinLnBrk="0" hangingPunct="1">
-              <a:lnSpc>
-                <a:spcPct val="90000"/>
-              </a:lnSpc>
-              <a:spcBef>
-                <a:spcPts val="1000"/>
-              </a:spcBef>
-              <a:buFont typeface="Arial" panose="020B0604020202020204" pitchFamily="34" charset="0"/>
-              <a:buChar char="•"/>
-              <a:defRPr kumimoji="1" sz="3600" kern="1200">
-                <a:solidFill>
-                  <a:schemeClr val="tx1"/>
-                </a:solidFill>
-                <a:latin typeface="+mn-lt"/>
-                <a:ea typeface="+mn-ea"/>
-                <a:cs typeface="+mn-cs"/>
-              </a:defRPr>
-            </a:lvl6pPr>
-            <a:lvl7pPr marL="5943600" indent="-457200" algn="l" defTabSz="1828800" rtl="0" eaLnBrk="1" latinLnBrk="0" hangingPunct="1">
-              <a:lnSpc>
-                <a:spcPct val="90000"/>
-              </a:lnSpc>
-              <a:spcBef>
-                <a:spcPts val="1000"/>
-              </a:spcBef>
-              <a:buFont typeface="Arial" panose="020B0604020202020204" pitchFamily="34" charset="0"/>
-              <a:buChar char="•"/>
-              <a:defRPr kumimoji="1" sz="3600" kern="1200">
-                <a:solidFill>
-                  <a:schemeClr val="tx1"/>
-                </a:solidFill>
-                <a:latin typeface="+mn-lt"/>
-                <a:ea typeface="+mn-ea"/>
-                <a:cs typeface="+mn-cs"/>
-              </a:defRPr>
-            </a:lvl7pPr>
-            <a:lvl8pPr marL="6858000" indent="-457200" algn="l" defTabSz="1828800" rtl="0" eaLnBrk="1" latinLnBrk="0" hangingPunct="1">
-              <a:lnSpc>
-                <a:spcPct val="90000"/>
-              </a:lnSpc>
-              <a:spcBef>
-                <a:spcPts val="1000"/>
-              </a:spcBef>
-              <a:buFont typeface="Arial" panose="020B0604020202020204" pitchFamily="34" charset="0"/>
-              <a:buChar char="•"/>
-              <a:defRPr kumimoji="1" sz="3600" kern="1200">
-                <a:solidFill>
-                  <a:schemeClr val="tx1"/>
-                </a:solidFill>
-                <a:latin typeface="+mn-lt"/>
-                <a:ea typeface="+mn-ea"/>
-                <a:cs typeface="+mn-cs"/>
-              </a:defRPr>
-            </a:lvl8pPr>
-            <a:lvl9pPr marL="7772400" indent="-457200" algn="l" defTabSz="1828800" rtl="0" eaLnBrk="1" latinLnBrk="0" hangingPunct="1">
-              <a:lnSpc>
-                <a:spcPct val="90000"/>
-              </a:lnSpc>
-              <a:spcBef>
-                <a:spcPts val="1000"/>
-              </a:spcBef>
-              <a:buFont typeface="Arial" panose="020B0604020202020204" pitchFamily="34" charset="0"/>
-              <a:buChar char="•"/>
-              <a:defRPr kumimoji="1" sz="3600" kern="1200">
-                <a:solidFill>
-                  <a:schemeClr val="tx1"/>
-                </a:solidFill>
-                <a:latin typeface="+mn-lt"/>
-                <a:ea typeface="+mn-ea"/>
-                <a:cs typeface="+mn-cs"/>
-              </a:defRPr>
-            </a:lvl9pPr>
-          </a:lstStyle>
-          <a:p>
-            <a:r>
-              <a:rPr lang="ja-JP" altLang="en-US"/>
-              <a:t>レベル</a:t>
-            </a:r>
-            <a:r>
-              <a:rPr lang="en-US" altLang="ja-JP" dirty="0"/>
-              <a:t>3</a:t>
-            </a:r>
-            <a:endParaRPr lang="ja-JP" altLang="en-US"/>
-          </a:p>
-        </p:txBody>
-      </p:sp>
-      <p:sp>
-        <p:nvSpPr>
-          <p:cNvPr id="16" name="テキスト プレースホルダー 30">
-            <a:extLst>
-              <a:ext uri="{FF2B5EF4-FFF2-40B4-BE49-F238E27FC236}">
-                <a16:creationId xmlns:a16="http://schemas.microsoft.com/office/drawing/2014/main" id="{B7CFE0E6-F6B1-374A-9C53-2093FC43F6E9}"/>
-              </a:ext>
-            </a:extLst>
-          </p:cNvPr>
-          <p:cNvSpPr txBox="1">
-            <a:spLocks/>
-          </p:cNvSpPr>
-          <p:nvPr/>
-        </p:nvSpPr>
-        <p:spPr>
-          <a:xfrm>
-            <a:off x="571049" y="1583871"/>
-            <a:ext cx="17302163" cy="1403350"/>
-          </a:xfrm>
-          <a:prstGeom prst="rect">
-            <a:avLst/>
-          </a:prstGeom>
-        </p:spPr>
-        <p:txBody>
-          <a:bodyPr>
-            <a:normAutofit/>
-          </a:bodyPr>
-          <a:lstStyle>
-            <a:lvl1pPr marL="0" indent="0" algn="l" defTabSz="1828800" rtl="0" eaLnBrk="1" latinLnBrk="0" hangingPunct="1">
-              <a:lnSpc>
-                <a:spcPct val="90000"/>
-              </a:lnSpc>
-              <a:spcBef>
-                <a:spcPts val="2000"/>
-              </a:spcBef>
-              <a:buFont typeface="Arial" panose="020B0604020202020204" pitchFamily="34" charset="0"/>
-              <a:buNone/>
-              <a:defRPr kumimoji="1" sz="6000" kern="1200">
-                <a:solidFill>
-                  <a:schemeClr val="tx1"/>
-                </a:solidFill>
-                <a:latin typeface="+mn-lt"/>
-                <a:ea typeface="+mn-ea"/>
-                <a:cs typeface="+mn-cs"/>
-              </a:defRPr>
-            </a:lvl1pPr>
-            <a:lvl2pPr marL="1371600" indent="-457200" algn="l" defTabSz="1828800" rtl="0" eaLnBrk="1" latinLnBrk="0" hangingPunct="1">
-              <a:lnSpc>
-                <a:spcPct val="90000"/>
-              </a:lnSpc>
-              <a:spcBef>
-                <a:spcPts val="1000"/>
-              </a:spcBef>
-              <a:buFont typeface="Arial" panose="020B0604020202020204" pitchFamily="34" charset="0"/>
-              <a:buChar char="•"/>
-              <a:defRPr kumimoji="1" sz="4800" kern="1200">
-                <a:solidFill>
-                  <a:schemeClr val="tx1"/>
-                </a:solidFill>
-                <a:latin typeface="+mn-lt"/>
-                <a:ea typeface="+mn-ea"/>
-                <a:cs typeface="+mn-cs"/>
-              </a:defRPr>
-            </a:lvl2pPr>
-            <a:lvl3pPr marL="2286000" indent="-457200" algn="l" defTabSz="1828800" rtl="0" eaLnBrk="1" latinLnBrk="0" hangingPunct="1">
-              <a:lnSpc>
-                <a:spcPct val="90000"/>
-              </a:lnSpc>
-              <a:spcBef>
-                <a:spcPts val="1000"/>
-              </a:spcBef>
-              <a:buFont typeface="Arial" panose="020B0604020202020204" pitchFamily="34" charset="0"/>
-              <a:buChar char="•"/>
-              <a:defRPr kumimoji="1" sz="4000" kern="1200">
-                <a:solidFill>
-                  <a:schemeClr val="tx1"/>
-                </a:solidFill>
-                <a:latin typeface="+mn-lt"/>
-                <a:ea typeface="+mn-ea"/>
-                <a:cs typeface="+mn-cs"/>
-              </a:defRPr>
-            </a:lvl3pPr>
-            <a:lvl4pPr marL="3200400" indent="-457200" algn="l" defTabSz="1828800" rtl="0" eaLnBrk="1" latinLnBrk="0" hangingPunct="1">
-              <a:lnSpc>
-                <a:spcPct val="90000"/>
-              </a:lnSpc>
-              <a:spcBef>
-                <a:spcPts val="1000"/>
-              </a:spcBef>
-              <a:buFont typeface="Arial" panose="020B0604020202020204" pitchFamily="34" charset="0"/>
-              <a:buChar char="•"/>
-              <a:defRPr kumimoji="1" sz="3600" kern="1200">
-                <a:solidFill>
-                  <a:schemeClr val="tx1"/>
-                </a:solidFill>
-                <a:latin typeface="+mn-lt"/>
-                <a:ea typeface="+mn-ea"/>
-                <a:cs typeface="+mn-cs"/>
-              </a:defRPr>
-            </a:lvl4pPr>
-            <a:lvl5pPr marL="4114800" indent="-457200" algn="l" defTabSz="1828800" rtl="0" eaLnBrk="1" latinLnBrk="0" hangingPunct="1">
-              <a:lnSpc>
-                <a:spcPct val="90000"/>
-              </a:lnSpc>
-              <a:spcBef>
-                <a:spcPts val="1000"/>
-              </a:spcBef>
-              <a:buFont typeface="Arial" panose="020B0604020202020204" pitchFamily="34" charset="0"/>
-              <a:buChar char="•"/>
-              <a:defRPr kumimoji="1" sz="3600" kern="1200">
-                <a:solidFill>
-                  <a:schemeClr val="tx1"/>
-                </a:solidFill>
-                <a:latin typeface="+mn-lt"/>
-                <a:ea typeface="+mn-ea"/>
-                <a:cs typeface="+mn-cs"/>
-              </a:defRPr>
-            </a:lvl5pPr>
-            <a:lvl6pPr marL="5029200" indent="-457200" algn="l" defTabSz="1828800" rtl="0" eaLnBrk="1" latinLnBrk="0" hangingPunct="1">
-              <a:lnSpc>
-                <a:spcPct val="90000"/>
-              </a:lnSpc>
-              <a:spcBef>
-                <a:spcPts val="1000"/>
-              </a:spcBef>
-              <a:buFont typeface="Arial" panose="020B0604020202020204" pitchFamily="34" charset="0"/>
-              <a:buChar char="•"/>
-              <a:defRPr kumimoji="1" sz="3600" kern="1200">
-                <a:solidFill>
-                  <a:schemeClr val="tx1"/>
-                </a:solidFill>
-                <a:latin typeface="+mn-lt"/>
-                <a:ea typeface="+mn-ea"/>
-                <a:cs typeface="+mn-cs"/>
-              </a:defRPr>
-            </a:lvl6pPr>
-            <a:lvl7pPr marL="5943600" indent="-457200" algn="l" defTabSz="1828800" rtl="0" eaLnBrk="1" latinLnBrk="0" hangingPunct="1">
-              <a:lnSpc>
-                <a:spcPct val="90000"/>
-              </a:lnSpc>
-              <a:spcBef>
-                <a:spcPts val="1000"/>
-              </a:spcBef>
-              <a:buFont typeface="Arial" panose="020B0604020202020204" pitchFamily="34" charset="0"/>
-              <a:buChar char="•"/>
-              <a:defRPr kumimoji="1" sz="3600" kern="1200">
-                <a:solidFill>
-                  <a:schemeClr val="tx1"/>
-                </a:solidFill>
-                <a:latin typeface="+mn-lt"/>
-                <a:ea typeface="+mn-ea"/>
-                <a:cs typeface="+mn-cs"/>
-              </a:defRPr>
-            </a:lvl7pPr>
-            <a:lvl8pPr marL="6858000" indent="-457200" algn="l" defTabSz="1828800" rtl="0" eaLnBrk="1" latinLnBrk="0" hangingPunct="1">
-              <a:lnSpc>
-                <a:spcPct val="90000"/>
-              </a:lnSpc>
-              <a:spcBef>
-                <a:spcPts val="1000"/>
-              </a:spcBef>
-              <a:buFont typeface="Arial" panose="020B0604020202020204" pitchFamily="34" charset="0"/>
-              <a:buChar char="•"/>
-              <a:defRPr kumimoji="1" sz="3600" kern="1200">
-                <a:solidFill>
-                  <a:schemeClr val="tx1"/>
-                </a:solidFill>
-                <a:latin typeface="+mn-lt"/>
-                <a:ea typeface="+mn-ea"/>
-                <a:cs typeface="+mn-cs"/>
-              </a:defRPr>
-            </a:lvl8pPr>
-            <a:lvl9pPr marL="7772400" indent="-457200" algn="l" defTabSz="1828800" rtl="0" eaLnBrk="1" latinLnBrk="0" hangingPunct="1">
-              <a:lnSpc>
-                <a:spcPct val="90000"/>
-              </a:lnSpc>
-              <a:spcBef>
-                <a:spcPts val="1000"/>
-              </a:spcBef>
-              <a:buFont typeface="Arial" panose="020B0604020202020204" pitchFamily="34" charset="0"/>
-              <a:buChar char="•"/>
-              <a:defRPr kumimoji="1" sz="3600" kern="1200">
-                <a:solidFill>
-                  <a:schemeClr val="tx1"/>
-                </a:solidFill>
-                <a:latin typeface="+mn-lt"/>
-                <a:ea typeface="+mn-ea"/>
-                <a:cs typeface="+mn-cs"/>
-              </a:defRPr>
-            </a:lvl9pPr>
-          </a:lstStyle>
-          <a:p>
-            <a:r>
-              <a:rPr lang="ja-JP" altLang="en-US"/>
-              <a:t>背景</a:t>
-            </a:r>
-          </a:p>
-        </p:txBody>
-      </p:sp>
-    </p:spTree>
-    <p:extLst>
-      <p:ext uri="{BB962C8B-B14F-4D97-AF65-F5344CB8AC3E}">
-        <p14:creationId xmlns:p14="http://schemas.microsoft.com/office/powerpoint/2010/main" val="1467729171"/>
       </p:ext>
     </p:extLst>
   </p:cSld>
